--- a/FalshSale.pptx
+++ b/FalshSale.pptx
@@ -521,7 +521,10 @@
           <a:bodyPr/>
           <a:lstStyle/>
           <a:p>
-            <a:endParaRPr kumimoji="1" lang="zh-CN" altLang="en-US" dirty="0"/>
+            <a:r>
+              <a:rPr kumimoji="1" lang="zh-CN" altLang="en-US" dirty="0"/>
+              <a:t>商品和类目，搜索和推荐，交易和订单，支付和结算，营销和优惠，供应链和物流，会员、买家和卖家等</a:t>
+            </a:r>
           </a:p>
         </p:txBody>
       </p:sp>
@@ -3971,7 +3974,7 @@
               <a:buChar char="u"/>
             </a:pPr>
             <a:r>
-              <a:rPr lang="en-US" sz="2000">
+              <a:rPr lang="en-US" sz="2000" dirty="0">
                 <a:solidFill>
                   <a:srgbClr val="000000"/>
                 </a:solidFill>
@@ -11014,16 +11017,12 @@
               <a:buChar char="u"/>
             </a:pPr>
             <a:r>
-              <a:rPr lang="en-US" sz="2000" dirty="0" err="1">
+              <a:rPr lang="en-US" sz="2000" dirty="0">
                 <a:latin typeface="微软雅黑"/>
                 <a:ea typeface="微软雅黑"/>
               </a:rPr>
               <a:t>课程介绍和课程目标</a:t>
             </a:r>
-            <a:endParaRPr lang="en-US" sz="2000" dirty="0">
-              <a:latin typeface="微软雅黑"/>
-              <a:ea typeface="微软雅黑"/>
-            </a:endParaRPr>
           </a:p>
         </p:txBody>
       </p:sp>
@@ -16807,7 +16806,7 @@
               <a:buChar char="u"/>
             </a:pPr>
             <a:r>
-              <a:rPr lang="en-US" sz="2000">
+              <a:rPr lang="en-US" sz="2000" dirty="0">
                 <a:solidFill>
                   <a:srgbClr val="000000"/>
                 </a:solidFill>
@@ -18781,8 +18780,8 @@
         </p:nvSpPr>
         <p:spPr>
           <a:xfrm>
-            <a:off x="578722" y="2151398"/>
-            <a:ext cx="7830988" cy="1015663"/>
+            <a:off x="578722" y="1947785"/>
+            <a:ext cx="7830988" cy="1422890"/>
           </a:xfrm>
           <a:prstGeom prst="rect">
             <a:avLst/>
@@ -18804,6 +18803,9 @@
           <a:lstStyle/>
           <a:p>
             <a:pPr marL="800100" lvl="1" indent="-342900">
+              <a:lnSpc>
+                <a:spcPct val="150000"/>
+              </a:lnSpc>
               <a:buFont typeface="Wingdings" panose="05000000000000000000" pitchFamily="2" charset="2"/>
               <a:buChar char="u"/>
             </a:pPr>
@@ -18873,7 +18875,17 @@
                 <a:latin typeface="微软雅黑" panose="020B0503020204020204" pitchFamily="34" charset="-122"/>
                 <a:ea typeface="微软雅黑" panose="020B0503020204020204" pitchFamily="34" charset="-122"/>
               </a:rPr>
-              <a:t>高可伸缩</a:t>
+              <a:t>高</a:t>
+            </a:r>
+            <a:r>
+              <a:rPr lang="zh-CN" altLang="en-US" sz="2000" dirty="0">
+                <a:solidFill>
+                  <a:srgbClr val="00B0F0"/>
+                </a:solidFill>
+                <a:latin typeface="微软雅黑" panose="020B0503020204020204" pitchFamily="34" charset="-122"/>
+                <a:ea typeface="微软雅黑" panose="020B0503020204020204" pitchFamily="34" charset="-122"/>
+              </a:rPr>
+              <a:t>一致性</a:t>
             </a:r>
             <a:r>
               <a:rPr lang="zh-CN" altLang="zh-CN" sz="2000" dirty="0">
@@ -19445,7 +19457,7 @@
         </p:blipFill>
         <p:spPr>
           <a:xfrm>
-            <a:off x="1794836" y="3253388"/>
+            <a:off x="1794836" y="3402250"/>
             <a:ext cx="1388061" cy="1285548"/>
           </a:xfrm>
           <a:prstGeom prst="rect">
@@ -19467,7 +19479,7 @@
         </p:nvSpPr>
         <p:spPr>
           <a:xfrm>
-            <a:off x="3134116" y="3326076"/>
+            <a:off x="3134116" y="3474938"/>
             <a:ext cx="4694068" cy="1011222"/>
           </a:xfrm>
           <a:prstGeom prst="roundRect">

--- a/FalshSale.pptx
+++ b/FalshSale.pptx
@@ -523,7 +523,28 @@
           <a:p>
             <a:r>
               <a:rPr kumimoji="1" lang="zh-CN" altLang="en-US" dirty="0"/>
-              <a:t>商品和类目，搜索和推荐，交易和订单，支付和结算，营销和优惠，供应链和物流，会员、买家和卖家等</a:t>
+              <a:t>这就是我们即将开始的课程，引入标题后。大家好，开始课程之前，我先进行简单的个人介绍，牛皮吹完了，我们言归正传，大家都知道</a:t>
+            </a:r>
+            <a:endParaRPr kumimoji="1" lang="en-US" altLang="zh-CN" dirty="0"/>
+          </a:p>
+          <a:p>
+            <a:r>
+              <a:rPr kumimoji="1" lang="zh-CN" altLang="en-US" dirty="0"/>
+              <a:t>电商业务：阿里，京东，拼多多，亚马逊</a:t>
+            </a:r>
+            <a:endParaRPr kumimoji="1" lang="en-US" altLang="zh-CN" dirty="0"/>
+          </a:p>
+          <a:p>
+            <a:r>
+              <a:rPr kumimoji="1" lang="zh-CN" altLang="en-US" dirty="0"/>
+              <a:t>业务规模和技术难度来说，电商系统组成：商品和类目，搜索和推荐，交易和订单，支付和结算，营销和优惠，供应链和物流，会员和权益、买家和卖家等，</a:t>
+            </a:r>
+            <a:endParaRPr kumimoji="1" lang="en-US" altLang="zh-CN" dirty="0"/>
+          </a:p>
+          <a:p>
+            <a:r>
+              <a:rPr kumimoji="1" lang="zh-CN" altLang="en-US" dirty="0"/>
+              <a:t>引入秒杀系统，一秒杀完，火车票，秒杀系统的特点</a:t>
             </a:r>
           </a:p>
         </p:txBody>
@@ -596,7 +617,34 @@
           <a:bodyPr/>
           <a:lstStyle/>
           <a:p>
-            <a:endParaRPr lang="zh-CN"/>
+            <a:r>
+              <a:rPr lang="zh-CN"/>
+              <a:t>1、路由层：LVS</a:t>
+            </a:r>
+          </a:p>
+          <a:p>
+            <a:r>
+              <a:rPr lang="zh-CN"/>
+              <a:t>2、应用层：改成 域 + 域补充丰富一点</a:t>
+            </a:r>
+          </a:p>
+          <a:p>
+            <a:r>
+              <a:rPr lang="zh-CN"/>
+              <a:t>3、参考spring cloud的系统架构图</a:t>
+            </a:r>
+          </a:p>
+          <a:p>
+            <a:r>
+              <a:rPr lang="zh-CN"/>
+              <a:t>4、补充：代理层</a:t>
+            </a:r>
+          </a:p>
+          <a:p>
+            <a:r>
+              <a:rPr lang="zh-CN"/>
+              <a:t>5、消息也是一种存储 spring.io</a:t>
+            </a:r>
           </a:p>
         </p:txBody>
       </p:sp>
@@ -684,10 +732,7 @@
           <a:bodyPr/>
           <a:lstStyle/>
           <a:p>
-            <a:r>
-              <a:rPr lang="zh-CN"/>
-              <a:t>1、去掉tb_user，替换为session的设计【done】</a:t>
-            </a:r>
+            <a:endParaRPr lang="zh-CN"/>
           </a:p>
         </p:txBody>
       </p:sp>
@@ -731,28 +776,7 @@
           <a:bodyPr/>
           <a:lstStyle/>
           <a:p>
-            <a:r>
-              <a:rPr lang="zh-CN"/>
-              <a:t>1、DB缓存的补充</a:t>
-            </a:r>
-          </a:p>
-          <a:p>
-            <a:r>
-              <a:rPr lang="zh-CN"/>
-              <a:t>2、图要想想怎么来画</a:t>
-            </a:r>
-          </a:p>
-          <a:p>
-            <a:r>
-              <a:rPr lang="zh-CN"/>
-              <a:t>3、缓存的更新、缓存的预热、缓存失效，缓存击穿、缓存雪崩 的影响</a:t>
-            </a:r>
-          </a:p>
-          <a:p>
-            <a:r>
-              <a:rPr lang="zh-CN"/>
-              <a:t>4、整体链路的缓存，从端侧、接入层、cdn、应用到db缓存</a:t>
-            </a:r>
+            <a:endParaRPr lang="zh-CN"/>
           </a:p>
         </p:txBody>
       </p:sp>
@@ -798,11 +822,8 @@
           <a:p>
             <a:r>
               <a:rPr lang="zh-CN"/>
-              <a:t>1、流程图：下单：两步校验  查询缓存和数据库  扣减库存的过程 排队优化【done】</a:t>
-            </a:r>
-          </a:p>
-          <a:p>
-            <a:endParaRPr lang="zh-CN"/>
+              <a:t>1、去掉tb_user，替换为session的设计【done】</a:t>
+            </a:r>
           </a:p>
         </p:txBody>
       </p:sp>
@@ -846,7 +867,28 @@
           <a:bodyPr/>
           <a:lstStyle/>
           <a:p>
-            <a:endParaRPr lang="zh-CN"/>
+            <a:r>
+              <a:rPr lang="zh-CN"/>
+              <a:t>1、DB缓存的补充</a:t>
+            </a:r>
+          </a:p>
+          <a:p>
+            <a:r>
+              <a:rPr lang="zh-CN"/>
+              <a:t>2、图要想想怎么来画</a:t>
+            </a:r>
+          </a:p>
+          <a:p>
+            <a:r>
+              <a:rPr lang="zh-CN"/>
+              <a:t>3、缓存的更新、缓存的预热、缓存失效，缓存击穿、缓存雪崩 的影响</a:t>
+            </a:r>
+          </a:p>
+          <a:p>
+            <a:r>
+              <a:rPr lang="zh-CN"/>
+              <a:t>4、整体链路的缓存，从端侧、接入层、cdn、应用到db缓存</a:t>
+            </a:r>
           </a:p>
         </p:txBody>
       </p:sp>
@@ -892,8 +934,11 @@
           <a:p>
             <a:r>
               <a:rPr lang="zh-CN"/>
-              <a:t>1、这个放前面，这里补充需要掌握的具体知识点和对应的资料，文档链接【done】</a:t>
-            </a:r>
+              <a:t>1、流程图：下单：两步校验  查询缓存和数据库  扣减库存的过程 排队优化【done】</a:t>
+            </a:r>
+          </a:p>
+          <a:p>
+            <a:endParaRPr lang="zh-CN"/>
           </a:p>
         </p:txBody>
       </p:sp>
@@ -937,10 +982,7 @@
           <a:bodyPr/>
           <a:lstStyle/>
           <a:p>
-            <a:r>
-              <a:rPr lang="zh-CN"/>
-              <a:t>1、这个放前面，这里补充需要掌握的具体知识点和对应的资料，文档链接【done】</a:t>
-            </a:r>
+            <a:endParaRPr lang="zh-CN"/>
           </a:p>
         </p:txBody>
       </p:sp>
@@ -986,13 +1028,7 @@
           <a:p>
             <a:r>
               <a:rPr lang="zh-CN"/>
-              <a:t>1、补充压测的理论：纯理论+BAT怎么做的</a:t>
-            </a:r>
-          </a:p>
-          <a:p>
-            <a:r>
-              <a:rPr lang="zh-CN"/>
-              <a:t>2、指标+系统环境的一致性（预发，生产）、压测模型的构造</a:t>
+              <a:t>1、这个放前面，这里补充需要掌握的具体知识点和对应的资料，文档链接【done】</a:t>
             </a:r>
           </a:p>
         </p:txBody>
@@ -1039,13 +1075,7 @@
           <a:p>
             <a:r>
               <a:rPr lang="zh-CN"/>
-              <a:t>1、压测数据的准备：影子库、影子表、怎么构造数据和清理数据、打标和标的传递（压测数据和正常数据的隔离）</a:t>
-            </a:r>
-          </a:p>
-          <a:p>
-            <a:r>
-              <a:rPr lang="zh-CN"/>
-              <a:t>2、环境的搭建</a:t>
+              <a:t>1、这个放前面，这里补充需要掌握的具体知识点和对应的资料，文档链接【done】</a:t>
             </a:r>
           </a:p>
         </p:txBody>
@@ -1103,21 +1133,23 @@
           <a:lstStyle/>
           <a:p>
             <a:r>
-              <a:rPr lang="zh-CN" altLang="en-US" dirty="0"/>
-              <a:t>主要讲解这门课程可以学到什么？</a:t>
-            </a:r>
-            <a:r>
-              <a:rPr lang="en-US" altLang="zh-CN" dirty="0" err="1"/>
-              <a:t>xmind</a:t>
-            </a:r>
-            <a:r>
-              <a:rPr lang="zh-CN" altLang="en-US" dirty="0"/>
-              <a:t>图</a:t>
-            </a:r>
-            <a:endParaRPr lang="en-US" altLang="zh-CN" dirty="0"/>
-          </a:p>
-          <a:p>
-            <a:endParaRPr lang="zh-CN" altLang="en-US" dirty="0"/>
+              <a:rPr kumimoji="1" lang="zh-CN" altLang="en-US" dirty="0"/>
+              <a:t>提前的整体视角</a:t>
+            </a:r>
+            <a:endParaRPr kumimoji="1" lang="en-US" altLang="zh-CN" dirty="0"/>
+          </a:p>
+          <a:p>
+            <a:r>
+              <a:rPr kumimoji="1" lang="zh-CN" altLang="en-US" dirty="0"/>
+              <a:t>知识体系和非入门，理解和共鸣</a:t>
+            </a:r>
+            <a:endParaRPr kumimoji="1" lang="en-US" altLang="zh-CN" dirty="0"/>
+          </a:p>
+          <a:p>
+            <a:r>
+              <a:rPr kumimoji="1" lang="zh-CN" altLang="en-US" dirty="0"/>
+              <a:t>程度，解决问题，上升台阶</a:t>
+            </a:r>
           </a:p>
         </p:txBody>
       </p:sp>
@@ -1128,7 +1160,7 @@
             <a:spLocks noGrp="1"/>
           </p:cNvSpPr>
           <p:nvPr>
-            <p:ph type="sldNum" sz="quarter" idx="10"/>
+            <p:ph type="sldNum" sz="quarter" idx="5"/>
           </p:nvPr>
         </p:nvSpPr>
         <p:spPr/>
@@ -1138,7 +1170,7 @@
           <a:p>
             <a:fld id="{1B28674F-E567-AA4B-8C16-788D7CE21C4F}" type="slidenum">
               <a:rPr lang="en-US" altLang="zh-CN" smtClean="0"/>
-              <a:t>5</a:t>
+              <a:t>3</a:t>
             </a:fld>
             <a:endParaRPr kumimoji="1" lang="zh-CN" altLang="en-US"/>
           </a:p>
@@ -1147,7 +1179,7 @@
     </p:spTree>
     <p:extLst>
       <p:ext uri="{BB962C8B-B14F-4D97-AF65-F5344CB8AC3E}">
-        <p14:creationId xmlns:p14="http://schemas.microsoft.com/office/powerpoint/2010/main" val="1400694075"/>
+        <p14:creationId xmlns:p14="http://schemas.microsoft.com/office/powerpoint/2010/main" val="193331334"/>
       </p:ext>
     </p:extLst>
   </p:cSld>
@@ -1191,19 +1223,13 @@
           <a:p>
             <a:r>
               <a:rPr lang="zh-CN"/>
-              <a:t>1、只讲述业务指标：qps rt</a:t>
+              <a:t>1、补充压测的理论：纯理论+BAT怎么做的</a:t>
             </a:r>
           </a:p>
           <a:p>
             <a:r>
               <a:rPr lang="zh-CN"/>
-              <a:t>2、参考：jmeter的最佳实现</a:t>
-            </a:r>
-          </a:p>
-          <a:p>
-            <a:r>
-              <a:rPr lang="zh-CN"/>
-              <a:t>3、demo需补充障碍</a:t>
+              <a:t>2、指标+系统环境的一致性（预发，生产）、压测模型的构造</a:t>
             </a:r>
           </a:p>
         </p:txBody>
@@ -1250,7 +1276,13 @@
           <a:p>
             <a:r>
               <a:rPr lang="zh-CN"/>
-              <a:t>1、高性能 高可用拆成两个</a:t>
+              <a:t>1、压测数据的准备：影子库、影子表、怎么构造数据和清理数据、打标和标的传递（压测数据和正常数据的隔离）</a:t>
+            </a:r>
+          </a:p>
+          <a:p>
+            <a:r>
+              <a:rPr lang="zh-CN"/>
+              <a:t>2、环境的搭建</a:t>
             </a:r>
           </a:p>
         </p:txBody>
@@ -1297,23 +1329,19 @@
           <a:p>
             <a:r>
               <a:rPr lang="zh-CN"/>
-              <a:t>针对红色的部分，举例讲解</a:t>
+              <a:t>1、只讲述业务指标：qps rt</a:t>
             </a:r>
           </a:p>
           <a:p>
             <a:r>
               <a:rPr lang="zh-CN"/>
-              <a:t>1、</a:t>
-            </a:r>
-            <a:r>
-              <a:rPr lang="zh-CN" sz="2000">
-                <a:solidFill>
-                  <a:srgbClr val="000000"/>
-                </a:solidFill>
-                <a:latin typeface="Microsoft YaHei"/>
-                <a:ea typeface="Microsoft YaHei"/>
-              </a:rPr>
-              <a:t>对强依赖进行限流，对弱依赖进行降级，对上游进行熔断</a:t>
+              <a:t>2、参考：jmeter的最佳实现</a:t>
+            </a:r>
+          </a:p>
+          <a:p>
+            <a:r>
+              <a:rPr lang="zh-CN"/>
+              <a:t>3、demo需补充障碍</a:t>
             </a:r>
           </a:p>
         </p:txBody>
@@ -1360,23 +1388,7 @@
           <a:p>
             <a:r>
               <a:rPr lang="zh-CN"/>
-              <a:t>针对红色的部分，举例讲解</a:t>
-            </a:r>
-          </a:p>
-          <a:p>
-            <a:r>
-              <a:rPr lang="zh-CN"/>
-              <a:t>1、</a:t>
-            </a:r>
-            <a:r>
-              <a:rPr lang="zh-CN" sz="2000">
-                <a:solidFill>
-                  <a:srgbClr val="000000"/>
-                </a:solidFill>
-                <a:latin typeface="Microsoft YaHei"/>
-                <a:ea typeface="Microsoft YaHei"/>
-              </a:rPr>
-              <a:t>对强依赖进行限流，对弱依赖进行降级，对上游进行熔断</a:t>
+              <a:t>1、高性能 高可用拆成两个</a:t>
             </a:r>
           </a:p>
         </p:txBody>
@@ -1486,7 +1498,23 @@
           <a:p>
             <a:r>
               <a:rPr lang="zh-CN"/>
-              <a:t>缓存击穿、缓存失效、缓存雪崩</a:t>
+              <a:t>针对红色的部分，举例讲解</a:t>
+            </a:r>
+          </a:p>
+          <a:p>
+            <a:r>
+              <a:rPr lang="zh-CN"/>
+              <a:t>1、</a:t>
+            </a:r>
+            <a:r>
+              <a:rPr lang="zh-CN" sz="2000">
+                <a:solidFill>
+                  <a:srgbClr val="000000"/>
+                </a:solidFill>
+                <a:latin typeface="Microsoft YaHei"/>
+                <a:ea typeface="Microsoft YaHei"/>
+              </a:rPr>
+              <a:t>对强依赖进行限流，对弱依赖进行降级，对上游进行熔断</a:t>
             </a:r>
           </a:p>
         </p:txBody>
@@ -1500,6 +1528,116 @@
 </file>
 
 <file path=ppt/notesSlides/notesSlide26.xml><?xml version="1.0" encoding="utf-8"?>
+<p:notes xmlns:a="http://schemas.openxmlformats.org/drawingml/2006/main" xmlns:r="http://schemas.openxmlformats.org/officeDocument/2006/relationships" xmlns:p="http://schemas.openxmlformats.org/presentationml/2006/main">
+  <p:cSld>
+    <p:spTree>
+      <p:nvGrpSpPr>
+        <p:cNvPr id="1" name=""/>
+        <p:cNvGrpSpPr/>
+        <p:nvPr/>
+      </p:nvGrpSpPr>
+      <p:grpSpPr>
+        <a:xfrm>
+          <a:off x="0" y="0"/>
+          <a:ext cx="0" cy="0"/>
+          <a:chOff x="0" y="0"/>
+          <a:chExt cx="0" cy="0"/>
+        </a:xfrm>
+      </p:grpSpPr>
+      <p:sp>
+        <p:nvSpPr>
+          <p:cNvPr id="2" name="备注占位符 1"/>
+          <p:cNvSpPr>
+            <a:spLocks noGrp="1"/>
+          </p:cNvSpPr>
+          <p:nvPr>
+            <p:ph type="body" idx="1"/>
+          </p:nvPr>
+        </p:nvSpPr>
+        <p:spPr/>
+        <p:txBody>
+          <a:bodyPr/>
+          <a:lstStyle/>
+          <a:p>
+            <a:r>
+              <a:rPr lang="zh-CN"/>
+              <a:t>针对红色的部分，举例讲解</a:t>
+            </a:r>
+          </a:p>
+          <a:p>
+            <a:r>
+              <a:rPr lang="zh-CN"/>
+              <a:t>1、</a:t>
+            </a:r>
+            <a:r>
+              <a:rPr lang="zh-CN" sz="2000">
+                <a:solidFill>
+                  <a:srgbClr val="000000"/>
+                </a:solidFill>
+                <a:latin typeface="Microsoft YaHei"/>
+                <a:ea typeface="Microsoft YaHei"/>
+              </a:rPr>
+              <a:t>对强依赖进行限流，对弱依赖进行降级，对上游进行熔断</a:t>
+            </a:r>
+          </a:p>
+        </p:txBody>
+      </p:sp>
+    </p:spTree>
+  </p:cSld>
+  <p:clrMapOvr>
+    <a:masterClrMapping/>
+  </p:clrMapOvr>
+</p:notes>
+</file>
+
+<file path=ppt/notesSlides/notesSlide27.xml><?xml version="1.0" encoding="utf-8"?>
+<p:notes xmlns:a="http://schemas.openxmlformats.org/drawingml/2006/main" xmlns:r="http://schemas.openxmlformats.org/officeDocument/2006/relationships" xmlns:p="http://schemas.openxmlformats.org/presentationml/2006/main">
+  <p:cSld>
+    <p:spTree>
+      <p:nvGrpSpPr>
+        <p:cNvPr id="1" name=""/>
+        <p:cNvGrpSpPr/>
+        <p:nvPr/>
+      </p:nvGrpSpPr>
+      <p:grpSpPr>
+        <a:xfrm>
+          <a:off x="0" y="0"/>
+          <a:ext cx="0" cy="0"/>
+          <a:chOff x="0" y="0"/>
+          <a:chExt cx="0" cy="0"/>
+        </a:xfrm>
+      </p:grpSpPr>
+      <p:sp>
+        <p:nvSpPr>
+          <p:cNvPr id="2" name="备注占位符 1"/>
+          <p:cNvSpPr>
+            <a:spLocks noGrp="1"/>
+          </p:cNvSpPr>
+          <p:nvPr>
+            <p:ph type="body" idx="1"/>
+          </p:nvPr>
+        </p:nvSpPr>
+        <p:spPr/>
+        <p:txBody>
+          <a:bodyPr/>
+          <a:lstStyle/>
+          <a:p>
+            <a:r>
+              <a:rPr lang="zh-CN"/>
+              <a:t>缓存击穿、缓存失效、缓存雪崩</a:t>
+            </a:r>
+          </a:p>
+        </p:txBody>
+      </p:sp>
+    </p:spTree>
+  </p:cSld>
+  <p:clrMapOvr>
+    <a:masterClrMapping/>
+  </p:clrMapOvr>
+</p:notes>
+</file>
+
+<file path=ppt/notesSlides/notesSlide28.xml><?xml version="1.0" encoding="utf-8"?>
 <p:notes xmlns:a="http://schemas.openxmlformats.org/drawingml/2006/main" xmlns:r="http://schemas.openxmlformats.org/officeDocument/2006/relationships" xmlns:p="http://schemas.openxmlformats.org/presentationml/2006/main">
   <p:cSld>
     <p:spTree>
@@ -1591,9 +1729,64 @@
           <a:lstStyle/>
           <a:p>
             <a:r>
-              <a:rPr lang="zh-CN" altLang="en-US" dirty="0"/>
-              <a:t>主要讲解这门课程需要哪些知识储备？</a:t>
-            </a:r>
+              <a:rPr lang="zh-CN" altLang="en-US" sz="1200" b="0" i="0" kern="1200" dirty="0">
+                <a:solidFill>
+                  <a:schemeClr val="tx1"/>
+                </a:solidFill>
+                <a:effectLst/>
+                <a:latin typeface="+mn-lt"/>
+                <a:ea typeface="+mn-ea"/>
+                <a:cs typeface="+mn-cs"/>
+              </a:rPr>
+              <a:t>双十一实战背景</a:t>
+            </a:r>
+            <a:endParaRPr lang="en-US" altLang="zh-CN" sz="1200" b="0" i="0" kern="1200" dirty="0">
+              <a:solidFill>
+                <a:schemeClr val="tx1"/>
+              </a:solidFill>
+              <a:effectLst/>
+              <a:latin typeface="+mn-lt"/>
+              <a:ea typeface="+mn-ea"/>
+              <a:cs typeface="+mn-cs"/>
+            </a:endParaRPr>
+          </a:p>
+          <a:p>
+            <a:r>
+              <a:rPr lang="zh-CN" altLang="en-US" sz="1200" b="0" i="0" kern="1200" dirty="0">
+                <a:solidFill>
+                  <a:schemeClr val="tx1"/>
+                </a:solidFill>
+                <a:effectLst/>
+                <a:latin typeface="+mn-lt"/>
+                <a:ea typeface="+mn-ea"/>
+                <a:cs typeface="+mn-cs"/>
+              </a:rPr>
+              <a:t>秒杀特点典型，完整</a:t>
+            </a:r>
+            <a:endParaRPr lang="en-US" altLang="zh-CN" sz="1200" b="0" i="0" kern="1200" dirty="0">
+              <a:solidFill>
+                <a:schemeClr val="tx1"/>
+              </a:solidFill>
+              <a:effectLst/>
+              <a:latin typeface="+mn-lt"/>
+              <a:ea typeface="+mn-ea"/>
+              <a:cs typeface="+mn-cs"/>
+            </a:endParaRPr>
+          </a:p>
+          <a:p>
+            <a:r>
+              <a:rPr lang="zh-CN" altLang="en-US" sz="1200" b="0" i="0" kern="1200" dirty="0">
+                <a:solidFill>
+                  <a:schemeClr val="tx1"/>
+                </a:solidFill>
+                <a:effectLst/>
+                <a:latin typeface="+mn-lt"/>
+                <a:ea typeface="+mn-ea"/>
+                <a:cs typeface="+mn-cs"/>
+              </a:rPr>
+              <a:t>举一反三，触类旁通，吾生也有涯，而知也无涯。以有涯随无涯，殆已！</a:t>
+            </a:r>
+            <a:endParaRPr kumimoji="1" lang="zh-CN" altLang="en-US" dirty="0"/>
           </a:p>
         </p:txBody>
       </p:sp>
@@ -1604,7 +1797,7 @@
             <a:spLocks noGrp="1"/>
           </p:cNvSpPr>
           <p:nvPr>
-            <p:ph type="sldNum" sz="quarter" idx="10"/>
+            <p:ph type="sldNum" sz="quarter" idx="5"/>
           </p:nvPr>
         </p:nvSpPr>
         <p:spPr/>
@@ -1614,7 +1807,7 @@
           <a:p>
             <a:fld id="{1B28674F-E567-AA4B-8C16-788D7CE21C4F}" type="slidenum">
               <a:rPr lang="en-US" altLang="zh-CN" smtClean="0"/>
-              <a:t>6</a:t>
+              <a:t>4</a:t>
             </a:fld>
             <a:endParaRPr kumimoji="1" lang="zh-CN" altLang="en-US"/>
           </a:p>
@@ -1623,7 +1816,7 @@
     </p:spTree>
     <p:extLst>
       <p:ext uri="{BB962C8B-B14F-4D97-AF65-F5344CB8AC3E}">
-        <p14:creationId xmlns:p14="http://schemas.microsoft.com/office/powerpoint/2010/main" val="1985618569"/>
+        <p14:creationId xmlns:p14="http://schemas.microsoft.com/office/powerpoint/2010/main" val="3752713477"/>
       </p:ext>
     </p:extLst>
   </p:cSld>
@@ -1677,21 +1870,6 @@
           <a:bodyPr/>
           <a:lstStyle/>
           <a:p>
-            <a:r>
-              <a:rPr lang="zh-CN" altLang="en-US" dirty="0"/>
-              <a:t>主要讲解这门课程可以学到什么？</a:t>
-            </a:r>
-            <a:r>
-              <a:rPr lang="en-US" altLang="zh-CN" dirty="0" err="1"/>
-              <a:t>xmind</a:t>
-            </a:r>
-            <a:r>
-              <a:rPr lang="zh-CN" altLang="en-US" dirty="0"/>
-              <a:t>图</a:t>
-            </a:r>
-            <a:endParaRPr lang="en-US" altLang="zh-CN" dirty="0"/>
-          </a:p>
-          <a:p>
             <a:endParaRPr lang="zh-CN" altLang="en-US" dirty="0"/>
           </a:p>
         </p:txBody>
@@ -1713,7 +1891,7 @@
           <a:p>
             <a:fld id="{1B28674F-E567-AA4B-8C16-788D7CE21C4F}" type="slidenum">
               <a:rPr lang="en-US" altLang="zh-CN" smtClean="0"/>
-              <a:t>7</a:t>
+              <a:t>5</a:t>
             </a:fld>
             <a:endParaRPr kumimoji="1" lang="zh-CN" altLang="en-US"/>
           </a:p>
@@ -1722,7 +1900,7 @@
     </p:spTree>
     <p:extLst>
       <p:ext uri="{BB962C8B-B14F-4D97-AF65-F5344CB8AC3E}">
-        <p14:creationId xmlns:p14="http://schemas.microsoft.com/office/powerpoint/2010/main" val="3087713006"/>
+        <p14:creationId xmlns:p14="http://schemas.microsoft.com/office/powerpoint/2010/main" val="1400694075"/>
       </p:ext>
     </p:extLst>
   </p:cSld>
@@ -1776,21 +1954,6 @@
           <a:bodyPr/>
           <a:lstStyle/>
           <a:p>
-            <a:r>
-              <a:rPr lang="zh-CN" altLang="en-US" dirty="0"/>
-              <a:t>主要讲解这门课程可以学到什么？</a:t>
-            </a:r>
-            <a:r>
-              <a:rPr lang="en-US" altLang="zh-CN" dirty="0" err="1"/>
-              <a:t>xmind</a:t>
-            </a:r>
-            <a:r>
-              <a:rPr lang="zh-CN" altLang="en-US" dirty="0"/>
-              <a:t>图</a:t>
-            </a:r>
-            <a:endParaRPr lang="en-US" altLang="zh-CN" dirty="0"/>
-          </a:p>
-          <a:p>
             <a:endParaRPr lang="zh-CN" altLang="en-US" dirty="0"/>
           </a:p>
         </p:txBody>
@@ -1812,7 +1975,7 @@
           <a:p>
             <a:fld id="{1B28674F-E567-AA4B-8C16-788D7CE21C4F}" type="slidenum">
               <a:rPr lang="en-US" altLang="zh-CN" smtClean="0"/>
-              <a:t>8</a:t>
+              <a:t>6</a:t>
             </a:fld>
             <a:endParaRPr kumimoji="1" lang="zh-CN" altLang="en-US"/>
           </a:p>
@@ -1821,7 +1984,7 @@
     </p:spTree>
     <p:extLst>
       <p:ext uri="{BB962C8B-B14F-4D97-AF65-F5344CB8AC3E}">
-        <p14:creationId xmlns:p14="http://schemas.microsoft.com/office/powerpoint/2010/main" val="906059519"/>
+        <p14:creationId xmlns:p14="http://schemas.microsoft.com/office/powerpoint/2010/main" val="1985618569"/>
       </p:ext>
     </p:extLst>
   </p:cSld>
@@ -1850,7 +2013,19 @@
       </p:grpSpPr>
       <p:sp>
         <p:nvSpPr>
-          <p:cNvPr id="2" name="备注占位符 1"/>
+          <p:cNvPr id="2" name="幻灯片图像占位符 1"/>
+          <p:cNvSpPr>
+            <a:spLocks noGrp="1" noRot="1" noChangeAspect="1"/>
+          </p:cNvSpPr>
+          <p:nvPr>
+            <p:ph type="sldImg"/>
+          </p:nvPr>
+        </p:nvSpPr>
+        <p:spPr/>
+      </p:sp>
+      <p:sp>
+        <p:nvSpPr>
+          <p:cNvPr id="3" name="备注占位符 2"/>
           <p:cNvSpPr>
             <a:spLocks noGrp="1"/>
           </p:cNvSpPr>
@@ -1863,11 +2038,39 @@
           <a:bodyPr/>
           <a:lstStyle/>
           <a:p>
-            <a:endParaRPr lang="zh-CN"/>
+            <a:endParaRPr lang="zh-CN" altLang="en-US" dirty="0"/>
+          </a:p>
+        </p:txBody>
+      </p:sp>
+      <p:sp>
+        <p:nvSpPr>
+          <p:cNvPr id="4" name="灯片编号占位符 3"/>
+          <p:cNvSpPr>
+            <a:spLocks noGrp="1"/>
+          </p:cNvSpPr>
+          <p:nvPr>
+            <p:ph type="sldNum" sz="quarter" idx="10"/>
+          </p:nvPr>
+        </p:nvSpPr>
+        <p:spPr/>
+        <p:txBody>
+          <a:bodyPr/>
+          <a:lstStyle/>
+          <a:p>
+            <a:fld id="{1B28674F-E567-AA4B-8C16-788D7CE21C4F}" type="slidenum">
+              <a:rPr lang="en-US" altLang="zh-CN" smtClean="0"/>
+              <a:t>7</a:t>
+            </a:fld>
+            <a:endParaRPr kumimoji="1" lang="zh-CN" altLang="en-US"/>
           </a:p>
         </p:txBody>
       </p:sp>
     </p:spTree>
+    <p:extLst>
+      <p:ext uri="{BB962C8B-B14F-4D97-AF65-F5344CB8AC3E}">
+        <p14:creationId xmlns:p14="http://schemas.microsoft.com/office/powerpoint/2010/main" val="3087713006"/>
+      </p:ext>
+    </p:extLst>
   </p:cSld>
   <p:clrMapOvr>
     <a:masterClrMapping/>
@@ -1894,7 +2097,19 @@
       </p:grpSpPr>
       <p:sp>
         <p:nvSpPr>
-          <p:cNvPr id="2" name="备注占位符 1"/>
+          <p:cNvPr id="2" name="幻灯片图像占位符 1"/>
+          <p:cNvSpPr>
+            <a:spLocks noGrp="1" noRot="1" noChangeAspect="1"/>
+          </p:cNvSpPr>
+          <p:nvPr>
+            <p:ph type="sldImg"/>
+          </p:nvPr>
+        </p:nvSpPr>
+        <p:spPr/>
+      </p:sp>
+      <p:sp>
+        <p:nvSpPr>
+          <p:cNvPr id="3" name="备注占位符 2"/>
           <p:cNvSpPr>
             <a:spLocks noGrp="1"/>
           </p:cNvSpPr>
@@ -1907,56 +2122,39 @@
           <a:bodyPr/>
           <a:lstStyle/>
           <a:p>
-            <a:r>
-              <a:rPr lang="zh-CN"/>
-              <a:t>1、点题：“自顶向下，分而治之”--在上一节体现了【done】</a:t>
-            </a:r>
-          </a:p>
-          <a:p>
-            <a:r>
-              <a:rPr lang="zh-CN"/>
-              <a:t>2、举个具体例子【</a:t>
-            </a:r>
-            <a:r>
-              <a:rPr lang="zh-CN" sz="1600">
-                <a:solidFill>
-                  <a:srgbClr val="4D4D4D"/>
-                </a:solidFill>
-                <a:highlight>
-                  <a:srgbClr val="FFFFFF"/>
-                </a:highlight>
-                <a:latin typeface="Microsoft YaHei"/>
-                <a:ea typeface="Microsoft YaHei"/>
-              </a:rPr>
-              <a:t>面向过程的设计理念</a:t>
-            </a:r>
-            <a:r>
-              <a:rPr lang="zh-CN"/>
-              <a:t>】比如：</a:t>
-            </a:r>
-            <a:r>
-              <a:rPr lang="zh-CN" sz="1600">
-                <a:solidFill>
-                  <a:srgbClr val="4D4D4D"/>
-                </a:solidFill>
-                <a:highlight>
-                  <a:srgbClr val="FFFFFF"/>
-                </a:highlight>
-                <a:latin typeface="Microsoft YaHei"/>
-                <a:ea typeface="Microsoft YaHei"/>
-              </a:rPr>
-              <a:t>五子棋，面向过程的设计思路就是首先分析问题的步骤：1、开始游戏，2、黑子先走，3、绘制画面，4、判断输赢，5、轮到白子，6、绘制画面，7、判断输赢，8、返回步骤2，9、输出最后结果。把上面每个步骤用不同的方法来实现。</a:t>
-            </a:r>
-          </a:p>
-          <a:p>
-            <a:r>
-              <a:rPr lang="zh-CN"/>
-              <a:t>3、分层：水平分层+垂直分层</a:t>
-            </a:r>
+            <a:endParaRPr lang="zh-CN" altLang="en-US" dirty="0"/>
+          </a:p>
+        </p:txBody>
+      </p:sp>
+      <p:sp>
+        <p:nvSpPr>
+          <p:cNvPr id="4" name="灯片编号占位符 3"/>
+          <p:cNvSpPr>
+            <a:spLocks noGrp="1"/>
+          </p:cNvSpPr>
+          <p:nvPr>
+            <p:ph type="sldNum" sz="quarter" idx="10"/>
+          </p:nvPr>
+        </p:nvSpPr>
+        <p:spPr/>
+        <p:txBody>
+          <a:bodyPr/>
+          <a:lstStyle/>
+          <a:p>
+            <a:fld id="{1B28674F-E567-AA4B-8C16-788D7CE21C4F}" type="slidenum">
+              <a:rPr lang="en-US" altLang="zh-CN" smtClean="0"/>
+              <a:t>8</a:t>
+            </a:fld>
+            <a:endParaRPr kumimoji="1" lang="zh-CN" altLang="en-US"/>
           </a:p>
         </p:txBody>
       </p:sp>
     </p:spTree>
+    <p:extLst>
+      <p:ext uri="{BB962C8B-B14F-4D97-AF65-F5344CB8AC3E}">
+        <p14:creationId xmlns:p14="http://schemas.microsoft.com/office/powerpoint/2010/main" val="906059519"/>
+      </p:ext>
+    </p:extLst>
   </p:cSld>
   <p:clrMapOvr>
     <a:masterClrMapping/>
@@ -1996,34 +2194,7 @@
           <a:bodyPr/>
           <a:lstStyle/>
           <a:p>
-            <a:r>
-              <a:rPr lang="zh-CN"/>
-              <a:t>1、路由层：LVS</a:t>
-            </a:r>
-          </a:p>
-          <a:p>
-            <a:r>
-              <a:rPr lang="zh-CN"/>
-              <a:t>2、应用层：改成 域 + 域补充丰富一点</a:t>
-            </a:r>
-          </a:p>
-          <a:p>
-            <a:r>
-              <a:rPr lang="zh-CN"/>
-              <a:t>3、参考spring cloud的系统架构图</a:t>
-            </a:r>
-          </a:p>
-          <a:p>
-            <a:r>
-              <a:rPr lang="zh-CN"/>
-              <a:t>4、补充：代理层</a:t>
-            </a:r>
-          </a:p>
-          <a:p>
-            <a:r>
-              <a:rPr lang="zh-CN"/>
-              <a:t>5、消息也是一种存储 spring.io</a:t>
-            </a:r>
+            <a:endParaRPr lang="zh-CN"/>
           </a:p>
         </p:txBody>
       </p:sp>
@@ -2067,7 +2238,52 @@
           <a:bodyPr/>
           <a:lstStyle/>
           <a:p>
-            <a:endParaRPr lang="zh-CN"/>
+            <a:r>
+              <a:rPr lang="zh-CN"/>
+              <a:t>1、点题：“自顶向下，分而治之”--在上一节体现了【done】</a:t>
+            </a:r>
+          </a:p>
+          <a:p>
+            <a:r>
+              <a:rPr lang="zh-CN"/>
+              <a:t>2、举个具体例子【</a:t>
+            </a:r>
+            <a:r>
+              <a:rPr lang="zh-CN" sz="1600">
+                <a:solidFill>
+                  <a:srgbClr val="4D4D4D"/>
+                </a:solidFill>
+                <a:highlight>
+                  <a:srgbClr val="FFFFFF"/>
+                </a:highlight>
+                <a:latin typeface="Microsoft YaHei"/>
+                <a:ea typeface="Microsoft YaHei"/>
+              </a:rPr>
+              <a:t>面向过程的设计理念</a:t>
+            </a:r>
+            <a:r>
+              <a:rPr lang="zh-CN"/>
+              <a:t>】比如：</a:t>
+            </a:r>
+            <a:r>
+              <a:rPr lang="zh-CN" sz="1600">
+                <a:solidFill>
+                  <a:srgbClr val="4D4D4D"/>
+                </a:solidFill>
+                <a:highlight>
+                  <a:srgbClr val="FFFFFF"/>
+                </a:highlight>
+                <a:latin typeface="Microsoft YaHei"/>
+                <a:ea typeface="Microsoft YaHei"/>
+              </a:rPr>
+              <a:t>五子棋，面向过程的设计思路就是首先分析问题的步骤：1、开始游戏，2、黑子先走，3、绘制画面，4、判断输赢，5、轮到白子，6、绘制画面，7、判断输赢，8、返回步骤2，9、输出最后结果。把上面每个步骤用不同的方法来实现。</a:t>
+            </a:r>
+          </a:p>
+          <a:p>
+            <a:r>
+              <a:rPr lang="zh-CN"/>
+              <a:t>3、分层：水平分层+垂直分层</a:t>
+            </a:r>
           </a:p>
         </p:txBody>
       </p:sp>
@@ -18975,7 +19191,7 @@
         </p:nvSpPr>
         <p:spPr>
           <a:xfrm>
-            <a:off x="1967344" y="2486891"/>
+            <a:off x="1967344" y="2540056"/>
             <a:ext cx="1018313" cy="332510"/>
           </a:xfrm>
           <a:prstGeom prst="flowChartAlternateProcess">
@@ -19034,7 +19250,7 @@
         </p:nvSpPr>
         <p:spPr>
           <a:xfrm>
-            <a:off x="6289965" y="2493818"/>
+            <a:off x="6289965" y="2546983"/>
             <a:ext cx="789710" cy="332510"/>
           </a:xfrm>
           <a:prstGeom prst="flowChartAlternateProcess">
@@ -19093,7 +19309,7 @@
         </p:nvSpPr>
         <p:spPr>
           <a:xfrm>
-            <a:off x="7287492" y="2486891"/>
+            <a:off x="7287492" y="2540056"/>
             <a:ext cx="789710" cy="332510"/>
           </a:xfrm>
           <a:prstGeom prst="flowChartAlternateProcess">
@@ -19152,7 +19368,7 @@
         </p:nvSpPr>
         <p:spPr>
           <a:xfrm>
-            <a:off x="1717962" y="2819401"/>
+            <a:off x="1717962" y="3000161"/>
             <a:ext cx="1018312" cy="332510"/>
           </a:xfrm>
           <a:prstGeom prst="flowChartAlternateProcess">
@@ -19452,7 +19668,7 @@
           <p:nvPr/>
         </p:nvPicPr>
         <p:blipFill>
-          <a:blip r:embed="rId2"/>
+          <a:blip r:embed="rId3"/>
           <a:stretch/>
         </p:blipFill>
         <p:spPr>
@@ -22628,7 +22844,7 @@
                                           </p:stCondLst>
                                         </p:cTn>
                                         <p:tgtEl>
-                                          <p:spTgt spid="7"/>
+                                          <p:spTgt spid="10"/>
                                         </p:tgtEl>
                                         <p:attrNameLst>
                                           <p:attrName>style.visibility</p:attrName>
@@ -22641,298 +22857,6 @@
                                     <p:anim calcmode="lin" valueType="num">
                                       <p:cBhvr additive="base">
                                         <p:cTn id="13" dur="500" fill="hold"/>
-                                        <p:tgtEl>
-                                          <p:spTgt spid="7"/>
-                                        </p:tgtEl>
-                                        <p:attrNameLst>
-                                          <p:attrName>ppt_x</p:attrName>
-                                        </p:attrNameLst>
-                                      </p:cBhvr>
-                                      <p:tavLst>
-                                        <p:tav tm="0">
-                                          <p:val>
-                                            <p:strVal val="#ppt_x"/>
-                                          </p:val>
-                                        </p:tav>
-                                        <p:tav tm="100000">
-                                          <p:val>
-                                            <p:strVal val="#ppt_x"/>
-                                          </p:val>
-                                        </p:tav>
-                                      </p:tavLst>
-                                    </p:anim>
-                                    <p:anim calcmode="lin" valueType="num">
-                                      <p:cBhvr additive="base">
-                                        <p:cTn id="14" dur="500" fill="hold"/>
-                                        <p:tgtEl>
-                                          <p:spTgt spid="7"/>
-                                        </p:tgtEl>
-                                        <p:attrNameLst>
-                                          <p:attrName>ppt_y</p:attrName>
-                                        </p:attrNameLst>
-                                      </p:cBhvr>
-                                      <p:tavLst>
-                                        <p:tav tm="0">
-                                          <p:val>
-                                            <p:strVal val="1+#ppt_h/2"/>
-                                          </p:val>
-                                        </p:tav>
-                                        <p:tav tm="100000">
-                                          <p:val>
-                                            <p:strVal val="#ppt_y"/>
-                                          </p:val>
-                                        </p:tav>
-                                      </p:tavLst>
-                                    </p:anim>
-                                  </p:childTnLst>
-                                </p:cTn>
-                              </p:par>
-                              <p:par>
-                                <p:cTn id="15" presetID="2" presetClass="entr" presetSubtype="4" fill="hold" nodeType="withEffect">
-                                  <p:stCondLst>
-                                    <p:cond delay="0"/>
-                                  </p:stCondLst>
-                                  <p:childTnLst>
-                                    <p:set>
-                                      <p:cBhvr>
-                                        <p:cTn id="16" dur="1" fill="hold">
-                                          <p:stCondLst>
-                                            <p:cond delay="0"/>
-                                          </p:stCondLst>
-                                        </p:cTn>
-                                        <p:tgtEl>
-                                          <p:spTgt spid="11"/>
-                                        </p:tgtEl>
-                                        <p:attrNameLst>
-                                          <p:attrName>style.visibility</p:attrName>
-                                        </p:attrNameLst>
-                                      </p:cBhvr>
-                                      <p:to>
-                                        <p:strVal val="visible"/>
-                                      </p:to>
-                                    </p:set>
-                                    <p:anim calcmode="lin" valueType="num">
-                                      <p:cBhvr additive="base">
-                                        <p:cTn id="17" dur="500" fill="hold"/>
-                                        <p:tgtEl>
-                                          <p:spTgt spid="11"/>
-                                        </p:tgtEl>
-                                        <p:attrNameLst>
-                                          <p:attrName>ppt_x</p:attrName>
-                                        </p:attrNameLst>
-                                      </p:cBhvr>
-                                      <p:tavLst>
-                                        <p:tav tm="0">
-                                          <p:val>
-                                            <p:strVal val="#ppt_x"/>
-                                          </p:val>
-                                        </p:tav>
-                                        <p:tav tm="100000">
-                                          <p:val>
-                                            <p:strVal val="#ppt_x"/>
-                                          </p:val>
-                                        </p:tav>
-                                      </p:tavLst>
-                                    </p:anim>
-                                    <p:anim calcmode="lin" valueType="num">
-                                      <p:cBhvr additive="base">
-                                        <p:cTn id="18" dur="500" fill="hold"/>
-                                        <p:tgtEl>
-                                          <p:spTgt spid="11"/>
-                                        </p:tgtEl>
-                                        <p:attrNameLst>
-                                          <p:attrName>ppt_y</p:attrName>
-                                        </p:attrNameLst>
-                                      </p:cBhvr>
-                                      <p:tavLst>
-                                        <p:tav tm="0">
-                                          <p:val>
-                                            <p:strVal val="1+#ppt_h/2"/>
-                                          </p:val>
-                                        </p:tav>
-                                        <p:tav tm="100000">
-                                          <p:val>
-                                            <p:strVal val="#ppt_y"/>
-                                          </p:val>
-                                        </p:tav>
-                                      </p:tavLst>
-                                    </p:anim>
-                                  </p:childTnLst>
-                                </p:cTn>
-                              </p:par>
-                              <p:par>
-                                <p:cTn id="19" presetID="2" presetClass="entr" presetSubtype="4" fill="hold" nodeType="withEffect">
-                                  <p:stCondLst>
-                                    <p:cond delay="0"/>
-                                  </p:stCondLst>
-                                  <p:childTnLst>
-                                    <p:set>
-                                      <p:cBhvr>
-                                        <p:cTn id="20" dur="1" fill="hold">
-                                          <p:stCondLst>
-                                            <p:cond delay="0"/>
-                                          </p:stCondLst>
-                                        </p:cTn>
-                                        <p:tgtEl>
-                                          <p:spTgt spid="12"/>
-                                        </p:tgtEl>
-                                        <p:attrNameLst>
-                                          <p:attrName>style.visibility</p:attrName>
-                                        </p:attrNameLst>
-                                      </p:cBhvr>
-                                      <p:to>
-                                        <p:strVal val="visible"/>
-                                      </p:to>
-                                    </p:set>
-                                    <p:anim calcmode="lin" valueType="num">
-                                      <p:cBhvr additive="base">
-                                        <p:cTn id="21" dur="500" fill="hold"/>
-                                        <p:tgtEl>
-                                          <p:spTgt spid="12"/>
-                                        </p:tgtEl>
-                                        <p:attrNameLst>
-                                          <p:attrName>ppt_x</p:attrName>
-                                        </p:attrNameLst>
-                                      </p:cBhvr>
-                                      <p:tavLst>
-                                        <p:tav tm="0">
-                                          <p:val>
-                                            <p:strVal val="#ppt_x"/>
-                                          </p:val>
-                                        </p:tav>
-                                        <p:tav tm="100000">
-                                          <p:val>
-                                            <p:strVal val="#ppt_x"/>
-                                          </p:val>
-                                        </p:tav>
-                                      </p:tavLst>
-                                    </p:anim>
-                                    <p:anim calcmode="lin" valueType="num">
-                                      <p:cBhvr additive="base">
-                                        <p:cTn id="22" dur="500" fill="hold"/>
-                                        <p:tgtEl>
-                                          <p:spTgt spid="12"/>
-                                        </p:tgtEl>
-                                        <p:attrNameLst>
-                                          <p:attrName>ppt_y</p:attrName>
-                                        </p:attrNameLst>
-                                      </p:cBhvr>
-                                      <p:tavLst>
-                                        <p:tav tm="0">
-                                          <p:val>
-                                            <p:strVal val="1+#ppt_h/2"/>
-                                          </p:val>
-                                        </p:tav>
-                                        <p:tav tm="100000">
-                                          <p:val>
-                                            <p:strVal val="#ppt_y"/>
-                                          </p:val>
-                                        </p:tav>
-                                      </p:tavLst>
-                                    </p:anim>
-                                  </p:childTnLst>
-                                </p:cTn>
-                              </p:par>
-                              <p:par>
-                                <p:cTn id="23" presetID="2" presetClass="entr" presetSubtype="4" fill="hold" nodeType="withEffect">
-                                  <p:stCondLst>
-                                    <p:cond delay="0"/>
-                                  </p:stCondLst>
-                                  <p:childTnLst>
-                                    <p:set>
-                                      <p:cBhvr>
-                                        <p:cTn id="24" dur="1" fill="hold">
-                                          <p:stCondLst>
-                                            <p:cond delay="0"/>
-                                          </p:stCondLst>
-                                        </p:cTn>
-                                        <p:tgtEl>
-                                          <p:spTgt spid="13"/>
-                                        </p:tgtEl>
-                                        <p:attrNameLst>
-                                          <p:attrName>style.visibility</p:attrName>
-                                        </p:attrNameLst>
-                                      </p:cBhvr>
-                                      <p:to>
-                                        <p:strVal val="visible"/>
-                                      </p:to>
-                                    </p:set>
-                                    <p:anim calcmode="lin" valueType="num">
-                                      <p:cBhvr additive="base">
-                                        <p:cTn id="25" dur="500" fill="hold"/>
-                                        <p:tgtEl>
-                                          <p:spTgt spid="13"/>
-                                        </p:tgtEl>
-                                        <p:attrNameLst>
-                                          <p:attrName>ppt_x</p:attrName>
-                                        </p:attrNameLst>
-                                      </p:cBhvr>
-                                      <p:tavLst>
-                                        <p:tav tm="0">
-                                          <p:val>
-                                            <p:strVal val="#ppt_x"/>
-                                          </p:val>
-                                        </p:tav>
-                                        <p:tav tm="100000">
-                                          <p:val>
-                                            <p:strVal val="#ppt_x"/>
-                                          </p:val>
-                                        </p:tav>
-                                      </p:tavLst>
-                                    </p:anim>
-                                    <p:anim calcmode="lin" valueType="num">
-                                      <p:cBhvr additive="base">
-                                        <p:cTn id="26" dur="500" fill="hold"/>
-                                        <p:tgtEl>
-                                          <p:spTgt spid="13"/>
-                                        </p:tgtEl>
-                                        <p:attrNameLst>
-                                          <p:attrName>ppt_y</p:attrName>
-                                        </p:attrNameLst>
-                                      </p:cBhvr>
-                                      <p:tavLst>
-                                        <p:tav tm="0">
-                                          <p:val>
-                                            <p:strVal val="1+#ppt_h/2"/>
-                                          </p:val>
-                                        </p:tav>
-                                        <p:tav tm="100000">
-                                          <p:val>
-                                            <p:strVal val="#ppt_y"/>
-                                          </p:val>
-                                        </p:tav>
-                                      </p:tavLst>
-                                    </p:anim>
-                                  </p:childTnLst>
-                                </p:cTn>
-                              </p:par>
-                              <p:par>
-                                <p:cTn id="27" presetID="2" presetClass="entr" presetSubtype="4" fill="hold" grpId="0" nodeType="withEffect">
-                                  <p:stCondLst>
-                                    <p:cond delay="0"/>
-                                  </p:stCondLst>
-                                  <p:childTnLst>
-                                    <p:set>
-                                      <p:cBhvr>
-                                        <p:cTn id="28" dur="1" fill="hold">
-                                          <p:stCondLst>
-                                            <p:cond delay="0"/>
-                                          </p:stCondLst>
-                                        </p:cTn>
-                                        <p:tgtEl>
-                                          <p:spTgt spid="10"/>
-                                        </p:tgtEl>
-                                        <p:attrNameLst>
-                                          <p:attrName>style.visibility</p:attrName>
-                                        </p:attrNameLst>
-                                      </p:cBhvr>
-                                      <p:to>
-                                        <p:strVal val="visible"/>
-                                      </p:to>
-                                    </p:set>
-                                    <p:anim calcmode="lin" valueType="num">
-                                      <p:cBhvr additive="base">
-                                        <p:cTn id="29" dur="500" fill="hold"/>
                                         <p:tgtEl>
                                           <p:spTgt spid="10"/>
                                         </p:tgtEl>
@@ -22955,7 +22879,7 @@
                                     </p:anim>
                                     <p:anim calcmode="lin" valueType="num">
                                       <p:cBhvr additive="base">
-                                        <p:cTn id="30" dur="500" fill="hold"/>
+                                        <p:cTn id="14" dur="500" fill="hold"/>
                                         <p:tgtEl>
                                           <p:spTgt spid="10"/>
                                         </p:tgtEl>
@@ -22980,14 +22904,14 @@
                                 </p:cTn>
                               </p:par>
                               <p:par>
-                                <p:cTn id="31" presetID="2" presetClass="entr" presetSubtype="4" fill="hold" grpId="0" nodeType="withEffect">
+                                <p:cTn id="15" presetID="2" presetClass="entr" presetSubtype="4" fill="hold" grpId="0" nodeType="withEffect">
                                   <p:stCondLst>
                                     <p:cond delay="0"/>
                                   </p:stCondLst>
                                   <p:childTnLst>
                                     <p:set>
                                       <p:cBhvr>
-                                        <p:cTn id="32" dur="1" fill="hold">
+                                        <p:cTn id="16" dur="1" fill="hold">
                                           <p:stCondLst>
                                             <p:cond delay="0"/>
                                           </p:stCondLst>
@@ -23005,7 +22929,7 @@
                                     </p:set>
                                     <p:anim calcmode="lin" valueType="num">
                                       <p:cBhvr additive="base">
-                                        <p:cTn id="33" dur="500" fill="hold"/>
+                                        <p:cTn id="17" dur="500" fill="hold"/>
                                         <p:tgtEl>
                                           <p:spTgt spid="8"/>
                                         </p:tgtEl>
@@ -23028,7 +22952,7 @@
                                     </p:anim>
                                     <p:anim calcmode="lin" valueType="num">
                                       <p:cBhvr additive="base">
-                                        <p:cTn id="34" dur="500" fill="hold"/>
+                                        <p:cTn id="18" dur="500" fill="hold"/>
                                         <p:tgtEl>
                                           <p:spTgt spid="8"/>
                                         </p:tgtEl>
@@ -23053,14 +22977,14 @@
                                 </p:cTn>
                               </p:par>
                               <p:par>
-                                <p:cTn id="35" presetID="2" presetClass="entr" presetSubtype="4" fill="hold" grpId="0" nodeType="withEffect">
+                                <p:cTn id="19" presetID="2" presetClass="entr" presetSubtype="4" fill="hold" grpId="0" nodeType="withEffect">
                                   <p:stCondLst>
                                     <p:cond delay="0"/>
                                   </p:stCondLst>
                                   <p:childTnLst>
                                     <p:set>
                                       <p:cBhvr>
-                                        <p:cTn id="36" dur="1" fill="hold">
+                                        <p:cTn id="20" dur="1" fill="hold">
                                           <p:stCondLst>
                                             <p:cond delay="0"/>
                                           </p:stCondLst>
@@ -23078,7 +23002,7 @@
                                     </p:set>
                                     <p:anim calcmode="lin" valueType="num">
                                       <p:cBhvr additive="base">
-                                        <p:cTn id="37" dur="500" fill="hold"/>
+                                        <p:cTn id="21" dur="500" fill="hold"/>
                                         <p:tgtEl>
                                           <p:spTgt spid="9"/>
                                         </p:tgtEl>
@@ -23101,7 +23025,7 @@
                                     </p:anim>
                                     <p:anim calcmode="lin" valueType="num">
                                       <p:cBhvr additive="base">
-                                        <p:cTn id="38" dur="500" fill="hold"/>
+                                        <p:cTn id="22" dur="500" fill="hold"/>
                                         <p:tgtEl>
                                           <p:spTgt spid="9"/>
                                         </p:tgtEl>
@@ -23132,26 +23056,26 @@
                     </p:cTn>
                   </p:par>
                   <p:par>
-                    <p:cTn id="39" fill="hold">
+                    <p:cTn id="23" fill="hold">
                       <p:stCondLst>
                         <p:cond delay="indefinite"/>
                       </p:stCondLst>
                       <p:childTnLst>
                         <p:par>
-                          <p:cTn id="40" fill="hold">
+                          <p:cTn id="24" fill="hold">
                             <p:stCondLst>
                               <p:cond delay="0"/>
                             </p:stCondLst>
                             <p:childTnLst>
                               <p:par>
-                                <p:cTn id="41" presetID="2" presetClass="entr" presetSubtype="4" fill="hold" grpId="0" nodeType="clickEffect">
+                                <p:cTn id="25" presetID="2" presetClass="entr" presetSubtype="4" fill="hold" grpId="0" nodeType="clickEffect">
                                   <p:stCondLst>
                                     <p:cond delay="0"/>
                                   </p:stCondLst>
                                   <p:childTnLst>
                                     <p:set>
                                       <p:cBhvr>
-                                        <p:cTn id="42" dur="1" fill="hold">
+                                        <p:cTn id="26" dur="1" fill="hold">
                                           <p:stCondLst>
                                             <p:cond delay="0"/>
                                           </p:stCondLst>
@@ -23169,7 +23093,7 @@
                                     </p:set>
                                     <p:anim calcmode="lin" valueType="num">
                                       <p:cBhvr additive="base">
-                                        <p:cTn id="43" dur="500" fill="hold"/>
+                                        <p:cTn id="27" dur="500" fill="hold"/>
                                         <p:tgtEl>
                                           <p:spTgt spid="15"/>
                                         </p:tgtEl>
@@ -23192,7 +23116,7 @@
                                     </p:anim>
                                     <p:anim calcmode="lin" valueType="num">
                                       <p:cBhvr additive="base">
-                                        <p:cTn id="44" dur="500" fill="hold"/>
+                                        <p:cTn id="28" dur="500" fill="hold"/>
                                         <p:tgtEl>
                                           <p:spTgt spid="15"/>
                                         </p:tgtEl>
@@ -23223,26 +23147,26 @@
                     </p:cTn>
                   </p:par>
                   <p:par>
-                    <p:cTn id="45" fill="hold">
+                    <p:cTn id="29" fill="hold">
                       <p:stCondLst>
                         <p:cond delay="indefinite"/>
                       </p:stCondLst>
                       <p:childTnLst>
                         <p:par>
-                          <p:cTn id="46" fill="hold">
+                          <p:cTn id="30" fill="hold">
                             <p:stCondLst>
                               <p:cond delay="0"/>
                             </p:stCondLst>
                             <p:childTnLst>
                               <p:par>
-                                <p:cTn id="47" presetID="2" presetClass="entr" presetSubtype="4" fill="hold" grpId="0" nodeType="clickEffect">
+                                <p:cTn id="31" presetID="2" presetClass="entr" presetSubtype="4" fill="hold" grpId="0" nodeType="clickEffect">
                                   <p:stCondLst>
                                     <p:cond delay="0"/>
                                   </p:stCondLst>
                                   <p:childTnLst>
                                     <p:set>
                                       <p:cBhvr>
-                                        <p:cTn id="48" dur="1" fill="hold">
+                                        <p:cTn id="32" dur="1" fill="hold">
                                           <p:stCondLst>
                                             <p:cond delay="0"/>
                                           </p:stCondLst>
@@ -23260,7 +23184,7 @@
                                     </p:set>
                                     <p:anim calcmode="lin" valueType="num">
                                       <p:cBhvr additive="base">
-                                        <p:cTn id="49" dur="500" fill="hold"/>
+                                        <p:cTn id="33" dur="500" fill="hold"/>
                                         <p:tgtEl>
                                           <p:spTgt spid="16"/>
                                         </p:tgtEl>
@@ -23283,7 +23207,7 @@
                                     </p:anim>
                                     <p:anim calcmode="lin" valueType="num">
                                       <p:cBhvr additive="base">
-                                        <p:cTn id="50" dur="500" fill="hold"/>
+                                        <p:cTn id="34" dur="500" fill="hold"/>
                                         <p:tgtEl>
                                           <p:spTgt spid="16"/>
                                         </p:tgtEl>
@@ -23314,26 +23238,26 @@
                     </p:cTn>
                   </p:par>
                   <p:par>
-                    <p:cTn id="51" fill="hold">
+                    <p:cTn id="35" fill="hold">
                       <p:stCondLst>
                         <p:cond delay="indefinite"/>
                       </p:stCondLst>
                       <p:childTnLst>
                         <p:par>
-                          <p:cTn id="52" fill="hold">
+                          <p:cTn id="36" fill="hold">
                             <p:stCondLst>
                               <p:cond delay="0"/>
                             </p:stCondLst>
                             <p:childTnLst>
                               <p:par>
-                                <p:cTn id="53" presetID="2" presetClass="entr" presetSubtype="4" fill="hold" grpId="0" nodeType="clickEffect">
+                                <p:cTn id="37" presetID="2" presetClass="entr" presetSubtype="4" fill="hold" grpId="0" nodeType="clickEffect">
                                   <p:stCondLst>
                                     <p:cond delay="0"/>
                                   </p:stCondLst>
                                   <p:childTnLst>
                                     <p:set>
                                       <p:cBhvr>
-                                        <p:cTn id="54" dur="1" fill="hold">
+                                        <p:cTn id="38" dur="1" fill="hold">
                                           <p:stCondLst>
                                             <p:cond delay="0"/>
                                           </p:stCondLst>
@@ -23351,7 +23275,7 @@
                                     </p:set>
                                     <p:anim calcmode="lin" valueType="num">
                                       <p:cBhvr additive="base">
-                                        <p:cTn id="55" dur="500" fill="hold"/>
+                                        <p:cTn id="39" dur="500" fill="hold"/>
                                         <p:tgtEl>
                                           <p:spTgt spid="17"/>
                                         </p:tgtEl>
@@ -23374,9 +23298,319 @@
                                     </p:anim>
                                     <p:anim calcmode="lin" valueType="num">
                                       <p:cBhvr additive="base">
-                                        <p:cTn id="56" dur="500" fill="hold"/>
+                                        <p:cTn id="40" dur="500" fill="hold"/>
                                         <p:tgtEl>
                                           <p:spTgt spid="17"/>
+                                        </p:tgtEl>
+                                        <p:attrNameLst>
+                                          <p:attrName>ppt_y</p:attrName>
+                                        </p:attrNameLst>
+                                      </p:cBhvr>
+                                      <p:tavLst>
+                                        <p:tav tm="0">
+                                          <p:val>
+                                            <p:strVal val="1+#ppt_h/2"/>
+                                          </p:val>
+                                        </p:tav>
+                                        <p:tav tm="100000">
+                                          <p:val>
+                                            <p:strVal val="#ppt_y"/>
+                                          </p:val>
+                                        </p:tav>
+                                      </p:tavLst>
+                                    </p:anim>
+                                  </p:childTnLst>
+                                </p:cTn>
+                              </p:par>
+                            </p:childTnLst>
+                          </p:cTn>
+                        </p:par>
+                      </p:childTnLst>
+                    </p:cTn>
+                  </p:par>
+                  <p:par>
+                    <p:cTn id="41" fill="hold">
+                      <p:stCondLst>
+                        <p:cond delay="indefinite"/>
+                      </p:stCondLst>
+                      <p:childTnLst>
+                        <p:par>
+                          <p:cTn id="42" fill="hold">
+                            <p:stCondLst>
+                              <p:cond delay="0"/>
+                            </p:stCondLst>
+                            <p:childTnLst>
+                              <p:par>
+                                <p:cTn id="43" presetID="2" presetClass="entr" presetSubtype="4" fill="hold" grpId="0" nodeType="clickEffect">
+                                  <p:stCondLst>
+                                    <p:cond delay="0"/>
+                                  </p:stCondLst>
+                                  <p:childTnLst>
+                                    <p:set>
+                                      <p:cBhvr>
+                                        <p:cTn id="44" dur="1" fill="hold">
+                                          <p:stCondLst>
+                                            <p:cond delay="0"/>
+                                          </p:stCondLst>
+                                        </p:cTn>
+                                        <p:tgtEl>
+                                          <p:spTgt spid="7"/>
+                                        </p:tgtEl>
+                                        <p:attrNameLst>
+                                          <p:attrName>style.visibility</p:attrName>
+                                        </p:attrNameLst>
+                                      </p:cBhvr>
+                                      <p:to>
+                                        <p:strVal val="visible"/>
+                                      </p:to>
+                                    </p:set>
+                                    <p:anim calcmode="lin" valueType="num">
+                                      <p:cBhvr additive="base">
+                                        <p:cTn id="45" dur="500" fill="hold"/>
+                                        <p:tgtEl>
+                                          <p:spTgt spid="7"/>
+                                        </p:tgtEl>
+                                        <p:attrNameLst>
+                                          <p:attrName>ppt_x</p:attrName>
+                                        </p:attrNameLst>
+                                      </p:cBhvr>
+                                      <p:tavLst>
+                                        <p:tav tm="0">
+                                          <p:val>
+                                            <p:strVal val="#ppt_x"/>
+                                          </p:val>
+                                        </p:tav>
+                                        <p:tav tm="100000">
+                                          <p:val>
+                                            <p:strVal val="#ppt_x"/>
+                                          </p:val>
+                                        </p:tav>
+                                      </p:tavLst>
+                                    </p:anim>
+                                    <p:anim calcmode="lin" valueType="num">
+                                      <p:cBhvr additive="base">
+                                        <p:cTn id="46" dur="500" fill="hold"/>
+                                        <p:tgtEl>
+                                          <p:spTgt spid="7"/>
+                                        </p:tgtEl>
+                                        <p:attrNameLst>
+                                          <p:attrName>ppt_y</p:attrName>
+                                        </p:attrNameLst>
+                                      </p:cBhvr>
+                                      <p:tavLst>
+                                        <p:tav tm="0">
+                                          <p:val>
+                                            <p:strVal val="1+#ppt_h/2"/>
+                                          </p:val>
+                                        </p:tav>
+                                        <p:tav tm="100000">
+                                          <p:val>
+                                            <p:strVal val="#ppt_y"/>
+                                          </p:val>
+                                        </p:tav>
+                                      </p:tavLst>
+                                    </p:anim>
+                                  </p:childTnLst>
+                                </p:cTn>
+                              </p:par>
+                              <p:par>
+                                <p:cTn id="47" presetID="2" presetClass="entr" presetSubtype="4" fill="hold" nodeType="withEffect">
+                                  <p:stCondLst>
+                                    <p:cond delay="0"/>
+                                  </p:stCondLst>
+                                  <p:childTnLst>
+                                    <p:set>
+                                      <p:cBhvr>
+                                        <p:cTn id="48" dur="1" fill="hold">
+                                          <p:stCondLst>
+                                            <p:cond delay="0"/>
+                                          </p:stCondLst>
+                                        </p:cTn>
+                                        <p:tgtEl>
+                                          <p:spTgt spid="11"/>
+                                        </p:tgtEl>
+                                        <p:attrNameLst>
+                                          <p:attrName>style.visibility</p:attrName>
+                                        </p:attrNameLst>
+                                      </p:cBhvr>
+                                      <p:to>
+                                        <p:strVal val="visible"/>
+                                      </p:to>
+                                    </p:set>
+                                    <p:anim calcmode="lin" valueType="num">
+                                      <p:cBhvr additive="base">
+                                        <p:cTn id="49" dur="500" fill="hold"/>
+                                        <p:tgtEl>
+                                          <p:spTgt spid="11"/>
+                                        </p:tgtEl>
+                                        <p:attrNameLst>
+                                          <p:attrName>ppt_x</p:attrName>
+                                        </p:attrNameLst>
+                                      </p:cBhvr>
+                                      <p:tavLst>
+                                        <p:tav tm="0">
+                                          <p:val>
+                                            <p:strVal val="#ppt_x"/>
+                                          </p:val>
+                                        </p:tav>
+                                        <p:tav tm="100000">
+                                          <p:val>
+                                            <p:strVal val="#ppt_x"/>
+                                          </p:val>
+                                        </p:tav>
+                                      </p:tavLst>
+                                    </p:anim>
+                                    <p:anim calcmode="lin" valueType="num">
+                                      <p:cBhvr additive="base">
+                                        <p:cTn id="50" dur="500" fill="hold"/>
+                                        <p:tgtEl>
+                                          <p:spTgt spid="11"/>
+                                        </p:tgtEl>
+                                        <p:attrNameLst>
+                                          <p:attrName>ppt_y</p:attrName>
+                                        </p:attrNameLst>
+                                      </p:cBhvr>
+                                      <p:tavLst>
+                                        <p:tav tm="0">
+                                          <p:val>
+                                            <p:strVal val="1+#ppt_h/2"/>
+                                          </p:val>
+                                        </p:tav>
+                                        <p:tav tm="100000">
+                                          <p:val>
+                                            <p:strVal val="#ppt_y"/>
+                                          </p:val>
+                                        </p:tav>
+                                      </p:tavLst>
+                                    </p:anim>
+                                  </p:childTnLst>
+                                </p:cTn>
+                              </p:par>
+                              <p:par>
+                                <p:cTn id="51" presetID="2" presetClass="entr" presetSubtype="4" fill="hold" nodeType="withEffect">
+                                  <p:stCondLst>
+                                    <p:cond delay="0"/>
+                                  </p:stCondLst>
+                                  <p:childTnLst>
+                                    <p:set>
+                                      <p:cBhvr>
+                                        <p:cTn id="52" dur="1" fill="hold">
+                                          <p:stCondLst>
+                                            <p:cond delay="0"/>
+                                          </p:stCondLst>
+                                        </p:cTn>
+                                        <p:tgtEl>
+                                          <p:spTgt spid="12"/>
+                                        </p:tgtEl>
+                                        <p:attrNameLst>
+                                          <p:attrName>style.visibility</p:attrName>
+                                        </p:attrNameLst>
+                                      </p:cBhvr>
+                                      <p:to>
+                                        <p:strVal val="visible"/>
+                                      </p:to>
+                                    </p:set>
+                                    <p:anim calcmode="lin" valueType="num">
+                                      <p:cBhvr additive="base">
+                                        <p:cTn id="53" dur="500" fill="hold"/>
+                                        <p:tgtEl>
+                                          <p:spTgt spid="12"/>
+                                        </p:tgtEl>
+                                        <p:attrNameLst>
+                                          <p:attrName>ppt_x</p:attrName>
+                                        </p:attrNameLst>
+                                      </p:cBhvr>
+                                      <p:tavLst>
+                                        <p:tav tm="0">
+                                          <p:val>
+                                            <p:strVal val="#ppt_x"/>
+                                          </p:val>
+                                        </p:tav>
+                                        <p:tav tm="100000">
+                                          <p:val>
+                                            <p:strVal val="#ppt_x"/>
+                                          </p:val>
+                                        </p:tav>
+                                      </p:tavLst>
+                                    </p:anim>
+                                    <p:anim calcmode="lin" valueType="num">
+                                      <p:cBhvr additive="base">
+                                        <p:cTn id="54" dur="500" fill="hold"/>
+                                        <p:tgtEl>
+                                          <p:spTgt spid="12"/>
+                                        </p:tgtEl>
+                                        <p:attrNameLst>
+                                          <p:attrName>ppt_y</p:attrName>
+                                        </p:attrNameLst>
+                                      </p:cBhvr>
+                                      <p:tavLst>
+                                        <p:tav tm="0">
+                                          <p:val>
+                                            <p:strVal val="1+#ppt_h/2"/>
+                                          </p:val>
+                                        </p:tav>
+                                        <p:tav tm="100000">
+                                          <p:val>
+                                            <p:strVal val="#ppt_y"/>
+                                          </p:val>
+                                        </p:tav>
+                                      </p:tavLst>
+                                    </p:anim>
+                                  </p:childTnLst>
+                                </p:cTn>
+                              </p:par>
+                              <p:par>
+                                <p:cTn id="55" presetID="2" presetClass="entr" presetSubtype="4" fill="hold" nodeType="withEffect">
+                                  <p:stCondLst>
+                                    <p:cond delay="0"/>
+                                  </p:stCondLst>
+                                  <p:childTnLst>
+                                    <p:set>
+                                      <p:cBhvr>
+                                        <p:cTn id="56" dur="1" fill="hold">
+                                          <p:stCondLst>
+                                            <p:cond delay="0"/>
+                                          </p:stCondLst>
+                                        </p:cTn>
+                                        <p:tgtEl>
+                                          <p:spTgt spid="13"/>
+                                        </p:tgtEl>
+                                        <p:attrNameLst>
+                                          <p:attrName>style.visibility</p:attrName>
+                                        </p:attrNameLst>
+                                      </p:cBhvr>
+                                      <p:to>
+                                        <p:strVal val="visible"/>
+                                      </p:to>
+                                    </p:set>
+                                    <p:anim calcmode="lin" valueType="num">
+                                      <p:cBhvr additive="base">
+                                        <p:cTn id="57" dur="500" fill="hold"/>
+                                        <p:tgtEl>
+                                          <p:spTgt spid="13"/>
+                                        </p:tgtEl>
+                                        <p:attrNameLst>
+                                          <p:attrName>ppt_x</p:attrName>
+                                        </p:attrNameLst>
+                                      </p:cBhvr>
+                                      <p:tavLst>
+                                        <p:tav tm="0">
+                                          <p:val>
+                                            <p:strVal val="#ppt_x"/>
+                                          </p:val>
+                                        </p:tav>
+                                        <p:tav tm="100000">
+                                          <p:val>
+                                            <p:strVal val="#ppt_x"/>
+                                          </p:val>
+                                        </p:tav>
+                                      </p:tavLst>
+                                    </p:anim>
+                                    <p:anim calcmode="lin" valueType="num">
+                                      <p:cBhvr additive="base">
+                                        <p:cTn id="58" dur="500" fill="hold"/>
+                                        <p:tgtEl>
+                                          <p:spTgt spid="13"/>
                                         </p:tgtEl>
                                         <p:attrNameLst>
                                           <p:attrName>ppt_y</p:attrName>

--- a/FalshSale.pptx
+++ b/FalshSale.pptx
@@ -1761,7 +1761,7 @@
                 <a:ea typeface="+mn-ea"/>
                 <a:cs typeface="+mn-cs"/>
               </a:rPr>
-              <a:t>秒杀特点典型，完整</a:t>
+              <a:t>秒杀特点典型，完整，高并发代表性</a:t>
             </a:r>
             <a:endParaRPr lang="en-US" altLang="zh-CN" sz="1200" b="0" i="0" kern="1200" dirty="0">
               <a:solidFill>
@@ -1870,7 +1870,17 @@
           <a:bodyPr/>
           <a:lstStyle/>
           <a:p>
-            <a:endParaRPr lang="zh-CN" altLang="en-US" dirty="0"/>
+            <a:r>
+              <a:rPr lang="zh-CN" altLang="en-US" dirty="0"/>
+              <a:t>先解释概念，再提出衡量标准</a:t>
+            </a:r>
+            <a:endParaRPr lang="en-US" altLang="zh-CN" dirty="0"/>
+          </a:p>
+          <a:p>
+            <a:r>
+              <a:rPr lang="zh-CN" altLang="en-US" dirty="0"/>
+              <a:t>其他标准后面再说，伸缩性，安全性，可扩展性</a:t>
+            </a:r>
           </a:p>
         </p:txBody>
       </p:sp>
@@ -1954,7 +1964,10 @@
           <a:bodyPr/>
           <a:lstStyle/>
           <a:p>
-            <a:endParaRPr lang="zh-CN" altLang="en-US" dirty="0"/>
+            <a:r>
+              <a:rPr lang="zh-CN" altLang="en-US" dirty="0"/>
+              <a:t>阿里自成体系的对应产品</a:t>
+            </a:r>
           </a:p>
         </p:txBody>
       </p:sp>
@@ -2038,6 +2051,28 @@
           <a:bodyPr/>
           <a:lstStyle/>
           <a:p>
+            <a:r>
+              <a:rPr lang="zh-CN" altLang="en-US" dirty="0"/>
+              <a:t>抛砖引玉，真正有所得</a:t>
+            </a:r>
+            <a:endParaRPr lang="en-US" altLang="zh-CN" dirty="0"/>
+          </a:p>
+          <a:p>
+            <a:r>
+              <a:rPr lang="zh-CN" altLang="en-US" dirty="0"/>
+              <a:t>实战，接近阿里京东等大厂，理论，为什么</a:t>
+            </a:r>
+            <a:endParaRPr lang="en-US" altLang="zh-CN" dirty="0"/>
+          </a:p>
+          <a:p>
+            <a:r>
+              <a:rPr lang="zh-CN" altLang="en-US" dirty="0"/>
+              <a:t>度量好坏，</a:t>
+            </a:r>
+            <a:r>
+              <a:rPr lang="zh-CN" altLang="en-US"/>
+              <a:t>健康，容量</a:t>
+            </a:r>
             <a:endParaRPr lang="zh-CN" altLang="en-US" dirty="0"/>
           </a:p>
         </p:txBody>

--- a/FalshSale.pptx
+++ b/FalshSale.pptx
@@ -2053,6 +2053,13 @@
           <a:p>
             <a:r>
               <a:rPr lang="zh-CN" altLang="en-US" dirty="0"/>
+              <a:t>清晰的目标等于成功了一半</a:t>
+            </a:r>
+            <a:endParaRPr lang="en-US" altLang="zh-CN" dirty="0"/>
+          </a:p>
+          <a:p>
+            <a:r>
+              <a:rPr lang="zh-CN" altLang="en-US" dirty="0"/>
               <a:t>抛砖引玉，真正有所得</a:t>
             </a:r>
             <a:endParaRPr lang="en-US" altLang="zh-CN" dirty="0"/>
@@ -2060,20 +2067,15 @@
           <a:p>
             <a:r>
               <a:rPr lang="zh-CN" altLang="en-US" dirty="0"/>
-              <a:t>实战，接近阿里京东等大厂，理论，为什么</a:t>
+              <a:t>理论指导的实战，接近阿里京东等大厂，理论，为什么</a:t>
             </a:r>
             <a:endParaRPr lang="en-US" altLang="zh-CN" dirty="0"/>
           </a:p>
           <a:p>
             <a:r>
               <a:rPr lang="zh-CN" altLang="en-US" dirty="0"/>
-              <a:t>度量好坏，</a:t>
-            </a:r>
-            <a:r>
-              <a:rPr lang="zh-CN" altLang="en-US"/>
-              <a:t>健康，容量</a:t>
-            </a:r>
-            <a:endParaRPr lang="zh-CN" altLang="en-US" dirty="0"/>
+              <a:t>量化和可视化，健康，容量，公说公有理婆说婆有理，度量好坏，指引方向，优化方向和瓶颈识别，心中有底</a:t>
+            </a:r>
           </a:p>
         </p:txBody>
       </p:sp>
@@ -2157,7 +2159,10 @@
           <a:bodyPr/>
           <a:lstStyle/>
           <a:p>
-            <a:endParaRPr lang="zh-CN" altLang="en-US" dirty="0"/>
+            <a:r>
+              <a:rPr lang="zh-CN" altLang="en-US" dirty="0"/>
+              <a:t>面试</a:t>
+            </a:r>
           </a:p>
         </p:txBody>
       </p:sp>

--- a/FalshSale.pptx
+++ b/FalshSale.pptx
@@ -16,11 +16,11 @@
     <p:sldId id="317" r:id="rId7"/>
     <p:sldId id="315" r:id="rId8"/>
     <p:sldId id="324" r:id="rId9"/>
-    <p:sldId id="309" r:id="rId10"/>
-    <p:sldId id="264" r:id="rId11"/>
-    <p:sldId id="265" r:id="rId12"/>
-    <p:sldId id="266" r:id="rId13"/>
-    <p:sldId id="267" r:id="rId14"/>
+    <p:sldId id="327" r:id="rId10"/>
+    <p:sldId id="326" r:id="rId11"/>
+    <p:sldId id="329" r:id="rId12"/>
+    <p:sldId id="330" r:id="rId13"/>
+    <p:sldId id="328" r:id="rId14"/>
     <p:sldId id="268" r:id="rId15"/>
     <p:sldId id="269" r:id="rId16"/>
     <p:sldId id="270" r:id="rId17"/>
@@ -148,6 +148,75 @@
     </a:lvl9pPr>
   </p:defaultTextStyle>
   <p:extLst>
+    <p:ext uri="{521415D9-36F7-43E2-AB2F-B90AF26B5E84}">
+      <p14:sectionLst xmlns:p14="http://schemas.microsoft.com/office/powerpoint/2010/main">
+        <p14:section name="开篇" id="{1AF6B665-F27A-AF42-B7E5-09FD1DE5DCC5}">
+          <p14:sldIdLst>
+            <p14:sldId id="310"/>
+            <p14:sldId id="311"/>
+          </p14:sldIdLst>
+        </p14:section>
+        <p14:section name="课程介绍和课程目标" id="{2A227418-00C5-1E41-90D1-62BA5A496A1A}">
+          <p14:sldIdLst>
+            <p14:sldId id="316"/>
+            <p14:sldId id="314"/>
+            <p14:sldId id="325"/>
+            <p14:sldId id="317"/>
+            <p14:sldId id="315"/>
+            <p14:sldId id="324"/>
+          </p14:sldIdLst>
+        </p14:section>
+        <p14:section name="系统分析设计和实现" id="{076B7F75-A03B-E14F-9EA0-9DC05EB833ED}">
+          <p14:sldIdLst>
+            <p14:sldId id="327"/>
+            <p14:sldId id="326"/>
+            <p14:sldId id="329"/>
+            <p14:sldId id="330"/>
+            <p14:sldId id="328"/>
+            <p14:sldId id="268"/>
+            <p14:sldId id="269"/>
+            <p14:sldId id="270"/>
+            <p14:sldId id="271"/>
+            <p14:sldId id="272"/>
+            <p14:sldId id="273"/>
+            <p14:sldId id="274"/>
+            <p14:sldId id="275"/>
+            <p14:sldId id="276"/>
+            <p14:sldId id="277"/>
+            <p14:sldId id="278"/>
+            <p14:sldId id="279"/>
+            <p14:sldId id="280"/>
+            <p14:sldId id="281"/>
+            <p14:sldId id="282"/>
+            <p14:sldId id="283"/>
+            <p14:sldId id="284"/>
+            <p14:sldId id="285"/>
+            <p14:sldId id="286"/>
+            <p14:sldId id="287"/>
+            <p14:sldId id="288"/>
+            <p14:sldId id="289"/>
+            <p14:sldId id="290"/>
+            <p14:sldId id="291"/>
+            <p14:sldId id="292"/>
+            <p14:sldId id="293"/>
+            <p14:sldId id="294"/>
+            <p14:sldId id="295"/>
+            <p14:sldId id="296"/>
+            <p14:sldId id="297"/>
+            <p14:sldId id="298"/>
+            <p14:sldId id="299"/>
+            <p14:sldId id="300"/>
+            <p14:sldId id="301"/>
+            <p14:sldId id="302"/>
+            <p14:sldId id="303"/>
+            <p14:sldId id="304"/>
+            <p14:sldId id="305"/>
+            <p14:sldId id="306"/>
+            <p14:sldId id="307"/>
+          </p14:sldIdLst>
+        </p14:section>
+      </p14:sectionLst>
+    </p:ext>
     <p:ext uri="{EFAFB233-063F-42B5-8137-9DF3F51BA10A}">
       <p15:sldGuideLst xmlns:p15="http://schemas.microsoft.com/office/powerpoint/2012/main"/>
     </p:ext>
@@ -604,7 +673,19 @@
       </p:grpSpPr>
       <p:sp>
         <p:nvSpPr>
-          <p:cNvPr id="2" name="备注占位符 1"/>
+          <p:cNvPr id="2" name="幻灯片图像占位符 1"/>
+          <p:cNvSpPr>
+            <a:spLocks noGrp="1" noRot="1" noChangeAspect="1"/>
+          </p:cNvSpPr>
+          <p:nvPr>
+            <p:ph type="sldImg"/>
+          </p:nvPr>
+        </p:nvSpPr>
+        <p:spPr/>
+      </p:sp>
+      <p:sp>
+        <p:nvSpPr>
+          <p:cNvPr id="3" name="备注占位符 2"/>
           <p:cNvSpPr>
             <a:spLocks noGrp="1"/>
           </p:cNvSpPr>
@@ -617,38 +698,39 @@
           <a:bodyPr/>
           <a:lstStyle/>
           <a:p>
-            <a:r>
-              <a:rPr lang="zh-CN"/>
-              <a:t>1、路由层：LVS</a:t>
-            </a:r>
-          </a:p>
-          <a:p>
-            <a:r>
-              <a:rPr lang="zh-CN"/>
-              <a:t>2、应用层：改成 域 + 域补充丰富一点</a:t>
-            </a:r>
-          </a:p>
-          <a:p>
-            <a:r>
-              <a:rPr lang="zh-CN"/>
-              <a:t>3、参考spring cloud的系统架构图</a:t>
-            </a:r>
-          </a:p>
-          <a:p>
-            <a:r>
-              <a:rPr lang="zh-CN"/>
-              <a:t>4、补充：代理层</a:t>
-            </a:r>
-          </a:p>
-          <a:p>
-            <a:r>
-              <a:rPr lang="zh-CN"/>
-              <a:t>5、消息也是一种存储 spring.io</a:t>
-            </a:r>
+            <a:endParaRPr lang="zh-CN" altLang="en-US" dirty="0"/>
+          </a:p>
+        </p:txBody>
+      </p:sp>
+      <p:sp>
+        <p:nvSpPr>
+          <p:cNvPr id="4" name="灯片编号占位符 3"/>
+          <p:cNvSpPr>
+            <a:spLocks noGrp="1"/>
+          </p:cNvSpPr>
+          <p:nvPr>
+            <p:ph type="sldNum" sz="quarter" idx="10"/>
+          </p:nvPr>
+        </p:nvSpPr>
+        <p:spPr/>
+        <p:txBody>
+          <a:bodyPr/>
+          <a:lstStyle/>
+          <a:p>
+            <a:fld id="{1B28674F-E567-AA4B-8C16-788D7CE21C4F}" type="slidenum">
+              <a:rPr lang="en-US" altLang="zh-CN" smtClean="0"/>
+              <a:t>11</a:t>
+            </a:fld>
+            <a:endParaRPr kumimoji="1" lang="zh-CN" altLang="en-US"/>
           </a:p>
         </p:txBody>
       </p:sp>
     </p:spTree>
+    <p:extLst>
+      <p:ext uri="{BB962C8B-B14F-4D97-AF65-F5344CB8AC3E}">
+        <p14:creationId xmlns:p14="http://schemas.microsoft.com/office/powerpoint/2010/main" val="4107916024"/>
+      </p:ext>
+    </p:extLst>
   </p:cSld>
   <p:clrMapOvr>
     <a:masterClrMapping/>
@@ -675,7 +757,19 @@
       </p:grpSpPr>
       <p:sp>
         <p:nvSpPr>
-          <p:cNvPr id="2" name="备注占位符 1"/>
+          <p:cNvPr id="2" name="幻灯片图像占位符 1"/>
+          <p:cNvSpPr>
+            <a:spLocks noGrp="1" noRot="1" noChangeAspect="1"/>
+          </p:cNvSpPr>
+          <p:nvPr>
+            <p:ph type="sldImg"/>
+          </p:nvPr>
+        </p:nvSpPr>
+        <p:spPr/>
+      </p:sp>
+      <p:sp>
+        <p:nvSpPr>
+          <p:cNvPr id="3" name="备注占位符 2"/>
           <p:cNvSpPr>
             <a:spLocks noGrp="1"/>
           </p:cNvSpPr>
@@ -688,11 +782,39 @@
           <a:bodyPr/>
           <a:lstStyle/>
           <a:p>
-            <a:endParaRPr lang="zh-CN"/>
+            <a:endParaRPr lang="zh-CN" altLang="en-US" dirty="0"/>
+          </a:p>
+        </p:txBody>
+      </p:sp>
+      <p:sp>
+        <p:nvSpPr>
+          <p:cNvPr id="4" name="灯片编号占位符 3"/>
+          <p:cNvSpPr>
+            <a:spLocks noGrp="1"/>
+          </p:cNvSpPr>
+          <p:nvPr>
+            <p:ph type="sldNum" sz="quarter" idx="10"/>
+          </p:nvPr>
+        </p:nvSpPr>
+        <p:spPr/>
+        <p:txBody>
+          <a:bodyPr/>
+          <a:lstStyle/>
+          <a:p>
+            <a:fld id="{1B28674F-E567-AA4B-8C16-788D7CE21C4F}" type="slidenum">
+              <a:rPr lang="en-US" altLang="zh-CN" smtClean="0"/>
+              <a:t>12</a:t>
+            </a:fld>
+            <a:endParaRPr kumimoji="1" lang="zh-CN" altLang="en-US"/>
           </a:p>
         </p:txBody>
       </p:sp>
     </p:spTree>
+    <p:extLst>
+      <p:ext uri="{BB962C8B-B14F-4D97-AF65-F5344CB8AC3E}">
+        <p14:creationId xmlns:p14="http://schemas.microsoft.com/office/powerpoint/2010/main" val="1673025612"/>
+      </p:ext>
+    </p:extLst>
   </p:cSld>
   <p:clrMapOvr>
     <a:masterClrMapping/>
@@ -719,7 +841,19 @@
       </p:grpSpPr>
       <p:sp>
         <p:nvSpPr>
-          <p:cNvPr id="2" name="备注占位符 1"/>
+          <p:cNvPr id="2" name="幻灯片图像占位符 1"/>
+          <p:cNvSpPr>
+            <a:spLocks noGrp="1" noRot="1" noChangeAspect="1"/>
+          </p:cNvSpPr>
+          <p:nvPr>
+            <p:ph type="sldImg"/>
+          </p:nvPr>
+        </p:nvSpPr>
+        <p:spPr/>
+      </p:sp>
+      <p:sp>
+        <p:nvSpPr>
+          <p:cNvPr id="3" name="备注占位符 2"/>
           <p:cNvSpPr>
             <a:spLocks noGrp="1"/>
           </p:cNvSpPr>
@@ -732,11 +866,39 @@
           <a:bodyPr/>
           <a:lstStyle/>
           <a:p>
-            <a:endParaRPr lang="zh-CN"/>
+            <a:endParaRPr lang="zh-CN" altLang="en-US" dirty="0"/>
+          </a:p>
+        </p:txBody>
+      </p:sp>
+      <p:sp>
+        <p:nvSpPr>
+          <p:cNvPr id="4" name="灯片编号占位符 3"/>
+          <p:cNvSpPr>
+            <a:spLocks noGrp="1"/>
+          </p:cNvSpPr>
+          <p:nvPr>
+            <p:ph type="sldNum" sz="quarter" idx="10"/>
+          </p:nvPr>
+        </p:nvSpPr>
+        <p:spPr/>
+        <p:txBody>
+          <a:bodyPr/>
+          <a:lstStyle/>
+          <a:p>
+            <a:fld id="{1B28674F-E567-AA4B-8C16-788D7CE21C4F}" type="slidenum">
+              <a:rPr lang="en-US" altLang="zh-CN" smtClean="0"/>
+              <a:t>13</a:t>
+            </a:fld>
+            <a:endParaRPr kumimoji="1" lang="zh-CN" altLang="en-US"/>
           </a:p>
         </p:txBody>
       </p:sp>
     </p:spTree>
+    <p:extLst>
+      <p:ext uri="{BB962C8B-B14F-4D97-AF65-F5344CB8AC3E}">
+        <p14:creationId xmlns:p14="http://schemas.microsoft.com/office/powerpoint/2010/main" val="3946559219"/>
+      </p:ext>
+    </p:extLst>
   </p:cSld>
   <p:clrMapOvr>
     <a:masterClrMapping/>
@@ -776,7 +938,52 @@
           <a:bodyPr/>
           <a:lstStyle/>
           <a:p>
-            <a:endParaRPr lang="zh-CN"/>
+            <a:r>
+              <a:rPr lang="zh-CN"/>
+              <a:t>1、点题：“自顶向下，分而治之”--在上一节体现了【done】</a:t>
+            </a:r>
+          </a:p>
+          <a:p>
+            <a:r>
+              <a:rPr lang="zh-CN"/>
+              <a:t>2、举个具体例子【</a:t>
+            </a:r>
+            <a:r>
+              <a:rPr lang="zh-CN" sz="1600">
+                <a:solidFill>
+                  <a:srgbClr val="4D4D4D"/>
+                </a:solidFill>
+                <a:highlight>
+                  <a:srgbClr val="FFFFFF"/>
+                </a:highlight>
+                <a:latin typeface="Microsoft YaHei"/>
+                <a:ea typeface="Microsoft YaHei"/>
+              </a:rPr>
+              <a:t>面向过程的设计理念</a:t>
+            </a:r>
+            <a:r>
+              <a:rPr lang="zh-CN"/>
+              <a:t>】比如：</a:t>
+            </a:r>
+            <a:r>
+              <a:rPr lang="zh-CN" sz="1600">
+                <a:solidFill>
+                  <a:srgbClr val="4D4D4D"/>
+                </a:solidFill>
+                <a:highlight>
+                  <a:srgbClr val="FFFFFF"/>
+                </a:highlight>
+                <a:latin typeface="Microsoft YaHei"/>
+                <a:ea typeface="Microsoft YaHei"/>
+              </a:rPr>
+              <a:t>五子棋，面向过程的设计思路就是首先分析问题的步骤：1、开始游戏，2、黑子先走，3、绘制画面，4、判断输赢，5、轮到白子，6、绘制画面，7、判断输赢，8、返回步骤2，9、输出最后结果。把上面每个步骤用不同的方法来实现。</a:t>
+            </a:r>
+          </a:p>
+          <a:p>
+            <a:r>
+              <a:rPr lang="zh-CN"/>
+              <a:t>3、分层：水平分层+垂直分层</a:t>
+            </a:r>
           </a:p>
         </p:txBody>
       </p:sp>
@@ -822,7 +1029,31 @@
           <a:p>
             <a:r>
               <a:rPr lang="zh-CN"/>
-              <a:t>1、去掉tb_user，替换为session的设计【done】</a:t>
+              <a:t>1、路由层：LVS</a:t>
+            </a:r>
+          </a:p>
+          <a:p>
+            <a:r>
+              <a:rPr lang="zh-CN"/>
+              <a:t>2、应用层：改成 域 + 域补充丰富一点</a:t>
+            </a:r>
+          </a:p>
+          <a:p>
+            <a:r>
+              <a:rPr lang="zh-CN"/>
+              <a:t>3、参考spring cloud的系统架构图</a:t>
+            </a:r>
+          </a:p>
+          <a:p>
+            <a:r>
+              <a:rPr lang="zh-CN"/>
+              <a:t>4、补充：代理层</a:t>
+            </a:r>
+          </a:p>
+          <a:p>
+            <a:r>
+              <a:rPr lang="zh-CN"/>
+              <a:t>5、消息也是一种存储 spring.io</a:t>
             </a:r>
           </a:p>
         </p:txBody>
@@ -867,28 +1098,7 @@
           <a:bodyPr/>
           <a:lstStyle/>
           <a:p>
-            <a:r>
-              <a:rPr lang="zh-CN"/>
-              <a:t>1、DB缓存的补充</a:t>
-            </a:r>
-          </a:p>
-          <a:p>
-            <a:r>
-              <a:rPr lang="zh-CN"/>
-              <a:t>2、图要想想怎么来画</a:t>
-            </a:r>
-          </a:p>
-          <a:p>
-            <a:r>
-              <a:rPr lang="zh-CN"/>
-              <a:t>3、缓存的更新、缓存的预热、缓存失效，缓存击穿、缓存雪崩 的影响</a:t>
-            </a:r>
-          </a:p>
-          <a:p>
-            <a:r>
-              <a:rPr lang="zh-CN"/>
-              <a:t>4、整体链路的缓存，从端侧、接入层、cdn、应用到db缓存</a:t>
-            </a:r>
+            <a:endParaRPr lang="zh-CN"/>
           </a:p>
         </p:txBody>
       </p:sp>
@@ -932,12 +1142,6 @@
           <a:bodyPr/>
           <a:lstStyle/>
           <a:p>
-            <a:r>
-              <a:rPr lang="zh-CN"/>
-              <a:t>1、流程图：下单：两步校验  查询缓存和数据库  扣减库存的过程 排队优化【done】</a:t>
-            </a:r>
-          </a:p>
-          <a:p>
             <a:endParaRPr lang="zh-CN"/>
           </a:p>
         </p:txBody>
@@ -1028,7 +1232,7 @@
           <a:p>
             <a:r>
               <a:rPr lang="zh-CN"/>
-              <a:t>1、这个放前面，这里补充需要掌握的具体知识点和对应的资料，文档链接【done】</a:t>
+              <a:t>1、去掉tb_user，替换为session的设计【done】</a:t>
             </a:r>
           </a:p>
         </p:txBody>
@@ -1075,7 +1279,25 @@
           <a:p>
             <a:r>
               <a:rPr lang="zh-CN"/>
-              <a:t>1、这个放前面，这里补充需要掌握的具体知识点和对应的资料，文档链接【done】</a:t>
+              <a:t>1、DB缓存的补充</a:t>
+            </a:r>
+          </a:p>
+          <a:p>
+            <a:r>
+              <a:rPr lang="zh-CN"/>
+              <a:t>2、图要想想怎么来画</a:t>
+            </a:r>
+          </a:p>
+          <a:p>
+            <a:r>
+              <a:rPr lang="zh-CN"/>
+              <a:t>3、缓存的更新、缓存的预热、缓存失效，缓存击穿、缓存雪崩 的影响</a:t>
+            </a:r>
+          </a:p>
+          <a:p>
+            <a:r>
+              <a:rPr lang="zh-CN"/>
+              <a:t>4、整体链路的缓存，从端侧、接入层、cdn、应用到db缓存</a:t>
             </a:r>
           </a:p>
         </p:txBody>
@@ -1223,14 +1445,11 @@
           <a:p>
             <a:r>
               <a:rPr lang="zh-CN"/>
-              <a:t>1、补充压测的理论：纯理论+BAT怎么做的</a:t>
-            </a:r>
-          </a:p>
-          <a:p>
-            <a:r>
-              <a:rPr lang="zh-CN"/>
-              <a:t>2、指标+系统环境的一致性（预发，生产）、压测模型的构造</a:t>
-            </a:r>
+              <a:t>1、流程图：下单：两步校验  查询缓存和数据库  扣减库存的过程 排队优化【done】</a:t>
+            </a:r>
+          </a:p>
+          <a:p>
+            <a:endParaRPr lang="zh-CN"/>
           </a:p>
         </p:txBody>
       </p:sp>
@@ -1274,16 +1493,7 @@
           <a:bodyPr/>
           <a:lstStyle/>
           <a:p>
-            <a:r>
-              <a:rPr lang="zh-CN"/>
-              <a:t>1、压测数据的准备：影子库、影子表、怎么构造数据和清理数据、打标和标的传递（压测数据和正常数据的隔离）</a:t>
-            </a:r>
-          </a:p>
-          <a:p>
-            <a:r>
-              <a:rPr lang="zh-CN"/>
-              <a:t>2、环境的搭建</a:t>
-            </a:r>
+            <a:endParaRPr lang="zh-CN"/>
           </a:p>
         </p:txBody>
       </p:sp>
@@ -1329,19 +1539,7 @@
           <a:p>
             <a:r>
               <a:rPr lang="zh-CN"/>
-              <a:t>1、只讲述业务指标：qps rt</a:t>
-            </a:r>
-          </a:p>
-          <a:p>
-            <a:r>
-              <a:rPr lang="zh-CN"/>
-              <a:t>2、参考：jmeter的最佳实现</a:t>
-            </a:r>
-          </a:p>
-          <a:p>
-            <a:r>
-              <a:rPr lang="zh-CN"/>
-              <a:t>3、demo需补充障碍</a:t>
+              <a:t>1、这个放前面，这里补充需要掌握的具体知识点和对应的资料，文档链接【done】</a:t>
             </a:r>
           </a:p>
         </p:txBody>
@@ -1388,7 +1586,7 @@
           <a:p>
             <a:r>
               <a:rPr lang="zh-CN"/>
-              <a:t>1、高性能 高可用拆成两个</a:t>
+              <a:t>1、这个放前面，这里补充需要掌握的具体知识点和对应的资料，文档链接【done】</a:t>
             </a:r>
           </a:p>
         </p:txBody>
@@ -1435,23 +1633,13 @@
           <a:p>
             <a:r>
               <a:rPr lang="zh-CN"/>
-              <a:t>针对红色的部分，举例讲解</a:t>
+              <a:t>1、补充压测的理论：纯理论+BAT怎么做的</a:t>
             </a:r>
           </a:p>
           <a:p>
             <a:r>
               <a:rPr lang="zh-CN"/>
-              <a:t>1、</a:t>
-            </a:r>
-            <a:r>
-              <a:rPr lang="zh-CN" sz="2000">
-                <a:solidFill>
-                  <a:srgbClr val="000000"/>
-                </a:solidFill>
-                <a:latin typeface="Microsoft YaHei"/>
-                <a:ea typeface="Microsoft YaHei"/>
-              </a:rPr>
-              <a:t>对强依赖进行限流，对弱依赖进行降级，对上游进行熔断</a:t>
+              <a:t>2、指标+系统环境的一致性（预发，生产）、压测模型的构造</a:t>
             </a:r>
           </a:p>
         </p:txBody>
@@ -1498,23 +1686,13 @@
           <a:p>
             <a:r>
               <a:rPr lang="zh-CN"/>
-              <a:t>针对红色的部分，举例讲解</a:t>
+              <a:t>1、压测数据的准备：影子库、影子表、怎么构造数据和清理数据、打标和标的传递（压测数据和正常数据的隔离）</a:t>
             </a:r>
           </a:p>
           <a:p>
             <a:r>
               <a:rPr lang="zh-CN"/>
-              <a:t>1、</a:t>
-            </a:r>
-            <a:r>
-              <a:rPr lang="zh-CN" sz="2000">
-                <a:solidFill>
-                  <a:srgbClr val="000000"/>
-                </a:solidFill>
-                <a:latin typeface="Microsoft YaHei"/>
-                <a:ea typeface="Microsoft YaHei"/>
-              </a:rPr>
-              <a:t>对强依赖进行限流，对弱依赖进行降级，对上游进行熔断</a:t>
+              <a:t>2、环境的搭建</a:t>
             </a:r>
           </a:p>
         </p:txBody>
@@ -1561,23 +1739,19 @@
           <a:p>
             <a:r>
               <a:rPr lang="zh-CN"/>
-              <a:t>针对红色的部分，举例讲解</a:t>
+              <a:t>1、只讲述业务指标：qps rt</a:t>
             </a:r>
           </a:p>
           <a:p>
             <a:r>
               <a:rPr lang="zh-CN"/>
-              <a:t>1、</a:t>
-            </a:r>
-            <a:r>
-              <a:rPr lang="zh-CN" sz="2000">
-                <a:solidFill>
-                  <a:srgbClr val="000000"/>
-                </a:solidFill>
-                <a:latin typeface="Microsoft YaHei"/>
-                <a:ea typeface="Microsoft YaHei"/>
-              </a:rPr>
-              <a:t>对强依赖进行限流，对弱依赖进行降级，对上游进行熔断</a:t>
+              <a:t>2、参考：jmeter的最佳实现</a:t>
+            </a:r>
+          </a:p>
+          <a:p>
+            <a:r>
+              <a:rPr lang="zh-CN"/>
+              <a:t>3、demo需补充障碍</a:t>
             </a:r>
           </a:p>
         </p:txBody>
@@ -1624,7 +1798,7 @@
           <a:p>
             <a:r>
               <a:rPr lang="zh-CN"/>
-              <a:t>缓存击穿、缓存失效、缓存雪崩</a:t>
+              <a:t>1、高性能 高可用拆成两个</a:t>
             </a:r>
           </a:p>
         </p:txBody>
@@ -1671,7 +1845,86 @@
           <a:p>
             <a:r>
               <a:rPr lang="zh-CN"/>
-              <a:t>乐观锁、悲观锁</a:t>
+              <a:t>针对红色的部分，举例讲解</a:t>
+            </a:r>
+          </a:p>
+          <a:p>
+            <a:r>
+              <a:rPr lang="zh-CN"/>
+              <a:t>1、</a:t>
+            </a:r>
+            <a:r>
+              <a:rPr lang="zh-CN" sz="2000">
+                <a:solidFill>
+                  <a:srgbClr val="000000"/>
+                </a:solidFill>
+                <a:latin typeface="Microsoft YaHei"/>
+                <a:ea typeface="Microsoft YaHei"/>
+              </a:rPr>
+              <a:t>对强依赖进行限流，对弱依赖进行降级，对上游进行熔断</a:t>
+            </a:r>
+          </a:p>
+        </p:txBody>
+      </p:sp>
+    </p:spTree>
+  </p:cSld>
+  <p:clrMapOvr>
+    <a:masterClrMapping/>
+  </p:clrMapOvr>
+</p:notes>
+</file>
+
+<file path=ppt/notesSlides/notesSlide29.xml><?xml version="1.0" encoding="utf-8"?>
+<p:notes xmlns:a="http://schemas.openxmlformats.org/drawingml/2006/main" xmlns:r="http://schemas.openxmlformats.org/officeDocument/2006/relationships" xmlns:p="http://schemas.openxmlformats.org/presentationml/2006/main">
+  <p:cSld>
+    <p:spTree>
+      <p:nvGrpSpPr>
+        <p:cNvPr id="1" name=""/>
+        <p:cNvGrpSpPr/>
+        <p:nvPr/>
+      </p:nvGrpSpPr>
+      <p:grpSpPr>
+        <a:xfrm>
+          <a:off x="0" y="0"/>
+          <a:ext cx="0" cy="0"/>
+          <a:chOff x="0" y="0"/>
+          <a:chExt cx="0" cy="0"/>
+        </a:xfrm>
+      </p:grpSpPr>
+      <p:sp>
+        <p:nvSpPr>
+          <p:cNvPr id="2" name="备注占位符 1"/>
+          <p:cNvSpPr>
+            <a:spLocks noGrp="1"/>
+          </p:cNvSpPr>
+          <p:nvPr>
+            <p:ph type="body" idx="1"/>
+          </p:nvPr>
+        </p:nvSpPr>
+        <p:spPr/>
+        <p:txBody>
+          <a:bodyPr/>
+          <a:lstStyle/>
+          <a:p>
+            <a:r>
+              <a:rPr lang="zh-CN"/>
+              <a:t>针对红色的部分，举例讲解</a:t>
+            </a:r>
+          </a:p>
+          <a:p>
+            <a:r>
+              <a:rPr lang="zh-CN"/>
+              <a:t>1、</a:t>
+            </a:r>
+            <a:r>
+              <a:rPr lang="zh-CN" sz="2000">
+                <a:solidFill>
+                  <a:srgbClr val="000000"/>
+                </a:solidFill>
+                <a:latin typeface="Microsoft YaHei"/>
+                <a:ea typeface="Microsoft YaHei"/>
+              </a:rPr>
+              <a:t>对强依赖进行限流，对弱依赖进行降级，对上游进行熔断</a:t>
             </a:r>
           </a:p>
         </p:txBody>
@@ -1819,6 +2072,163 @@
         <p14:creationId xmlns:p14="http://schemas.microsoft.com/office/powerpoint/2010/main" val="3752713477"/>
       </p:ext>
     </p:extLst>
+  </p:cSld>
+  <p:clrMapOvr>
+    <a:masterClrMapping/>
+  </p:clrMapOvr>
+</p:notes>
+</file>
+
+<file path=ppt/notesSlides/notesSlide30.xml><?xml version="1.0" encoding="utf-8"?>
+<p:notes xmlns:a="http://schemas.openxmlformats.org/drawingml/2006/main" xmlns:r="http://schemas.openxmlformats.org/officeDocument/2006/relationships" xmlns:p="http://schemas.openxmlformats.org/presentationml/2006/main">
+  <p:cSld>
+    <p:spTree>
+      <p:nvGrpSpPr>
+        <p:cNvPr id="1" name=""/>
+        <p:cNvGrpSpPr/>
+        <p:nvPr/>
+      </p:nvGrpSpPr>
+      <p:grpSpPr>
+        <a:xfrm>
+          <a:off x="0" y="0"/>
+          <a:ext cx="0" cy="0"/>
+          <a:chOff x="0" y="0"/>
+          <a:chExt cx="0" cy="0"/>
+        </a:xfrm>
+      </p:grpSpPr>
+      <p:sp>
+        <p:nvSpPr>
+          <p:cNvPr id="2" name="备注占位符 1"/>
+          <p:cNvSpPr>
+            <a:spLocks noGrp="1"/>
+          </p:cNvSpPr>
+          <p:nvPr>
+            <p:ph type="body" idx="1"/>
+          </p:nvPr>
+        </p:nvSpPr>
+        <p:spPr/>
+        <p:txBody>
+          <a:bodyPr/>
+          <a:lstStyle/>
+          <a:p>
+            <a:r>
+              <a:rPr lang="zh-CN"/>
+              <a:t>针对红色的部分，举例讲解</a:t>
+            </a:r>
+          </a:p>
+          <a:p>
+            <a:r>
+              <a:rPr lang="zh-CN"/>
+              <a:t>1、</a:t>
+            </a:r>
+            <a:r>
+              <a:rPr lang="zh-CN" sz="2000">
+                <a:solidFill>
+                  <a:srgbClr val="000000"/>
+                </a:solidFill>
+                <a:latin typeface="Microsoft YaHei"/>
+                <a:ea typeface="Microsoft YaHei"/>
+              </a:rPr>
+              <a:t>对强依赖进行限流，对弱依赖进行降级，对上游进行熔断</a:t>
+            </a:r>
+          </a:p>
+        </p:txBody>
+      </p:sp>
+    </p:spTree>
+  </p:cSld>
+  <p:clrMapOvr>
+    <a:masterClrMapping/>
+  </p:clrMapOvr>
+</p:notes>
+</file>
+
+<file path=ppt/notesSlides/notesSlide31.xml><?xml version="1.0" encoding="utf-8"?>
+<p:notes xmlns:a="http://schemas.openxmlformats.org/drawingml/2006/main" xmlns:r="http://schemas.openxmlformats.org/officeDocument/2006/relationships" xmlns:p="http://schemas.openxmlformats.org/presentationml/2006/main">
+  <p:cSld>
+    <p:spTree>
+      <p:nvGrpSpPr>
+        <p:cNvPr id="1" name=""/>
+        <p:cNvGrpSpPr/>
+        <p:nvPr/>
+      </p:nvGrpSpPr>
+      <p:grpSpPr>
+        <a:xfrm>
+          <a:off x="0" y="0"/>
+          <a:ext cx="0" cy="0"/>
+          <a:chOff x="0" y="0"/>
+          <a:chExt cx="0" cy="0"/>
+        </a:xfrm>
+      </p:grpSpPr>
+      <p:sp>
+        <p:nvSpPr>
+          <p:cNvPr id="2" name="备注占位符 1"/>
+          <p:cNvSpPr>
+            <a:spLocks noGrp="1"/>
+          </p:cNvSpPr>
+          <p:nvPr>
+            <p:ph type="body" idx="1"/>
+          </p:nvPr>
+        </p:nvSpPr>
+        <p:spPr/>
+        <p:txBody>
+          <a:bodyPr/>
+          <a:lstStyle/>
+          <a:p>
+            <a:r>
+              <a:rPr lang="zh-CN"/>
+              <a:t>缓存击穿、缓存失效、缓存雪崩</a:t>
+            </a:r>
+          </a:p>
+        </p:txBody>
+      </p:sp>
+    </p:spTree>
+  </p:cSld>
+  <p:clrMapOvr>
+    <a:masterClrMapping/>
+  </p:clrMapOvr>
+</p:notes>
+</file>
+
+<file path=ppt/notesSlides/notesSlide32.xml><?xml version="1.0" encoding="utf-8"?>
+<p:notes xmlns:a="http://schemas.openxmlformats.org/drawingml/2006/main" xmlns:r="http://schemas.openxmlformats.org/officeDocument/2006/relationships" xmlns:p="http://schemas.openxmlformats.org/presentationml/2006/main">
+  <p:cSld>
+    <p:spTree>
+      <p:nvGrpSpPr>
+        <p:cNvPr id="1" name=""/>
+        <p:cNvGrpSpPr/>
+        <p:nvPr/>
+      </p:nvGrpSpPr>
+      <p:grpSpPr>
+        <a:xfrm>
+          <a:off x="0" y="0"/>
+          <a:ext cx="0" cy="0"/>
+          <a:chOff x="0" y="0"/>
+          <a:chExt cx="0" cy="0"/>
+        </a:xfrm>
+      </p:grpSpPr>
+      <p:sp>
+        <p:nvSpPr>
+          <p:cNvPr id="2" name="备注占位符 1"/>
+          <p:cNvSpPr>
+            <a:spLocks noGrp="1"/>
+          </p:cNvSpPr>
+          <p:nvPr>
+            <p:ph type="body" idx="1"/>
+          </p:nvPr>
+        </p:nvSpPr>
+        <p:spPr/>
+        <p:txBody>
+          <a:bodyPr/>
+          <a:lstStyle/>
+          <a:p>
+            <a:r>
+              <a:rPr lang="zh-CN"/>
+              <a:t>乐观锁、悲观锁</a:t>
+            </a:r>
+          </a:p>
+        </p:txBody>
+      </p:sp>
+    </p:spTree>
   </p:cSld>
   <p:clrMapOvr>
     <a:masterClrMapping/>
@@ -2221,7 +2631,19 @@
       </p:grpSpPr>
       <p:sp>
         <p:nvSpPr>
-          <p:cNvPr id="2" name="备注占位符 1"/>
+          <p:cNvPr id="2" name="幻灯片图像占位符 1"/>
+          <p:cNvSpPr>
+            <a:spLocks noGrp="1" noRot="1" noChangeAspect="1"/>
+          </p:cNvSpPr>
+          <p:nvPr>
+            <p:ph type="sldImg"/>
+          </p:nvPr>
+        </p:nvSpPr>
+        <p:spPr/>
+      </p:sp>
+      <p:sp>
+        <p:nvSpPr>
+          <p:cNvPr id="3" name="备注占位符 2"/>
           <p:cNvSpPr>
             <a:spLocks noGrp="1"/>
           </p:cNvSpPr>
@@ -2234,11 +2656,56 @@
           <a:bodyPr/>
           <a:lstStyle/>
           <a:p>
-            <a:endParaRPr lang="zh-CN"/>
+            <a:r>
+              <a:rPr kumimoji="1" lang="zh-CN" altLang="en-US" dirty="0"/>
+              <a:t>提前的整体视角</a:t>
+            </a:r>
+            <a:endParaRPr kumimoji="1" lang="en-US" altLang="zh-CN" dirty="0"/>
+          </a:p>
+          <a:p>
+            <a:r>
+              <a:rPr kumimoji="1" lang="zh-CN" altLang="en-US" dirty="0"/>
+              <a:t>知识体系和非入门，理解和共鸣</a:t>
+            </a:r>
+            <a:endParaRPr kumimoji="1" lang="en-US" altLang="zh-CN" dirty="0"/>
+          </a:p>
+          <a:p>
+            <a:r>
+              <a:rPr kumimoji="1" lang="zh-CN" altLang="en-US" dirty="0"/>
+              <a:t>程度，解决问题，上升台阶</a:t>
+            </a:r>
+          </a:p>
+        </p:txBody>
+      </p:sp>
+      <p:sp>
+        <p:nvSpPr>
+          <p:cNvPr id="4" name="灯片编号占位符 3"/>
+          <p:cNvSpPr>
+            <a:spLocks noGrp="1"/>
+          </p:cNvSpPr>
+          <p:nvPr>
+            <p:ph type="sldNum" sz="quarter" idx="5"/>
+          </p:nvPr>
+        </p:nvSpPr>
+        <p:spPr/>
+        <p:txBody>
+          <a:bodyPr/>
+          <a:lstStyle/>
+          <a:p>
+            <a:fld id="{1B28674F-E567-AA4B-8C16-788D7CE21C4F}" type="slidenum">
+              <a:rPr lang="en-US" altLang="zh-CN" smtClean="0"/>
+              <a:t>9</a:t>
+            </a:fld>
+            <a:endParaRPr kumimoji="1" lang="zh-CN" altLang="en-US"/>
           </a:p>
         </p:txBody>
       </p:sp>
     </p:spTree>
+    <p:extLst>
+      <p:ext uri="{BB962C8B-B14F-4D97-AF65-F5344CB8AC3E}">
+        <p14:creationId xmlns:p14="http://schemas.microsoft.com/office/powerpoint/2010/main" val="3324612155"/>
+      </p:ext>
+    </p:extLst>
   </p:cSld>
   <p:clrMapOvr>
     <a:masterClrMapping/>
@@ -2265,7 +2732,19 @@
       </p:grpSpPr>
       <p:sp>
         <p:nvSpPr>
-          <p:cNvPr id="2" name="备注占位符 1"/>
+          <p:cNvPr id="2" name="幻灯片图像占位符 1"/>
+          <p:cNvSpPr>
+            <a:spLocks noGrp="1" noRot="1" noChangeAspect="1"/>
+          </p:cNvSpPr>
+          <p:nvPr>
+            <p:ph type="sldImg"/>
+          </p:nvPr>
+        </p:nvSpPr>
+        <p:spPr/>
+      </p:sp>
+      <p:sp>
+        <p:nvSpPr>
+          <p:cNvPr id="3" name="备注占位符 2"/>
           <p:cNvSpPr>
             <a:spLocks noGrp="1"/>
           </p:cNvSpPr>
@@ -2279,55 +2758,42 @@
           <a:lstStyle/>
           <a:p>
             <a:r>
-              <a:rPr lang="zh-CN"/>
-              <a:t>1、点题：“自顶向下，分而治之”--在上一节体现了【done】</a:t>
-            </a:r>
-          </a:p>
-          <a:p>
-            <a:r>
-              <a:rPr lang="zh-CN"/>
-              <a:t>2、举个具体例子【</a:t>
-            </a:r>
-            <a:r>
-              <a:rPr lang="zh-CN" sz="1600">
-                <a:solidFill>
-                  <a:srgbClr val="4D4D4D"/>
-                </a:solidFill>
-                <a:highlight>
-                  <a:srgbClr val="FFFFFF"/>
-                </a:highlight>
-                <a:latin typeface="Microsoft YaHei"/>
-                <a:ea typeface="Microsoft YaHei"/>
-              </a:rPr>
-              <a:t>面向过程的设计理念</a:t>
-            </a:r>
-            <a:r>
-              <a:rPr lang="zh-CN"/>
-              <a:t>】比如：</a:t>
-            </a:r>
-            <a:r>
-              <a:rPr lang="zh-CN" sz="1600">
-                <a:solidFill>
-                  <a:srgbClr val="4D4D4D"/>
-                </a:solidFill>
-                <a:highlight>
-                  <a:srgbClr val="FFFFFF"/>
-                </a:highlight>
-                <a:latin typeface="Microsoft YaHei"/>
-                <a:ea typeface="Microsoft YaHei"/>
-              </a:rPr>
-              <a:t>五子棋，面向过程的设计思路就是首先分析问题的步骤：1、开始游戏，2、黑子先走，3、绘制画面，4、判断输赢，5、轮到白子，6、绘制画面，7、判断输赢，8、返回步骤2，9、输出最后结果。把上面每个步骤用不同的方法来实现。</a:t>
-            </a:r>
-          </a:p>
-          <a:p>
-            <a:r>
-              <a:rPr lang="zh-CN"/>
-              <a:t>3、分层：水平分层+垂直分层</a:t>
-            </a:r>
+              <a:rPr lang="zh-CN" altLang="en-US" dirty="0"/>
+              <a:t>清晰的目标等于成功了一半</a:t>
+            </a:r>
+            <a:endParaRPr lang="en-US" altLang="zh-CN" dirty="0"/>
+          </a:p>
+        </p:txBody>
+      </p:sp>
+      <p:sp>
+        <p:nvSpPr>
+          <p:cNvPr id="4" name="灯片编号占位符 3"/>
+          <p:cNvSpPr>
+            <a:spLocks noGrp="1"/>
+          </p:cNvSpPr>
+          <p:nvPr>
+            <p:ph type="sldNum" sz="quarter" idx="10"/>
+          </p:nvPr>
+        </p:nvSpPr>
+        <p:spPr/>
+        <p:txBody>
+          <a:bodyPr/>
+          <a:lstStyle/>
+          <a:p>
+            <a:fld id="{1B28674F-E567-AA4B-8C16-788D7CE21C4F}" type="slidenum">
+              <a:rPr lang="en-US" altLang="zh-CN" smtClean="0"/>
+              <a:t>10</a:t>
+            </a:fld>
+            <a:endParaRPr kumimoji="1" lang="zh-CN" altLang="en-US"/>
           </a:p>
         </p:txBody>
       </p:sp>
     </p:spTree>
+    <p:extLst>
+      <p:ext uri="{BB962C8B-B14F-4D97-AF65-F5344CB8AC3E}">
+        <p14:creationId xmlns:p14="http://schemas.microsoft.com/office/powerpoint/2010/main" val="3360092973"/>
+      </p:ext>
+    </p:extLst>
   </p:cSld>
   <p:clrMapOvr>
     <a:masterClrMapping/>
@@ -2382,82 +2848,6 @@
 
 <file path=ppt/slideLayouts/slideLayout10.xml><?xml version="1.0" encoding="utf-8"?>
 <p:sldLayout xmlns:a="http://schemas.openxmlformats.org/drawingml/2006/main" xmlns:r="http://schemas.openxmlformats.org/officeDocument/2006/relationships" xmlns:p="http://schemas.openxmlformats.org/presentationml/2006/main">
-  <p:cSld name="标题和竖排文字">
-    <p:spTree>
-      <p:nvGrpSpPr>
-        <p:cNvPr id="1" name=""/>
-        <p:cNvGrpSpPr/>
-        <p:nvPr/>
-      </p:nvGrpSpPr>
-      <p:grpSpPr>
-        <a:xfrm>
-          <a:off x="0" y="0"/>
-          <a:ext cx="0" cy="0"/>
-          <a:chOff x="0" y="0"/>
-          <a:chExt cx="0" cy="0"/>
-        </a:xfrm>
-      </p:grpSpPr>
-      <p:sp>
-        <p:nvSpPr>
-          <p:cNvPr id="2" name="Title 1"/>
-          <p:cNvSpPr>
-            <a:spLocks noGrp="1"/>
-          </p:cNvSpPr>
-          <p:nvPr>
-            <p:ph type="title"/>
-          </p:nvPr>
-        </p:nvSpPr>
-        <p:spPr/>
-        <p:txBody>
-          <a:bodyPr/>
-          <a:lstStyle/>
-          <a:p>
-            <a:r>
-              <a:rPr lang="zh-CN"/>
-              <a:t>单击此处编辑母版标题样式</a:t>
-            </a:r>
-            <a:endParaRPr lang="en-US"/>
-          </a:p>
-        </p:txBody>
-      </p:sp>
-      <p:sp>
-        <p:nvSpPr>
-          <p:cNvPr id="3" name="Vertical Text Placeholder 2"/>
-          <p:cNvSpPr>
-            <a:spLocks noGrp="1"/>
-          </p:cNvSpPr>
-          <p:nvPr>
-            <p:ph type="body" idx="1"/>
-          </p:nvPr>
-        </p:nvSpPr>
-        <p:spPr/>
-        <p:txBody>
-          <a:bodyPr vert="eaVert"/>
-          <a:lstStyle/>
-          <a:p>
-            <a:pPr lvl="0"/>
-            <a:r>
-              <a:rPr lang="zh-CN"/>
-              <a:t>编辑母版文本样式
-第二级
-第三级
-第四级
-第五级</a:t>
-            </a:r>
-            <a:endParaRPr lang="en-US"/>
-          </a:p>
-        </p:txBody>
-      </p:sp>
-    </p:spTree>
-  </p:cSld>
-  <p:clrMapOvr>
-    <a:masterClrMapping/>
-  </p:clrMapOvr>
-</p:sldLayout>
-</file>
-
-<file path=ppt/slideLayouts/slideLayout11.xml><?xml version="1.0" encoding="utf-8"?>
-<p:sldLayout xmlns:a="http://schemas.openxmlformats.org/drawingml/2006/main" xmlns:r="http://schemas.openxmlformats.org/officeDocument/2006/relationships" xmlns:p="http://schemas.openxmlformats.org/presentationml/2006/main">
   <p:cSld name="竖排标题与文本">
     <p:spTree>
       <p:nvGrpSpPr>
@@ -2543,82 +2933,6 @@
 </file>
 
 <file path=ppt/slideLayouts/slideLayout2.xml><?xml version="1.0" encoding="utf-8"?>
-<p:sldLayout xmlns:a="http://schemas.openxmlformats.org/drawingml/2006/main" xmlns:r="http://schemas.openxmlformats.org/officeDocument/2006/relationships" xmlns:p="http://schemas.openxmlformats.org/presentationml/2006/main">
-  <p:cSld name="标题和内容">
-    <p:spTree>
-      <p:nvGrpSpPr>
-        <p:cNvPr id="1" name=""/>
-        <p:cNvGrpSpPr/>
-        <p:nvPr/>
-      </p:nvGrpSpPr>
-      <p:grpSpPr>
-        <a:xfrm>
-          <a:off x="0" y="0"/>
-          <a:ext cx="0" cy="0"/>
-          <a:chOff x="0" y="0"/>
-          <a:chExt cx="0" cy="0"/>
-        </a:xfrm>
-      </p:grpSpPr>
-      <p:sp>
-        <p:nvSpPr>
-          <p:cNvPr id="2" name="Title 1"/>
-          <p:cNvSpPr>
-            <a:spLocks noGrp="1"/>
-          </p:cNvSpPr>
-          <p:nvPr>
-            <p:ph type="title"/>
-          </p:nvPr>
-        </p:nvSpPr>
-        <p:spPr/>
-        <p:txBody>
-          <a:bodyPr/>
-          <a:lstStyle/>
-          <a:p>
-            <a:r>
-              <a:rPr lang="zh-CN"/>
-              <a:t>单击此处编辑母版标题样式</a:t>
-            </a:r>
-            <a:endParaRPr lang="en-US"/>
-          </a:p>
-        </p:txBody>
-      </p:sp>
-      <p:sp>
-        <p:nvSpPr>
-          <p:cNvPr id="3" name="Content Placeholder 2"/>
-          <p:cNvSpPr>
-            <a:spLocks noGrp="1"/>
-          </p:cNvSpPr>
-          <p:nvPr>
-            <p:ph idx="1"/>
-          </p:nvPr>
-        </p:nvSpPr>
-        <p:spPr/>
-        <p:txBody>
-          <a:bodyPr/>
-          <a:lstStyle/>
-          <a:p>
-            <a:pPr lvl="0"/>
-            <a:r>
-              <a:rPr lang="zh-CN"/>
-              <a:t>编辑母版文本样式
-第二级
-第三级
-第四级
-第五级</a:t>
-            </a:r>
-            <a:endParaRPr lang="en-US"/>
-          </a:p>
-        </p:txBody>
-      </p:sp>
-    </p:spTree>
-  </p:cSld>
-  <p:clrMapOvr>
-    <a:masterClrMapping/>
-  </p:clrMapOvr>
-</p:sldLayout>
-</file>
-
-<file path=ppt/slideLayouts/slideLayout3.xml><?xml version="1.0" encoding="utf-8"?>
 <p:sldLayout xmlns:a="http://schemas.openxmlformats.org/drawingml/2006/main" xmlns:r="http://schemas.openxmlformats.org/officeDocument/2006/relationships" xmlns:p="http://schemas.openxmlformats.org/presentationml/2006/main">
   <p:cSld name="节标题">
     <p:spTree>
@@ -2799,7 +3113,7 @@
 </p:sldLayout>
 </file>
 
-<file path=ppt/slideLayouts/slideLayout4.xml><?xml version="1.0" encoding="utf-8"?>
+<file path=ppt/slideLayouts/slideLayout3.xml><?xml version="1.0" encoding="utf-8"?>
 <p:sldLayout xmlns:a="http://schemas.openxmlformats.org/drawingml/2006/main" xmlns:r="http://schemas.openxmlformats.org/officeDocument/2006/relationships" xmlns:p="http://schemas.openxmlformats.org/presentationml/2006/main">
   <p:cSld name="两栏内容">
     <p:spTree>
@@ -2913,7 +3227,7 @@
 </p:sldLayout>
 </file>
 
-<file path=ppt/slideLayouts/slideLayout5.xml><?xml version="1.0" encoding="utf-8"?>
+<file path=ppt/slideLayouts/slideLayout4.xml><?xml version="1.0" encoding="utf-8"?>
 <p:sldLayout xmlns:a="http://schemas.openxmlformats.org/drawingml/2006/main" xmlns:r="http://schemas.openxmlformats.org/officeDocument/2006/relationships" xmlns:p="http://schemas.openxmlformats.org/presentationml/2006/main">
   <p:cSld name="比较">
     <p:spTree>
@@ -3172,7 +3486,7 @@
 </p:sldLayout>
 </file>
 
-<file path=ppt/slideLayouts/slideLayout6.xml><?xml version="1.0" encoding="utf-8"?>
+<file path=ppt/slideLayouts/slideLayout5.xml><?xml version="1.0" encoding="utf-8"?>
 <p:sldLayout xmlns:a="http://schemas.openxmlformats.org/drawingml/2006/main" xmlns:r="http://schemas.openxmlformats.org/officeDocument/2006/relationships" xmlns:p="http://schemas.openxmlformats.org/presentationml/2006/main">
   <p:cSld name="仅标题">
     <p:spTree>
@@ -3220,7 +3534,7 @@
 </p:sldLayout>
 </file>
 
-<file path=ppt/slideLayouts/slideLayout7.xml><?xml version="1.0" encoding="utf-8"?>
+<file path=ppt/slideLayouts/slideLayout6.xml><?xml version="1.0" encoding="utf-8"?>
 <p:sldLayout xmlns:a="http://schemas.openxmlformats.org/drawingml/2006/main" xmlns:r="http://schemas.openxmlformats.org/officeDocument/2006/relationships" xmlns:p="http://schemas.openxmlformats.org/presentationml/2006/main">
   <p:cSld name="空白">
     <p:spTree>
@@ -3245,7 +3559,7 @@
 </p:sldLayout>
 </file>
 
-<file path=ppt/slideLayouts/slideLayout8.xml><?xml version="1.0" encoding="utf-8"?>
+<file path=ppt/slideLayouts/slideLayout7.xml><?xml version="1.0" encoding="utf-8"?>
 <p:sldLayout xmlns:a="http://schemas.openxmlformats.org/drawingml/2006/main" xmlns:r="http://schemas.openxmlformats.org/officeDocument/2006/relationships" xmlns:p="http://schemas.openxmlformats.org/presentationml/2006/main">
   <p:cSld name="内容与标题">
     <p:spTree>
@@ -3433,7 +3747,7 @@
 </p:sldLayout>
 </file>
 
-<file path=ppt/slideLayouts/slideLayout9.xml><?xml version="1.0" encoding="utf-8"?>
+<file path=ppt/slideLayouts/slideLayout8.xml><?xml version="1.0" encoding="utf-8"?>
 <p:sldLayout xmlns:a="http://schemas.openxmlformats.org/drawingml/2006/main" xmlns:r="http://schemas.openxmlformats.org/officeDocument/2006/relationships" xmlns:p="http://schemas.openxmlformats.org/presentationml/2006/main">
   <p:cSld name="图片与标题">
     <p:spTree>
@@ -3603,6 +3917,82 @@
               <a:defRPr sz="750"/>
             </a:lvl9pPr>
           </a:lstStyle>
+          <a:p>
+            <a:pPr lvl="0"/>
+            <a:r>
+              <a:rPr lang="zh-CN"/>
+              <a:t>编辑母版文本样式
+第二级
+第三级
+第四级
+第五级</a:t>
+            </a:r>
+            <a:endParaRPr lang="en-US"/>
+          </a:p>
+        </p:txBody>
+      </p:sp>
+    </p:spTree>
+  </p:cSld>
+  <p:clrMapOvr>
+    <a:masterClrMapping/>
+  </p:clrMapOvr>
+</p:sldLayout>
+</file>
+
+<file path=ppt/slideLayouts/slideLayout9.xml><?xml version="1.0" encoding="utf-8"?>
+<p:sldLayout xmlns:a="http://schemas.openxmlformats.org/drawingml/2006/main" xmlns:r="http://schemas.openxmlformats.org/officeDocument/2006/relationships" xmlns:p="http://schemas.openxmlformats.org/presentationml/2006/main">
+  <p:cSld name="标题和竖排文字">
+    <p:spTree>
+      <p:nvGrpSpPr>
+        <p:cNvPr id="1" name=""/>
+        <p:cNvGrpSpPr/>
+        <p:nvPr/>
+      </p:nvGrpSpPr>
+      <p:grpSpPr>
+        <a:xfrm>
+          <a:off x="0" y="0"/>
+          <a:ext cx="0" cy="0"/>
+          <a:chOff x="0" y="0"/>
+          <a:chExt cx="0" cy="0"/>
+        </a:xfrm>
+      </p:grpSpPr>
+      <p:sp>
+        <p:nvSpPr>
+          <p:cNvPr id="2" name="Title 1"/>
+          <p:cNvSpPr>
+            <a:spLocks noGrp="1"/>
+          </p:cNvSpPr>
+          <p:nvPr>
+            <p:ph type="title"/>
+          </p:nvPr>
+        </p:nvSpPr>
+        <p:spPr/>
+        <p:txBody>
+          <a:bodyPr/>
+          <a:lstStyle/>
+          <a:p>
+            <a:r>
+              <a:rPr lang="zh-CN"/>
+              <a:t>单击此处编辑母版标题样式</a:t>
+            </a:r>
+            <a:endParaRPr lang="en-US"/>
+          </a:p>
+        </p:txBody>
+      </p:sp>
+      <p:sp>
+        <p:nvSpPr>
+          <p:cNvPr id="3" name="Vertical Text Placeholder 2"/>
+          <p:cNvSpPr>
+            <a:spLocks noGrp="1"/>
+          </p:cNvSpPr>
+          <p:nvPr>
+            <p:ph type="body" idx="1"/>
+          </p:nvPr>
+        </p:nvSpPr>
+        <p:spPr/>
+        <p:txBody>
+          <a:bodyPr vert="eaVert"/>
+          <a:lstStyle/>
           <a:p>
             <a:pPr lvl="0"/>
             <a:r>
@@ -3726,16 +4116,15 @@
   <p:clrMap bg1="lt1" tx1="dk1" bg2="lt2" tx2="dk2" accent1="accent1" accent2="accent2" accent3="accent3" accent4="accent4" accent5="accent5" accent6="accent6" hlink="hlink" folHlink="folHlink"/>
   <p:sldLayoutIdLst>
     <p:sldLayoutId id="2147483649" r:id="rId1"/>
-    <p:sldLayoutId id="2147483650" r:id="rId2"/>
-    <p:sldLayoutId id="2147483651" r:id="rId3"/>
-    <p:sldLayoutId id="2147483652" r:id="rId4"/>
-    <p:sldLayoutId id="2147483653" r:id="rId5"/>
-    <p:sldLayoutId id="2147483654" r:id="rId6"/>
-    <p:sldLayoutId id="2147483655" r:id="rId7"/>
-    <p:sldLayoutId id="2147483656" r:id="rId8"/>
-    <p:sldLayoutId id="2147483657" r:id="rId9"/>
-    <p:sldLayoutId id="2147483658" r:id="rId10"/>
-    <p:sldLayoutId id="2147483659" r:id="rId11"/>
+    <p:sldLayoutId id="2147483651" r:id="rId2"/>
+    <p:sldLayoutId id="2147483652" r:id="rId3"/>
+    <p:sldLayoutId id="2147483653" r:id="rId4"/>
+    <p:sldLayoutId id="2147483654" r:id="rId5"/>
+    <p:sldLayoutId id="2147483655" r:id="rId6"/>
+    <p:sldLayoutId id="2147483656" r:id="rId7"/>
+    <p:sldLayoutId id="2147483657" r:id="rId8"/>
+    <p:sldLayoutId id="2147483658" r:id="rId9"/>
+    <p:sldLayoutId id="2147483659" r:id="rId10"/>
   </p:sldLayoutIdLst>
   <p:txStyles>
     <p:titleStyle>
@@ -4085,261 +4474,751 @@
       </p:grpSpPr>
       <p:sp>
         <p:nvSpPr>
-          <p:cNvPr id="3" name="标题 1"/>
-          <p:cNvSpPr txBox="1"/>
+          <p:cNvPr id="14" name="文本框">
+            <a:extLst>
+              <a:ext uri="{FF2B5EF4-FFF2-40B4-BE49-F238E27FC236}">
+                <a16:creationId xmlns:a16="http://schemas.microsoft.com/office/drawing/2014/main" id="{BDEA2917-E9F9-4A2F-AB6E-08C5320955B6}"/>
+              </a:ext>
+            </a:extLst>
+          </p:cNvPr>
+          <p:cNvSpPr txBox="1">
+            <a:spLocks/>
+          </p:cNvSpPr>
           <p:nvPr/>
         </p:nvSpPr>
         <p:spPr>
           <a:xfrm>
-            <a:off x="4902440" y="1781163"/>
-            <a:ext cx="3359458" cy="421137"/>
+            <a:off x="467544" y="1275606"/>
+            <a:ext cx="8229600" cy="507999"/>
           </a:xfrm>
           <a:prstGeom prst="rect">
             <a:avLst/>
           </a:prstGeom>
+          <a:noFill/>
+          <a:ln w="9525" cap="flat" cmpd="sng">
+            <a:noFill/>
+            <a:prstDash val="solid"/>
+            <a:round/>
+          </a:ln>
         </p:spPr>
         <p:txBody>
-          <a:bodyPr vert="horz" lIns="91440" tIns="45720" rIns="91440" bIns="45720" anchor="ctr"/>
+          <a:bodyPr vert="horz" wrap="square" lIns="91440" tIns="45720" rIns="91440" bIns="45720" anchor="ctr" anchorCtr="0">
+            <a:prstTxWarp prst="textNoShape">
+              <a:avLst/>
+            </a:prstTxWarp>
+          </a:bodyPr>
           <a:lstStyle>
-            <a:lvl1pPr lvl="0" algn="l" defTabSz="685800">
+            <a:lvl1pPr marL="171450" lvl="0" indent="-171450" algn="l" defTabSz="685800">
               <a:lnSpc>
                 <a:spcPct val="90000"/>
               </a:lnSpc>
               <a:spcBef>
-                <a:spcPct val="0"/>
+                <a:spcPts val="750"/>
+              </a:spcBef>
+              <a:buFont typeface="Arial" charset="0"/>
+              <a:buChar char="•"/>
+              <a:defRPr sz="2100" kern="1200">
+                <a:solidFill>
+                  <a:schemeClr val="tx1"/>
+                </a:solidFill>
+                <a:latin typeface="Calibri"/>
+                <a:ea typeface="等线"/>
+              </a:defRPr>
+            </a:lvl1pPr>
+            <a:lvl2pPr marL="514350" lvl="1" indent="-171450" algn="l" defTabSz="685800">
+              <a:lnSpc>
+                <a:spcPct val="90000"/>
+              </a:lnSpc>
+              <a:spcBef>
+                <a:spcPts val="375"/>
+              </a:spcBef>
+              <a:buFont typeface="Arial" charset="0"/>
+              <a:buChar char="•"/>
+              <a:defRPr sz="1800" kern="1200">
+                <a:solidFill>
+                  <a:schemeClr val="tx1"/>
+                </a:solidFill>
+                <a:latin typeface="Calibri"/>
+                <a:ea typeface="等线"/>
+              </a:defRPr>
+            </a:lvl2pPr>
+            <a:lvl3pPr marL="857250" lvl="2" indent="-171450" algn="l" defTabSz="685800">
+              <a:lnSpc>
+                <a:spcPct val="90000"/>
+              </a:lnSpc>
+              <a:spcBef>
+                <a:spcPts val="375"/>
+              </a:spcBef>
+              <a:buFont typeface="Arial" charset="0"/>
+              <a:buChar char="•"/>
+              <a:defRPr sz="1500" kern="1200">
+                <a:solidFill>
+                  <a:schemeClr val="tx1"/>
+                </a:solidFill>
+                <a:latin typeface="Calibri"/>
+                <a:ea typeface="等线"/>
+              </a:defRPr>
+            </a:lvl3pPr>
+            <a:lvl4pPr marL="1200150" lvl="3" indent="-171450" algn="l" defTabSz="685800">
+              <a:lnSpc>
+                <a:spcPct val="90000"/>
+              </a:lnSpc>
+              <a:spcBef>
+                <a:spcPts val="375"/>
+              </a:spcBef>
+              <a:buFont typeface="Arial" charset="0"/>
+              <a:buChar char="•"/>
+              <a:defRPr sz="1350" kern="1200">
+                <a:solidFill>
+                  <a:schemeClr val="tx1"/>
+                </a:solidFill>
+                <a:latin typeface="Calibri"/>
+                <a:ea typeface="等线"/>
+              </a:defRPr>
+            </a:lvl4pPr>
+            <a:lvl5pPr marL="1543050" lvl="4" indent="-171450" algn="l" defTabSz="685800">
+              <a:lnSpc>
+                <a:spcPct val="90000"/>
+              </a:lnSpc>
+              <a:spcBef>
+                <a:spcPts val="375"/>
+              </a:spcBef>
+              <a:buFont typeface="Arial" charset="0"/>
+              <a:buChar char="•"/>
+              <a:defRPr sz="1350" kern="1200">
+                <a:solidFill>
+                  <a:schemeClr val="tx1"/>
+                </a:solidFill>
+                <a:latin typeface="Calibri"/>
+                <a:ea typeface="等线"/>
+              </a:defRPr>
+            </a:lvl5pPr>
+            <a:lvl6pPr marL="1885950" lvl="5" indent="-171450" algn="l" defTabSz="685800">
+              <a:lnSpc>
+                <a:spcPct val="90000"/>
+              </a:lnSpc>
+              <a:spcBef>
+                <a:spcPts val="375"/>
+              </a:spcBef>
+              <a:buFont typeface="Arial" charset="0"/>
+              <a:buChar char="•"/>
+              <a:defRPr sz="1350" kern="1200">
+                <a:solidFill>
+                  <a:schemeClr val="tx1"/>
+                </a:solidFill>
+                <a:latin typeface="Calibri"/>
+                <a:ea typeface="等线"/>
+              </a:defRPr>
+            </a:lvl6pPr>
+            <a:lvl7pPr marL="2228850" lvl="6" indent="-171450" algn="l" defTabSz="685800">
+              <a:lnSpc>
+                <a:spcPct val="90000"/>
+              </a:lnSpc>
+              <a:spcBef>
+                <a:spcPts val="375"/>
+              </a:spcBef>
+              <a:buFont typeface="Arial" charset="0"/>
+              <a:buChar char="•"/>
+              <a:defRPr sz="1350" kern="1200">
+                <a:solidFill>
+                  <a:schemeClr val="tx1"/>
+                </a:solidFill>
+                <a:latin typeface="Calibri"/>
+                <a:ea typeface="等线"/>
+              </a:defRPr>
+            </a:lvl7pPr>
+            <a:lvl8pPr marL="2571750" lvl="7" indent="-171450" algn="l" defTabSz="685800">
+              <a:lnSpc>
+                <a:spcPct val="90000"/>
+              </a:lnSpc>
+              <a:spcBef>
+                <a:spcPts val="375"/>
+              </a:spcBef>
+              <a:buFont typeface="Arial" charset="0"/>
+              <a:buChar char="•"/>
+              <a:defRPr sz="1350" kern="1200">
+                <a:solidFill>
+                  <a:schemeClr val="tx1"/>
+                </a:solidFill>
+                <a:latin typeface="Calibri"/>
+                <a:ea typeface="等线"/>
+              </a:defRPr>
+            </a:lvl8pPr>
+            <a:lvl9pPr marL="2914650" lvl="8" indent="-171450" algn="l" defTabSz="685800">
+              <a:lnSpc>
+                <a:spcPct val="90000"/>
+              </a:lnSpc>
+              <a:spcBef>
+                <a:spcPts val="375"/>
+              </a:spcBef>
+              <a:buFont typeface="Arial" charset="0"/>
+              <a:buChar char="•"/>
+              <a:defRPr sz="1350" kern="1200">
+                <a:solidFill>
+                  <a:schemeClr val="tx1"/>
+                </a:solidFill>
+                <a:latin typeface="Calibri"/>
+                <a:ea typeface="等线"/>
+              </a:defRPr>
+            </a:lvl9pPr>
+          </a:lstStyle>
+          <a:p>
+            <a:pPr marL="0" indent="0">
+              <a:lnSpc>
+                <a:spcPct val="100000"/>
+              </a:lnSpc>
+              <a:spcBef>
+                <a:spcPct val="20000"/>
               </a:spcBef>
               <a:buNone/>
-              <a:defRPr sz="3300" kern="1200">
-                <a:solidFill>
-                  <a:schemeClr val="tx1"/>
-                </a:solidFill>
-                <a:latin typeface="Calibri Light"/>
-                <a:ea typeface="等线 Light"/>
-              </a:defRPr>
-            </a:lvl1pPr>
-          </a:lstStyle>
-          <a:p>
-            <a:pPr marL="342900" indent="-342900">
-              <a:buFont typeface="Wingdings" charset="2"/>
-              <a:buChar char="u"/>
             </a:pPr>
             <a:r>
-              <a:rPr lang="en-US" sz="2000">
-                <a:solidFill>
-                  <a:srgbClr val="FF0000"/>
-                </a:solidFill>
-                <a:latin typeface="微软雅黑"/>
-                <a:ea typeface="微软雅黑"/>
+              <a:rPr lang="zh-CN" altLang="en-US" sz="2200" b="1" dirty="0">
+                <a:solidFill>
+                  <a:srgbClr val="000000"/>
+                </a:solidFill>
+                <a:latin typeface="微软雅黑" panose="020B0503020204020204" pitchFamily="34" charset="-122"/>
+                <a:ea typeface="微软雅黑" panose="020B0503020204020204" pitchFamily="34" charset="-122"/>
+                <a:cs typeface="Times New Roman" charset="0"/>
               </a:rPr>
-              <a:t>系统分析设计与实现</a:t>
-            </a:r>
+              <a:t>系统分析</a:t>
+            </a:r>
+            <a:r>
+              <a:rPr lang="en-US" altLang="zh-CN" sz="2200" kern="0" dirty="0">
+                <a:solidFill>
+                  <a:srgbClr val="212121"/>
+                </a:solidFill>
+                <a:latin typeface="微软雅黑" charset="0"/>
+                <a:ea typeface="微软雅黑" charset="0"/>
+                <a:cs typeface="Times New Roman" charset="0"/>
+              </a:rPr>
+              <a:t>	</a:t>
+            </a:r>
+            <a:endParaRPr lang="zh-CN" altLang="en-US" sz="2200" kern="0" dirty="0">
+              <a:solidFill>
+                <a:srgbClr val="212121"/>
+              </a:solidFill>
+              <a:latin typeface="微软雅黑" charset="0"/>
+              <a:ea typeface="微软雅黑" charset="0"/>
+              <a:cs typeface="Times New Roman" charset="0"/>
+            </a:endParaRPr>
           </a:p>
         </p:txBody>
       </p:sp>
       <p:sp>
         <p:nvSpPr>
-          <p:cNvPr id="4" name="标题 1"/>
-          <p:cNvSpPr txBox="1"/>
+          <p:cNvPr id="21" name="矩形">
+            <a:extLst>
+              <a:ext uri="{FF2B5EF4-FFF2-40B4-BE49-F238E27FC236}">
+                <a16:creationId xmlns:a16="http://schemas.microsoft.com/office/drawing/2014/main" id="{205A0FB6-F4B6-49D2-B42C-0D9BF450DFAC}"/>
+              </a:ext>
+            </a:extLst>
+          </p:cNvPr>
+          <p:cNvSpPr>
+            <a:spLocks/>
+          </p:cNvSpPr>
           <p:nvPr/>
         </p:nvSpPr>
         <p:spPr>
           <a:xfrm>
-            <a:off x="1312524" y="3014817"/>
-            <a:ext cx="3492766" cy="421137"/>
+            <a:off x="468312" y="480975"/>
+            <a:ext cx="8229600" cy="576262"/>
           </a:xfrm>
           <a:prstGeom prst="rect">
             <a:avLst/>
           </a:prstGeom>
+          <a:noFill/>
+          <a:ln w="9525" cap="flat" cmpd="sng">
+            <a:noFill/>
+            <a:prstDash val="solid"/>
+            <a:miter/>
+          </a:ln>
         </p:spPr>
         <p:txBody>
-          <a:bodyPr vert="horz" lIns="91440" tIns="45720" rIns="91440" bIns="45720" anchor="ctr"/>
-          <a:lstStyle>
-            <a:lvl1pPr lvl="0" algn="l" defTabSz="685800">
-              <a:lnSpc>
-                <a:spcPct val="90000"/>
-              </a:lnSpc>
-              <a:spcBef>
-                <a:spcPct val="0"/>
-              </a:spcBef>
-              <a:buNone/>
-              <a:defRPr sz="3300" kern="1200">
-                <a:solidFill>
-                  <a:schemeClr val="tx1"/>
-                </a:solidFill>
-                <a:latin typeface="Calibri Light"/>
-                <a:ea typeface="等线 Light"/>
-              </a:defRPr>
-            </a:lvl1pPr>
-          </a:lstStyle>
-          <a:p>
-            <a:pPr marL="342900" indent="-342900">
-              <a:buFont typeface="Wingdings" charset="2"/>
-              <a:buChar char="u"/>
-            </a:pPr>
-            <a:r>
-              <a:rPr lang="en-US" sz="1850">
-                <a:solidFill>
-                  <a:srgbClr val="000000"/>
-                </a:solidFill>
-                <a:latin typeface="微软雅黑"/>
-                <a:ea typeface="微软雅黑"/>
+          <a:bodyPr vert="horz" wrap="square" lIns="91440" tIns="45720" rIns="91440" bIns="45720" anchor="t" anchorCtr="0">
+            <a:prstTxWarp prst="textNoShape">
+              <a:avLst/>
+            </a:prstTxWarp>
+          </a:bodyPr>
+          <a:lstStyle/>
+          <a:p>
+            <a:pPr algn="ctr" eaLnBrk="0" fontAlgn="base" hangingPunct="0"/>
+            <a:r>
+              <a:rPr lang="zh-CN" altLang="en-US" sz="3000" b="1" kern="0" dirty="0">
+                <a:latin typeface="微软雅黑" charset="0"/>
+                <a:ea typeface="微软雅黑" charset="0"/>
+                <a:cs typeface="微软雅黑" charset="0"/>
               </a:rPr>
-              <a:t>架构度量和压力测试</a:t>
-            </a:r>
+              <a:t>系统分析设计和实现</a:t>
+            </a:r>
+            <a:endParaRPr lang="zh-CN" altLang="en-US" sz="3000" b="1" u="none" strike="noStrike" kern="0" cap="none" spc="0" baseline="0" dirty="0">
+              <a:latin typeface="微软雅黑" charset="0"/>
+              <a:ea typeface="微软雅黑" charset="0"/>
+              <a:cs typeface="微软雅黑" charset="0"/>
+              <a:sym typeface="Calibri" pitchFamily="34" charset="0"/>
+            </a:endParaRPr>
           </a:p>
         </p:txBody>
       </p:sp>
       <p:sp>
         <p:nvSpPr>
-          <p:cNvPr id="5" name="标题 1"/>
-          <p:cNvSpPr txBox="1"/>
+          <p:cNvPr id="22" name="矩形">
+            <a:extLst>
+              <a:ext uri="{FF2B5EF4-FFF2-40B4-BE49-F238E27FC236}">
+                <a16:creationId xmlns:a16="http://schemas.microsoft.com/office/drawing/2014/main" id="{8F47FDEC-0F10-41D7-8D2E-BC531038F06E}"/>
+              </a:ext>
+            </a:extLst>
+          </p:cNvPr>
+          <p:cNvSpPr>
+            <a:spLocks/>
+          </p:cNvSpPr>
           <p:nvPr/>
         </p:nvSpPr>
         <p:spPr>
           <a:xfrm>
-            <a:off x="1312524" y="1781163"/>
-            <a:ext cx="3415003" cy="421137"/>
+            <a:off x="543224" y="2963728"/>
+            <a:ext cx="8565279" cy="400110"/>
           </a:xfrm>
           <a:prstGeom prst="rect">
             <a:avLst/>
           </a:prstGeom>
+          <a:noFill/>
+          <a:ln w="9525" cap="flat" cmpd="sng">
+            <a:noFill/>
+            <a:prstDash val="solid"/>
+            <a:miter/>
+          </a:ln>
         </p:spPr>
         <p:txBody>
-          <a:bodyPr vert="horz" lIns="91440" tIns="45720" rIns="91440" bIns="45720" anchor="ctr"/>
-          <a:lstStyle>
-            <a:lvl1pPr lvl="0" algn="l" defTabSz="685800">
-              <a:lnSpc>
-                <a:spcPct val="90000"/>
-              </a:lnSpc>
-              <a:spcBef>
-                <a:spcPct val="0"/>
-              </a:spcBef>
-              <a:buNone/>
-              <a:defRPr sz="3300" kern="1200">
-                <a:solidFill>
-                  <a:schemeClr val="tx1"/>
-                </a:solidFill>
-                <a:latin typeface="Calibri Light"/>
-                <a:ea typeface="等线 Light"/>
-              </a:defRPr>
-            </a:lvl1pPr>
-          </a:lstStyle>
-          <a:p>
-            <a:pPr marL="342900" indent="-342900">
-              <a:buFont typeface="Wingdings" charset="2"/>
+          <a:bodyPr vert="horz" wrap="square" lIns="91440" tIns="45720" rIns="91440" bIns="45720" anchor="ctr" anchorCtr="0">
+            <a:prstTxWarp prst="textNoShape">
+              <a:avLst/>
+            </a:prstTxWarp>
+            <a:spAutoFit/>
+          </a:bodyPr>
+          <a:lstStyle/>
+          <a:p>
+            <a:pPr marL="800100" lvl="1" indent="-342900">
+              <a:buFont typeface="Wingdings" panose="05000000000000000000" pitchFamily="2" charset="2"/>
               <a:buChar char="u"/>
             </a:pPr>
             <a:r>
-              <a:rPr lang="en-US" sz="2000" dirty="0">
-                <a:solidFill>
-                  <a:srgbClr val="000000"/>
-                </a:solidFill>
-                <a:latin typeface="微软雅黑"/>
-                <a:ea typeface="微软雅黑"/>
+              <a:rPr lang="zh-CN" altLang="en-US" sz="2000" u="none" strike="noStrike" kern="1200" cap="none" spc="0" baseline="0" dirty="0">
+                <a:solidFill>
+                  <a:srgbClr val="474747"/>
+                </a:solidFill>
+                <a:latin typeface="微软雅黑" charset="0"/>
+                <a:ea typeface="微软雅黑" charset="0"/>
+                <a:cs typeface="微软雅黑" charset="0"/>
+                <a:sym typeface="Calibri" pitchFamily="34" charset="0"/>
               </a:rPr>
-              <a:t>课程介绍和课程目标</a:t>
-            </a:r>
+              <a:t>技术目标</a:t>
+            </a:r>
+            <a:endParaRPr lang="zh-CN" altLang="en-US" sz="2000" u="none" strike="noStrike" kern="1200" cap="none" spc="0" baseline="0" dirty="0">
+              <a:solidFill>
+                <a:srgbClr val="C9394A"/>
+              </a:solidFill>
+              <a:latin typeface="微软雅黑" charset="0"/>
+              <a:ea typeface="微软雅黑" charset="0"/>
+              <a:cs typeface="微软雅黑" charset="0"/>
+              <a:sym typeface="Calibri" pitchFamily="34" charset="0"/>
+            </a:endParaRPr>
           </a:p>
         </p:txBody>
       </p:sp>
       <p:sp>
         <p:nvSpPr>
-          <p:cNvPr id="6" name="标题 1"/>
-          <p:cNvSpPr txBox="1"/>
+          <p:cNvPr id="23" name="矩形">
+            <a:extLst>
+              <a:ext uri="{FF2B5EF4-FFF2-40B4-BE49-F238E27FC236}">
+                <a16:creationId xmlns:a16="http://schemas.microsoft.com/office/drawing/2014/main" id="{91BB6437-2F6A-4CD4-AFBB-63B4A98E9212}"/>
+              </a:ext>
+            </a:extLst>
+          </p:cNvPr>
+          <p:cNvSpPr>
+            <a:spLocks/>
+          </p:cNvSpPr>
           <p:nvPr/>
         </p:nvSpPr>
         <p:spPr>
           <a:xfrm>
-            <a:off x="2512219" y="471201"/>
-            <a:ext cx="4119561" cy="469410"/>
+            <a:off x="539551" y="2211710"/>
+            <a:ext cx="8565279" cy="400110"/>
           </a:xfrm>
           <a:prstGeom prst="rect">
             <a:avLst/>
           </a:prstGeom>
+          <a:noFill/>
+          <a:ln w="9525" cap="flat" cmpd="sng">
+            <a:noFill/>
+            <a:prstDash val="solid"/>
+            <a:miter/>
+          </a:ln>
         </p:spPr>
         <p:txBody>
-          <a:bodyPr vert="horz" lIns="91440" tIns="45720" rIns="91440" bIns="45720" anchor="ctr"/>
-          <a:lstStyle>
-            <a:lvl1pPr lvl="0" algn="ctr">
-              <a:lnSpc>
-                <a:spcPct val="90000"/>
-              </a:lnSpc>
-              <a:spcBef>
-                <a:spcPct val="0"/>
-              </a:spcBef>
-              <a:buNone/>
-              <a:defRPr sz="3200">
-                <a:latin typeface="PingFang SC Regular"/>
-                <a:ea typeface="Microsoft YaHei"/>
-              </a:defRPr>
-            </a:lvl1pPr>
-          </a:lstStyle>
-          <a:p>
-            <a:r>
-              <a:rPr lang="zh-CN">
-                <a:latin typeface="微软雅黑"/>
-                <a:ea typeface="微软雅黑"/>
-              </a:rPr>
-              <a:t>课程内容</a:t>
-            </a:r>
-          </a:p>
-        </p:txBody>
-      </p:sp>
-      <p:sp>
-        <p:nvSpPr>
-          <p:cNvPr id="7" name="标题 1"/>
-          <p:cNvSpPr txBox="1"/>
-          <p:nvPr/>
-        </p:nvSpPr>
-        <p:spPr>
-          <a:xfrm>
-            <a:off x="4902440" y="3014817"/>
-            <a:ext cx="3503876" cy="421137"/>
-          </a:xfrm>
-          <a:prstGeom prst="rect">
-            <a:avLst/>
-          </a:prstGeom>
-        </p:spPr>
-        <p:txBody>
-          <a:bodyPr vert="horz" lIns="91440" tIns="45720" rIns="91440" bIns="45720" anchor="ctr"/>
-          <a:lstStyle>
-            <a:lvl1pPr lvl="0" algn="l" defTabSz="685800">
-              <a:lnSpc>
-                <a:spcPct val="90000"/>
-              </a:lnSpc>
-              <a:spcBef>
-                <a:spcPct val="0"/>
-              </a:spcBef>
-              <a:buNone/>
-              <a:defRPr sz="3300" kern="1200">
-                <a:solidFill>
-                  <a:schemeClr val="tx1"/>
-                </a:solidFill>
-                <a:latin typeface="Calibri Light"/>
-                <a:ea typeface="等线 Light"/>
-              </a:defRPr>
-            </a:lvl1pPr>
-          </a:lstStyle>
-          <a:p>
-            <a:pPr marL="342900" indent="-342900">
-              <a:buFont typeface="Wingdings" charset="2"/>
+          <a:bodyPr vert="horz" wrap="square" lIns="91440" tIns="45720" rIns="91440" bIns="45720" anchor="ctr" anchorCtr="0">
+            <a:prstTxWarp prst="textNoShape">
+              <a:avLst/>
+            </a:prstTxWarp>
+            <a:spAutoFit/>
+          </a:bodyPr>
+          <a:lstStyle/>
+          <a:p>
+            <a:pPr marL="800100" lvl="1" indent="-342900">
+              <a:buFont typeface="Wingdings" panose="05000000000000000000" pitchFamily="2" charset="2"/>
               <a:buChar char="u"/>
             </a:pPr>
             <a:r>
-              <a:rPr lang="en-US" sz="2000">
-                <a:latin typeface="微软雅黑"/>
-                <a:ea typeface="微软雅黑"/>
+              <a:rPr lang="zh-CN" altLang="en-US" sz="2000" u="none" strike="noStrike" kern="1200" cap="none" spc="0" baseline="0" dirty="0">
+                <a:solidFill>
+                  <a:srgbClr val="474747"/>
+                </a:solidFill>
+                <a:latin typeface="微软雅黑" charset="0"/>
+                <a:ea typeface="微软雅黑" charset="0"/>
+                <a:cs typeface="微软雅黑" charset="0"/>
               </a:rPr>
-              <a:t>架构持续优化和演进</a:t>
-            </a:r>
+              <a:t>业务场景</a:t>
+            </a:r>
+            <a:endParaRPr lang="zh-CN" altLang="en-US" sz="2000" u="none" strike="noStrike" kern="1200" cap="none" spc="0" baseline="0" dirty="0">
+              <a:solidFill>
+                <a:srgbClr val="C9394A"/>
+              </a:solidFill>
+              <a:latin typeface="微软雅黑" charset="0"/>
+              <a:ea typeface="微软雅黑" charset="0"/>
+              <a:cs typeface="微软雅黑" charset="0"/>
+            </a:endParaRPr>
           </a:p>
         </p:txBody>
       </p:sp>
     </p:spTree>
+    <p:extLst>
+      <p:ext uri="{BB962C8B-B14F-4D97-AF65-F5344CB8AC3E}">
+        <p14:creationId xmlns:p14="http://schemas.microsoft.com/office/powerpoint/2010/main" val="1328359824"/>
+      </p:ext>
+    </p:extLst>
   </p:cSld>
   <p:clrMapOvr>
     <a:masterClrMapping/>
   </p:clrMapOvr>
+  <p:timing>
+    <p:tnLst>
+      <p:par>
+        <p:cTn id="1" dur="indefinite" restart="never" nodeType="tmRoot">
+          <p:childTnLst>
+            <p:seq concurrent="1" nextAc="seek">
+              <p:cTn id="2" dur="indefinite" nodeType="mainSeq">
+                <p:childTnLst>
+                  <p:par>
+                    <p:cTn id="3" fill="hold">
+                      <p:stCondLst>
+                        <p:cond delay="indefinite"/>
+                      </p:stCondLst>
+                      <p:childTnLst>
+                        <p:par>
+                          <p:cTn id="4" fill="hold">
+                            <p:stCondLst>
+                              <p:cond delay="0"/>
+                            </p:stCondLst>
+                            <p:childTnLst>
+                              <p:par>
+                                <p:cTn id="5" presetID="2" presetClass="entr" presetSubtype="4" fill="hold" nodeType="clickEffect">
+                                  <p:stCondLst>
+                                    <p:cond delay="0"/>
+                                  </p:stCondLst>
+                                  <p:childTnLst>
+                                    <p:set>
+                                      <p:cBhvr>
+                                        <p:cTn id="6" dur="1" fill="hold">
+                                          <p:stCondLst>
+                                            <p:cond delay="0"/>
+                                          </p:stCondLst>
+                                        </p:cTn>
+                                        <p:tgtEl>
+                                          <p:spTgt spid="14">
+                                            <p:txEl>
+                                              <p:pRg st="0" end="0"/>
+                                            </p:txEl>
+                                          </p:spTgt>
+                                        </p:tgtEl>
+                                        <p:attrNameLst>
+                                          <p:attrName>style.visibility</p:attrName>
+                                        </p:attrNameLst>
+                                      </p:cBhvr>
+                                      <p:to>
+                                        <p:strVal val="visible"/>
+                                      </p:to>
+                                    </p:set>
+                                    <p:anim calcmode="lin" valueType="num">
+                                      <p:cBhvr additive="base">
+                                        <p:cTn id="7" dur="500" fill="hold"/>
+                                        <p:tgtEl>
+                                          <p:spTgt spid="14">
+                                            <p:txEl>
+                                              <p:pRg st="0" end="0"/>
+                                            </p:txEl>
+                                          </p:spTgt>
+                                        </p:tgtEl>
+                                        <p:attrNameLst>
+                                          <p:attrName>ppt_x</p:attrName>
+                                        </p:attrNameLst>
+                                      </p:cBhvr>
+                                      <p:tavLst>
+                                        <p:tav tm="0">
+                                          <p:val>
+                                            <p:strVal val="#ppt_x"/>
+                                          </p:val>
+                                        </p:tav>
+                                        <p:tav tm="100000">
+                                          <p:val>
+                                            <p:strVal val="#ppt_x"/>
+                                          </p:val>
+                                        </p:tav>
+                                      </p:tavLst>
+                                    </p:anim>
+                                    <p:anim calcmode="lin" valueType="num">
+                                      <p:cBhvr additive="base">
+                                        <p:cTn id="8" dur="500" fill="hold"/>
+                                        <p:tgtEl>
+                                          <p:spTgt spid="14">
+                                            <p:txEl>
+                                              <p:pRg st="0" end="0"/>
+                                            </p:txEl>
+                                          </p:spTgt>
+                                        </p:tgtEl>
+                                        <p:attrNameLst>
+                                          <p:attrName>ppt_y</p:attrName>
+                                        </p:attrNameLst>
+                                      </p:cBhvr>
+                                      <p:tavLst>
+                                        <p:tav tm="0">
+                                          <p:val>
+                                            <p:strVal val="1+#ppt_h/2"/>
+                                          </p:val>
+                                        </p:tav>
+                                        <p:tav tm="100000">
+                                          <p:val>
+                                            <p:strVal val="#ppt_y"/>
+                                          </p:val>
+                                        </p:tav>
+                                      </p:tavLst>
+                                    </p:anim>
+                                  </p:childTnLst>
+                                </p:cTn>
+                              </p:par>
+                            </p:childTnLst>
+                          </p:cTn>
+                        </p:par>
+                      </p:childTnLst>
+                    </p:cTn>
+                  </p:par>
+                  <p:par>
+                    <p:cTn id="9" fill="hold">
+                      <p:stCondLst>
+                        <p:cond delay="indefinite"/>
+                      </p:stCondLst>
+                      <p:childTnLst>
+                        <p:par>
+                          <p:cTn id="10" fill="hold">
+                            <p:stCondLst>
+                              <p:cond delay="0"/>
+                            </p:stCondLst>
+                            <p:childTnLst>
+                              <p:par>
+                                <p:cTn id="11" presetID="2" presetClass="entr" presetSubtype="4" fill="hold" grpId="0" nodeType="clickEffect">
+                                  <p:stCondLst>
+                                    <p:cond delay="0"/>
+                                  </p:stCondLst>
+                                  <p:childTnLst>
+                                    <p:set>
+                                      <p:cBhvr>
+                                        <p:cTn id="12" dur="1" fill="hold">
+                                          <p:stCondLst>
+                                            <p:cond delay="0"/>
+                                          </p:stCondLst>
+                                        </p:cTn>
+                                        <p:tgtEl>
+                                          <p:spTgt spid="23"/>
+                                        </p:tgtEl>
+                                        <p:attrNameLst>
+                                          <p:attrName>style.visibility</p:attrName>
+                                        </p:attrNameLst>
+                                      </p:cBhvr>
+                                      <p:to>
+                                        <p:strVal val="visible"/>
+                                      </p:to>
+                                    </p:set>
+                                    <p:anim calcmode="lin" valueType="num">
+                                      <p:cBhvr additive="base">
+                                        <p:cTn id="13" dur="500" fill="hold"/>
+                                        <p:tgtEl>
+                                          <p:spTgt spid="23"/>
+                                        </p:tgtEl>
+                                        <p:attrNameLst>
+                                          <p:attrName>ppt_x</p:attrName>
+                                        </p:attrNameLst>
+                                      </p:cBhvr>
+                                      <p:tavLst>
+                                        <p:tav tm="0">
+                                          <p:val>
+                                            <p:strVal val="#ppt_x"/>
+                                          </p:val>
+                                        </p:tav>
+                                        <p:tav tm="100000">
+                                          <p:val>
+                                            <p:strVal val="#ppt_x"/>
+                                          </p:val>
+                                        </p:tav>
+                                      </p:tavLst>
+                                    </p:anim>
+                                    <p:anim calcmode="lin" valueType="num">
+                                      <p:cBhvr additive="base">
+                                        <p:cTn id="14" dur="500" fill="hold"/>
+                                        <p:tgtEl>
+                                          <p:spTgt spid="23"/>
+                                        </p:tgtEl>
+                                        <p:attrNameLst>
+                                          <p:attrName>ppt_y</p:attrName>
+                                        </p:attrNameLst>
+                                      </p:cBhvr>
+                                      <p:tavLst>
+                                        <p:tav tm="0">
+                                          <p:val>
+                                            <p:strVal val="1+#ppt_h/2"/>
+                                          </p:val>
+                                        </p:tav>
+                                        <p:tav tm="100000">
+                                          <p:val>
+                                            <p:strVal val="#ppt_y"/>
+                                          </p:val>
+                                        </p:tav>
+                                      </p:tavLst>
+                                    </p:anim>
+                                  </p:childTnLst>
+                                </p:cTn>
+                              </p:par>
+                            </p:childTnLst>
+                          </p:cTn>
+                        </p:par>
+                      </p:childTnLst>
+                    </p:cTn>
+                  </p:par>
+                  <p:par>
+                    <p:cTn id="15" fill="hold">
+                      <p:stCondLst>
+                        <p:cond delay="indefinite"/>
+                      </p:stCondLst>
+                      <p:childTnLst>
+                        <p:par>
+                          <p:cTn id="16" fill="hold">
+                            <p:stCondLst>
+                              <p:cond delay="0"/>
+                            </p:stCondLst>
+                            <p:childTnLst>
+                              <p:par>
+                                <p:cTn id="17" presetID="2" presetClass="entr" presetSubtype="4" fill="hold" grpId="0" nodeType="clickEffect">
+                                  <p:stCondLst>
+                                    <p:cond delay="0"/>
+                                  </p:stCondLst>
+                                  <p:childTnLst>
+                                    <p:set>
+                                      <p:cBhvr>
+                                        <p:cTn id="18" dur="1" fill="hold">
+                                          <p:stCondLst>
+                                            <p:cond delay="0"/>
+                                          </p:stCondLst>
+                                        </p:cTn>
+                                        <p:tgtEl>
+                                          <p:spTgt spid="22"/>
+                                        </p:tgtEl>
+                                        <p:attrNameLst>
+                                          <p:attrName>style.visibility</p:attrName>
+                                        </p:attrNameLst>
+                                      </p:cBhvr>
+                                      <p:to>
+                                        <p:strVal val="visible"/>
+                                      </p:to>
+                                    </p:set>
+                                    <p:anim calcmode="lin" valueType="num">
+                                      <p:cBhvr additive="base">
+                                        <p:cTn id="19" dur="500" fill="hold"/>
+                                        <p:tgtEl>
+                                          <p:spTgt spid="22"/>
+                                        </p:tgtEl>
+                                        <p:attrNameLst>
+                                          <p:attrName>ppt_x</p:attrName>
+                                        </p:attrNameLst>
+                                      </p:cBhvr>
+                                      <p:tavLst>
+                                        <p:tav tm="0">
+                                          <p:val>
+                                            <p:strVal val="#ppt_x"/>
+                                          </p:val>
+                                        </p:tav>
+                                        <p:tav tm="100000">
+                                          <p:val>
+                                            <p:strVal val="#ppt_x"/>
+                                          </p:val>
+                                        </p:tav>
+                                      </p:tavLst>
+                                    </p:anim>
+                                    <p:anim calcmode="lin" valueType="num">
+                                      <p:cBhvr additive="base">
+                                        <p:cTn id="20" dur="500" fill="hold"/>
+                                        <p:tgtEl>
+                                          <p:spTgt spid="22"/>
+                                        </p:tgtEl>
+                                        <p:attrNameLst>
+                                          <p:attrName>ppt_y</p:attrName>
+                                        </p:attrNameLst>
+                                      </p:cBhvr>
+                                      <p:tavLst>
+                                        <p:tav tm="0">
+                                          <p:val>
+                                            <p:strVal val="1+#ppt_h/2"/>
+                                          </p:val>
+                                        </p:tav>
+                                        <p:tav tm="100000">
+                                          <p:val>
+                                            <p:strVal val="#ppt_y"/>
+                                          </p:val>
+                                        </p:tav>
+                                      </p:tavLst>
+                                    </p:anim>
+                                  </p:childTnLst>
+                                </p:cTn>
+                              </p:par>
+                            </p:childTnLst>
+                          </p:cTn>
+                        </p:par>
+                      </p:childTnLst>
+                    </p:cTn>
+                  </p:par>
+                </p:childTnLst>
+              </p:cTn>
+              <p:prevCondLst>
+                <p:cond evt="onPrev" delay="0">
+                  <p:tgtEl>
+                    <p:sldTgt/>
+                  </p:tgtEl>
+                </p:cond>
+              </p:prevCondLst>
+              <p:nextCondLst>
+                <p:cond evt="onNext" delay="0">
+                  <p:tgtEl>
+                    <p:sldTgt/>
+                  </p:tgtEl>
+                </p:cond>
+              </p:nextCondLst>
+            </p:seq>
+          </p:childTnLst>
+        </p:cTn>
+      </p:par>
+    </p:tnLst>
+    <p:bldLst>
+      <p:bldP spid="22" grpId="0"/>
+      <p:bldP spid="23" grpId="0"/>
+    </p:bldLst>
+  </p:timing>
 </p:sld>
 </file>
 
@@ -4362,1127 +5241,578 @@
       </p:grpSpPr>
       <p:sp>
         <p:nvSpPr>
-          <p:cNvPr id="3" name="标题 1"/>
-          <p:cNvSpPr txBox="1"/>
+          <p:cNvPr id="14" name="文本框">
+            <a:extLst>
+              <a:ext uri="{FF2B5EF4-FFF2-40B4-BE49-F238E27FC236}">
+                <a16:creationId xmlns:a16="http://schemas.microsoft.com/office/drawing/2014/main" id="{BDEA2917-E9F9-4A2F-AB6E-08C5320955B6}"/>
+              </a:ext>
+            </a:extLst>
+          </p:cNvPr>
+          <p:cNvSpPr txBox="1">
+            <a:spLocks/>
+          </p:cNvSpPr>
           <p:nvPr/>
         </p:nvSpPr>
         <p:spPr>
           <a:xfrm>
-            <a:off x="2096288" y="2558868"/>
-            <a:ext cx="3492766" cy="421137"/>
+            <a:off x="467544" y="1275606"/>
+            <a:ext cx="8229600" cy="507999"/>
+          </a:xfrm>
+          <a:prstGeom prst="rect">
+            <a:avLst/>
+          </a:prstGeom>
+          <a:noFill/>
+          <a:ln w="9525" cap="flat" cmpd="sng">
+            <a:noFill/>
+            <a:prstDash val="solid"/>
+            <a:round/>
+          </a:ln>
+        </p:spPr>
+        <p:txBody>
+          <a:bodyPr vert="horz" wrap="square" lIns="91440" tIns="45720" rIns="91440" bIns="45720" anchor="ctr" anchorCtr="0">
+            <a:prstTxWarp prst="textNoShape">
+              <a:avLst/>
+            </a:prstTxWarp>
+          </a:bodyPr>
+          <a:lstStyle>
+            <a:lvl1pPr marL="171450" lvl="0" indent="-171450" algn="l" defTabSz="685800">
+              <a:lnSpc>
+                <a:spcPct val="90000"/>
+              </a:lnSpc>
+              <a:spcBef>
+                <a:spcPts val="750"/>
+              </a:spcBef>
+              <a:buFont typeface="Arial" charset="0"/>
+              <a:buChar char="•"/>
+              <a:defRPr sz="2100" kern="1200">
+                <a:solidFill>
+                  <a:schemeClr val="tx1"/>
+                </a:solidFill>
+                <a:latin typeface="Calibri"/>
+                <a:ea typeface="等线"/>
+              </a:defRPr>
+            </a:lvl1pPr>
+            <a:lvl2pPr marL="514350" lvl="1" indent="-171450" algn="l" defTabSz="685800">
+              <a:lnSpc>
+                <a:spcPct val="90000"/>
+              </a:lnSpc>
+              <a:spcBef>
+                <a:spcPts val="375"/>
+              </a:spcBef>
+              <a:buFont typeface="Arial" charset="0"/>
+              <a:buChar char="•"/>
+              <a:defRPr sz="1800" kern="1200">
+                <a:solidFill>
+                  <a:schemeClr val="tx1"/>
+                </a:solidFill>
+                <a:latin typeface="Calibri"/>
+                <a:ea typeface="等线"/>
+              </a:defRPr>
+            </a:lvl2pPr>
+            <a:lvl3pPr marL="857250" lvl="2" indent="-171450" algn="l" defTabSz="685800">
+              <a:lnSpc>
+                <a:spcPct val="90000"/>
+              </a:lnSpc>
+              <a:spcBef>
+                <a:spcPts val="375"/>
+              </a:spcBef>
+              <a:buFont typeface="Arial" charset="0"/>
+              <a:buChar char="•"/>
+              <a:defRPr sz="1500" kern="1200">
+                <a:solidFill>
+                  <a:schemeClr val="tx1"/>
+                </a:solidFill>
+                <a:latin typeface="Calibri"/>
+                <a:ea typeface="等线"/>
+              </a:defRPr>
+            </a:lvl3pPr>
+            <a:lvl4pPr marL="1200150" lvl="3" indent="-171450" algn="l" defTabSz="685800">
+              <a:lnSpc>
+                <a:spcPct val="90000"/>
+              </a:lnSpc>
+              <a:spcBef>
+                <a:spcPts val="375"/>
+              </a:spcBef>
+              <a:buFont typeface="Arial" charset="0"/>
+              <a:buChar char="•"/>
+              <a:defRPr sz="1350" kern="1200">
+                <a:solidFill>
+                  <a:schemeClr val="tx1"/>
+                </a:solidFill>
+                <a:latin typeface="Calibri"/>
+                <a:ea typeface="等线"/>
+              </a:defRPr>
+            </a:lvl4pPr>
+            <a:lvl5pPr marL="1543050" lvl="4" indent="-171450" algn="l" defTabSz="685800">
+              <a:lnSpc>
+                <a:spcPct val="90000"/>
+              </a:lnSpc>
+              <a:spcBef>
+                <a:spcPts val="375"/>
+              </a:spcBef>
+              <a:buFont typeface="Arial" charset="0"/>
+              <a:buChar char="•"/>
+              <a:defRPr sz="1350" kern="1200">
+                <a:solidFill>
+                  <a:schemeClr val="tx1"/>
+                </a:solidFill>
+                <a:latin typeface="Calibri"/>
+                <a:ea typeface="等线"/>
+              </a:defRPr>
+            </a:lvl5pPr>
+            <a:lvl6pPr marL="1885950" lvl="5" indent="-171450" algn="l" defTabSz="685800">
+              <a:lnSpc>
+                <a:spcPct val="90000"/>
+              </a:lnSpc>
+              <a:spcBef>
+                <a:spcPts val="375"/>
+              </a:spcBef>
+              <a:buFont typeface="Arial" charset="0"/>
+              <a:buChar char="•"/>
+              <a:defRPr sz="1350" kern="1200">
+                <a:solidFill>
+                  <a:schemeClr val="tx1"/>
+                </a:solidFill>
+                <a:latin typeface="Calibri"/>
+                <a:ea typeface="等线"/>
+              </a:defRPr>
+            </a:lvl6pPr>
+            <a:lvl7pPr marL="2228850" lvl="6" indent="-171450" algn="l" defTabSz="685800">
+              <a:lnSpc>
+                <a:spcPct val="90000"/>
+              </a:lnSpc>
+              <a:spcBef>
+                <a:spcPts val="375"/>
+              </a:spcBef>
+              <a:buFont typeface="Arial" charset="0"/>
+              <a:buChar char="•"/>
+              <a:defRPr sz="1350" kern="1200">
+                <a:solidFill>
+                  <a:schemeClr val="tx1"/>
+                </a:solidFill>
+                <a:latin typeface="Calibri"/>
+                <a:ea typeface="等线"/>
+              </a:defRPr>
+            </a:lvl7pPr>
+            <a:lvl8pPr marL="2571750" lvl="7" indent="-171450" algn="l" defTabSz="685800">
+              <a:lnSpc>
+                <a:spcPct val="90000"/>
+              </a:lnSpc>
+              <a:spcBef>
+                <a:spcPts val="375"/>
+              </a:spcBef>
+              <a:buFont typeface="Arial" charset="0"/>
+              <a:buChar char="•"/>
+              <a:defRPr sz="1350" kern="1200">
+                <a:solidFill>
+                  <a:schemeClr val="tx1"/>
+                </a:solidFill>
+                <a:latin typeface="Calibri"/>
+                <a:ea typeface="等线"/>
+              </a:defRPr>
+            </a:lvl8pPr>
+            <a:lvl9pPr marL="2914650" lvl="8" indent="-171450" algn="l" defTabSz="685800">
+              <a:lnSpc>
+                <a:spcPct val="90000"/>
+              </a:lnSpc>
+              <a:spcBef>
+                <a:spcPts val="375"/>
+              </a:spcBef>
+              <a:buFont typeface="Arial" charset="0"/>
+              <a:buChar char="•"/>
+              <a:defRPr sz="1350" kern="1200">
+                <a:solidFill>
+                  <a:schemeClr val="tx1"/>
+                </a:solidFill>
+                <a:latin typeface="Calibri"/>
+                <a:ea typeface="等线"/>
+              </a:defRPr>
+            </a:lvl9pPr>
+          </a:lstStyle>
+          <a:p>
+            <a:pPr marL="0" indent="0">
+              <a:lnSpc>
+                <a:spcPct val="100000"/>
+              </a:lnSpc>
+              <a:spcBef>
+                <a:spcPct val="20000"/>
+              </a:spcBef>
+              <a:buNone/>
+            </a:pPr>
+            <a:r>
+              <a:rPr lang="zh-CN" altLang="en-US" sz="2200" b="1" dirty="0">
+                <a:solidFill>
+                  <a:srgbClr val="000000"/>
+                </a:solidFill>
+                <a:latin typeface="微软雅黑" panose="020B0503020204020204" pitchFamily="34" charset="-122"/>
+                <a:ea typeface="微软雅黑" panose="020B0503020204020204" pitchFamily="34" charset="-122"/>
+                <a:cs typeface="Times New Roman" charset="0"/>
+              </a:rPr>
+              <a:t>系统分析</a:t>
+            </a:r>
+            <a:r>
+              <a:rPr lang="en-US" altLang="zh-CN" sz="2200" b="1" dirty="0">
+                <a:solidFill>
+                  <a:srgbClr val="000000"/>
+                </a:solidFill>
+                <a:latin typeface="微软雅黑" panose="020B0503020204020204" pitchFamily="34" charset="-122"/>
+                <a:ea typeface="微软雅黑" panose="020B0503020204020204" pitchFamily="34" charset="-122"/>
+                <a:cs typeface="Times New Roman" charset="0"/>
+              </a:rPr>
+              <a:t>-</a:t>
+            </a:r>
+            <a:r>
+              <a:rPr lang="zh-CN" altLang="en-US" sz="2200" b="1" dirty="0">
+                <a:solidFill>
+                  <a:srgbClr val="000000"/>
+                </a:solidFill>
+                <a:latin typeface="微软雅黑" panose="020B0503020204020204" pitchFamily="34" charset="-122"/>
+                <a:ea typeface="微软雅黑" panose="020B0503020204020204" pitchFamily="34" charset="-122"/>
+                <a:cs typeface="Times New Roman" charset="0"/>
+              </a:rPr>
+              <a:t>业务场景</a:t>
+            </a:r>
+            <a:r>
+              <a:rPr lang="en-US" altLang="zh-CN" sz="2200" kern="0" dirty="0">
+                <a:solidFill>
+                  <a:srgbClr val="212121"/>
+                </a:solidFill>
+                <a:latin typeface="微软雅黑" charset="0"/>
+                <a:ea typeface="微软雅黑" charset="0"/>
+                <a:cs typeface="Times New Roman" charset="0"/>
+              </a:rPr>
+              <a:t>	</a:t>
+            </a:r>
+            <a:endParaRPr lang="zh-CN" altLang="en-US" sz="2200" kern="0" dirty="0">
+              <a:solidFill>
+                <a:srgbClr val="212121"/>
+              </a:solidFill>
+              <a:latin typeface="微软雅黑" charset="0"/>
+              <a:ea typeface="微软雅黑" charset="0"/>
+              <a:cs typeface="Times New Roman" charset="0"/>
+            </a:endParaRPr>
+          </a:p>
+        </p:txBody>
+      </p:sp>
+      <p:sp>
+        <p:nvSpPr>
+          <p:cNvPr id="21" name="矩形">
+            <a:extLst>
+              <a:ext uri="{FF2B5EF4-FFF2-40B4-BE49-F238E27FC236}">
+                <a16:creationId xmlns:a16="http://schemas.microsoft.com/office/drawing/2014/main" id="{205A0FB6-F4B6-49D2-B42C-0D9BF450DFAC}"/>
+              </a:ext>
+            </a:extLst>
+          </p:cNvPr>
+          <p:cNvSpPr>
+            <a:spLocks/>
+          </p:cNvSpPr>
+          <p:nvPr/>
+        </p:nvSpPr>
+        <p:spPr>
+          <a:xfrm>
+            <a:off x="468312" y="480975"/>
+            <a:ext cx="8229600" cy="576262"/>
+          </a:xfrm>
+          <a:prstGeom prst="rect">
+            <a:avLst/>
+          </a:prstGeom>
+          <a:noFill/>
+          <a:ln w="9525" cap="flat" cmpd="sng">
+            <a:noFill/>
+            <a:prstDash val="solid"/>
+            <a:miter/>
+          </a:ln>
+        </p:spPr>
+        <p:txBody>
+          <a:bodyPr vert="horz" wrap="square" lIns="91440" tIns="45720" rIns="91440" bIns="45720" anchor="t" anchorCtr="0">
+            <a:prstTxWarp prst="textNoShape">
+              <a:avLst/>
+            </a:prstTxWarp>
+          </a:bodyPr>
+          <a:lstStyle/>
+          <a:p>
+            <a:pPr algn="ctr" eaLnBrk="0" fontAlgn="base" hangingPunct="0"/>
+            <a:r>
+              <a:rPr lang="zh-CN" altLang="en-US" sz="3000" b="1" kern="0" dirty="0">
+                <a:latin typeface="微软雅黑" charset="0"/>
+                <a:ea typeface="微软雅黑" charset="0"/>
+                <a:cs typeface="微软雅黑" charset="0"/>
+              </a:rPr>
+              <a:t>系统分析设计和实现</a:t>
+            </a:r>
+            <a:endParaRPr lang="zh-CN" altLang="en-US" sz="3000" b="1" u="none" strike="noStrike" kern="0" cap="none" spc="0" baseline="0" dirty="0">
+              <a:latin typeface="微软雅黑" charset="0"/>
+              <a:ea typeface="微软雅黑" charset="0"/>
+              <a:cs typeface="微软雅黑" charset="0"/>
+              <a:sym typeface="Calibri" pitchFamily="34" charset="0"/>
+            </a:endParaRPr>
+          </a:p>
+        </p:txBody>
+      </p:sp>
+      <p:pic>
+        <p:nvPicPr>
+          <p:cNvPr id="2" name="图片 1">
+            <a:extLst>
+              <a:ext uri="{FF2B5EF4-FFF2-40B4-BE49-F238E27FC236}">
+                <a16:creationId xmlns:a16="http://schemas.microsoft.com/office/drawing/2014/main" id="{345AEBE0-D749-594E-A9DF-F165EA16E34E}"/>
+              </a:ext>
+            </a:extLst>
+          </p:cNvPr>
+          <p:cNvPicPr>
+            <a:picLocks noChangeAspect="1"/>
+          </p:cNvPicPr>
+          <p:nvPr/>
+        </p:nvPicPr>
+        <p:blipFill>
+          <a:blip r:embed="rId3"/>
+          <a:stretch>
+            <a:fillRect/>
+          </a:stretch>
+        </p:blipFill>
+        <p:spPr>
+          <a:xfrm>
+            <a:off x="2249106" y="1783605"/>
+            <a:ext cx="4913716" cy="3172274"/>
           </a:xfrm>
           <a:prstGeom prst="rect">
             <a:avLst/>
           </a:prstGeom>
         </p:spPr>
-        <p:txBody>
-          <a:bodyPr vert="horz" lIns="91440" tIns="45720" rIns="91440" bIns="45720" anchor="ctr"/>
-          <a:lstStyle>
-            <a:lvl1pPr marL="0" lvl="0" algn="l" defTabSz="685800">
-              <a:lnSpc>
-                <a:spcPct val="90000"/>
-              </a:lnSpc>
-              <a:spcBef>
-                <a:spcPct val="0"/>
-              </a:spcBef>
-              <a:buNone/>
-              <a:defRPr sz="3300" kern="1200">
-                <a:solidFill>
-                  <a:schemeClr val="tx1"/>
-                </a:solidFill>
-                <a:latin typeface="Calibri Light"/>
-                <a:ea typeface="等线 Light"/>
-              </a:defRPr>
-            </a:lvl1pPr>
-            <a:lvl2pPr marL="342900" lvl="1" algn="l" defTabSz="685800">
-              <a:defRPr sz="1350" kern="1200">
-                <a:solidFill>
-                  <a:schemeClr val="tx1"/>
-                </a:solidFill>
-                <a:latin typeface="Calibri"/>
-                <a:ea typeface="等线"/>
-              </a:defRPr>
-            </a:lvl2pPr>
-            <a:lvl3pPr marL="685800" lvl="2" algn="l" defTabSz="685800">
-              <a:defRPr sz="1350" kern="1200">
-                <a:solidFill>
-                  <a:schemeClr val="tx1"/>
-                </a:solidFill>
-                <a:latin typeface="Calibri"/>
-                <a:ea typeface="等线"/>
-              </a:defRPr>
-            </a:lvl3pPr>
-            <a:lvl4pPr marL="1028700" lvl="3" algn="l" defTabSz="685800">
-              <a:defRPr sz="1350" kern="1200">
-                <a:solidFill>
-                  <a:schemeClr val="tx1"/>
-                </a:solidFill>
-                <a:latin typeface="Calibri"/>
-                <a:ea typeface="等线"/>
-              </a:defRPr>
-            </a:lvl4pPr>
-            <a:lvl5pPr marL="1371600" lvl="4" algn="l" defTabSz="685800">
-              <a:defRPr sz="1350" kern="1200">
-                <a:solidFill>
-                  <a:schemeClr val="tx1"/>
-                </a:solidFill>
-                <a:latin typeface="Calibri"/>
-                <a:ea typeface="等线"/>
-              </a:defRPr>
-            </a:lvl5pPr>
-            <a:lvl6pPr marL="1714500" lvl="5" algn="l" defTabSz="685800">
-              <a:defRPr sz="1350" kern="1200">
-                <a:solidFill>
-                  <a:schemeClr val="tx1"/>
-                </a:solidFill>
-                <a:latin typeface="Calibri"/>
-                <a:ea typeface="等线"/>
-              </a:defRPr>
-            </a:lvl6pPr>
-            <a:lvl7pPr marL="2057400" lvl="6" algn="l" defTabSz="685800">
-              <a:defRPr sz="1350" kern="1200">
-                <a:solidFill>
-                  <a:schemeClr val="tx1"/>
-                </a:solidFill>
-                <a:latin typeface="Calibri"/>
-                <a:ea typeface="等线"/>
-              </a:defRPr>
-            </a:lvl7pPr>
-            <a:lvl8pPr marL="2400300" lvl="7" algn="l" defTabSz="685800">
-              <a:defRPr sz="1350" kern="1200">
-                <a:solidFill>
-                  <a:schemeClr val="tx1"/>
-                </a:solidFill>
-                <a:latin typeface="Calibri"/>
-                <a:ea typeface="等线"/>
-              </a:defRPr>
-            </a:lvl8pPr>
-            <a:lvl9pPr marL="2743200" lvl="8" algn="l" defTabSz="685800">
-              <a:defRPr sz="1350" kern="1200">
-                <a:solidFill>
-                  <a:schemeClr val="tx1"/>
-                </a:solidFill>
-                <a:latin typeface="Calibri"/>
-                <a:ea typeface="等线"/>
-              </a:defRPr>
-            </a:lvl9pPr>
-          </a:lstStyle>
-          <a:p>
-            <a:pPr marL="342900" indent="-342900">
-              <a:buFont typeface="Wingdings" charset="2"/>
-              <a:buChar char="u"/>
-            </a:pPr>
-            <a:r>
-              <a:rPr lang="en-US" sz="1850">
-                <a:solidFill>
-                  <a:srgbClr val="000000"/>
-                </a:solidFill>
-                <a:latin typeface="微软雅黑"/>
-                <a:ea typeface="微软雅黑"/>
-              </a:rPr>
-              <a:t>系统设计</a:t>
-            </a:r>
-          </a:p>
-        </p:txBody>
-      </p:sp>
-      <p:sp>
-        <p:nvSpPr>
-          <p:cNvPr id="4" name="标题 1"/>
-          <p:cNvSpPr txBox="1"/>
-          <p:nvPr/>
-        </p:nvSpPr>
-        <p:spPr>
-          <a:xfrm>
-            <a:off x="2096288" y="1244624"/>
-            <a:ext cx="3415003" cy="421137"/>
-          </a:xfrm>
-          <a:prstGeom prst="rect">
-            <a:avLst/>
-          </a:prstGeom>
-        </p:spPr>
-        <p:txBody>
-          <a:bodyPr vert="horz" lIns="91440" tIns="45720" rIns="91440" bIns="45720" anchor="ctr"/>
-          <a:lstStyle>
-            <a:lvl1pPr marL="0" lvl="0" algn="l" defTabSz="685800">
-              <a:lnSpc>
-                <a:spcPct val="90000"/>
-              </a:lnSpc>
-              <a:spcBef>
-                <a:spcPct val="0"/>
-              </a:spcBef>
-              <a:buNone/>
-              <a:defRPr sz="3300" kern="1200">
-                <a:solidFill>
-                  <a:schemeClr val="tx1"/>
-                </a:solidFill>
-                <a:latin typeface="Calibri Light"/>
-                <a:ea typeface="等线 Light"/>
-              </a:defRPr>
-            </a:lvl1pPr>
-            <a:lvl2pPr marL="342900" lvl="1" algn="l" defTabSz="685800">
-              <a:defRPr sz="1350" kern="1200">
-                <a:solidFill>
-                  <a:schemeClr val="tx1"/>
-                </a:solidFill>
-                <a:latin typeface="Calibri"/>
-                <a:ea typeface="等线"/>
-              </a:defRPr>
-            </a:lvl2pPr>
-            <a:lvl3pPr marL="685800" lvl="2" algn="l" defTabSz="685800">
-              <a:defRPr sz="1350" kern="1200">
-                <a:solidFill>
-                  <a:schemeClr val="tx1"/>
-                </a:solidFill>
-                <a:latin typeface="Calibri"/>
-                <a:ea typeface="等线"/>
-              </a:defRPr>
-            </a:lvl3pPr>
-            <a:lvl4pPr marL="1028700" lvl="3" algn="l" defTabSz="685800">
-              <a:defRPr sz="1350" kern="1200">
-                <a:solidFill>
-                  <a:schemeClr val="tx1"/>
-                </a:solidFill>
-                <a:latin typeface="Calibri"/>
-                <a:ea typeface="等线"/>
-              </a:defRPr>
-            </a:lvl4pPr>
-            <a:lvl5pPr marL="1371600" lvl="4" algn="l" defTabSz="685800">
-              <a:defRPr sz="1350" kern="1200">
-                <a:solidFill>
-                  <a:schemeClr val="tx1"/>
-                </a:solidFill>
-                <a:latin typeface="Calibri"/>
-                <a:ea typeface="等线"/>
-              </a:defRPr>
-            </a:lvl5pPr>
-            <a:lvl6pPr marL="1714500" lvl="5" algn="l" defTabSz="685800">
-              <a:defRPr sz="1350" kern="1200">
-                <a:solidFill>
-                  <a:schemeClr val="tx1"/>
-                </a:solidFill>
-                <a:latin typeface="Calibri"/>
-                <a:ea typeface="等线"/>
-              </a:defRPr>
-            </a:lvl6pPr>
-            <a:lvl7pPr marL="2057400" lvl="6" algn="l" defTabSz="685800">
-              <a:defRPr sz="1350" kern="1200">
-                <a:solidFill>
-                  <a:schemeClr val="tx1"/>
-                </a:solidFill>
-                <a:latin typeface="Calibri"/>
-                <a:ea typeface="等线"/>
-              </a:defRPr>
-            </a:lvl7pPr>
-            <a:lvl8pPr marL="2400300" lvl="7" algn="l" defTabSz="685800">
-              <a:defRPr sz="1350" kern="1200">
-                <a:solidFill>
-                  <a:schemeClr val="tx1"/>
-                </a:solidFill>
-                <a:latin typeface="Calibri"/>
-                <a:ea typeface="等线"/>
-              </a:defRPr>
-            </a:lvl8pPr>
-            <a:lvl9pPr marL="2743200" lvl="8" algn="l" defTabSz="685800">
-              <a:defRPr sz="1350" kern="1200">
-                <a:solidFill>
-                  <a:schemeClr val="tx1"/>
-                </a:solidFill>
-                <a:latin typeface="Calibri"/>
-                <a:ea typeface="等线"/>
-              </a:defRPr>
-            </a:lvl9pPr>
-          </a:lstStyle>
-          <a:p>
-            <a:pPr marL="342900" indent="-342900">
-              <a:buFont typeface="Wingdings" charset="2"/>
-              <a:buChar char="u"/>
-            </a:pPr>
-            <a:r>
-              <a:rPr lang="en-US" sz="2000">
-                <a:solidFill>
-                  <a:srgbClr val="000000"/>
-                </a:solidFill>
-                <a:latin typeface="微软雅黑"/>
-                <a:ea typeface="微软雅黑"/>
-              </a:rPr>
-              <a:t>系统分析</a:t>
-            </a:r>
-          </a:p>
-        </p:txBody>
-      </p:sp>
-      <p:sp>
-        <p:nvSpPr>
-          <p:cNvPr id="5" name="标题 1"/>
-          <p:cNvSpPr txBox="1"/>
-          <p:nvPr/>
-        </p:nvSpPr>
-        <p:spPr>
-          <a:xfrm>
-            <a:off x="2512219" y="471201"/>
-            <a:ext cx="4527416" cy="469410"/>
-          </a:xfrm>
-          <a:prstGeom prst="rect">
-            <a:avLst/>
-          </a:prstGeom>
-        </p:spPr>
-        <p:txBody>
-          <a:bodyPr vert="horz" lIns="91440" tIns="45720" rIns="91440" bIns="45720" anchor="ctr"/>
-          <a:lstStyle>
-            <a:lvl1pPr marL="0" lvl="0" algn="ctr" defTabSz="685800">
-              <a:lnSpc>
-                <a:spcPct val="90000"/>
-              </a:lnSpc>
-              <a:spcBef>
-                <a:spcPct val="0"/>
-              </a:spcBef>
-              <a:buNone/>
-              <a:defRPr sz="3200" kern="1200">
-                <a:solidFill>
-                  <a:schemeClr val="tx1"/>
-                </a:solidFill>
-                <a:latin typeface="PingFang SC Regular"/>
-                <a:ea typeface="Microsoft YaHei"/>
-              </a:defRPr>
-            </a:lvl1pPr>
-            <a:lvl2pPr marL="342900" lvl="1" algn="l" defTabSz="685800">
-              <a:defRPr sz="1350" kern="1200">
-                <a:solidFill>
-                  <a:schemeClr val="tx1"/>
-                </a:solidFill>
-                <a:latin typeface="Calibri"/>
-                <a:ea typeface="等线"/>
-              </a:defRPr>
-            </a:lvl2pPr>
-            <a:lvl3pPr marL="685800" lvl="2" algn="l" defTabSz="685800">
-              <a:defRPr sz="1350" kern="1200">
-                <a:solidFill>
-                  <a:schemeClr val="tx1"/>
-                </a:solidFill>
-                <a:latin typeface="Calibri"/>
-                <a:ea typeface="等线"/>
-              </a:defRPr>
-            </a:lvl3pPr>
-            <a:lvl4pPr marL="1028700" lvl="3" algn="l" defTabSz="685800">
-              <a:defRPr sz="1350" kern="1200">
-                <a:solidFill>
-                  <a:schemeClr val="tx1"/>
-                </a:solidFill>
-                <a:latin typeface="Calibri"/>
-                <a:ea typeface="等线"/>
-              </a:defRPr>
-            </a:lvl4pPr>
-            <a:lvl5pPr marL="1371600" lvl="4" algn="l" defTabSz="685800">
-              <a:defRPr sz="1350" kern="1200">
-                <a:solidFill>
-                  <a:schemeClr val="tx1"/>
-                </a:solidFill>
-                <a:latin typeface="Calibri"/>
-                <a:ea typeface="等线"/>
-              </a:defRPr>
-            </a:lvl5pPr>
-            <a:lvl6pPr marL="1714500" lvl="5" algn="l" defTabSz="685800">
-              <a:defRPr sz="1350" kern="1200">
-                <a:solidFill>
-                  <a:schemeClr val="tx1"/>
-                </a:solidFill>
-                <a:latin typeface="Calibri"/>
-                <a:ea typeface="等线"/>
-              </a:defRPr>
-            </a:lvl6pPr>
-            <a:lvl7pPr marL="2057400" lvl="6" algn="l" defTabSz="685800">
-              <a:defRPr sz="1350" kern="1200">
-                <a:solidFill>
-                  <a:schemeClr val="tx1"/>
-                </a:solidFill>
-                <a:latin typeface="Calibri"/>
-                <a:ea typeface="等线"/>
-              </a:defRPr>
-            </a:lvl7pPr>
-            <a:lvl8pPr marL="2400300" lvl="7" algn="l" defTabSz="685800">
-              <a:defRPr sz="1350" kern="1200">
-                <a:solidFill>
-                  <a:schemeClr val="tx1"/>
-                </a:solidFill>
-                <a:latin typeface="Calibri"/>
-                <a:ea typeface="等线"/>
-              </a:defRPr>
-            </a:lvl8pPr>
-            <a:lvl9pPr marL="2743200" lvl="8" algn="l" defTabSz="685800">
-              <a:defRPr sz="1350" kern="1200">
-                <a:solidFill>
-                  <a:schemeClr val="tx1"/>
-                </a:solidFill>
-                <a:latin typeface="Calibri"/>
-                <a:ea typeface="等线"/>
-              </a:defRPr>
-            </a:lvl9pPr>
-          </a:lstStyle>
-          <a:p>
-            <a:r>
-              <a:rPr lang="zh-CN">
-                <a:latin typeface="微软雅黑"/>
-                <a:ea typeface="微软雅黑"/>
-              </a:rPr>
-              <a:t>二 系统分析设计和实现</a:t>
-            </a:r>
-          </a:p>
-        </p:txBody>
-      </p:sp>
-      <p:sp>
-        <p:nvSpPr>
-          <p:cNvPr id="6" name="标题 1"/>
-          <p:cNvSpPr txBox="1"/>
-          <p:nvPr/>
-        </p:nvSpPr>
-        <p:spPr>
-          <a:xfrm>
-            <a:off x="2590188" y="2980004"/>
-            <a:ext cx="3737166" cy="421137"/>
-          </a:xfrm>
-          <a:prstGeom prst="rect">
-            <a:avLst/>
-          </a:prstGeom>
-        </p:spPr>
-        <p:txBody>
-          <a:bodyPr vert="horz" lIns="91440" tIns="45720" rIns="91440" bIns="45720" anchor="ctr"/>
-          <a:lstStyle>
-            <a:lvl1pPr marL="0" lvl="0" algn="l" defTabSz="685800">
-              <a:lnSpc>
-                <a:spcPct val="90000"/>
-              </a:lnSpc>
-              <a:spcBef>
-                <a:spcPct val="0"/>
-              </a:spcBef>
-              <a:buNone/>
-              <a:defRPr sz="3300" kern="1200">
-                <a:solidFill>
-                  <a:schemeClr val="tx1"/>
-                </a:solidFill>
-                <a:latin typeface="Calibri Light"/>
-                <a:ea typeface="等线 Light"/>
-              </a:defRPr>
-            </a:lvl1pPr>
-            <a:lvl2pPr marL="342900" lvl="1" algn="l" defTabSz="685800">
-              <a:defRPr sz="1350" kern="1200">
-                <a:solidFill>
-                  <a:schemeClr val="tx1"/>
-                </a:solidFill>
-                <a:latin typeface="Calibri"/>
-                <a:ea typeface="等线"/>
-              </a:defRPr>
-            </a:lvl2pPr>
-            <a:lvl3pPr marL="685800" lvl="2" algn="l" defTabSz="685800">
-              <a:defRPr sz="1350" kern="1200">
-                <a:solidFill>
-                  <a:schemeClr val="tx1"/>
-                </a:solidFill>
-                <a:latin typeface="Calibri"/>
-                <a:ea typeface="等线"/>
-              </a:defRPr>
-            </a:lvl3pPr>
-            <a:lvl4pPr marL="1028700" lvl="3" algn="l" defTabSz="685800">
-              <a:defRPr sz="1350" kern="1200">
-                <a:solidFill>
-                  <a:schemeClr val="tx1"/>
-                </a:solidFill>
-                <a:latin typeface="Calibri"/>
-                <a:ea typeface="等线"/>
-              </a:defRPr>
-            </a:lvl4pPr>
-            <a:lvl5pPr marL="1371600" lvl="4" algn="l" defTabSz="685800">
-              <a:defRPr sz="1350" kern="1200">
-                <a:solidFill>
-                  <a:schemeClr val="tx1"/>
-                </a:solidFill>
-                <a:latin typeface="Calibri"/>
-                <a:ea typeface="等线"/>
-              </a:defRPr>
-            </a:lvl5pPr>
-            <a:lvl6pPr marL="1714500" lvl="5" algn="l" defTabSz="685800">
-              <a:defRPr sz="1350" kern="1200">
-                <a:solidFill>
-                  <a:schemeClr val="tx1"/>
-                </a:solidFill>
-                <a:latin typeface="Calibri"/>
-                <a:ea typeface="等线"/>
-              </a:defRPr>
-            </a:lvl6pPr>
-            <a:lvl7pPr marL="2057400" lvl="6" algn="l" defTabSz="685800">
-              <a:defRPr sz="1350" kern="1200">
-                <a:solidFill>
-                  <a:schemeClr val="tx1"/>
-                </a:solidFill>
-                <a:latin typeface="Calibri"/>
-                <a:ea typeface="等线"/>
-              </a:defRPr>
-            </a:lvl7pPr>
-            <a:lvl8pPr marL="2400300" lvl="7" algn="l" defTabSz="685800">
-              <a:defRPr sz="1350" kern="1200">
-                <a:solidFill>
-                  <a:schemeClr val="tx1"/>
-                </a:solidFill>
-                <a:latin typeface="Calibri"/>
-                <a:ea typeface="等线"/>
-              </a:defRPr>
-            </a:lvl8pPr>
-            <a:lvl9pPr marL="2743200" lvl="8" algn="l" defTabSz="685800">
-              <a:defRPr sz="1350" kern="1200">
-                <a:solidFill>
-                  <a:schemeClr val="tx1"/>
-                </a:solidFill>
-                <a:latin typeface="Calibri"/>
-                <a:ea typeface="等线"/>
-              </a:defRPr>
-            </a:lvl9pPr>
-          </a:lstStyle>
-          <a:p>
-            <a:pPr marL="359474" indent="-359474">
-              <a:buFont typeface="Wingdings" charset="0"/>
-              <a:buChar char="n"/>
-            </a:pPr>
-            <a:r>
-              <a:rPr lang="en-US" sz="1850">
-                <a:solidFill>
-                  <a:srgbClr val="000000"/>
-                </a:solidFill>
-                <a:latin typeface="微软雅黑"/>
-                <a:ea typeface="微软雅黑"/>
-              </a:rPr>
-              <a:t>架构设计</a:t>
-            </a:r>
-          </a:p>
-        </p:txBody>
-      </p:sp>
-      <p:sp>
-        <p:nvSpPr>
-          <p:cNvPr id="7" name="标题 1"/>
-          <p:cNvSpPr txBox="1"/>
-          <p:nvPr/>
-        </p:nvSpPr>
-        <p:spPr>
-          <a:xfrm>
-            <a:off x="2096288" y="4205566"/>
-            <a:ext cx="3737166" cy="421137"/>
-          </a:xfrm>
-          <a:prstGeom prst="rect">
-            <a:avLst/>
-          </a:prstGeom>
-        </p:spPr>
-        <p:txBody>
-          <a:bodyPr vert="horz" lIns="91440" tIns="45720" rIns="91440" bIns="45720" anchor="ctr"/>
-          <a:lstStyle>
-            <a:lvl1pPr marL="0" lvl="0" algn="l" defTabSz="685800">
-              <a:lnSpc>
-                <a:spcPct val="90000"/>
-              </a:lnSpc>
-              <a:spcBef>
-                <a:spcPct val="0"/>
-              </a:spcBef>
-              <a:buNone/>
-              <a:defRPr sz="3300" kern="1200">
-                <a:solidFill>
-                  <a:schemeClr val="tx1"/>
-                </a:solidFill>
-                <a:latin typeface="Calibri Light"/>
-                <a:ea typeface="等线 Light"/>
-              </a:defRPr>
-            </a:lvl1pPr>
-            <a:lvl2pPr marL="342900" lvl="1" algn="l" defTabSz="685800">
-              <a:defRPr sz="1350" kern="1200">
-                <a:solidFill>
-                  <a:schemeClr val="tx1"/>
-                </a:solidFill>
-                <a:latin typeface="Calibri"/>
-                <a:ea typeface="等线"/>
-              </a:defRPr>
-            </a:lvl2pPr>
-            <a:lvl3pPr marL="685800" lvl="2" algn="l" defTabSz="685800">
-              <a:defRPr sz="1350" kern="1200">
-                <a:solidFill>
-                  <a:schemeClr val="tx1"/>
-                </a:solidFill>
-                <a:latin typeface="Calibri"/>
-                <a:ea typeface="等线"/>
-              </a:defRPr>
-            </a:lvl3pPr>
-            <a:lvl4pPr marL="1028700" lvl="3" algn="l" defTabSz="685800">
-              <a:defRPr sz="1350" kern="1200">
-                <a:solidFill>
-                  <a:schemeClr val="tx1"/>
-                </a:solidFill>
-                <a:latin typeface="Calibri"/>
-                <a:ea typeface="等线"/>
-              </a:defRPr>
-            </a:lvl4pPr>
-            <a:lvl5pPr marL="1371600" lvl="4" algn="l" defTabSz="685800">
-              <a:defRPr sz="1350" kern="1200">
-                <a:solidFill>
-                  <a:schemeClr val="tx1"/>
-                </a:solidFill>
-                <a:latin typeface="Calibri"/>
-                <a:ea typeface="等线"/>
-              </a:defRPr>
-            </a:lvl5pPr>
-            <a:lvl6pPr marL="1714500" lvl="5" algn="l" defTabSz="685800">
-              <a:defRPr sz="1350" kern="1200">
-                <a:solidFill>
-                  <a:schemeClr val="tx1"/>
-                </a:solidFill>
-                <a:latin typeface="Calibri"/>
-                <a:ea typeface="等线"/>
-              </a:defRPr>
-            </a:lvl6pPr>
-            <a:lvl7pPr marL="2057400" lvl="6" algn="l" defTabSz="685800">
-              <a:defRPr sz="1350" kern="1200">
-                <a:solidFill>
-                  <a:schemeClr val="tx1"/>
-                </a:solidFill>
-                <a:latin typeface="Calibri"/>
-                <a:ea typeface="等线"/>
-              </a:defRPr>
-            </a:lvl7pPr>
-            <a:lvl8pPr marL="2400300" lvl="7" algn="l" defTabSz="685800">
-              <a:defRPr sz="1350" kern="1200">
-                <a:solidFill>
-                  <a:schemeClr val="tx1"/>
-                </a:solidFill>
-                <a:latin typeface="Calibri"/>
-                <a:ea typeface="等线"/>
-              </a:defRPr>
-            </a:lvl8pPr>
-            <a:lvl9pPr marL="2743200" lvl="8" algn="l" defTabSz="685800">
-              <a:defRPr sz="1350" kern="1200">
-                <a:solidFill>
-                  <a:schemeClr val="tx1"/>
-                </a:solidFill>
-                <a:latin typeface="Calibri"/>
-                <a:ea typeface="等线"/>
-              </a:defRPr>
-            </a:lvl9pPr>
-          </a:lstStyle>
-          <a:p>
-            <a:pPr marL="342900" indent="-342900">
-              <a:buFont typeface="Wingdings" charset="2"/>
-              <a:buChar char="u"/>
-            </a:pPr>
-            <a:r>
-              <a:rPr lang="en-US" sz="1850">
-                <a:solidFill>
-                  <a:srgbClr val="000000"/>
-                </a:solidFill>
-                <a:latin typeface="微软雅黑"/>
-                <a:ea typeface="微软雅黑"/>
-              </a:rPr>
-              <a:t>系统实现</a:t>
-            </a:r>
-          </a:p>
-        </p:txBody>
-      </p:sp>
-      <p:sp>
-        <p:nvSpPr>
-          <p:cNvPr id="8" name="标题 1"/>
-          <p:cNvSpPr txBox="1"/>
-          <p:nvPr/>
-        </p:nvSpPr>
-        <p:spPr>
-          <a:xfrm>
-            <a:off x="2590188" y="1665761"/>
-            <a:ext cx="3737166" cy="421137"/>
-          </a:xfrm>
-          <a:prstGeom prst="rect">
-            <a:avLst/>
-          </a:prstGeom>
-        </p:spPr>
-        <p:txBody>
-          <a:bodyPr vert="horz" lIns="91440" tIns="45720" rIns="91440" bIns="45720" anchor="ctr"/>
-          <a:lstStyle>
-            <a:lvl1pPr marL="0" lvl="0" algn="l" defTabSz="685800">
-              <a:lnSpc>
-                <a:spcPct val="90000"/>
-              </a:lnSpc>
-              <a:spcBef>
-                <a:spcPct val="0"/>
-              </a:spcBef>
-              <a:buNone/>
-              <a:defRPr sz="3300" kern="1200">
-                <a:solidFill>
-                  <a:schemeClr val="tx1"/>
-                </a:solidFill>
-                <a:latin typeface="Calibri Light"/>
-                <a:ea typeface="等线 Light"/>
-              </a:defRPr>
-            </a:lvl1pPr>
-            <a:lvl2pPr marL="342900" lvl="1" algn="l" defTabSz="685800">
-              <a:defRPr sz="1350" kern="1200">
-                <a:solidFill>
-                  <a:schemeClr val="tx1"/>
-                </a:solidFill>
-                <a:latin typeface="Calibri"/>
-                <a:ea typeface="等线"/>
-              </a:defRPr>
-            </a:lvl2pPr>
-            <a:lvl3pPr marL="685800" lvl="2" algn="l" defTabSz="685800">
-              <a:defRPr sz="1350" kern="1200">
-                <a:solidFill>
-                  <a:schemeClr val="tx1"/>
-                </a:solidFill>
-                <a:latin typeface="Calibri"/>
-                <a:ea typeface="等线"/>
-              </a:defRPr>
-            </a:lvl3pPr>
-            <a:lvl4pPr marL="1028700" lvl="3" algn="l" defTabSz="685800">
-              <a:defRPr sz="1350" kern="1200">
-                <a:solidFill>
-                  <a:schemeClr val="tx1"/>
-                </a:solidFill>
-                <a:latin typeface="Calibri"/>
-                <a:ea typeface="等线"/>
-              </a:defRPr>
-            </a:lvl4pPr>
-            <a:lvl5pPr marL="1371600" lvl="4" algn="l" defTabSz="685800">
-              <a:defRPr sz="1350" kern="1200">
-                <a:solidFill>
-                  <a:schemeClr val="tx1"/>
-                </a:solidFill>
-                <a:latin typeface="Calibri"/>
-                <a:ea typeface="等线"/>
-              </a:defRPr>
-            </a:lvl5pPr>
-            <a:lvl6pPr marL="1714500" lvl="5" algn="l" defTabSz="685800">
-              <a:defRPr sz="1350" kern="1200">
-                <a:solidFill>
-                  <a:schemeClr val="tx1"/>
-                </a:solidFill>
-                <a:latin typeface="Calibri"/>
-                <a:ea typeface="等线"/>
-              </a:defRPr>
-            </a:lvl6pPr>
-            <a:lvl7pPr marL="2057400" lvl="6" algn="l" defTabSz="685800">
-              <a:defRPr sz="1350" kern="1200">
-                <a:solidFill>
-                  <a:schemeClr val="tx1"/>
-                </a:solidFill>
-                <a:latin typeface="Calibri"/>
-                <a:ea typeface="等线"/>
-              </a:defRPr>
-            </a:lvl7pPr>
-            <a:lvl8pPr marL="2400300" lvl="7" algn="l" defTabSz="685800">
-              <a:defRPr sz="1350" kern="1200">
-                <a:solidFill>
-                  <a:schemeClr val="tx1"/>
-                </a:solidFill>
-                <a:latin typeface="Calibri"/>
-                <a:ea typeface="等线"/>
-              </a:defRPr>
-            </a:lvl8pPr>
-            <a:lvl9pPr marL="2743200" lvl="8" algn="l" defTabSz="685800">
-              <a:defRPr sz="1350" kern="1200">
-                <a:solidFill>
-                  <a:schemeClr val="tx1"/>
-                </a:solidFill>
-                <a:latin typeface="Calibri"/>
-                <a:ea typeface="等线"/>
-              </a:defRPr>
-            </a:lvl9pPr>
-          </a:lstStyle>
-          <a:p>
-            <a:pPr marL="359474" indent="-359474">
-              <a:buFont typeface="Wingdings" charset="0"/>
-              <a:buChar char="n"/>
-            </a:pPr>
-            <a:r>
-              <a:rPr lang="en-US" sz="1850">
-                <a:solidFill>
-                  <a:srgbClr val="000000"/>
-                </a:solidFill>
-                <a:latin typeface="微软雅黑"/>
-                <a:ea typeface="微软雅黑"/>
-              </a:rPr>
-              <a:t>业务场景</a:t>
-            </a:r>
-          </a:p>
-        </p:txBody>
-      </p:sp>
-      <p:sp>
-        <p:nvSpPr>
-          <p:cNvPr id="9" name="标题 1"/>
-          <p:cNvSpPr txBox="1"/>
-          <p:nvPr/>
-        </p:nvSpPr>
-        <p:spPr>
-          <a:xfrm>
-            <a:off x="2590188" y="2044361"/>
-            <a:ext cx="3737166" cy="421137"/>
-          </a:xfrm>
-          <a:prstGeom prst="rect">
-            <a:avLst/>
-          </a:prstGeom>
-        </p:spPr>
-        <p:txBody>
-          <a:bodyPr vert="horz" lIns="91440" tIns="45720" rIns="91440" bIns="45720" anchor="ctr"/>
-          <a:lstStyle>
-            <a:lvl1pPr marL="0" lvl="0" algn="l" defTabSz="685800">
-              <a:lnSpc>
-                <a:spcPct val="90000"/>
-              </a:lnSpc>
-              <a:spcBef>
-                <a:spcPct val="0"/>
-              </a:spcBef>
-              <a:buNone/>
-              <a:defRPr sz="3300" kern="1200">
-                <a:solidFill>
-                  <a:schemeClr val="tx1"/>
-                </a:solidFill>
-                <a:latin typeface="Calibri Light"/>
-                <a:ea typeface="等线 Light"/>
-              </a:defRPr>
-            </a:lvl1pPr>
-            <a:lvl2pPr marL="342900" lvl="1" algn="l" defTabSz="685800">
-              <a:defRPr sz="1350" kern="1200">
-                <a:solidFill>
-                  <a:schemeClr val="tx1"/>
-                </a:solidFill>
-                <a:latin typeface="Calibri"/>
-                <a:ea typeface="等线"/>
-              </a:defRPr>
-            </a:lvl2pPr>
-            <a:lvl3pPr marL="685800" lvl="2" algn="l" defTabSz="685800">
-              <a:defRPr sz="1350" kern="1200">
-                <a:solidFill>
-                  <a:schemeClr val="tx1"/>
-                </a:solidFill>
-                <a:latin typeface="Calibri"/>
-                <a:ea typeface="等线"/>
-              </a:defRPr>
-            </a:lvl3pPr>
-            <a:lvl4pPr marL="1028700" lvl="3" algn="l" defTabSz="685800">
-              <a:defRPr sz="1350" kern="1200">
-                <a:solidFill>
-                  <a:schemeClr val="tx1"/>
-                </a:solidFill>
-                <a:latin typeface="Calibri"/>
-                <a:ea typeface="等线"/>
-              </a:defRPr>
-            </a:lvl4pPr>
-            <a:lvl5pPr marL="1371600" lvl="4" algn="l" defTabSz="685800">
-              <a:defRPr sz="1350" kern="1200">
-                <a:solidFill>
-                  <a:schemeClr val="tx1"/>
-                </a:solidFill>
-                <a:latin typeface="Calibri"/>
-                <a:ea typeface="等线"/>
-              </a:defRPr>
-            </a:lvl5pPr>
-            <a:lvl6pPr marL="1714500" lvl="5" algn="l" defTabSz="685800">
-              <a:defRPr sz="1350" kern="1200">
-                <a:solidFill>
-                  <a:schemeClr val="tx1"/>
-                </a:solidFill>
-                <a:latin typeface="Calibri"/>
-                <a:ea typeface="等线"/>
-              </a:defRPr>
-            </a:lvl6pPr>
-            <a:lvl7pPr marL="2057400" lvl="6" algn="l" defTabSz="685800">
-              <a:defRPr sz="1350" kern="1200">
-                <a:solidFill>
-                  <a:schemeClr val="tx1"/>
-                </a:solidFill>
-                <a:latin typeface="Calibri"/>
-                <a:ea typeface="等线"/>
-              </a:defRPr>
-            </a:lvl7pPr>
-            <a:lvl8pPr marL="2400300" lvl="7" algn="l" defTabSz="685800">
-              <a:defRPr sz="1350" kern="1200">
-                <a:solidFill>
-                  <a:schemeClr val="tx1"/>
-                </a:solidFill>
-                <a:latin typeface="Calibri"/>
-                <a:ea typeface="等线"/>
-              </a:defRPr>
-            </a:lvl8pPr>
-            <a:lvl9pPr marL="2743200" lvl="8" algn="l" defTabSz="685800">
-              <a:defRPr sz="1350" kern="1200">
-                <a:solidFill>
-                  <a:schemeClr val="tx1"/>
-                </a:solidFill>
-                <a:latin typeface="Calibri"/>
-                <a:ea typeface="等线"/>
-              </a:defRPr>
-            </a:lvl9pPr>
-          </a:lstStyle>
-          <a:p>
-            <a:pPr marL="359474" indent="-359474">
-              <a:buFont typeface="Wingdings" charset="0"/>
-              <a:buChar char="n"/>
-            </a:pPr>
-            <a:r>
-              <a:rPr lang="en-US" sz="1850">
-                <a:solidFill>
-                  <a:srgbClr val="000000"/>
-                </a:solidFill>
-                <a:latin typeface="微软雅黑"/>
-                <a:ea typeface="微软雅黑"/>
-              </a:rPr>
-              <a:t>技术目标</a:t>
-            </a:r>
-          </a:p>
-        </p:txBody>
-      </p:sp>
-      <p:sp>
-        <p:nvSpPr>
-          <p:cNvPr id="10" name="标题 1"/>
-          <p:cNvSpPr txBox="1"/>
-          <p:nvPr/>
-        </p:nvSpPr>
-        <p:spPr>
-          <a:xfrm>
-            <a:off x="2590188" y="3319883"/>
-            <a:ext cx="3737166" cy="421137"/>
-          </a:xfrm>
-          <a:prstGeom prst="rect">
-            <a:avLst/>
-          </a:prstGeom>
-        </p:spPr>
-        <p:txBody>
-          <a:bodyPr vert="horz" lIns="91440" tIns="45720" rIns="91440" bIns="45720" anchor="ctr"/>
-          <a:lstStyle>
-            <a:lvl1pPr marL="0" lvl="0" algn="l" defTabSz="685800">
-              <a:lnSpc>
-                <a:spcPct val="90000"/>
-              </a:lnSpc>
-              <a:spcBef>
-                <a:spcPct val="0"/>
-              </a:spcBef>
-              <a:buNone/>
-              <a:defRPr sz="3300" kern="1200">
-                <a:solidFill>
-                  <a:schemeClr val="tx1"/>
-                </a:solidFill>
-                <a:latin typeface="Calibri Light"/>
-                <a:ea typeface="等线 Light"/>
-              </a:defRPr>
-            </a:lvl1pPr>
-            <a:lvl2pPr marL="342900" lvl="1" algn="l" defTabSz="685800">
-              <a:defRPr sz="1350" kern="1200">
-                <a:solidFill>
-                  <a:schemeClr val="tx1"/>
-                </a:solidFill>
-                <a:latin typeface="Calibri"/>
-                <a:ea typeface="等线"/>
-              </a:defRPr>
-            </a:lvl2pPr>
-            <a:lvl3pPr marL="685800" lvl="2" algn="l" defTabSz="685800">
-              <a:defRPr sz="1350" kern="1200">
-                <a:solidFill>
-                  <a:schemeClr val="tx1"/>
-                </a:solidFill>
-                <a:latin typeface="Calibri"/>
-                <a:ea typeface="等线"/>
-              </a:defRPr>
-            </a:lvl3pPr>
-            <a:lvl4pPr marL="1028700" lvl="3" algn="l" defTabSz="685800">
-              <a:defRPr sz="1350" kern="1200">
-                <a:solidFill>
-                  <a:schemeClr val="tx1"/>
-                </a:solidFill>
-                <a:latin typeface="Calibri"/>
-                <a:ea typeface="等线"/>
-              </a:defRPr>
-            </a:lvl4pPr>
-            <a:lvl5pPr marL="1371600" lvl="4" algn="l" defTabSz="685800">
-              <a:defRPr sz="1350" kern="1200">
-                <a:solidFill>
-                  <a:schemeClr val="tx1"/>
-                </a:solidFill>
-                <a:latin typeface="Calibri"/>
-                <a:ea typeface="等线"/>
-              </a:defRPr>
-            </a:lvl5pPr>
-            <a:lvl6pPr marL="1714500" lvl="5" algn="l" defTabSz="685800">
-              <a:defRPr sz="1350" kern="1200">
-                <a:solidFill>
-                  <a:schemeClr val="tx1"/>
-                </a:solidFill>
-                <a:latin typeface="Calibri"/>
-                <a:ea typeface="等线"/>
-              </a:defRPr>
-            </a:lvl6pPr>
-            <a:lvl7pPr marL="2057400" lvl="6" algn="l" defTabSz="685800">
-              <a:defRPr sz="1350" kern="1200">
-                <a:solidFill>
-                  <a:schemeClr val="tx1"/>
-                </a:solidFill>
-                <a:latin typeface="Calibri"/>
-                <a:ea typeface="等线"/>
-              </a:defRPr>
-            </a:lvl7pPr>
-            <a:lvl8pPr marL="2400300" lvl="7" algn="l" defTabSz="685800">
-              <a:defRPr sz="1350" kern="1200">
-                <a:solidFill>
-                  <a:schemeClr val="tx1"/>
-                </a:solidFill>
-                <a:latin typeface="Calibri"/>
-                <a:ea typeface="等线"/>
-              </a:defRPr>
-            </a:lvl8pPr>
-            <a:lvl9pPr marL="2743200" lvl="8" algn="l" defTabSz="685800">
-              <a:defRPr sz="1350" kern="1200">
-                <a:solidFill>
-                  <a:schemeClr val="tx1"/>
-                </a:solidFill>
-                <a:latin typeface="Calibri"/>
-                <a:ea typeface="等线"/>
-              </a:defRPr>
-            </a:lvl9pPr>
-          </a:lstStyle>
-          <a:p>
-            <a:pPr marL="359474" indent="-359474">
-              <a:buFont typeface="Wingdings" charset="0"/>
-              <a:buChar char="n"/>
-            </a:pPr>
-            <a:r>
-              <a:rPr lang="en-US" sz="1850">
-                <a:solidFill>
-                  <a:srgbClr val="000000"/>
-                </a:solidFill>
-                <a:latin typeface="微软雅黑"/>
-                <a:ea typeface="微软雅黑"/>
-              </a:rPr>
-              <a:t>应用设计</a:t>
-            </a:r>
-          </a:p>
-        </p:txBody>
-      </p:sp>
-      <p:sp>
-        <p:nvSpPr>
-          <p:cNvPr id="11" name="标题 1"/>
-          <p:cNvSpPr txBox="1"/>
-          <p:nvPr/>
-        </p:nvSpPr>
-        <p:spPr>
-          <a:xfrm>
-            <a:off x="2590188" y="3784429"/>
-            <a:ext cx="3737166" cy="421137"/>
-          </a:xfrm>
-          <a:prstGeom prst="rect">
-            <a:avLst/>
-          </a:prstGeom>
-        </p:spPr>
-        <p:txBody>
-          <a:bodyPr vert="horz" lIns="91440" tIns="45720" rIns="91440" bIns="45720" anchor="ctr"/>
-          <a:lstStyle>
-            <a:lvl1pPr marL="0" lvl="0" algn="l" defTabSz="685800">
-              <a:lnSpc>
-                <a:spcPct val="90000"/>
-              </a:lnSpc>
-              <a:spcBef>
-                <a:spcPct val="0"/>
-              </a:spcBef>
-              <a:buNone/>
-              <a:defRPr sz="3300" kern="1200">
-                <a:solidFill>
-                  <a:schemeClr val="tx1"/>
-                </a:solidFill>
-                <a:latin typeface="Calibri Light"/>
-                <a:ea typeface="等线 Light"/>
-              </a:defRPr>
-            </a:lvl1pPr>
-            <a:lvl2pPr marL="342900" lvl="1" algn="l" defTabSz="685800">
-              <a:defRPr sz="1350" kern="1200">
-                <a:solidFill>
-                  <a:schemeClr val="tx1"/>
-                </a:solidFill>
-                <a:latin typeface="Calibri"/>
-                <a:ea typeface="等线"/>
-              </a:defRPr>
-            </a:lvl2pPr>
-            <a:lvl3pPr marL="685800" lvl="2" algn="l" defTabSz="685800">
-              <a:defRPr sz="1350" kern="1200">
-                <a:solidFill>
-                  <a:schemeClr val="tx1"/>
-                </a:solidFill>
-                <a:latin typeface="Calibri"/>
-                <a:ea typeface="等线"/>
-              </a:defRPr>
-            </a:lvl3pPr>
-            <a:lvl4pPr marL="1028700" lvl="3" algn="l" defTabSz="685800">
-              <a:defRPr sz="1350" kern="1200">
-                <a:solidFill>
-                  <a:schemeClr val="tx1"/>
-                </a:solidFill>
-                <a:latin typeface="Calibri"/>
-                <a:ea typeface="等线"/>
-              </a:defRPr>
-            </a:lvl4pPr>
-            <a:lvl5pPr marL="1371600" lvl="4" algn="l" defTabSz="685800">
-              <a:defRPr sz="1350" kern="1200">
-                <a:solidFill>
-                  <a:schemeClr val="tx1"/>
-                </a:solidFill>
-                <a:latin typeface="Calibri"/>
-                <a:ea typeface="等线"/>
-              </a:defRPr>
-            </a:lvl5pPr>
-            <a:lvl6pPr marL="1714500" lvl="5" algn="l" defTabSz="685800">
-              <a:defRPr sz="1350" kern="1200">
-                <a:solidFill>
-                  <a:schemeClr val="tx1"/>
-                </a:solidFill>
-                <a:latin typeface="Calibri"/>
-                <a:ea typeface="等线"/>
-              </a:defRPr>
-            </a:lvl6pPr>
-            <a:lvl7pPr marL="2057400" lvl="6" algn="l" defTabSz="685800">
-              <a:defRPr sz="1350" kern="1200">
-                <a:solidFill>
-                  <a:schemeClr val="tx1"/>
-                </a:solidFill>
-                <a:latin typeface="Calibri"/>
-                <a:ea typeface="等线"/>
-              </a:defRPr>
-            </a:lvl7pPr>
-            <a:lvl8pPr marL="2400300" lvl="7" algn="l" defTabSz="685800">
-              <a:defRPr sz="1350" kern="1200">
-                <a:solidFill>
-                  <a:schemeClr val="tx1"/>
-                </a:solidFill>
-                <a:latin typeface="Calibri"/>
-                <a:ea typeface="等线"/>
-              </a:defRPr>
-            </a:lvl8pPr>
-            <a:lvl9pPr marL="2743200" lvl="8" algn="l" defTabSz="685800">
-              <a:defRPr sz="1350" kern="1200">
-                <a:solidFill>
-                  <a:schemeClr val="tx1"/>
-                </a:solidFill>
-                <a:latin typeface="Calibri"/>
-                <a:ea typeface="等线"/>
-              </a:defRPr>
-            </a:lvl9pPr>
-          </a:lstStyle>
-          <a:p>
-            <a:pPr marL="359474" indent="-359474">
-              <a:buFont typeface="Wingdings" charset="0"/>
-              <a:buChar char="n"/>
-            </a:pPr>
-            <a:r>
-              <a:rPr lang="en-US" sz="1850">
-                <a:solidFill>
-                  <a:srgbClr val="000000"/>
-                </a:solidFill>
-                <a:latin typeface="微软雅黑"/>
-                <a:ea typeface="微软雅黑"/>
-              </a:rPr>
-              <a:t>存储设计</a:t>
-            </a:r>
-          </a:p>
-        </p:txBody>
-      </p:sp>
+      </p:pic>
     </p:spTree>
+    <p:extLst>
+      <p:ext uri="{BB962C8B-B14F-4D97-AF65-F5344CB8AC3E}">
+        <p14:creationId xmlns:p14="http://schemas.microsoft.com/office/powerpoint/2010/main" val="3681321162"/>
+      </p:ext>
+    </p:extLst>
   </p:cSld>
   <p:clrMapOvr>
     <a:masterClrMapping/>
   </p:clrMapOvr>
+  <p:timing>
+    <p:tnLst>
+      <p:par>
+        <p:cTn id="1" dur="indefinite" restart="never" nodeType="tmRoot">
+          <p:childTnLst>
+            <p:seq concurrent="1" nextAc="seek">
+              <p:cTn id="2" dur="indefinite" nodeType="mainSeq">
+                <p:childTnLst>
+                  <p:par>
+                    <p:cTn id="3" fill="hold">
+                      <p:stCondLst>
+                        <p:cond delay="indefinite"/>
+                      </p:stCondLst>
+                      <p:childTnLst>
+                        <p:par>
+                          <p:cTn id="4" fill="hold">
+                            <p:stCondLst>
+                              <p:cond delay="0"/>
+                            </p:stCondLst>
+                            <p:childTnLst>
+                              <p:par>
+                                <p:cTn id="5" presetID="2" presetClass="entr" presetSubtype="4" fill="hold" nodeType="clickEffect">
+                                  <p:stCondLst>
+                                    <p:cond delay="0"/>
+                                  </p:stCondLst>
+                                  <p:childTnLst>
+                                    <p:set>
+                                      <p:cBhvr>
+                                        <p:cTn id="6" dur="1" fill="hold">
+                                          <p:stCondLst>
+                                            <p:cond delay="0"/>
+                                          </p:stCondLst>
+                                        </p:cTn>
+                                        <p:tgtEl>
+                                          <p:spTgt spid="14">
+                                            <p:txEl>
+                                              <p:pRg st="0" end="0"/>
+                                            </p:txEl>
+                                          </p:spTgt>
+                                        </p:tgtEl>
+                                        <p:attrNameLst>
+                                          <p:attrName>style.visibility</p:attrName>
+                                        </p:attrNameLst>
+                                      </p:cBhvr>
+                                      <p:to>
+                                        <p:strVal val="visible"/>
+                                      </p:to>
+                                    </p:set>
+                                    <p:anim calcmode="lin" valueType="num">
+                                      <p:cBhvr additive="base">
+                                        <p:cTn id="7" dur="500" fill="hold"/>
+                                        <p:tgtEl>
+                                          <p:spTgt spid="14">
+                                            <p:txEl>
+                                              <p:pRg st="0" end="0"/>
+                                            </p:txEl>
+                                          </p:spTgt>
+                                        </p:tgtEl>
+                                        <p:attrNameLst>
+                                          <p:attrName>ppt_x</p:attrName>
+                                        </p:attrNameLst>
+                                      </p:cBhvr>
+                                      <p:tavLst>
+                                        <p:tav tm="0">
+                                          <p:val>
+                                            <p:strVal val="#ppt_x"/>
+                                          </p:val>
+                                        </p:tav>
+                                        <p:tav tm="100000">
+                                          <p:val>
+                                            <p:strVal val="#ppt_x"/>
+                                          </p:val>
+                                        </p:tav>
+                                      </p:tavLst>
+                                    </p:anim>
+                                    <p:anim calcmode="lin" valueType="num">
+                                      <p:cBhvr additive="base">
+                                        <p:cTn id="8" dur="500" fill="hold"/>
+                                        <p:tgtEl>
+                                          <p:spTgt spid="14">
+                                            <p:txEl>
+                                              <p:pRg st="0" end="0"/>
+                                            </p:txEl>
+                                          </p:spTgt>
+                                        </p:tgtEl>
+                                        <p:attrNameLst>
+                                          <p:attrName>ppt_y</p:attrName>
+                                        </p:attrNameLst>
+                                      </p:cBhvr>
+                                      <p:tavLst>
+                                        <p:tav tm="0">
+                                          <p:val>
+                                            <p:strVal val="1+#ppt_h/2"/>
+                                          </p:val>
+                                        </p:tav>
+                                        <p:tav tm="100000">
+                                          <p:val>
+                                            <p:strVal val="#ppt_y"/>
+                                          </p:val>
+                                        </p:tav>
+                                      </p:tavLst>
+                                    </p:anim>
+                                  </p:childTnLst>
+                                </p:cTn>
+                              </p:par>
+                            </p:childTnLst>
+                          </p:cTn>
+                        </p:par>
+                      </p:childTnLst>
+                    </p:cTn>
+                  </p:par>
+                  <p:par>
+                    <p:cTn id="9" fill="hold">
+                      <p:stCondLst>
+                        <p:cond delay="indefinite"/>
+                      </p:stCondLst>
+                      <p:childTnLst>
+                        <p:par>
+                          <p:cTn id="10" fill="hold">
+                            <p:stCondLst>
+                              <p:cond delay="0"/>
+                            </p:stCondLst>
+                            <p:childTnLst>
+                              <p:par>
+                                <p:cTn id="11" presetID="2" presetClass="entr" presetSubtype="4" fill="hold" nodeType="clickEffect">
+                                  <p:stCondLst>
+                                    <p:cond delay="0"/>
+                                  </p:stCondLst>
+                                  <p:childTnLst>
+                                    <p:set>
+                                      <p:cBhvr>
+                                        <p:cTn id="12" dur="1" fill="hold">
+                                          <p:stCondLst>
+                                            <p:cond delay="0"/>
+                                          </p:stCondLst>
+                                        </p:cTn>
+                                        <p:tgtEl>
+                                          <p:spTgt spid="2"/>
+                                        </p:tgtEl>
+                                        <p:attrNameLst>
+                                          <p:attrName>style.visibility</p:attrName>
+                                        </p:attrNameLst>
+                                      </p:cBhvr>
+                                      <p:to>
+                                        <p:strVal val="visible"/>
+                                      </p:to>
+                                    </p:set>
+                                    <p:anim calcmode="lin" valueType="num">
+                                      <p:cBhvr additive="base">
+                                        <p:cTn id="13" dur="500" fill="hold"/>
+                                        <p:tgtEl>
+                                          <p:spTgt spid="2"/>
+                                        </p:tgtEl>
+                                        <p:attrNameLst>
+                                          <p:attrName>ppt_x</p:attrName>
+                                        </p:attrNameLst>
+                                      </p:cBhvr>
+                                      <p:tavLst>
+                                        <p:tav tm="0">
+                                          <p:val>
+                                            <p:strVal val="#ppt_x"/>
+                                          </p:val>
+                                        </p:tav>
+                                        <p:tav tm="100000">
+                                          <p:val>
+                                            <p:strVal val="#ppt_x"/>
+                                          </p:val>
+                                        </p:tav>
+                                      </p:tavLst>
+                                    </p:anim>
+                                    <p:anim calcmode="lin" valueType="num">
+                                      <p:cBhvr additive="base">
+                                        <p:cTn id="14" dur="500" fill="hold"/>
+                                        <p:tgtEl>
+                                          <p:spTgt spid="2"/>
+                                        </p:tgtEl>
+                                        <p:attrNameLst>
+                                          <p:attrName>ppt_y</p:attrName>
+                                        </p:attrNameLst>
+                                      </p:cBhvr>
+                                      <p:tavLst>
+                                        <p:tav tm="0">
+                                          <p:val>
+                                            <p:strVal val="1+#ppt_h/2"/>
+                                          </p:val>
+                                        </p:tav>
+                                        <p:tav tm="100000">
+                                          <p:val>
+                                            <p:strVal val="#ppt_y"/>
+                                          </p:val>
+                                        </p:tav>
+                                      </p:tavLst>
+                                    </p:anim>
+                                  </p:childTnLst>
+                                </p:cTn>
+                              </p:par>
+                            </p:childTnLst>
+                          </p:cTn>
+                        </p:par>
+                      </p:childTnLst>
+                    </p:cTn>
+                  </p:par>
+                </p:childTnLst>
+              </p:cTn>
+              <p:prevCondLst>
+                <p:cond evt="onPrev" delay="0">
+                  <p:tgtEl>
+                    <p:sldTgt/>
+                  </p:tgtEl>
+                </p:cond>
+              </p:prevCondLst>
+              <p:nextCondLst>
+                <p:cond evt="onNext" delay="0">
+                  <p:tgtEl>
+                    <p:sldTgt/>
+                  </p:tgtEl>
+                </p:cond>
+              </p:nextCondLst>
+            </p:seq>
+          </p:childTnLst>
+        </p:cTn>
+      </p:par>
+    </p:tnLst>
+  </p:timing>
 </p:sld>
 </file>
 
@@ -5505,661 +5835,905 @@
       </p:grpSpPr>
       <p:sp>
         <p:nvSpPr>
-          <p:cNvPr id="6" name="标题 1"/>
-          <p:cNvSpPr txBox="1"/>
+          <p:cNvPr id="14" name="文本框">
+            <a:extLst>
+              <a:ext uri="{FF2B5EF4-FFF2-40B4-BE49-F238E27FC236}">
+                <a16:creationId xmlns:a16="http://schemas.microsoft.com/office/drawing/2014/main" id="{BDEA2917-E9F9-4A2F-AB6E-08C5320955B6}"/>
+              </a:ext>
+            </a:extLst>
+          </p:cNvPr>
+          <p:cNvSpPr txBox="1">
+            <a:spLocks/>
+          </p:cNvSpPr>
           <p:nvPr/>
         </p:nvSpPr>
         <p:spPr>
           <a:xfrm>
-            <a:off x="2105508" y="471201"/>
-            <a:ext cx="5972550" cy="469410"/>
+            <a:off x="467544" y="1275606"/>
+            <a:ext cx="8229600" cy="507999"/>
           </a:xfrm>
           <a:prstGeom prst="rect">
             <a:avLst/>
           </a:prstGeom>
+          <a:noFill/>
+          <a:ln w="9525" cap="flat" cmpd="sng">
+            <a:noFill/>
+            <a:prstDash val="solid"/>
+            <a:round/>
+          </a:ln>
         </p:spPr>
         <p:txBody>
-          <a:bodyPr vert="horz" lIns="91440" tIns="45720" rIns="91440" bIns="45720" anchor="ctr"/>
+          <a:bodyPr vert="horz" wrap="square" lIns="91440" tIns="45720" rIns="91440" bIns="45720" anchor="ctr" anchorCtr="0">
+            <a:prstTxWarp prst="textNoShape">
+              <a:avLst/>
+            </a:prstTxWarp>
+          </a:bodyPr>
           <a:lstStyle>
-            <a:lvl1pPr marL="0" lvl="0" algn="ctr" defTabSz="685800">
+            <a:lvl1pPr marL="171450" lvl="0" indent="-171450" algn="l" defTabSz="685800">
               <a:lnSpc>
                 <a:spcPct val="90000"/>
               </a:lnSpc>
               <a:spcBef>
-                <a:spcPct val="0"/>
+                <a:spcPts val="750"/>
+              </a:spcBef>
+              <a:buFont typeface="Arial" charset="0"/>
+              <a:buChar char="•"/>
+              <a:defRPr sz="2100" kern="1200">
+                <a:solidFill>
+                  <a:schemeClr val="tx1"/>
+                </a:solidFill>
+                <a:latin typeface="Calibri"/>
+                <a:ea typeface="等线"/>
+              </a:defRPr>
+            </a:lvl1pPr>
+            <a:lvl2pPr marL="514350" lvl="1" indent="-171450" algn="l" defTabSz="685800">
+              <a:lnSpc>
+                <a:spcPct val="90000"/>
+              </a:lnSpc>
+              <a:spcBef>
+                <a:spcPts val="375"/>
+              </a:spcBef>
+              <a:buFont typeface="Arial" charset="0"/>
+              <a:buChar char="•"/>
+              <a:defRPr sz="1800" kern="1200">
+                <a:solidFill>
+                  <a:schemeClr val="tx1"/>
+                </a:solidFill>
+                <a:latin typeface="Calibri"/>
+                <a:ea typeface="等线"/>
+              </a:defRPr>
+            </a:lvl2pPr>
+            <a:lvl3pPr marL="857250" lvl="2" indent="-171450" algn="l" defTabSz="685800">
+              <a:lnSpc>
+                <a:spcPct val="90000"/>
+              </a:lnSpc>
+              <a:spcBef>
+                <a:spcPts val="375"/>
+              </a:spcBef>
+              <a:buFont typeface="Arial" charset="0"/>
+              <a:buChar char="•"/>
+              <a:defRPr sz="1500" kern="1200">
+                <a:solidFill>
+                  <a:schemeClr val="tx1"/>
+                </a:solidFill>
+                <a:latin typeface="Calibri"/>
+                <a:ea typeface="等线"/>
+              </a:defRPr>
+            </a:lvl3pPr>
+            <a:lvl4pPr marL="1200150" lvl="3" indent="-171450" algn="l" defTabSz="685800">
+              <a:lnSpc>
+                <a:spcPct val="90000"/>
+              </a:lnSpc>
+              <a:spcBef>
+                <a:spcPts val="375"/>
+              </a:spcBef>
+              <a:buFont typeface="Arial" charset="0"/>
+              <a:buChar char="•"/>
+              <a:defRPr sz="1350" kern="1200">
+                <a:solidFill>
+                  <a:schemeClr val="tx1"/>
+                </a:solidFill>
+                <a:latin typeface="Calibri"/>
+                <a:ea typeface="等线"/>
+              </a:defRPr>
+            </a:lvl4pPr>
+            <a:lvl5pPr marL="1543050" lvl="4" indent="-171450" algn="l" defTabSz="685800">
+              <a:lnSpc>
+                <a:spcPct val="90000"/>
+              </a:lnSpc>
+              <a:spcBef>
+                <a:spcPts val="375"/>
+              </a:spcBef>
+              <a:buFont typeface="Arial" charset="0"/>
+              <a:buChar char="•"/>
+              <a:defRPr sz="1350" kern="1200">
+                <a:solidFill>
+                  <a:schemeClr val="tx1"/>
+                </a:solidFill>
+                <a:latin typeface="Calibri"/>
+                <a:ea typeface="等线"/>
+              </a:defRPr>
+            </a:lvl5pPr>
+            <a:lvl6pPr marL="1885950" lvl="5" indent="-171450" algn="l" defTabSz="685800">
+              <a:lnSpc>
+                <a:spcPct val="90000"/>
+              </a:lnSpc>
+              <a:spcBef>
+                <a:spcPts val="375"/>
+              </a:spcBef>
+              <a:buFont typeface="Arial" charset="0"/>
+              <a:buChar char="•"/>
+              <a:defRPr sz="1350" kern="1200">
+                <a:solidFill>
+                  <a:schemeClr val="tx1"/>
+                </a:solidFill>
+                <a:latin typeface="Calibri"/>
+                <a:ea typeface="等线"/>
+              </a:defRPr>
+            </a:lvl6pPr>
+            <a:lvl7pPr marL="2228850" lvl="6" indent="-171450" algn="l" defTabSz="685800">
+              <a:lnSpc>
+                <a:spcPct val="90000"/>
+              </a:lnSpc>
+              <a:spcBef>
+                <a:spcPts val="375"/>
+              </a:spcBef>
+              <a:buFont typeface="Arial" charset="0"/>
+              <a:buChar char="•"/>
+              <a:defRPr sz="1350" kern="1200">
+                <a:solidFill>
+                  <a:schemeClr val="tx1"/>
+                </a:solidFill>
+                <a:latin typeface="Calibri"/>
+                <a:ea typeface="等线"/>
+              </a:defRPr>
+            </a:lvl7pPr>
+            <a:lvl8pPr marL="2571750" lvl="7" indent="-171450" algn="l" defTabSz="685800">
+              <a:lnSpc>
+                <a:spcPct val="90000"/>
+              </a:lnSpc>
+              <a:spcBef>
+                <a:spcPts val="375"/>
+              </a:spcBef>
+              <a:buFont typeface="Arial" charset="0"/>
+              <a:buChar char="•"/>
+              <a:defRPr sz="1350" kern="1200">
+                <a:solidFill>
+                  <a:schemeClr val="tx1"/>
+                </a:solidFill>
+                <a:latin typeface="Calibri"/>
+                <a:ea typeface="等线"/>
+              </a:defRPr>
+            </a:lvl8pPr>
+            <a:lvl9pPr marL="2914650" lvl="8" indent="-171450" algn="l" defTabSz="685800">
+              <a:lnSpc>
+                <a:spcPct val="90000"/>
+              </a:lnSpc>
+              <a:spcBef>
+                <a:spcPts val="375"/>
+              </a:spcBef>
+              <a:buFont typeface="Arial" charset="0"/>
+              <a:buChar char="•"/>
+              <a:defRPr sz="1350" kern="1200">
+                <a:solidFill>
+                  <a:schemeClr val="tx1"/>
+                </a:solidFill>
+                <a:latin typeface="Calibri"/>
+                <a:ea typeface="等线"/>
+              </a:defRPr>
+            </a:lvl9pPr>
+          </a:lstStyle>
+          <a:p>
+            <a:pPr marL="0" indent="0">
+              <a:lnSpc>
+                <a:spcPct val="100000"/>
+              </a:lnSpc>
+              <a:spcBef>
+                <a:spcPct val="20000"/>
               </a:spcBef>
               <a:buNone/>
-              <a:defRPr sz="3200" kern="1200">
-                <a:solidFill>
-                  <a:schemeClr val="tx1"/>
-                </a:solidFill>
-                <a:latin typeface="PingFang SC Regular"/>
-                <a:ea typeface="Microsoft YaHei"/>
-              </a:defRPr>
-            </a:lvl1pPr>
-            <a:lvl2pPr marL="342900" lvl="1" algn="l" defTabSz="685800">
-              <a:defRPr sz="1350" kern="1200">
-                <a:solidFill>
-                  <a:schemeClr val="tx1"/>
-                </a:solidFill>
-                <a:latin typeface="Calibri"/>
-                <a:ea typeface="等线"/>
-              </a:defRPr>
-            </a:lvl2pPr>
-            <a:lvl3pPr marL="685800" lvl="2" algn="l" defTabSz="685800">
-              <a:defRPr sz="1350" kern="1200">
-                <a:solidFill>
-                  <a:schemeClr val="tx1"/>
-                </a:solidFill>
-                <a:latin typeface="Calibri"/>
-                <a:ea typeface="等线"/>
-              </a:defRPr>
-            </a:lvl3pPr>
-            <a:lvl4pPr marL="1028700" lvl="3" algn="l" defTabSz="685800">
-              <a:defRPr sz="1350" kern="1200">
-                <a:solidFill>
-                  <a:schemeClr val="tx1"/>
-                </a:solidFill>
-                <a:latin typeface="Calibri"/>
-                <a:ea typeface="等线"/>
-              </a:defRPr>
-            </a:lvl4pPr>
-            <a:lvl5pPr marL="1371600" lvl="4" algn="l" defTabSz="685800">
-              <a:defRPr sz="1350" kern="1200">
-                <a:solidFill>
-                  <a:schemeClr val="tx1"/>
-                </a:solidFill>
-                <a:latin typeface="Calibri"/>
-                <a:ea typeface="等线"/>
-              </a:defRPr>
-            </a:lvl5pPr>
-            <a:lvl6pPr marL="1714500" lvl="5" algn="l" defTabSz="685800">
-              <a:defRPr sz="1350" kern="1200">
-                <a:solidFill>
-                  <a:schemeClr val="tx1"/>
-                </a:solidFill>
-                <a:latin typeface="Calibri"/>
-                <a:ea typeface="等线"/>
-              </a:defRPr>
-            </a:lvl6pPr>
-            <a:lvl7pPr marL="2057400" lvl="6" algn="l" defTabSz="685800">
-              <a:defRPr sz="1350" kern="1200">
-                <a:solidFill>
-                  <a:schemeClr val="tx1"/>
-                </a:solidFill>
-                <a:latin typeface="Calibri"/>
-                <a:ea typeface="等线"/>
-              </a:defRPr>
-            </a:lvl7pPr>
-            <a:lvl8pPr marL="2400300" lvl="7" algn="l" defTabSz="685800">
-              <a:defRPr sz="1350" kern="1200">
-                <a:solidFill>
-                  <a:schemeClr val="tx1"/>
-                </a:solidFill>
-                <a:latin typeface="Calibri"/>
-                <a:ea typeface="等线"/>
-              </a:defRPr>
-            </a:lvl8pPr>
-            <a:lvl9pPr marL="2743200" lvl="8" algn="l" defTabSz="685800">
-              <a:defRPr sz="1350" kern="1200">
-                <a:solidFill>
-                  <a:schemeClr val="tx1"/>
-                </a:solidFill>
-                <a:latin typeface="Calibri"/>
-                <a:ea typeface="等线"/>
-              </a:defRPr>
-            </a:lvl9pPr>
-          </a:lstStyle>
-          <a:p>
-            <a:r>
-              <a:rPr lang="zh-CN">
-                <a:latin typeface="微软雅黑"/>
-                <a:ea typeface="微软雅黑"/>
+            </a:pPr>
+            <a:r>
+              <a:rPr lang="zh-CN" altLang="en-US" sz="2200" b="1" dirty="0">
+                <a:solidFill>
+                  <a:srgbClr val="000000"/>
+                </a:solidFill>
+                <a:latin typeface="微软雅黑" panose="020B0503020204020204" pitchFamily="34" charset="-122"/>
+                <a:ea typeface="微软雅黑" panose="020B0503020204020204" pitchFamily="34" charset="-122"/>
+                <a:cs typeface="Times New Roman" charset="0"/>
               </a:rPr>
-              <a:t>2.1 秒杀系统分析【业务场景】 </a:t>
-            </a:r>
+              <a:t>系统分析</a:t>
+            </a:r>
+            <a:r>
+              <a:rPr lang="en-US" altLang="zh-CN" sz="2200" b="1" dirty="0">
+                <a:solidFill>
+                  <a:srgbClr val="000000"/>
+                </a:solidFill>
+                <a:latin typeface="微软雅黑" panose="020B0503020204020204" pitchFamily="34" charset="-122"/>
+                <a:ea typeface="微软雅黑" panose="020B0503020204020204" pitchFamily="34" charset="-122"/>
+                <a:cs typeface="Times New Roman" charset="0"/>
+              </a:rPr>
+              <a:t>-</a:t>
+            </a:r>
+            <a:r>
+              <a:rPr lang="zh-CN" altLang="en-US" sz="2200" b="1" dirty="0">
+                <a:solidFill>
+                  <a:srgbClr val="000000"/>
+                </a:solidFill>
+                <a:latin typeface="微软雅黑" panose="020B0503020204020204" pitchFamily="34" charset="-122"/>
+                <a:ea typeface="微软雅黑" panose="020B0503020204020204" pitchFamily="34" charset="-122"/>
+                <a:cs typeface="Times New Roman" charset="0"/>
+              </a:rPr>
+              <a:t>业务场景</a:t>
+            </a:r>
+            <a:r>
+              <a:rPr lang="en-US" altLang="zh-CN" sz="2200" kern="0" dirty="0">
+                <a:solidFill>
+                  <a:srgbClr val="212121"/>
+                </a:solidFill>
+                <a:latin typeface="微软雅黑" charset="0"/>
+                <a:ea typeface="微软雅黑" charset="0"/>
+                <a:cs typeface="Times New Roman" charset="0"/>
+              </a:rPr>
+              <a:t>	</a:t>
+            </a:r>
+            <a:endParaRPr lang="zh-CN" altLang="en-US" sz="2200" kern="0" dirty="0">
+              <a:solidFill>
+                <a:srgbClr val="212121"/>
+              </a:solidFill>
+              <a:latin typeface="微软雅黑" charset="0"/>
+              <a:ea typeface="微软雅黑" charset="0"/>
+              <a:cs typeface="Times New Roman" charset="0"/>
+            </a:endParaRPr>
           </a:p>
         </p:txBody>
       </p:sp>
       <p:sp>
         <p:nvSpPr>
-          <p:cNvPr id="7" name="圆角矩形 6"/>
-          <p:cNvSpPr/>
+          <p:cNvPr id="21" name="矩形">
+            <a:extLst>
+              <a:ext uri="{FF2B5EF4-FFF2-40B4-BE49-F238E27FC236}">
+                <a16:creationId xmlns:a16="http://schemas.microsoft.com/office/drawing/2014/main" id="{205A0FB6-F4B6-49D2-B42C-0D9BF450DFAC}"/>
+              </a:ext>
+            </a:extLst>
+          </p:cNvPr>
+          <p:cNvSpPr>
+            <a:spLocks/>
+          </p:cNvSpPr>
           <p:nvPr/>
         </p:nvSpPr>
         <p:spPr>
           <a:xfrm>
-            <a:off x="944271" y="1455462"/>
-            <a:ext cx="1777451" cy="2777268"/>
+            <a:off x="468312" y="480975"/>
+            <a:ext cx="8229600" cy="576262"/>
           </a:xfrm>
-          <a:prstGeom prst="roundRect">
+          <a:prstGeom prst="rect">
             <a:avLst/>
           </a:prstGeom>
-          <a:solidFill>
-            <a:srgbClr val="DFF8FF"/>
-          </a:solidFill>
-          <a:ln w="12700">
-            <a:solidFill>
-              <a:srgbClr val="5C5C5C"/>
-            </a:solidFill>
+          <a:noFill/>
+          <a:ln w="9525" cap="flat" cmpd="sng">
+            <a:noFill/>
             <a:prstDash val="solid"/>
+            <a:miter/>
           </a:ln>
         </p:spPr>
         <p:txBody>
-          <a:bodyPr anchor="ctr"/>
+          <a:bodyPr vert="horz" wrap="square" lIns="91440" tIns="45720" rIns="91440" bIns="45720" anchor="t" anchorCtr="0">
+            <a:prstTxWarp prst="textNoShape">
+              <a:avLst/>
+            </a:prstTxWarp>
+          </a:bodyPr>
           <a:lstStyle/>
           <a:p>
-            <a:r>
-              <a:rPr lang="zh-CN" sz="1400">
-                <a:solidFill>
-                  <a:srgbClr val="FF0000"/>
-                </a:solidFill>
+            <a:pPr algn="ctr" eaLnBrk="0" fontAlgn="base" hangingPunct="0"/>
+            <a:r>
+              <a:rPr lang="zh-CN" altLang="en-US" sz="3000" b="1" kern="0" dirty="0">
+                <a:latin typeface="微软雅黑" charset="0"/>
+                <a:ea typeface="微软雅黑" charset="0"/>
+                <a:cs typeface="微软雅黑" charset="0"/>
               </a:rPr>
-              <a:t>秒杀</a:t>
-            </a:r>
-            <a:r>
-              <a:rPr lang="zh-CN" sz="1400"/>
-              <a:t>就是在</a:t>
-            </a:r>
-            <a:r>
-              <a:rPr lang="zh-CN" sz="1400">
-                <a:solidFill>
-                  <a:srgbClr val="FF0000"/>
-                </a:solidFill>
-              </a:rPr>
-              <a:t>同一个时刻</a:t>
-            </a:r>
-            <a:r>
-              <a:rPr lang="zh-CN" sz="1400"/>
-              <a:t>有</a:t>
-            </a:r>
-            <a:r>
-              <a:rPr lang="zh-CN" sz="1400">
-                <a:solidFill>
-                  <a:srgbClr val="FF0000"/>
-                </a:solidFill>
-              </a:rPr>
-              <a:t>大量的用户</a:t>
-            </a:r>
-            <a:r>
-              <a:rPr lang="zh-CN" sz="1400"/>
-              <a:t>争抢购买</a:t>
-            </a:r>
-            <a:r>
-              <a:rPr lang="zh-CN" sz="1400">
-                <a:solidFill>
-                  <a:srgbClr val="FF0000"/>
-                </a:solidFill>
-              </a:rPr>
-              <a:t>同一个商品</a:t>
-            </a:r>
-            <a:r>
-              <a:rPr lang="zh-CN" sz="1400"/>
-              <a:t>并完成交易的过程</a:t>
-            </a:r>
+              <a:t>系统分析设计和实现</a:t>
+            </a:r>
+            <a:endParaRPr lang="zh-CN" altLang="en-US" sz="3000" b="1" u="none" strike="noStrike" kern="0" cap="none" spc="0" baseline="0" dirty="0">
+              <a:latin typeface="微软雅黑" charset="0"/>
+              <a:ea typeface="微软雅黑" charset="0"/>
+              <a:cs typeface="微软雅黑" charset="0"/>
+              <a:sym typeface="Calibri" pitchFamily="34" charset="0"/>
+            </a:endParaRPr>
           </a:p>
         </p:txBody>
       </p:sp>
       <p:sp>
         <p:nvSpPr>
-          <p:cNvPr id="8" name="圆角矩形 7"/>
-          <p:cNvSpPr/>
+          <p:cNvPr id="22" name="矩形">
+            <a:extLst>
+              <a:ext uri="{FF2B5EF4-FFF2-40B4-BE49-F238E27FC236}">
+                <a16:creationId xmlns:a16="http://schemas.microsoft.com/office/drawing/2014/main" id="{8F47FDEC-0F10-41D7-8D2E-BC531038F06E}"/>
+              </a:ext>
+            </a:extLst>
+          </p:cNvPr>
+          <p:cNvSpPr>
+            <a:spLocks/>
+          </p:cNvSpPr>
           <p:nvPr/>
         </p:nvSpPr>
         <p:spPr>
           <a:xfrm>
-            <a:off x="3832630" y="1455462"/>
-            <a:ext cx="1777451" cy="2777268"/>
+            <a:off x="543224" y="2963728"/>
+            <a:ext cx="8565279" cy="400110"/>
           </a:xfrm>
-          <a:prstGeom prst="roundRect">
+          <a:prstGeom prst="rect">
             <a:avLst/>
           </a:prstGeom>
-          <a:solidFill>
-            <a:srgbClr val="85D4E6"/>
-          </a:solidFill>
-          <a:ln w="12700">
-            <a:solidFill>
-              <a:srgbClr val="5C5C5C"/>
-            </a:solidFill>
+          <a:noFill/>
+          <a:ln w="9525" cap="flat" cmpd="sng">
+            <a:noFill/>
             <a:prstDash val="solid"/>
+            <a:miter/>
           </a:ln>
         </p:spPr>
         <p:txBody>
-          <a:bodyPr anchor="ctr"/>
+          <a:bodyPr vert="horz" wrap="square" lIns="91440" tIns="45720" rIns="91440" bIns="45720" anchor="ctr" anchorCtr="0">
+            <a:prstTxWarp prst="textNoShape">
+              <a:avLst/>
+            </a:prstTxWarp>
+            <a:spAutoFit/>
+          </a:bodyPr>
           <a:lstStyle/>
           <a:p>
-            <a:pPr marL="0" indent="0" algn="ctr">
-              <a:buNone/>
+            <a:pPr marL="800100" lvl="1" indent="-342900">
+              <a:buFont typeface="Wingdings" panose="05000000000000000000" pitchFamily="2" charset="2"/>
+              <a:buChar char="u"/>
             </a:pPr>
-            <a:endParaRPr lang="zh-CN" sz="1400">
-              <a:solidFill>
-                <a:srgbClr val="FF0000"/>
-              </a:solidFill>
-              <a:latin typeface="微软雅黑"/>
-              <a:ea typeface="微软雅黑"/>
-            </a:endParaRPr>
+            <a:r>
+              <a:rPr lang="zh-CN" altLang="en-US" sz="2000" dirty="0">
+                <a:solidFill>
+                  <a:srgbClr val="474747"/>
+                </a:solidFill>
+                <a:latin typeface="微软雅黑" charset="0"/>
+                <a:ea typeface="微软雅黑" charset="0"/>
+                <a:cs typeface="微软雅黑" charset="0"/>
+                <a:sym typeface="Calibri" pitchFamily="34" charset="0"/>
+              </a:rPr>
+              <a:t>用户数量远大于库存数量，只有少部分用户能够成功</a:t>
+            </a:r>
           </a:p>
         </p:txBody>
       </p:sp>
       <p:sp>
         <p:nvSpPr>
-          <p:cNvPr id="9" name="圆角矩形 8"/>
-          <p:cNvSpPr/>
+          <p:cNvPr id="23" name="矩形">
+            <a:extLst>
+              <a:ext uri="{FF2B5EF4-FFF2-40B4-BE49-F238E27FC236}">
+                <a16:creationId xmlns:a16="http://schemas.microsoft.com/office/drawing/2014/main" id="{91BB6437-2F6A-4CD4-AFBB-63B4A98E9212}"/>
+              </a:ext>
+            </a:extLst>
+          </p:cNvPr>
+          <p:cNvSpPr>
+            <a:spLocks/>
+          </p:cNvSpPr>
           <p:nvPr/>
         </p:nvSpPr>
         <p:spPr>
           <a:xfrm>
-            <a:off x="6810135" y="1455462"/>
-            <a:ext cx="1777451" cy="2777268"/>
+            <a:off x="539551" y="2211710"/>
+            <a:ext cx="8565279" cy="400110"/>
           </a:xfrm>
-          <a:prstGeom prst="roundRect">
+          <a:prstGeom prst="rect">
             <a:avLst/>
           </a:prstGeom>
-          <a:solidFill>
-            <a:srgbClr val="4CC2EE"/>
-          </a:solidFill>
-          <a:ln w="12700">
-            <a:solidFill>
-              <a:srgbClr val="5C5C5C"/>
-            </a:solidFill>
+          <a:noFill/>
+          <a:ln w="9525" cap="flat" cmpd="sng">
+            <a:noFill/>
             <a:prstDash val="solid"/>
+            <a:miter/>
           </a:ln>
         </p:spPr>
         <p:txBody>
-          <a:bodyPr/>
+          <a:bodyPr vert="horz" wrap="square" lIns="91440" tIns="45720" rIns="91440" bIns="45720" anchor="ctr" anchorCtr="0">
+            <a:prstTxWarp prst="textNoShape">
+              <a:avLst/>
+            </a:prstTxWarp>
+            <a:spAutoFit/>
+          </a:bodyPr>
           <a:lstStyle/>
           <a:p>
-            <a:endParaRPr/>
+            <a:pPr marL="800100" lvl="1" indent="-342900">
+              <a:buFont typeface="Wingdings" panose="05000000000000000000" pitchFamily="2" charset="2"/>
+              <a:buChar char="u"/>
+            </a:pPr>
+            <a:r>
+              <a:rPr lang="zh-CN" altLang="en-US" sz="2000" dirty="0">
+                <a:solidFill>
+                  <a:srgbClr val="474747"/>
+                </a:solidFill>
+                <a:latin typeface="微软雅黑" charset="0"/>
+                <a:ea typeface="微软雅黑" charset="0"/>
+                <a:cs typeface="微软雅黑" charset="0"/>
+              </a:rPr>
+              <a:t>大量用户在同一时间，抢购同一商品，瞬时流量激增</a:t>
+            </a:r>
           </a:p>
         </p:txBody>
       </p:sp>
       <p:sp>
         <p:nvSpPr>
-          <p:cNvPr id="10" name="文本框 9"/>
-          <p:cNvSpPr txBox="1"/>
+          <p:cNvPr id="24" name="矩形">
+            <a:extLst>
+              <a:ext uri="{FF2B5EF4-FFF2-40B4-BE49-F238E27FC236}">
+                <a16:creationId xmlns:a16="http://schemas.microsoft.com/office/drawing/2014/main" id="{47CF1CFC-08CC-4D10-8AAB-4E5250C3D62D}"/>
+              </a:ext>
+            </a:extLst>
+          </p:cNvPr>
+          <p:cNvSpPr>
+            <a:spLocks/>
+          </p:cNvSpPr>
           <p:nvPr/>
         </p:nvSpPr>
         <p:spPr>
           <a:xfrm>
-            <a:off x="1443905" y="1125262"/>
-            <a:ext cx="778184" cy="330200"/>
+            <a:off x="560239" y="3717181"/>
+            <a:ext cx="8565279" cy="400110"/>
           </a:xfrm>
           <a:prstGeom prst="rect">
             <a:avLst/>
           </a:prstGeom>
-          <a:ln w="12700">
+          <a:noFill/>
+          <a:ln w="9525" cap="flat" cmpd="sng">
+            <a:noFill/>
             <a:prstDash val="solid"/>
+            <a:miter/>
           </a:ln>
         </p:spPr>
         <p:txBody>
-          <a:bodyPr/>
+          <a:bodyPr vert="horz" wrap="square" lIns="91440" tIns="45720" rIns="91440" bIns="45720" anchor="ctr" anchorCtr="0">
+            <a:prstTxWarp prst="textNoShape">
+              <a:avLst/>
+            </a:prstTxWarp>
+            <a:spAutoFit/>
+          </a:bodyPr>
           <a:lstStyle/>
           <a:p>
-            <a:pPr algn="ctr"/>
-            <a:r>
-              <a:rPr lang="zh-CN" b="1"/>
-              <a:t>场景</a:t>
-            </a:r>
-          </a:p>
-        </p:txBody>
-      </p:sp>
-      <p:sp>
-        <p:nvSpPr>
-          <p:cNvPr id="11" name="文本框 10"/>
-          <p:cNvSpPr txBox="1"/>
-          <p:nvPr/>
-        </p:nvSpPr>
-        <p:spPr>
-          <a:xfrm>
-            <a:off x="4332264" y="1125262"/>
-            <a:ext cx="778184" cy="330200"/>
-          </a:xfrm>
-          <a:prstGeom prst="rect">
-            <a:avLst/>
-          </a:prstGeom>
-          <a:ln w="12700">
-            <a:prstDash val="solid"/>
-          </a:ln>
-        </p:spPr>
-        <p:txBody>
-          <a:bodyPr/>
-          <a:lstStyle/>
-          <a:p>
-            <a:pPr algn="ctr"/>
-            <a:r>
-              <a:rPr lang="zh-CN" b="1"/>
-              <a:t>特点</a:t>
-            </a:r>
-          </a:p>
-        </p:txBody>
-      </p:sp>
-      <p:sp>
-        <p:nvSpPr>
-          <p:cNvPr id="12" name="文本框 11"/>
-          <p:cNvSpPr txBox="1"/>
-          <p:nvPr/>
-        </p:nvSpPr>
-        <p:spPr>
-          <a:xfrm>
-            <a:off x="7298660" y="1125262"/>
-            <a:ext cx="889274" cy="330200"/>
-          </a:xfrm>
-          <a:prstGeom prst="rect">
-            <a:avLst/>
-          </a:prstGeom>
-          <a:ln w="12700">
-            <a:prstDash val="solid"/>
-          </a:ln>
-        </p:spPr>
-        <p:txBody>
-          <a:bodyPr/>
-          <a:lstStyle/>
-          <a:p>
-            <a:pPr algn="ctr"/>
-            <a:r>
-              <a:rPr lang="zh-CN" b="1"/>
-              <a:t>核心问题</a:t>
-            </a:r>
-          </a:p>
-        </p:txBody>
-      </p:sp>
-      <p:sp>
-        <p:nvSpPr>
-          <p:cNvPr id="13" name="燕尾形箭头 12"/>
-          <p:cNvSpPr/>
-          <p:nvPr/>
-        </p:nvSpPr>
-        <p:spPr>
-          <a:xfrm>
-            <a:off x="2877250" y="2571814"/>
-            <a:ext cx="733199" cy="333272"/>
-          </a:xfrm>
-          <a:prstGeom prst="notchedRightArrow">
-            <a:avLst/>
-          </a:prstGeom>
-          <a:solidFill>
-            <a:srgbClr val="7B7B7B"/>
-          </a:solidFill>
-          <a:ln w="12700">
-            <a:solidFill>
-              <a:srgbClr val="5C5C5C"/>
-            </a:solidFill>
-            <a:prstDash val="solid"/>
-          </a:ln>
-        </p:spPr>
-        <p:txBody>
-          <a:bodyPr/>
-          <a:lstStyle/>
-          <a:p>
-            <a:endParaRPr/>
-          </a:p>
-        </p:txBody>
-      </p:sp>
-      <p:sp>
-        <p:nvSpPr>
-          <p:cNvPr id="14" name="燕尾形箭头 13"/>
-          <p:cNvSpPr/>
-          <p:nvPr/>
-        </p:nvSpPr>
-        <p:spPr>
-          <a:xfrm>
-            <a:off x="5876717" y="2621914"/>
-            <a:ext cx="733199" cy="333272"/>
-          </a:xfrm>
-          <a:prstGeom prst="notchedRightArrow">
-            <a:avLst/>
-          </a:prstGeom>
-          <a:solidFill>
-            <a:srgbClr val="7B7B7B"/>
-          </a:solidFill>
-          <a:ln w="12700">
-            <a:solidFill>
-              <a:srgbClr val="5C5C5C"/>
-            </a:solidFill>
-            <a:prstDash val="solid"/>
-          </a:ln>
-        </p:spPr>
-        <p:txBody>
-          <a:bodyPr/>
-          <a:lstStyle/>
-          <a:p>
-            <a:endParaRPr/>
-          </a:p>
-        </p:txBody>
-      </p:sp>
-      <p:sp>
-        <p:nvSpPr>
-          <p:cNvPr id="15" name="矩形 14"/>
-          <p:cNvSpPr/>
-          <p:nvPr/>
-        </p:nvSpPr>
-        <p:spPr>
-          <a:xfrm>
-            <a:off x="7043426" y="1616544"/>
-            <a:ext cx="1310870" cy="466581"/>
-          </a:xfrm>
-          <a:prstGeom prst="rect">
-            <a:avLst/>
-          </a:prstGeom>
-          <a:solidFill>
-            <a:srgbClr val="FFB84D"/>
-          </a:solidFill>
-          <a:ln w="12700">
-            <a:solidFill>
-              <a:srgbClr val="5C5C5C"/>
-            </a:solidFill>
-            <a:prstDash val="solid"/>
-          </a:ln>
-        </p:spPr>
-        <p:txBody>
-          <a:bodyPr anchor="ctr"/>
-          <a:lstStyle/>
-          <a:p>
-            <a:pPr algn="ctr"/>
-            <a:r>
-              <a:rPr lang="zh-CN"/>
-              <a:t>高并发读</a:t>
-            </a:r>
-          </a:p>
-        </p:txBody>
-      </p:sp>
-      <p:sp>
-        <p:nvSpPr>
-          <p:cNvPr id="16" name="矩形 15"/>
-          <p:cNvSpPr/>
-          <p:nvPr/>
-        </p:nvSpPr>
-        <p:spPr>
-          <a:xfrm>
-            <a:off x="7043426" y="2279385"/>
-            <a:ext cx="1310870" cy="466581"/>
-          </a:xfrm>
-          <a:prstGeom prst="rect">
-            <a:avLst/>
-          </a:prstGeom>
-          <a:solidFill>
-            <a:srgbClr val="FFB84D"/>
-          </a:solidFill>
-          <a:ln w="12700">
-            <a:solidFill>
-              <a:srgbClr val="5C5C5C"/>
-            </a:solidFill>
-            <a:prstDash val="solid"/>
-          </a:ln>
-        </p:spPr>
-        <p:txBody>
-          <a:bodyPr anchor="ctr"/>
-          <a:lstStyle/>
-          <a:p>
-            <a:pPr algn="ctr"/>
-            <a:r>
-              <a:rPr lang="zh-CN"/>
-              <a:t>高并发写</a:t>
-            </a:r>
-          </a:p>
-        </p:txBody>
-      </p:sp>
-      <p:sp>
-        <p:nvSpPr>
-          <p:cNvPr id="17" name="矩形 16"/>
-          <p:cNvSpPr/>
-          <p:nvPr/>
-        </p:nvSpPr>
-        <p:spPr>
-          <a:xfrm>
-            <a:off x="7043426" y="2942226"/>
-            <a:ext cx="1310870" cy="466581"/>
-          </a:xfrm>
-          <a:prstGeom prst="rect">
-            <a:avLst/>
-          </a:prstGeom>
-          <a:solidFill>
-            <a:srgbClr val="FFB84D"/>
-          </a:solidFill>
-          <a:ln w="12700">
-            <a:solidFill>
-              <a:srgbClr val="5C5C5C"/>
-            </a:solidFill>
-            <a:prstDash val="solid"/>
-          </a:ln>
-        </p:spPr>
-        <p:txBody>
-          <a:bodyPr anchor="ctr"/>
-          <a:lstStyle/>
-          <a:p>
-            <a:pPr algn="ctr"/>
-            <a:r>
-              <a:rPr lang="zh-CN"/>
-              <a:t>高可用</a:t>
-            </a:r>
-          </a:p>
-        </p:txBody>
-      </p:sp>
-      <p:sp>
-        <p:nvSpPr>
-          <p:cNvPr id="18" name="矩形 17"/>
-          <p:cNvSpPr/>
-          <p:nvPr/>
-        </p:nvSpPr>
-        <p:spPr>
-          <a:xfrm>
-            <a:off x="7043426" y="3605067"/>
-            <a:ext cx="1310870" cy="466581"/>
-          </a:xfrm>
-          <a:prstGeom prst="rect">
-            <a:avLst/>
-          </a:prstGeom>
-          <a:solidFill>
-            <a:srgbClr val="FFB84D"/>
-          </a:solidFill>
-          <a:ln w="12700">
-            <a:solidFill>
-              <a:srgbClr val="FFFFFF"/>
-            </a:solidFill>
-            <a:prstDash val="solid"/>
-          </a:ln>
-        </p:spPr>
-        <p:txBody>
-          <a:bodyPr anchor="ctr"/>
-          <a:lstStyle/>
-          <a:p>
-            <a:pPr algn="ctr"/>
-            <a:r>
-              <a:rPr lang="zh-CN"/>
-              <a:t>超卖</a:t>
-            </a:r>
-          </a:p>
-        </p:txBody>
-      </p:sp>
-      <p:sp>
-        <p:nvSpPr>
-          <p:cNvPr id="19" name="矩形 18"/>
-          <p:cNvSpPr/>
-          <p:nvPr/>
-        </p:nvSpPr>
-        <p:spPr>
-          <a:xfrm>
-            <a:off x="4065920" y="2133170"/>
-            <a:ext cx="1310870" cy="466581"/>
-          </a:xfrm>
-          <a:prstGeom prst="rect">
-            <a:avLst/>
-          </a:prstGeom>
-          <a:solidFill>
-            <a:srgbClr val="FEE4FF"/>
-          </a:solidFill>
-          <a:ln w="12700">
-            <a:solidFill>
-              <a:srgbClr val="5C5C5C"/>
-            </a:solidFill>
-            <a:prstDash val="solid"/>
-          </a:ln>
-        </p:spPr>
-        <p:txBody>
-          <a:bodyPr anchor="ctr"/>
-          <a:lstStyle/>
-          <a:p>
-            <a:pPr algn="ctr"/>
-            <a:r>
-              <a:rPr lang="zh-CN" sz="1400">
-                <a:solidFill>
-                  <a:srgbClr val="000000"/>
-                </a:solidFill>
-                <a:latin typeface="微软雅黑"/>
-                <a:ea typeface="微软雅黑"/>
+            <a:pPr marL="800100" lvl="1" indent="-342900">
+              <a:buFont typeface="Wingdings" panose="05000000000000000000" pitchFamily="2" charset="2"/>
+              <a:buChar char="u"/>
+            </a:pPr>
+            <a:r>
+              <a:rPr lang="zh-CN" altLang="en-US" sz="2000" dirty="0">
+                <a:solidFill>
+                  <a:srgbClr val="474747"/>
+                </a:solidFill>
+                <a:latin typeface="微软雅黑" charset="0"/>
+                <a:ea typeface="微软雅黑" charset="0"/>
+                <a:cs typeface="微软雅黑" charset="0"/>
+                <a:sym typeface="Calibri" pitchFamily="34" charset="0"/>
               </a:rPr>
-              <a:t>瞬时流量激增</a:t>
-            </a:r>
-          </a:p>
-        </p:txBody>
-      </p:sp>
-      <p:sp>
-        <p:nvSpPr>
-          <p:cNvPr id="20" name="矩形 19"/>
-          <p:cNvSpPr/>
-          <p:nvPr/>
-        </p:nvSpPr>
-        <p:spPr>
-          <a:xfrm>
-            <a:off x="4065920" y="2892180"/>
-            <a:ext cx="1310870" cy="466581"/>
-          </a:xfrm>
-          <a:prstGeom prst="rect">
-            <a:avLst/>
-          </a:prstGeom>
-          <a:solidFill>
-            <a:srgbClr val="FEE4FF"/>
-          </a:solidFill>
-          <a:ln w="12700">
-            <a:solidFill>
-              <a:srgbClr val="5C5C5C"/>
-            </a:solidFill>
-            <a:prstDash val="solid"/>
-          </a:ln>
-        </p:spPr>
-        <p:txBody>
-          <a:bodyPr anchor="ctr"/>
-          <a:lstStyle/>
-          <a:p>
-            <a:pPr algn="ctr"/>
-            <a:r>
-              <a:rPr lang="zh-CN" sz="1400">
-                <a:solidFill>
-                  <a:srgbClr val="000000"/>
-                </a:solidFill>
-                <a:latin typeface="微软雅黑"/>
-                <a:ea typeface="微软雅黑"/>
-              </a:rPr>
-              <a:t>用户数远超商品数</a:t>
+              <a:t>实际卖出商品不能超出计划卖出的商品，即不能超卖</a:t>
             </a:r>
           </a:p>
         </p:txBody>
       </p:sp>
     </p:spTree>
+    <p:extLst>
+      <p:ext uri="{BB962C8B-B14F-4D97-AF65-F5344CB8AC3E}">
+        <p14:creationId xmlns:p14="http://schemas.microsoft.com/office/powerpoint/2010/main" val="2081153308"/>
+      </p:ext>
+    </p:extLst>
   </p:cSld>
   <p:clrMapOvr>
     <a:masterClrMapping/>
   </p:clrMapOvr>
+  <p:timing>
+    <p:tnLst>
+      <p:par>
+        <p:cTn id="1" dur="indefinite" restart="never" nodeType="tmRoot">
+          <p:childTnLst>
+            <p:seq concurrent="1" nextAc="seek">
+              <p:cTn id="2" dur="indefinite" nodeType="mainSeq">
+                <p:childTnLst>
+                  <p:par>
+                    <p:cTn id="3" fill="hold">
+                      <p:stCondLst>
+                        <p:cond delay="indefinite"/>
+                      </p:stCondLst>
+                      <p:childTnLst>
+                        <p:par>
+                          <p:cTn id="4" fill="hold">
+                            <p:stCondLst>
+                              <p:cond delay="0"/>
+                            </p:stCondLst>
+                            <p:childTnLst>
+                              <p:par>
+                                <p:cTn id="5" presetID="2" presetClass="entr" presetSubtype="4" fill="hold" nodeType="clickEffect">
+                                  <p:stCondLst>
+                                    <p:cond delay="0"/>
+                                  </p:stCondLst>
+                                  <p:childTnLst>
+                                    <p:set>
+                                      <p:cBhvr>
+                                        <p:cTn id="6" dur="1" fill="hold">
+                                          <p:stCondLst>
+                                            <p:cond delay="0"/>
+                                          </p:stCondLst>
+                                        </p:cTn>
+                                        <p:tgtEl>
+                                          <p:spTgt spid="14">
+                                            <p:txEl>
+                                              <p:pRg st="0" end="0"/>
+                                            </p:txEl>
+                                          </p:spTgt>
+                                        </p:tgtEl>
+                                        <p:attrNameLst>
+                                          <p:attrName>style.visibility</p:attrName>
+                                        </p:attrNameLst>
+                                      </p:cBhvr>
+                                      <p:to>
+                                        <p:strVal val="visible"/>
+                                      </p:to>
+                                    </p:set>
+                                    <p:anim calcmode="lin" valueType="num">
+                                      <p:cBhvr additive="base">
+                                        <p:cTn id="7" dur="500" fill="hold"/>
+                                        <p:tgtEl>
+                                          <p:spTgt spid="14">
+                                            <p:txEl>
+                                              <p:pRg st="0" end="0"/>
+                                            </p:txEl>
+                                          </p:spTgt>
+                                        </p:tgtEl>
+                                        <p:attrNameLst>
+                                          <p:attrName>ppt_x</p:attrName>
+                                        </p:attrNameLst>
+                                      </p:cBhvr>
+                                      <p:tavLst>
+                                        <p:tav tm="0">
+                                          <p:val>
+                                            <p:strVal val="#ppt_x"/>
+                                          </p:val>
+                                        </p:tav>
+                                        <p:tav tm="100000">
+                                          <p:val>
+                                            <p:strVal val="#ppt_x"/>
+                                          </p:val>
+                                        </p:tav>
+                                      </p:tavLst>
+                                    </p:anim>
+                                    <p:anim calcmode="lin" valueType="num">
+                                      <p:cBhvr additive="base">
+                                        <p:cTn id="8" dur="500" fill="hold"/>
+                                        <p:tgtEl>
+                                          <p:spTgt spid="14">
+                                            <p:txEl>
+                                              <p:pRg st="0" end="0"/>
+                                            </p:txEl>
+                                          </p:spTgt>
+                                        </p:tgtEl>
+                                        <p:attrNameLst>
+                                          <p:attrName>ppt_y</p:attrName>
+                                        </p:attrNameLst>
+                                      </p:cBhvr>
+                                      <p:tavLst>
+                                        <p:tav tm="0">
+                                          <p:val>
+                                            <p:strVal val="1+#ppt_h/2"/>
+                                          </p:val>
+                                        </p:tav>
+                                        <p:tav tm="100000">
+                                          <p:val>
+                                            <p:strVal val="#ppt_y"/>
+                                          </p:val>
+                                        </p:tav>
+                                      </p:tavLst>
+                                    </p:anim>
+                                  </p:childTnLst>
+                                </p:cTn>
+                              </p:par>
+                            </p:childTnLst>
+                          </p:cTn>
+                        </p:par>
+                      </p:childTnLst>
+                    </p:cTn>
+                  </p:par>
+                  <p:par>
+                    <p:cTn id="9" fill="hold">
+                      <p:stCondLst>
+                        <p:cond delay="indefinite"/>
+                      </p:stCondLst>
+                      <p:childTnLst>
+                        <p:par>
+                          <p:cTn id="10" fill="hold">
+                            <p:stCondLst>
+                              <p:cond delay="0"/>
+                            </p:stCondLst>
+                            <p:childTnLst>
+                              <p:par>
+                                <p:cTn id="11" presetID="2" presetClass="entr" presetSubtype="4" fill="hold" grpId="0" nodeType="clickEffect">
+                                  <p:stCondLst>
+                                    <p:cond delay="0"/>
+                                  </p:stCondLst>
+                                  <p:childTnLst>
+                                    <p:set>
+                                      <p:cBhvr>
+                                        <p:cTn id="12" dur="1" fill="hold">
+                                          <p:stCondLst>
+                                            <p:cond delay="0"/>
+                                          </p:stCondLst>
+                                        </p:cTn>
+                                        <p:tgtEl>
+                                          <p:spTgt spid="23"/>
+                                        </p:tgtEl>
+                                        <p:attrNameLst>
+                                          <p:attrName>style.visibility</p:attrName>
+                                        </p:attrNameLst>
+                                      </p:cBhvr>
+                                      <p:to>
+                                        <p:strVal val="visible"/>
+                                      </p:to>
+                                    </p:set>
+                                    <p:anim calcmode="lin" valueType="num">
+                                      <p:cBhvr additive="base">
+                                        <p:cTn id="13" dur="500" fill="hold"/>
+                                        <p:tgtEl>
+                                          <p:spTgt spid="23"/>
+                                        </p:tgtEl>
+                                        <p:attrNameLst>
+                                          <p:attrName>ppt_x</p:attrName>
+                                        </p:attrNameLst>
+                                      </p:cBhvr>
+                                      <p:tavLst>
+                                        <p:tav tm="0">
+                                          <p:val>
+                                            <p:strVal val="#ppt_x"/>
+                                          </p:val>
+                                        </p:tav>
+                                        <p:tav tm="100000">
+                                          <p:val>
+                                            <p:strVal val="#ppt_x"/>
+                                          </p:val>
+                                        </p:tav>
+                                      </p:tavLst>
+                                    </p:anim>
+                                    <p:anim calcmode="lin" valueType="num">
+                                      <p:cBhvr additive="base">
+                                        <p:cTn id="14" dur="500" fill="hold"/>
+                                        <p:tgtEl>
+                                          <p:spTgt spid="23"/>
+                                        </p:tgtEl>
+                                        <p:attrNameLst>
+                                          <p:attrName>ppt_y</p:attrName>
+                                        </p:attrNameLst>
+                                      </p:cBhvr>
+                                      <p:tavLst>
+                                        <p:tav tm="0">
+                                          <p:val>
+                                            <p:strVal val="1+#ppt_h/2"/>
+                                          </p:val>
+                                        </p:tav>
+                                        <p:tav tm="100000">
+                                          <p:val>
+                                            <p:strVal val="#ppt_y"/>
+                                          </p:val>
+                                        </p:tav>
+                                      </p:tavLst>
+                                    </p:anim>
+                                  </p:childTnLst>
+                                </p:cTn>
+                              </p:par>
+                            </p:childTnLst>
+                          </p:cTn>
+                        </p:par>
+                      </p:childTnLst>
+                    </p:cTn>
+                  </p:par>
+                  <p:par>
+                    <p:cTn id="15" fill="hold">
+                      <p:stCondLst>
+                        <p:cond delay="indefinite"/>
+                      </p:stCondLst>
+                      <p:childTnLst>
+                        <p:par>
+                          <p:cTn id="16" fill="hold">
+                            <p:stCondLst>
+                              <p:cond delay="0"/>
+                            </p:stCondLst>
+                            <p:childTnLst>
+                              <p:par>
+                                <p:cTn id="17" presetID="2" presetClass="entr" presetSubtype="4" fill="hold" grpId="0" nodeType="clickEffect">
+                                  <p:stCondLst>
+                                    <p:cond delay="0"/>
+                                  </p:stCondLst>
+                                  <p:childTnLst>
+                                    <p:set>
+                                      <p:cBhvr>
+                                        <p:cTn id="18" dur="1" fill="hold">
+                                          <p:stCondLst>
+                                            <p:cond delay="0"/>
+                                          </p:stCondLst>
+                                        </p:cTn>
+                                        <p:tgtEl>
+                                          <p:spTgt spid="22"/>
+                                        </p:tgtEl>
+                                        <p:attrNameLst>
+                                          <p:attrName>style.visibility</p:attrName>
+                                        </p:attrNameLst>
+                                      </p:cBhvr>
+                                      <p:to>
+                                        <p:strVal val="visible"/>
+                                      </p:to>
+                                    </p:set>
+                                    <p:anim calcmode="lin" valueType="num">
+                                      <p:cBhvr additive="base">
+                                        <p:cTn id="19" dur="500" fill="hold"/>
+                                        <p:tgtEl>
+                                          <p:spTgt spid="22"/>
+                                        </p:tgtEl>
+                                        <p:attrNameLst>
+                                          <p:attrName>ppt_x</p:attrName>
+                                        </p:attrNameLst>
+                                      </p:cBhvr>
+                                      <p:tavLst>
+                                        <p:tav tm="0">
+                                          <p:val>
+                                            <p:strVal val="#ppt_x"/>
+                                          </p:val>
+                                        </p:tav>
+                                        <p:tav tm="100000">
+                                          <p:val>
+                                            <p:strVal val="#ppt_x"/>
+                                          </p:val>
+                                        </p:tav>
+                                      </p:tavLst>
+                                    </p:anim>
+                                    <p:anim calcmode="lin" valueType="num">
+                                      <p:cBhvr additive="base">
+                                        <p:cTn id="20" dur="500" fill="hold"/>
+                                        <p:tgtEl>
+                                          <p:spTgt spid="22"/>
+                                        </p:tgtEl>
+                                        <p:attrNameLst>
+                                          <p:attrName>ppt_y</p:attrName>
+                                        </p:attrNameLst>
+                                      </p:cBhvr>
+                                      <p:tavLst>
+                                        <p:tav tm="0">
+                                          <p:val>
+                                            <p:strVal val="1+#ppt_h/2"/>
+                                          </p:val>
+                                        </p:tav>
+                                        <p:tav tm="100000">
+                                          <p:val>
+                                            <p:strVal val="#ppt_y"/>
+                                          </p:val>
+                                        </p:tav>
+                                      </p:tavLst>
+                                    </p:anim>
+                                  </p:childTnLst>
+                                </p:cTn>
+                              </p:par>
+                            </p:childTnLst>
+                          </p:cTn>
+                        </p:par>
+                      </p:childTnLst>
+                    </p:cTn>
+                  </p:par>
+                  <p:par>
+                    <p:cTn id="21" fill="hold">
+                      <p:stCondLst>
+                        <p:cond delay="indefinite"/>
+                      </p:stCondLst>
+                      <p:childTnLst>
+                        <p:par>
+                          <p:cTn id="22" fill="hold">
+                            <p:stCondLst>
+                              <p:cond delay="0"/>
+                            </p:stCondLst>
+                            <p:childTnLst>
+                              <p:par>
+                                <p:cTn id="23" presetID="2" presetClass="entr" presetSubtype="4" fill="hold" grpId="0" nodeType="clickEffect">
+                                  <p:stCondLst>
+                                    <p:cond delay="0"/>
+                                  </p:stCondLst>
+                                  <p:childTnLst>
+                                    <p:set>
+                                      <p:cBhvr>
+                                        <p:cTn id="24" dur="1" fill="hold">
+                                          <p:stCondLst>
+                                            <p:cond delay="0"/>
+                                          </p:stCondLst>
+                                        </p:cTn>
+                                        <p:tgtEl>
+                                          <p:spTgt spid="24"/>
+                                        </p:tgtEl>
+                                        <p:attrNameLst>
+                                          <p:attrName>style.visibility</p:attrName>
+                                        </p:attrNameLst>
+                                      </p:cBhvr>
+                                      <p:to>
+                                        <p:strVal val="visible"/>
+                                      </p:to>
+                                    </p:set>
+                                    <p:anim calcmode="lin" valueType="num">
+                                      <p:cBhvr additive="base">
+                                        <p:cTn id="25" dur="500" fill="hold"/>
+                                        <p:tgtEl>
+                                          <p:spTgt spid="24"/>
+                                        </p:tgtEl>
+                                        <p:attrNameLst>
+                                          <p:attrName>ppt_x</p:attrName>
+                                        </p:attrNameLst>
+                                      </p:cBhvr>
+                                      <p:tavLst>
+                                        <p:tav tm="0">
+                                          <p:val>
+                                            <p:strVal val="#ppt_x"/>
+                                          </p:val>
+                                        </p:tav>
+                                        <p:tav tm="100000">
+                                          <p:val>
+                                            <p:strVal val="#ppt_x"/>
+                                          </p:val>
+                                        </p:tav>
+                                      </p:tavLst>
+                                    </p:anim>
+                                    <p:anim calcmode="lin" valueType="num">
+                                      <p:cBhvr additive="base">
+                                        <p:cTn id="26" dur="500" fill="hold"/>
+                                        <p:tgtEl>
+                                          <p:spTgt spid="24"/>
+                                        </p:tgtEl>
+                                        <p:attrNameLst>
+                                          <p:attrName>ppt_y</p:attrName>
+                                        </p:attrNameLst>
+                                      </p:cBhvr>
+                                      <p:tavLst>
+                                        <p:tav tm="0">
+                                          <p:val>
+                                            <p:strVal val="1+#ppt_h/2"/>
+                                          </p:val>
+                                        </p:tav>
+                                        <p:tav tm="100000">
+                                          <p:val>
+                                            <p:strVal val="#ppt_y"/>
+                                          </p:val>
+                                        </p:tav>
+                                      </p:tavLst>
+                                    </p:anim>
+                                  </p:childTnLst>
+                                </p:cTn>
+                              </p:par>
+                            </p:childTnLst>
+                          </p:cTn>
+                        </p:par>
+                      </p:childTnLst>
+                    </p:cTn>
+                  </p:par>
+                </p:childTnLst>
+              </p:cTn>
+              <p:prevCondLst>
+                <p:cond evt="onPrev" delay="0">
+                  <p:tgtEl>
+                    <p:sldTgt/>
+                  </p:tgtEl>
+                </p:cond>
+              </p:prevCondLst>
+              <p:nextCondLst>
+                <p:cond evt="onNext" delay="0">
+                  <p:tgtEl>
+                    <p:sldTgt/>
+                  </p:tgtEl>
+                </p:cond>
+              </p:nextCondLst>
+            </p:seq>
+          </p:childTnLst>
+        </p:cTn>
+      </p:par>
+    </p:tnLst>
+    <p:bldLst>
+      <p:bldP spid="22" grpId="0"/>
+      <p:bldP spid="23" grpId="0"/>
+      <p:bldP spid="24" grpId="0"/>
+    </p:bldLst>
+  </p:timing>
 </p:sld>
 </file>
 
@@ -6182,426 +6756,928 @@
       </p:grpSpPr>
       <p:sp>
         <p:nvSpPr>
-          <p:cNvPr id="6" name="标题 1"/>
-          <p:cNvSpPr txBox="1"/>
+          <p:cNvPr id="14" name="文本框">
+            <a:extLst>
+              <a:ext uri="{FF2B5EF4-FFF2-40B4-BE49-F238E27FC236}">
+                <a16:creationId xmlns:a16="http://schemas.microsoft.com/office/drawing/2014/main" id="{BDEA2917-E9F9-4A2F-AB6E-08C5320955B6}"/>
+              </a:ext>
+            </a:extLst>
+          </p:cNvPr>
+          <p:cNvSpPr txBox="1">
+            <a:spLocks/>
+          </p:cNvSpPr>
           <p:nvPr/>
         </p:nvSpPr>
         <p:spPr>
           <a:xfrm>
-            <a:off x="2092808" y="471201"/>
-            <a:ext cx="5889300" cy="469410"/>
+            <a:off x="467544" y="1275606"/>
+            <a:ext cx="8229600" cy="507999"/>
           </a:xfrm>
           <a:prstGeom prst="rect">
             <a:avLst/>
           </a:prstGeom>
+          <a:noFill/>
+          <a:ln w="9525" cap="flat" cmpd="sng">
+            <a:noFill/>
+            <a:prstDash val="solid"/>
+            <a:round/>
+          </a:ln>
         </p:spPr>
         <p:txBody>
-          <a:bodyPr vert="horz" lIns="91440" tIns="45720" rIns="91440" bIns="45720" anchor="ctr"/>
+          <a:bodyPr vert="horz" wrap="square" lIns="91440" tIns="45720" rIns="91440" bIns="45720" anchor="ctr" anchorCtr="0">
+            <a:prstTxWarp prst="textNoShape">
+              <a:avLst/>
+            </a:prstTxWarp>
+          </a:bodyPr>
           <a:lstStyle>
-            <a:lvl1pPr marL="0" lvl="0" algn="ctr" defTabSz="685800">
+            <a:lvl1pPr marL="171450" lvl="0" indent="-171450" algn="l" defTabSz="685800">
               <a:lnSpc>
                 <a:spcPct val="90000"/>
               </a:lnSpc>
               <a:spcBef>
-                <a:spcPct val="0"/>
+                <a:spcPts val="750"/>
+              </a:spcBef>
+              <a:buFont typeface="Arial" charset="0"/>
+              <a:buChar char="•"/>
+              <a:defRPr sz="2100" kern="1200">
+                <a:solidFill>
+                  <a:schemeClr val="tx1"/>
+                </a:solidFill>
+                <a:latin typeface="Calibri"/>
+                <a:ea typeface="等线"/>
+              </a:defRPr>
+            </a:lvl1pPr>
+            <a:lvl2pPr marL="514350" lvl="1" indent="-171450" algn="l" defTabSz="685800">
+              <a:lnSpc>
+                <a:spcPct val="90000"/>
+              </a:lnSpc>
+              <a:spcBef>
+                <a:spcPts val="375"/>
+              </a:spcBef>
+              <a:buFont typeface="Arial" charset="0"/>
+              <a:buChar char="•"/>
+              <a:defRPr sz="1800" kern="1200">
+                <a:solidFill>
+                  <a:schemeClr val="tx1"/>
+                </a:solidFill>
+                <a:latin typeface="Calibri"/>
+                <a:ea typeface="等线"/>
+              </a:defRPr>
+            </a:lvl2pPr>
+            <a:lvl3pPr marL="857250" lvl="2" indent="-171450" algn="l" defTabSz="685800">
+              <a:lnSpc>
+                <a:spcPct val="90000"/>
+              </a:lnSpc>
+              <a:spcBef>
+                <a:spcPts val="375"/>
+              </a:spcBef>
+              <a:buFont typeface="Arial" charset="0"/>
+              <a:buChar char="•"/>
+              <a:defRPr sz="1500" kern="1200">
+                <a:solidFill>
+                  <a:schemeClr val="tx1"/>
+                </a:solidFill>
+                <a:latin typeface="Calibri"/>
+                <a:ea typeface="等线"/>
+              </a:defRPr>
+            </a:lvl3pPr>
+            <a:lvl4pPr marL="1200150" lvl="3" indent="-171450" algn="l" defTabSz="685800">
+              <a:lnSpc>
+                <a:spcPct val="90000"/>
+              </a:lnSpc>
+              <a:spcBef>
+                <a:spcPts val="375"/>
+              </a:spcBef>
+              <a:buFont typeface="Arial" charset="0"/>
+              <a:buChar char="•"/>
+              <a:defRPr sz="1350" kern="1200">
+                <a:solidFill>
+                  <a:schemeClr val="tx1"/>
+                </a:solidFill>
+                <a:latin typeface="Calibri"/>
+                <a:ea typeface="等线"/>
+              </a:defRPr>
+            </a:lvl4pPr>
+            <a:lvl5pPr marL="1543050" lvl="4" indent="-171450" algn="l" defTabSz="685800">
+              <a:lnSpc>
+                <a:spcPct val="90000"/>
+              </a:lnSpc>
+              <a:spcBef>
+                <a:spcPts val="375"/>
+              </a:spcBef>
+              <a:buFont typeface="Arial" charset="0"/>
+              <a:buChar char="•"/>
+              <a:defRPr sz="1350" kern="1200">
+                <a:solidFill>
+                  <a:schemeClr val="tx1"/>
+                </a:solidFill>
+                <a:latin typeface="Calibri"/>
+                <a:ea typeface="等线"/>
+              </a:defRPr>
+            </a:lvl5pPr>
+            <a:lvl6pPr marL="1885950" lvl="5" indent="-171450" algn="l" defTabSz="685800">
+              <a:lnSpc>
+                <a:spcPct val="90000"/>
+              </a:lnSpc>
+              <a:spcBef>
+                <a:spcPts val="375"/>
+              </a:spcBef>
+              <a:buFont typeface="Arial" charset="0"/>
+              <a:buChar char="•"/>
+              <a:defRPr sz="1350" kern="1200">
+                <a:solidFill>
+                  <a:schemeClr val="tx1"/>
+                </a:solidFill>
+                <a:latin typeface="Calibri"/>
+                <a:ea typeface="等线"/>
+              </a:defRPr>
+            </a:lvl6pPr>
+            <a:lvl7pPr marL="2228850" lvl="6" indent="-171450" algn="l" defTabSz="685800">
+              <a:lnSpc>
+                <a:spcPct val="90000"/>
+              </a:lnSpc>
+              <a:spcBef>
+                <a:spcPts val="375"/>
+              </a:spcBef>
+              <a:buFont typeface="Arial" charset="0"/>
+              <a:buChar char="•"/>
+              <a:defRPr sz="1350" kern="1200">
+                <a:solidFill>
+                  <a:schemeClr val="tx1"/>
+                </a:solidFill>
+                <a:latin typeface="Calibri"/>
+                <a:ea typeface="等线"/>
+              </a:defRPr>
+            </a:lvl7pPr>
+            <a:lvl8pPr marL="2571750" lvl="7" indent="-171450" algn="l" defTabSz="685800">
+              <a:lnSpc>
+                <a:spcPct val="90000"/>
+              </a:lnSpc>
+              <a:spcBef>
+                <a:spcPts val="375"/>
+              </a:spcBef>
+              <a:buFont typeface="Arial" charset="0"/>
+              <a:buChar char="•"/>
+              <a:defRPr sz="1350" kern="1200">
+                <a:solidFill>
+                  <a:schemeClr val="tx1"/>
+                </a:solidFill>
+                <a:latin typeface="Calibri"/>
+                <a:ea typeface="等线"/>
+              </a:defRPr>
+            </a:lvl8pPr>
+            <a:lvl9pPr marL="2914650" lvl="8" indent="-171450" algn="l" defTabSz="685800">
+              <a:lnSpc>
+                <a:spcPct val="90000"/>
+              </a:lnSpc>
+              <a:spcBef>
+                <a:spcPts val="375"/>
+              </a:spcBef>
+              <a:buFont typeface="Arial" charset="0"/>
+              <a:buChar char="•"/>
+              <a:defRPr sz="1350" kern="1200">
+                <a:solidFill>
+                  <a:schemeClr val="tx1"/>
+                </a:solidFill>
+                <a:latin typeface="Calibri"/>
+                <a:ea typeface="等线"/>
+              </a:defRPr>
+            </a:lvl9pPr>
+          </a:lstStyle>
+          <a:p>
+            <a:pPr marL="0" indent="0">
+              <a:lnSpc>
+                <a:spcPct val="100000"/>
+              </a:lnSpc>
+              <a:spcBef>
+                <a:spcPct val="20000"/>
               </a:spcBef>
               <a:buNone/>
-              <a:defRPr sz="3200" kern="1200">
-                <a:solidFill>
-                  <a:schemeClr val="tx1"/>
-                </a:solidFill>
-                <a:latin typeface="PingFang SC Regular"/>
-                <a:ea typeface="Microsoft YaHei"/>
-              </a:defRPr>
-            </a:lvl1pPr>
-            <a:lvl2pPr marL="342900" lvl="1" algn="l" defTabSz="685800">
-              <a:defRPr sz="1350" kern="1200">
-                <a:solidFill>
-                  <a:schemeClr val="tx1"/>
-                </a:solidFill>
-                <a:latin typeface="Calibri"/>
-                <a:ea typeface="等线"/>
-              </a:defRPr>
-            </a:lvl2pPr>
-            <a:lvl3pPr marL="685800" lvl="2" algn="l" defTabSz="685800">
-              <a:defRPr sz="1350" kern="1200">
-                <a:solidFill>
-                  <a:schemeClr val="tx1"/>
-                </a:solidFill>
-                <a:latin typeface="Calibri"/>
-                <a:ea typeface="等线"/>
-              </a:defRPr>
-            </a:lvl3pPr>
-            <a:lvl4pPr marL="1028700" lvl="3" algn="l" defTabSz="685800">
-              <a:defRPr sz="1350" kern="1200">
-                <a:solidFill>
-                  <a:schemeClr val="tx1"/>
-                </a:solidFill>
-                <a:latin typeface="Calibri"/>
-                <a:ea typeface="等线"/>
-              </a:defRPr>
-            </a:lvl4pPr>
-            <a:lvl5pPr marL="1371600" lvl="4" algn="l" defTabSz="685800">
-              <a:defRPr sz="1350" kern="1200">
-                <a:solidFill>
-                  <a:schemeClr val="tx1"/>
-                </a:solidFill>
-                <a:latin typeface="Calibri"/>
-                <a:ea typeface="等线"/>
-              </a:defRPr>
-            </a:lvl5pPr>
-            <a:lvl6pPr marL="1714500" lvl="5" algn="l" defTabSz="685800">
-              <a:defRPr sz="1350" kern="1200">
-                <a:solidFill>
-                  <a:schemeClr val="tx1"/>
-                </a:solidFill>
-                <a:latin typeface="Calibri"/>
-                <a:ea typeface="等线"/>
-              </a:defRPr>
-            </a:lvl6pPr>
-            <a:lvl7pPr marL="2057400" lvl="6" algn="l" defTabSz="685800">
-              <a:defRPr sz="1350" kern="1200">
-                <a:solidFill>
-                  <a:schemeClr val="tx1"/>
-                </a:solidFill>
-                <a:latin typeface="Calibri"/>
-                <a:ea typeface="等线"/>
-              </a:defRPr>
-            </a:lvl7pPr>
-            <a:lvl8pPr marL="2400300" lvl="7" algn="l" defTabSz="685800">
-              <a:defRPr sz="1350" kern="1200">
-                <a:solidFill>
-                  <a:schemeClr val="tx1"/>
-                </a:solidFill>
-                <a:latin typeface="Calibri"/>
-                <a:ea typeface="等线"/>
-              </a:defRPr>
-            </a:lvl8pPr>
-            <a:lvl9pPr marL="2743200" lvl="8" algn="l" defTabSz="685800">
-              <a:defRPr sz="1350" kern="1200">
-                <a:solidFill>
-                  <a:schemeClr val="tx1"/>
-                </a:solidFill>
-                <a:latin typeface="Calibri"/>
-                <a:ea typeface="等线"/>
-              </a:defRPr>
-            </a:lvl9pPr>
-          </a:lstStyle>
-          <a:p>
-            <a:r>
-              <a:rPr lang="zh-CN">
-                <a:latin typeface="微软雅黑"/>
-                <a:ea typeface="微软雅黑"/>
+            </a:pPr>
+            <a:r>
+              <a:rPr lang="zh-CN" altLang="en-US" sz="2200" b="1" dirty="0">
+                <a:solidFill>
+                  <a:srgbClr val="000000"/>
+                </a:solidFill>
+                <a:latin typeface="微软雅黑" panose="020B0503020204020204" pitchFamily="34" charset="-122"/>
+                <a:ea typeface="微软雅黑" panose="020B0503020204020204" pitchFamily="34" charset="-122"/>
               </a:rPr>
-              <a:t>2.1 </a:t>
-            </a:r>
-            <a:r>
-              <a:rPr lang="zh-CN" sz="3200">
+              <a:t>系统分析</a:t>
+            </a:r>
+            <a:r>
+              <a:rPr lang="en-US" altLang="zh-CN" sz="2200" b="1" dirty="0">
                 <a:solidFill>
                   <a:srgbClr val="000000"/>
                 </a:solidFill>
-                <a:latin typeface="微软雅黑"/>
-                <a:ea typeface="微软雅黑"/>
+                <a:latin typeface="微软雅黑" panose="020B0503020204020204" pitchFamily="34" charset="-122"/>
+                <a:ea typeface="微软雅黑" panose="020B0503020204020204" pitchFamily="34" charset="-122"/>
               </a:rPr>
-              <a:t>秒杀系统分析【技术目标】</a:t>
-            </a:r>
+              <a:t>-</a:t>
+            </a:r>
+            <a:r>
+              <a:rPr lang="zh-CN" altLang="en-US" sz="2200" b="1" dirty="0">
+                <a:solidFill>
+                  <a:srgbClr val="000000"/>
+                </a:solidFill>
+                <a:latin typeface="微软雅黑" panose="020B0503020204020204" pitchFamily="34" charset="-122"/>
+                <a:ea typeface="微软雅黑" panose="020B0503020204020204" pitchFamily="34" charset="-122"/>
+              </a:rPr>
+              <a:t>技术目标</a:t>
+            </a:r>
+            <a:r>
+              <a:rPr lang="en-US" altLang="zh-CN" sz="2200" kern="0" dirty="0">
+                <a:solidFill>
+                  <a:srgbClr val="212121"/>
+                </a:solidFill>
+                <a:latin typeface="微软雅黑" charset="0"/>
+                <a:ea typeface="微软雅黑" charset="0"/>
+                <a:cs typeface="Times New Roman" charset="0"/>
+              </a:rPr>
+              <a:t>	</a:t>
+            </a:r>
+            <a:endParaRPr lang="zh-CN" altLang="en-US" sz="2200" kern="0" dirty="0">
+              <a:solidFill>
+                <a:srgbClr val="212121"/>
+              </a:solidFill>
+              <a:latin typeface="微软雅黑" charset="0"/>
+              <a:ea typeface="微软雅黑" charset="0"/>
+              <a:cs typeface="Times New Roman" charset="0"/>
+            </a:endParaRPr>
           </a:p>
         </p:txBody>
       </p:sp>
       <p:sp>
         <p:nvSpPr>
-          <p:cNvPr id="7" name="圆角矩形 6"/>
-          <p:cNvSpPr/>
+          <p:cNvPr id="21" name="矩形">
+            <a:extLst>
+              <a:ext uri="{FF2B5EF4-FFF2-40B4-BE49-F238E27FC236}">
+                <a16:creationId xmlns:a16="http://schemas.microsoft.com/office/drawing/2014/main" id="{205A0FB6-F4B6-49D2-B42C-0D9BF450DFAC}"/>
+              </a:ext>
+            </a:extLst>
+          </p:cNvPr>
+          <p:cNvSpPr>
+            <a:spLocks/>
+          </p:cNvSpPr>
           <p:nvPr/>
         </p:nvSpPr>
         <p:spPr>
           <a:xfrm>
-            <a:off x="1633034" y="1971942"/>
-            <a:ext cx="722090" cy="1821888"/>
+            <a:off x="468312" y="480975"/>
+            <a:ext cx="8229600" cy="576262"/>
           </a:xfrm>
-          <a:prstGeom prst="roundRect">
+          <a:prstGeom prst="rect">
             <a:avLst/>
           </a:prstGeom>
-          <a:solidFill>
-            <a:srgbClr val="FFE59A"/>
-          </a:solidFill>
-          <a:ln w="12700">
-            <a:solidFill>
-              <a:srgbClr val="5C5C5C"/>
-            </a:solidFill>
+          <a:noFill/>
+          <a:ln w="9525" cap="flat" cmpd="sng">
+            <a:noFill/>
             <a:prstDash val="solid"/>
+            <a:miter/>
           </a:ln>
         </p:spPr>
         <p:txBody>
-          <a:bodyPr anchor="ctr"/>
+          <a:bodyPr vert="horz" wrap="square" lIns="91440" tIns="45720" rIns="91440" bIns="45720" anchor="t" anchorCtr="0">
+            <a:prstTxWarp prst="textNoShape">
+              <a:avLst/>
+            </a:prstTxWarp>
+          </a:bodyPr>
           <a:lstStyle/>
           <a:p>
-            <a:pPr algn="ctr"/>
-            <a:r>
-              <a:rPr lang="zh-CN" sz="2000">
-                <a:latin typeface="Calibri"/>
-                <a:ea typeface="Microsoft YaHei"/>
+            <a:pPr algn="ctr" eaLnBrk="0" fontAlgn="base" hangingPunct="0"/>
+            <a:r>
+              <a:rPr lang="zh-CN" altLang="en-US" sz="3000" b="1" kern="0" dirty="0">
+                <a:latin typeface="微软雅黑" charset="0"/>
+                <a:ea typeface="微软雅黑" charset="0"/>
+                <a:cs typeface="微软雅黑" charset="0"/>
               </a:rPr>
-              <a:t>技</a:t>
-            </a:r>
-          </a:p>
-          <a:p>
-            <a:pPr algn="ctr"/>
-            <a:r>
-              <a:rPr lang="zh-CN" sz="2000">
-                <a:latin typeface="Calibri"/>
-                <a:ea typeface="Microsoft YaHei"/>
-              </a:rPr>
-              <a:t>术</a:t>
-            </a:r>
-          </a:p>
-          <a:p>
-            <a:pPr algn="ctr"/>
-            <a:r>
-              <a:rPr lang="zh-CN" sz="2000">
-                <a:latin typeface="Calibri"/>
-                <a:ea typeface="Microsoft YaHei"/>
-              </a:rPr>
-              <a:t>目</a:t>
-            </a:r>
-          </a:p>
-          <a:p>
-            <a:pPr algn="ctr"/>
-            <a:r>
-              <a:rPr lang="zh-CN" sz="2000">
-                <a:latin typeface="Calibri"/>
-                <a:ea typeface="Microsoft YaHei"/>
-              </a:rPr>
-              <a:t>标</a:t>
-            </a:r>
+              <a:t>系统分析设计和实现</a:t>
+            </a:r>
+            <a:endParaRPr lang="zh-CN" altLang="en-US" sz="3000" b="1" u="none" strike="noStrike" kern="0" cap="none" spc="0" baseline="0" dirty="0">
+              <a:latin typeface="微软雅黑" charset="0"/>
+              <a:ea typeface="微软雅黑" charset="0"/>
+              <a:cs typeface="微软雅黑" charset="0"/>
+              <a:sym typeface="Calibri" pitchFamily="34" charset="0"/>
+            </a:endParaRPr>
           </a:p>
         </p:txBody>
       </p:sp>
       <p:sp>
         <p:nvSpPr>
-          <p:cNvPr id="8" name="圆角矩形 7"/>
-          <p:cNvSpPr/>
+          <p:cNvPr id="22" name="矩形">
+            <a:extLst>
+              <a:ext uri="{FF2B5EF4-FFF2-40B4-BE49-F238E27FC236}">
+                <a16:creationId xmlns:a16="http://schemas.microsoft.com/office/drawing/2014/main" id="{8F47FDEC-0F10-41D7-8D2E-BC531038F06E}"/>
+              </a:ext>
+            </a:extLst>
+          </p:cNvPr>
+          <p:cNvSpPr>
+            <a:spLocks/>
+          </p:cNvSpPr>
           <p:nvPr/>
         </p:nvSpPr>
         <p:spPr>
           <a:xfrm>
-            <a:off x="3199412" y="1322153"/>
-            <a:ext cx="4132574" cy="655435"/>
+            <a:off x="543224" y="2963728"/>
+            <a:ext cx="8565279" cy="400110"/>
           </a:xfrm>
-          <a:prstGeom prst="roundRect">
+          <a:prstGeom prst="rect">
             <a:avLst/>
           </a:prstGeom>
-          <a:solidFill>
-            <a:srgbClr val="D9D9D9"/>
-          </a:solidFill>
-          <a:ln w="12700">
-            <a:solidFill>
-              <a:srgbClr val="5C5C5C"/>
-            </a:solidFill>
+          <a:noFill/>
+          <a:ln w="9525" cap="flat" cmpd="sng">
+            <a:noFill/>
             <a:prstDash val="solid"/>
+            <a:miter/>
           </a:ln>
         </p:spPr>
         <p:txBody>
-          <a:bodyPr anchor="ctr"/>
+          <a:bodyPr vert="horz" wrap="square" lIns="91440" tIns="45720" rIns="91440" bIns="45720" anchor="ctr" anchorCtr="0">
+            <a:prstTxWarp prst="textNoShape">
+              <a:avLst/>
+            </a:prstTxWarp>
+            <a:spAutoFit/>
+          </a:bodyPr>
           <a:lstStyle/>
           <a:p>
-            <a:pPr marL="0" indent="0" algn="ctr">
-              <a:buNone/>
+            <a:pPr marL="800100" lvl="1" indent="-342900">
+              <a:buFont typeface="Wingdings" panose="05000000000000000000" pitchFamily="2" charset="2"/>
+              <a:buChar char="u"/>
             </a:pPr>
             <a:r>
-              <a:rPr lang="zh-CN" sz="1600">
-                <a:solidFill>
-                  <a:srgbClr val="3F3F3F"/>
-                </a:solidFill>
-                <a:latin typeface="Microsoft YaHei"/>
-                <a:ea typeface="Microsoft YaHei"/>
+              <a:rPr lang="zh-CN" altLang="en-US" sz="2000" u="none" strike="noStrike" kern="1200" cap="none" spc="0" baseline="0" dirty="0">
+                <a:solidFill>
+                  <a:srgbClr val="474747"/>
+                </a:solidFill>
+                <a:latin typeface="微软雅黑" charset="0"/>
+                <a:ea typeface="微软雅黑" charset="0"/>
+                <a:cs typeface="微软雅黑" charset="0"/>
+                <a:sym typeface="Calibri" pitchFamily="34" charset="0"/>
               </a:rPr>
-              <a:t>支撑千万级高并发的秒杀业务</a:t>
-            </a:r>
+              <a:t>掌握超高并发架构的理论和具体实践方法</a:t>
+            </a:r>
+            <a:endParaRPr lang="zh-CN" altLang="en-US" sz="2000" u="none" strike="noStrike" kern="1200" cap="none" spc="0" baseline="0" dirty="0">
+              <a:solidFill>
+                <a:srgbClr val="C9394A"/>
+              </a:solidFill>
+              <a:latin typeface="微软雅黑" charset="0"/>
+              <a:ea typeface="微软雅黑" charset="0"/>
+              <a:cs typeface="微软雅黑" charset="0"/>
+              <a:sym typeface="Calibri" pitchFamily="34" charset="0"/>
+            </a:endParaRPr>
           </a:p>
         </p:txBody>
       </p:sp>
       <p:sp>
         <p:nvSpPr>
-          <p:cNvPr id="9" name="圆角矩形 8"/>
-          <p:cNvSpPr/>
+          <p:cNvPr id="23" name="矩形">
+            <a:extLst>
+              <a:ext uri="{FF2B5EF4-FFF2-40B4-BE49-F238E27FC236}">
+                <a16:creationId xmlns:a16="http://schemas.microsoft.com/office/drawing/2014/main" id="{91BB6437-2F6A-4CD4-AFBB-63B4A98E9212}"/>
+              </a:ext>
+            </a:extLst>
+          </p:cNvPr>
+          <p:cNvSpPr>
+            <a:spLocks/>
+          </p:cNvSpPr>
           <p:nvPr/>
         </p:nvSpPr>
         <p:spPr>
           <a:xfrm>
-            <a:off x="3199412" y="2538596"/>
-            <a:ext cx="4132574" cy="655435"/>
+            <a:off x="539551" y="2211710"/>
+            <a:ext cx="8565279" cy="400110"/>
           </a:xfrm>
-          <a:prstGeom prst="roundRect">
+          <a:prstGeom prst="rect">
             <a:avLst/>
           </a:prstGeom>
-          <a:solidFill>
-            <a:srgbClr val="D9D9D9"/>
-          </a:solidFill>
-          <a:ln w="12700">
-            <a:solidFill>
-              <a:srgbClr val="5C5C5C"/>
-            </a:solidFill>
+          <a:noFill/>
+          <a:ln w="9525" cap="flat" cmpd="sng">
+            <a:noFill/>
             <a:prstDash val="solid"/>
+            <a:miter/>
           </a:ln>
         </p:spPr>
         <p:txBody>
-          <a:bodyPr anchor="ctr"/>
+          <a:bodyPr vert="horz" wrap="square" lIns="91440" tIns="45720" rIns="91440" bIns="45720" anchor="ctr" anchorCtr="0">
+            <a:prstTxWarp prst="textNoShape">
+              <a:avLst/>
+            </a:prstTxWarp>
+            <a:spAutoFit/>
+          </a:bodyPr>
           <a:lstStyle/>
           <a:p>
-            <a:pPr marL="0" indent="0" algn="ctr">
-              <a:buNone/>
+            <a:pPr marL="800100" lvl="1" indent="-342900">
+              <a:buFont typeface="Wingdings" panose="05000000000000000000" pitchFamily="2" charset="2"/>
+              <a:buChar char="u"/>
             </a:pPr>
             <a:r>
-              <a:rPr lang="zh-CN" sz="1600">
-                <a:solidFill>
-                  <a:srgbClr val="000000"/>
-                </a:solidFill>
-                <a:latin typeface="微软雅黑"/>
-                <a:ea typeface="Microsoft YaHei"/>
+              <a:rPr lang="zh-CN" altLang="en-US" sz="2000" u="none" strike="noStrike" kern="1200" cap="none" spc="0" baseline="0" dirty="0">
+                <a:solidFill>
+                  <a:srgbClr val="474747"/>
+                </a:solidFill>
+                <a:latin typeface="微软雅黑" charset="0"/>
+                <a:ea typeface="微软雅黑" charset="0"/>
+                <a:cs typeface="微软雅黑" charset="0"/>
               </a:rPr>
-              <a:t>实时控制秒杀活动的状态</a:t>
-            </a:r>
+              <a:t>掌握电商中秒杀业务及其具体设计和实现</a:t>
+            </a:r>
+            <a:endParaRPr lang="zh-CN" altLang="en-US" sz="2000" u="none" strike="noStrike" kern="1200" cap="none" spc="0" baseline="0" dirty="0">
+              <a:solidFill>
+                <a:srgbClr val="C9394A"/>
+              </a:solidFill>
+              <a:latin typeface="微软雅黑" charset="0"/>
+              <a:ea typeface="微软雅黑" charset="0"/>
+              <a:cs typeface="微软雅黑" charset="0"/>
+            </a:endParaRPr>
           </a:p>
         </p:txBody>
       </p:sp>
       <p:sp>
         <p:nvSpPr>
-          <p:cNvPr id="10" name="圆角矩形 9"/>
-          <p:cNvSpPr/>
+          <p:cNvPr id="24" name="矩形">
+            <a:extLst>
+              <a:ext uri="{FF2B5EF4-FFF2-40B4-BE49-F238E27FC236}">
+                <a16:creationId xmlns:a16="http://schemas.microsoft.com/office/drawing/2014/main" id="{47CF1CFC-08CC-4D10-8AAB-4E5250C3D62D}"/>
+              </a:ext>
+            </a:extLst>
+          </p:cNvPr>
+          <p:cNvSpPr>
+            <a:spLocks/>
+          </p:cNvSpPr>
           <p:nvPr/>
         </p:nvSpPr>
         <p:spPr>
           <a:xfrm>
-            <a:off x="3199412" y="3654966"/>
-            <a:ext cx="4132574" cy="655435"/>
+            <a:off x="560239" y="3717181"/>
+            <a:ext cx="8565279" cy="400110"/>
           </a:xfrm>
-          <a:prstGeom prst="roundRect">
+          <a:prstGeom prst="rect">
             <a:avLst/>
           </a:prstGeom>
-          <a:solidFill>
-            <a:srgbClr val="D9D9D9"/>
-          </a:solidFill>
-          <a:ln w="12700">
-            <a:solidFill>
-              <a:srgbClr val="5C5C5C"/>
-            </a:solidFill>
+          <a:noFill/>
+          <a:ln w="9525" cap="flat" cmpd="sng">
+            <a:noFill/>
             <a:prstDash val="solid"/>
+            <a:miter/>
           </a:ln>
         </p:spPr>
         <p:txBody>
-          <a:bodyPr anchor="ctr"/>
+          <a:bodyPr vert="horz" wrap="square" lIns="91440" tIns="45720" rIns="91440" bIns="45720" anchor="ctr" anchorCtr="0">
+            <a:prstTxWarp prst="textNoShape">
+              <a:avLst/>
+            </a:prstTxWarp>
+            <a:spAutoFit/>
+          </a:bodyPr>
           <a:lstStyle/>
           <a:p>
-            <a:pPr marL="0" indent="0" algn="ctr">
-              <a:buNone/>
+            <a:pPr marL="800100" lvl="1" indent="-342900">
+              <a:buFont typeface="Wingdings" panose="05000000000000000000" pitchFamily="2" charset="2"/>
+              <a:buChar char="u"/>
             </a:pPr>
             <a:r>
-              <a:rPr lang="zh-CN" sz="1600">
-                <a:solidFill>
-                  <a:srgbClr val="000000"/>
-                </a:solidFill>
-                <a:latin typeface="微软雅黑"/>
-                <a:ea typeface="Microsoft YaHei"/>
+              <a:rPr lang="zh-CN" altLang="en-US" sz="2000" dirty="0">
+                <a:solidFill>
+                  <a:srgbClr val="474747"/>
+                </a:solidFill>
+                <a:latin typeface="微软雅黑" charset="0"/>
+                <a:ea typeface="微软雅黑" charset="0"/>
+                <a:cs typeface="微软雅黑" charset="0"/>
+                <a:sym typeface="Calibri" pitchFamily="34" charset="0"/>
               </a:rPr>
-              <a:t>防止库存超卖导造成资损或卖不完</a:t>
-            </a:r>
+              <a:t>掌握衡量系统架构优劣的理论和度量手段</a:t>
+            </a:r>
+            <a:endParaRPr lang="zh-CN" altLang="en-US" sz="2000" u="none" strike="noStrike" kern="1200" cap="none" spc="0" baseline="0" dirty="0">
+              <a:solidFill>
+                <a:srgbClr val="C9394A"/>
+              </a:solidFill>
+              <a:latin typeface="微软雅黑" charset="0"/>
+              <a:ea typeface="微软雅黑" charset="0"/>
+              <a:cs typeface="微软雅黑" charset="0"/>
+              <a:sym typeface="Calibri" pitchFamily="34" charset="0"/>
+            </a:endParaRPr>
           </a:p>
         </p:txBody>
       </p:sp>
-      <p:cxnSp>
-        <p:nvCxnSpPr>
-          <p:cNvPr id="11" name="肘形连接符 10"/>
-          <p:cNvCxnSpPr>
-            <a:stCxn id="0" idx="0"/>
-            <a:endCxn id="0" idx="0"/>
-          </p:cNvCxnSpPr>
-          <p:nvPr/>
-        </p:nvCxnSpPr>
-        <p:spPr>
-          <a:xfrm flipV="1">
-            <a:off x="2321796" y="1666534"/>
-            <a:ext cx="922053" cy="1199780"/>
-          </a:xfrm>
-          <a:prstGeom prst="bentConnector3">
-            <a:avLst>
-              <a:gd name="adj1" fmla="val 48795"/>
-            </a:avLst>
-          </a:prstGeom>
-          <a:noFill/>
-          <a:ln w="25400">
-            <a:solidFill>
-              <a:srgbClr val="000000"/>
-            </a:solidFill>
-            <a:prstDash val="solid"/>
-            <a:headEnd/>
-            <a:tailEnd/>
-          </a:ln>
-        </p:spPr>
-      </p:cxnSp>
-      <p:cxnSp>
-        <p:nvCxnSpPr>
-          <p:cNvPr id="12" name="肘形连接符 11"/>
-          <p:cNvCxnSpPr>
-            <a:stCxn id="0" idx="0"/>
-            <a:endCxn id="0" idx="0"/>
-          </p:cNvCxnSpPr>
-          <p:nvPr/>
-        </p:nvCxnSpPr>
-        <p:spPr>
-          <a:xfrm>
-            <a:off x="2800213" y="2861916"/>
-            <a:ext cx="463687" cy="1120768"/>
-          </a:xfrm>
-          <a:prstGeom prst="bentConnector3">
-            <a:avLst>
-              <a:gd name="adj1" fmla="val -5103"/>
-            </a:avLst>
-          </a:prstGeom>
-          <a:noFill/>
-          <a:ln w="25400">
-            <a:solidFill>
-              <a:srgbClr val="000000"/>
-            </a:solidFill>
-            <a:prstDash val="solid"/>
-            <a:headEnd/>
-            <a:tailEnd/>
-          </a:ln>
-        </p:spPr>
-      </p:cxnSp>
-      <p:cxnSp>
-        <p:nvCxnSpPr>
-          <p:cNvPr id="13" name="直线箭头连接符 12"/>
-          <p:cNvCxnSpPr>
-            <a:stCxn id="0" idx="0"/>
-            <a:endCxn id="9" idx="1"/>
-          </p:cNvCxnSpPr>
-          <p:nvPr/>
-        </p:nvCxnSpPr>
-        <p:spPr>
-          <a:xfrm>
-            <a:off x="2788377" y="2863146"/>
-            <a:ext cx="411036" cy="3168"/>
-          </a:xfrm>
-          <a:prstGeom prst="straightConnector1">
-            <a:avLst/>
-          </a:prstGeom>
-          <a:noFill/>
-          <a:ln w="25400">
-            <a:solidFill>
-              <a:srgbClr val="000000"/>
-            </a:solidFill>
-            <a:prstDash val="solid"/>
-            <a:headEnd/>
-            <a:tailEnd/>
-          </a:ln>
-        </p:spPr>
-      </p:cxnSp>
     </p:spTree>
+    <p:extLst>
+      <p:ext uri="{BB962C8B-B14F-4D97-AF65-F5344CB8AC3E}">
+        <p14:creationId xmlns:p14="http://schemas.microsoft.com/office/powerpoint/2010/main" val="2446670432"/>
+      </p:ext>
+    </p:extLst>
   </p:cSld>
   <p:clrMapOvr>
     <a:masterClrMapping/>
   </p:clrMapOvr>
+  <p:timing>
+    <p:tnLst>
+      <p:par>
+        <p:cTn id="1" dur="indefinite" restart="never" nodeType="tmRoot">
+          <p:childTnLst>
+            <p:seq concurrent="1" nextAc="seek">
+              <p:cTn id="2" dur="indefinite" nodeType="mainSeq">
+                <p:childTnLst>
+                  <p:par>
+                    <p:cTn id="3" fill="hold">
+                      <p:stCondLst>
+                        <p:cond delay="indefinite"/>
+                      </p:stCondLst>
+                      <p:childTnLst>
+                        <p:par>
+                          <p:cTn id="4" fill="hold">
+                            <p:stCondLst>
+                              <p:cond delay="0"/>
+                            </p:stCondLst>
+                            <p:childTnLst>
+                              <p:par>
+                                <p:cTn id="5" presetID="2" presetClass="entr" presetSubtype="4" fill="hold" nodeType="clickEffect">
+                                  <p:stCondLst>
+                                    <p:cond delay="0"/>
+                                  </p:stCondLst>
+                                  <p:childTnLst>
+                                    <p:set>
+                                      <p:cBhvr>
+                                        <p:cTn id="6" dur="1" fill="hold">
+                                          <p:stCondLst>
+                                            <p:cond delay="0"/>
+                                          </p:stCondLst>
+                                        </p:cTn>
+                                        <p:tgtEl>
+                                          <p:spTgt spid="14">
+                                            <p:txEl>
+                                              <p:pRg st="0" end="0"/>
+                                            </p:txEl>
+                                          </p:spTgt>
+                                        </p:tgtEl>
+                                        <p:attrNameLst>
+                                          <p:attrName>style.visibility</p:attrName>
+                                        </p:attrNameLst>
+                                      </p:cBhvr>
+                                      <p:to>
+                                        <p:strVal val="visible"/>
+                                      </p:to>
+                                    </p:set>
+                                    <p:anim calcmode="lin" valueType="num">
+                                      <p:cBhvr additive="base">
+                                        <p:cTn id="7" dur="500" fill="hold"/>
+                                        <p:tgtEl>
+                                          <p:spTgt spid="14">
+                                            <p:txEl>
+                                              <p:pRg st="0" end="0"/>
+                                            </p:txEl>
+                                          </p:spTgt>
+                                        </p:tgtEl>
+                                        <p:attrNameLst>
+                                          <p:attrName>ppt_x</p:attrName>
+                                        </p:attrNameLst>
+                                      </p:cBhvr>
+                                      <p:tavLst>
+                                        <p:tav tm="0">
+                                          <p:val>
+                                            <p:strVal val="#ppt_x"/>
+                                          </p:val>
+                                        </p:tav>
+                                        <p:tav tm="100000">
+                                          <p:val>
+                                            <p:strVal val="#ppt_x"/>
+                                          </p:val>
+                                        </p:tav>
+                                      </p:tavLst>
+                                    </p:anim>
+                                    <p:anim calcmode="lin" valueType="num">
+                                      <p:cBhvr additive="base">
+                                        <p:cTn id="8" dur="500" fill="hold"/>
+                                        <p:tgtEl>
+                                          <p:spTgt spid="14">
+                                            <p:txEl>
+                                              <p:pRg st="0" end="0"/>
+                                            </p:txEl>
+                                          </p:spTgt>
+                                        </p:tgtEl>
+                                        <p:attrNameLst>
+                                          <p:attrName>ppt_y</p:attrName>
+                                        </p:attrNameLst>
+                                      </p:cBhvr>
+                                      <p:tavLst>
+                                        <p:tav tm="0">
+                                          <p:val>
+                                            <p:strVal val="1+#ppt_h/2"/>
+                                          </p:val>
+                                        </p:tav>
+                                        <p:tav tm="100000">
+                                          <p:val>
+                                            <p:strVal val="#ppt_y"/>
+                                          </p:val>
+                                        </p:tav>
+                                      </p:tavLst>
+                                    </p:anim>
+                                  </p:childTnLst>
+                                </p:cTn>
+                              </p:par>
+                            </p:childTnLst>
+                          </p:cTn>
+                        </p:par>
+                      </p:childTnLst>
+                    </p:cTn>
+                  </p:par>
+                  <p:par>
+                    <p:cTn id="9" fill="hold">
+                      <p:stCondLst>
+                        <p:cond delay="indefinite"/>
+                      </p:stCondLst>
+                      <p:childTnLst>
+                        <p:par>
+                          <p:cTn id="10" fill="hold">
+                            <p:stCondLst>
+                              <p:cond delay="0"/>
+                            </p:stCondLst>
+                            <p:childTnLst>
+                              <p:par>
+                                <p:cTn id="11" presetID="2" presetClass="entr" presetSubtype="4" fill="hold" grpId="0" nodeType="clickEffect">
+                                  <p:stCondLst>
+                                    <p:cond delay="0"/>
+                                  </p:stCondLst>
+                                  <p:childTnLst>
+                                    <p:set>
+                                      <p:cBhvr>
+                                        <p:cTn id="12" dur="1" fill="hold">
+                                          <p:stCondLst>
+                                            <p:cond delay="0"/>
+                                          </p:stCondLst>
+                                        </p:cTn>
+                                        <p:tgtEl>
+                                          <p:spTgt spid="23"/>
+                                        </p:tgtEl>
+                                        <p:attrNameLst>
+                                          <p:attrName>style.visibility</p:attrName>
+                                        </p:attrNameLst>
+                                      </p:cBhvr>
+                                      <p:to>
+                                        <p:strVal val="visible"/>
+                                      </p:to>
+                                    </p:set>
+                                    <p:anim calcmode="lin" valueType="num">
+                                      <p:cBhvr additive="base">
+                                        <p:cTn id="13" dur="500" fill="hold"/>
+                                        <p:tgtEl>
+                                          <p:spTgt spid="23"/>
+                                        </p:tgtEl>
+                                        <p:attrNameLst>
+                                          <p:attrName>ppt_x</p:attrName>
+                                        </p:attrNameLst>
+                                      </p:cBhvr>
+                                      <p:tavLst>
+                                        <p:tav tm="0">
+                                          <p:val>
+                                            <p:strVal val="#ppt_x"/>
+                                          </p:val>
+                                        </p:tav>
+                                        <p:tav tm="100000">
+                                          <p:val>
+                                            <p:strVal val="#ppt_x"/>
+                                          </p:val>
+                                        </p:tav>
+                                      </p:tavLst>
+                                    </p:anim>
+                                    <p:anim calcmode="lin" valueType="num">
+                                      <p:cBhvr additive="base">
+                                        <p:cTn id="14" dur="500" fill="hold"/>
+                                        <p:tgtEl>
+                                          <p:spTgt spid="23"/>
+                                        </p:tgtEl>
+                                        <p:attrNameLst>
+                                          <p:attrName>ppt_y</p:attrName>
+                                        </p:attrNameLst>
+                                      </p:cBhvr>
+                                      <p:tavLst>
+                                        <p:tav tm="0">
+                                          <p:val>
+                                            <p:strVal val="1+#ppt_h/2"/>
+                                          </p:val>
+                                        </p:tav>
+                                        <p:tav tm="100000">
+                                          <p:val>
+                                            <p:strVal val="#ppt_y"/>
+                                          </p:val>
+                                        </p:tav>
+                                      </p:tavLst>
+                                    </p:anim>
+                                  </p:childTnLst>
+                                </p:cTn>
+                              </p:par>
+                            </p:childTnLst>
+                          </p:cTn>
+                        </p:par>
+                      </p:childTnLst>
+                    </p:cTn>
+                  </p:par>
+                  <p:par>
+                    <p:cTn id="15" fill="hold">
+                      <p:stCondLst>
+                        <p:cond delay="indefinite"/>
+                      </p:stCondLst>
+                      <p:childTnLst>
+                        <p:par>
+                          <p:cTn id="16" fill="hold">
+                            <p:stCondLst>
+                              <p:cond delay="0"/>
+                            </p:stCondLst>
+                            <p:childTnLst>
+                              <p:par>
+                                <p:cTn id="17" presetID="2" presetClass="entr" presetSubtype="4" fill="hold" grpId="0" nodeType="clickEffect">
+                                  <p:stCondLst>
+                                    <p:cond delay="0"/>
+                                  </p:stCondLst>
+                                  <p:childTnLst>
+                                    <p:set>
+                                      <p:cBhvr>
+                                        <p:cTn id="18" dur="1" fill="hold">
+                                          <p:stCondLst>
+                                            <p:cond delay="0"/>
+                                          </p:stCondLst>
+                                        </p:cTn>
+                                        <p:tgtEl>
+                                          <p:spTgt spid="22"/>
+                                        </p:tgtEl>
+                                        <p:attrNameLst>
+                                          <p:attrName>style.visibility</p:attrName>
+                                        </p:attrNameLst>
+                                      </p:cBhvr>
+                                      <p:to>
+                                        <p:strVal val="visible"/>
+                                      </p:to>
+                                    </p:set>
+                                    <p:anim calcmode="lin" valueType="num">
+                                      <p:cBhvr additive="base">
+                                        <p:cTn id="19" dur="500" fill="hold"/>
+                                        <p:tgtEl>
+                                          <p:spTgt spid="22"/>
+                                        </p:tgtEl>
+                                        <p:attrNameLst>
+                                          <p:attrName>ppt_x</p:attrName>
+                                        </p:attrNameLst>
+                                      </p:cBhvr>
+                                      <p:tavLst>
+                                        <p:tav tm="0">
+                                          <p:val>
+                                            <p:strVal val="#ppt_x"/>
+                                          </p:val>
+                                        </p:tav>
+                                        <p:tav tm="100000">
+                                          <p:val>
+                                            <p:strVal val="#ppt_x"/>
+                                          </p:val>
+                                        </p:tav>
+                                      </p:tavLst>
+                                    </p:anim>
+                                    <p:anim calcmode="lin" valueType="num">
+                                      <p:cBhvr additive="base">
+                                        <p:cTn id="20" dur="500" fill="hold"/>
+                                        <p:tgtEl>
+                                          <p:spTgt spid="22"/>
+                                        </p:tgtEl>
+                                        <p:attrNameLst>
+                                          <p:attrName>ppt_y</p:attrName>
+                                        </p:attrNameLst>
+                                      </p:cBhvr>
+                                      <p:tavLst>
+                                        <p:tav tm="0">
+                                          <p:val>
+                                            <p:strVal val="1+#ppt_h/2"/>
+                                          </p:val>
+                                        </p:tav>
+                                        <p:tav tm="100000">
+                                          <p:val>
+                                            <p:strVal val="#ppt_y"/>
+                                          </p:val>
+                                        </p:tav>
+                                      </p:tavLst>
+                                    </p:anim>
+                                  </p:childTnLst>
+                                </p:cTn>
+                              </p:par>
+                            </p:childTnLst>
+                          </p:cTn>
+                        </p:par>
+                      </p:childTnLst>
+                    </p:cTn>
+                  </p:par>
+                  <p:par>
+                    <p:cTn id="21" fill="hold">
+                      <p:stCondLst>
+                        <p:cond delay="indefinite"/>
+                      </p:stCondLst>
+                      <p:childTnLst>
+                        <p:par>
+                          <p:cTn id="22" fill="hold">
+                            <p:stCondLst>
+                              <p:cond delay="0"/>
+                            </p:stCondLst>
+                            <p:childTnLst>
+                              <p:par>
+                                <p:cTn id="23" presetID="2" presetClass="entr" presetSubtype="4" fill="hold" grpId="0" nodeType="clickEffect">
+                                  <p:stCondLst>
+                                    <p:cond delay="0"/>
+                                  </p:stCondLst>
+                                  <p:childTnLst>
+                                    <p:set>
+                                      <p:cBhvr>
+                                        <p:cTn id="24" dur="1" fill="hold">
+                                          <p:stCondLst>
+                                            <p:cond delay="0"/>
+                                          </p:stCondLst>
+                                        </p:cTn>
+                                        <p:tgtEl>
+                                          <p:spTgt spid="24"/>
+                                        </p:tgtEl>
+                                        <p:attrNameLst>
+                                          <p:attrName>style.visibility</p:attrName>
+                                        </p:attrNameLst>
+                                      </p:cBhvr>
+                                      <p:to>
+                                        <p:strVal val="visible"/>
+                                      </p:to>
+                                    </p:set>
+                                    <p:anim calcmode="lin" valueType="num">
+                                      <p:cBhvr additive="base">
+                                        <p:cTn id="25" dur="500" fill="hold"/>
+                                        <p:tgtEl>
+                                          <p:spTgt spid="24"/>
+                                        </p:tgtEl>
+                                        <p:attrNameLst>
+                                          <p:attrName>ppt_x</p:attrName>
+                                        </p:attrNameLst>
+                                      </p:cBhvr>
+                                      <p:tavLst>
+                                        <p:tav tm="0">
+                                          <p:val>
+                                            <p:strVal val="#ppt_x"/>
+                                          </p:val>
+                                        </p:tav>
+                                        <p:tav tm="100000">
+                                          <p:val>
+                                            <p:strVal val="#ppt_x"/>
+                                          </p:val>
+                                        </p:tav>
+                                      </p:tavLst>
+                                    </p:anim>
+                                    <p:anim calcmode="lin" valueType="num">
+                                      <p:cBhvr additive="base">
+                                        <p:cTn id="26" dur="500" fill="hold"/>
+                                        <p:tgtEl>
+                                          <p:spTgt spid="24"/>
+                                        </p:tgtEl>
+                                        <p:attrNameLst>
+                                          <p:attrName>ppt_y</p:attrName>
+                                        </p:attrNameLst>
+                                      </p:cBhvr>
+                                      <p:tavLst>
+                                        <p:tav tm="0">
+                                          <p:val>
+                                            <p:strVal val="1+#ppt_h/2"/>
+                                          </p:val>
+                                        </p:tav>
+                                        <p:tav tm="100000">
+                                          <p:val>
+                                            <p:strVal val="#ppt_y"/>
+                                          </p:val>
+                                        </p:tav>
+                                      </p:tavLst>
+                                    </p:anim>
+                                  </p:childTnLst>
+                                </p:cTn>
+                              </p:par>
+                            </p:childTnLst>
+                          </p:cTn>
+                        </p:par>
+                      </p:childTnLst>
+                    </p:cTn>
+                  </p:par>
+                </p:childTnLst>
+              </p:cTn>
+              <p:prevCondLst>
+                <p:cond evt="onPrev" delay="0">
+                  <p:tgtEl>
+                    <p:sldTgt/>
+                  </p:tgtEl>
+                </p:cond>
+              </p:prevCondLst>
+              <p:nextCondLst>
+                <p:cond evt="onNext" delay="0">
+                  <p:tgtEl>
+                    <p:sldTgt/>
+                  </p:tgtEl>
+                </p:cond>
+              </p:nextCondLst>
+            </p:seq>
+          </p:childTnLst>
+        </p:cTn>
+      </p:par>
+    </p:tnLst>
+    <p:bldLst>
+      <p:bldP spid="22" grpId="0"/>
+      <p:bldP spid="23" grpId="0"/>
+      <p:bldP spid="24" grpId="0"/>
+    </p:bldLst>
+  </p:timing>
 </p:sld>
 </file>
 
@@ -27579,64 +28655,590 @@
       </p:grpSpPr>
       <p:sp>
         <p:nvSpPr>
-          <p:cNvPr id="2" name="标题 1">
+          <p:cNvPr id="14" name="矩形">
             <a:extLst>
               <a:ext uri="{FF2B5EF4-FFF2-40B4-BE49-F238E27FC236}">
-                <a16:creationId xmlns:a16="http://schemas.microsoft.com/office/drawing/2014/main" id="{C676E6D1-F263-A544-9C79-C681B3CBD0E0}"/>
+                <a16:creationId xmlns:a16="http://schemas.microsoft.com/office/drawing/2014/main" id="{F30ED7F7-C1A1-43E6-8B28-0C28C94DCB64}"/>
               </a:ext>
             </a:extLst>
           </p:cNvPr>
           <p:cNvSpPr>
-            <a:spLocks noGrp="1"/>
+            <a:spLocks/>
           </p:cNvSpPr>
-          <p:nvPr>
-            <p:ph type="title"/>
-          </p:nvPr>
+          <p:nvPr/>
         </p:nvSpPr>
-        <p:spPr/>
+        <p:spPr>
+          <a:xfrm>
+            <a:off x="468312" y="480975"/>
+            <a:ext cx="8229600" cy="576262"/>
+          </a:xfrm>
+          <a:prstGeom prst="rect">
+            <a:avLst/>
+          </a:prstGeom>
+          <a:noFill/>
+          <a:ln w="9525" cap="flat" cmpd="sng">
+            <a:noFill/>
+            <a:prstDash val="solid"/>
+            <a:miter/>
+          </a:ln>
+        </p:spPr>
         <p:txBody>
-          <a:bodyPr/>
+          <a:bodyPr vert="horz" wrap="square" lIns="91440" tIns="45720" rIns="91440" bIns="45720" anchor="t" anchorCtr="0">
+            <a:prstTxWarp prst="textNoShape">
+              <a:avLst/>
+            </a:prstTxWarp>
+          </a:bodyPr>
           <a:lstStyle/>
           <a:p>
-            <a:endParaRPr kumimoji="1" lang="zh-CN" altLang="en-US"/>
+            <a:pPr algn="ctr" eaLnBrk="0" fontAlgn="base" hangingPunct="0"/>
+            <a:r>
+              <a:rPr lang="zh-CN" altLang="en-US" sz="3000" b="1" u="none" strike="noStrike" kern="0" cap="none" spc="0" baseline="0" dirty="0">
+                <a:latin typeface="微软雅黑" charset="0"/>
+                <a:ea typeface="微软雅黑" charset="0"/>
+                <a:cs typeface="微软雅黑" charset="0"/>
+                <a:sym typeface="Calibri" pitchFamily="34" charset="0"/>
+              </a:rPr>
+              <a:t>系统分析设计和实现</a:t>
+            </a:r>
           </a:p>
         </p:txBody>
       </p:sp>
       <p:sp>
         <p:nvSpPr>
-          <p:cNvPr id="3" name="内容占位符 2">
+          <p:cNvPr id="15" name="矩形">
             <a:extLst>
               <a:ext uri="{FF2B5EF4-FFF2-40B4-BE49-F238E27FC236}">
-                <a16:creationId xmlns:a16="http://schemas.microsoft.com/office/drawing/2014/main" id="{EB8F7F11-07FC-5C4E-A7E5-3A24EC8109D4}"/>
+                <a16:creationId xmlns:a16="http://schemas.microsoft.com/office/drawing/2014/main" id="{E7F713A0-0F3A-4639-B8D6-97F589BF683C}"/>
               </a:ext>
             </a:extLst>
           </p:cNvPr>
           <p:cNvSpPr>
-            <a:spLocks noGrp="1"/>
+            <a:spLocks/>
           </p:cNvSpPr>
-          <p:nvPr>
-            <p:ph idx="1"/>
-          </p:nvPr>
+          <p:nvPr/>
         </p:nvSpPr>
-        <p:spPr/>
+        <p:spPr>
+          <a:xfrm>
+            <a:off x="1339861" y="2206098"/>
+            <a:ext cx="8565279" cy="400110"/>
+          </a:xfrm>
+          <a:prstGeom prst="rect">
+            <a:avLst/>
+          </a:prstGeom>
+          <a:noFill/>
+          <a:ln w="9525" cap="flat" cmpd="sng">
+            <a:noFill/>
+            <a:prstDash val="solid"/>
+            <a:miter/>
+          </a:ln>
+        </p:spPr>
         <p:txBody>
-          <a:bodyPr/>
+          <a:bodyPr vert="horz" wrap="square" lIns="91440" tIns="45720" rIns="91440" bIns="45720" anchor="ctr" anchorCtr="0">
+            <a:prstTxWarp prst="textNoShape">
+              <a:avLst/>
+            </a:prstTxWarp>
+            <a:spAutoFit/>
+          </a:bodyPr>
           <a:lstStyle/>
           <a:p>
-            <a:endParaRPr kumimoji="1" lang="zh-CN" altLang="en-US"/>
+            <a:pPr marL="800100" lvl="1" indent="-342900">
+              <a:buFont typeface="Wingdings" panose="05000000000000000000" pitchFamily="2" charset="2"/>
+              <a:buChar char="u"/>
+            </a:pPr>
+            <a:r>
+              <a:rPr lang="zh-CN" altLang="en-US" sz="2000" dirty="0">
+                <a:solidFill>
+                  <a:srgbClr val="474747"/>
+                </a:solidFill>
+                <a:latin typeface="微软雅黑" charset="0"/>
+                <a:ea typeface="微软雅黑" charset="0"/>
+                <a:cs typeface="微软雅黑" charset="0"/>
+              </a:rPr>
+              <a:t>秒杀的</a:t>
+            </a:r>
+            <a:r>
+              <a:rPr lang="zh-CN" altLang="en-US" sz="2000" u="none" strike="noStrike" kern="1200" cap="none" spc="0" baseline="0" dirty="0">
+                <a:solidFill>
+                  <a:srgbClr val="474747"/>
+                </a:solidFill>
+                <a:latin typeface="微软雅黑" charset="0"/>
+                <a:ea typeface="微软雅黑" charset="0"/>
+                <a:cs typeface="微软雅黑" charset="0"/>
+                <a:sym typeface="Calibri" pitchFamily="34" charset="0"/>
+              </a:rPr>
+              <a:t>系统设计</a:t>
+            </a:r>
+            <a:endParaRPr lang="zh-CN" altLang="en-US" sz="2000" u="none" strike="noStrike" kern="1200" cap="none" spc="0" baseline="0" dirty="0">
+              <a:solidFill>
+                <a:srgbClr val="C9394A"/>
+              </a:solidFill>
+              <a:latin typeface="微软雅黑" charset="0"/>
+              <a:ea typeface="微软雅黑" charset="0"/>
+              <a:cs typeface="微软雅黑" charset="0"/>
+              <a:sym typeface="Calibri" pitchFamily="34" charset="0"/>
+            </a:endParaRPr>
+          </a:p>
+        </p:txBody>
+      </p:sp>
+      <p:sp>
+        <p:nvSpPr>
+          <p:cNvPr id="16" name="矩形">
+            <a:extLst>
+              <a:ext uri="{FF2B5EF4-FFF2-40B4-BE49-F238E27FC236}">
+                <a16:creationId xmlns:a16="http://schemas.microsoft.com/office/drawing/2014/main" id="{F593B74B-B457-400C-8392-7460EC879F4C}"/>
+              </a:ext>
+            </a:extLst>
+          </p:cNvPr>
+          <p:cNvSpPr>
+            <a:spLocks/>
+          </p:cNvSpPr>
+          <p:nvPr/>
+        </p:nvSpPr>
+        <p:spPr>
+          <a:xfrm>
+            <a:off x="1336188" y="1454080"/>
+            <a:ext cx="8565279" cy="400110"/>
+          </a:xfrm>
+          <a:prstGeom prst="rect">
+            <a:avLst/>
+          </a:prstGeom>
+          <a:noFill/>
+          <a:ln w="9525" cap="flat" cmpd="sng">
+            <a:noFill/>
+            <a:prstDash val="solid"/>
+            <a:miter/>
+          </a:ln>
+        </p:spPr>
+        <p:txBody>
+          <a:bodyPr vert="horz" wrap="square" lIns="91440" tIns="45720" rIns="91440" bIns="45720" anchor="ctr" anchorCtr="0">
+            <a:prstTxWarp prst="textNoShape">
+              <a:avLst/>
+            </a:prstTxWarp>
+            <a:spAutoFit/>
+          </a:bodyPr>
+          <a:lstStyle/>
+          <a:p>
+            <a:pPr marL="800100" lvl="1" indent="-342900">
+              <a:buFont typeface="Wingdings" panose="05000000000000000000" pitchFamily="2" charset="2"/>
+              <a:buChar char="u"/>
+            </a:pPr>
+            <a:r>
+              <a:rPr lang="zh-CN" altLang="en-US" sz="2000" u="none" strike="noStrike" kern="1200" cap="none" spc="0" baseline="0" dirty="0">
+                <a:solidFill>
+                  <a:srgbClr val="474747"/>
+                </a:solidFill>
+                <a:latin typeface="微软雅黑" charset="0"/>
+                <a:ea typeface="微软雅黑" charset="0"/>
+                <a:cs typeface="微软雅黑" charset="0"/>
+              </a:rPr>
+              <a:t>秒杀的系统分析</a:t>
+            </a:r>
+            <a:endParaRPr lang="zh-CN" altLang="en-US" sz="2000" u="none" strike="noStrike" kern="1200" cap="none" spc="0" baseline="0" dirty="0">
+              <a:solidFill>
+                <a:srgbClr val="C9394A"/>
+              </a:solidFill>
+              <a:latin typeface="微软雅黑" charset="0"/>
+              <a:ea typeface="微软雅黑" charset="0"/>
+              <a:cs typeface="微软雅黑" charset="0"/>
+            </a:endParaRPr>
+          </a:p>
+        </p:txBody>
+      </p:sp>
+      <p:sp>
+        <p:nvSpPr>
+          <p:cNvPr id="17" name="矩形">
+            <a:extLst>
+              <a:ext uri="{FF2B5EF4-FFF2-40B4-BE49-F238E27FC236}">
+                <a16:creationId xmlns:a16="http://schemas.microsoft.com/office/drawing/2014/main" id="{AE30A34E-F96D-4ABD-962E-65380626E21A}"/>
+              </a:ext>
+            </a:extLst>
+          </p:cNvPr>
+          <p:cNvSpPr>
+            <a:spLocks/>
+          </p:cNvSpPr>
+          <p:nvPr/>
+        </p:nvSpPr>
+        <p:spPr>
+          <a:xfrm>
+            <a:off x="1356876" y="2959551"/>
+            <a:ext cx="8565279" cy="400110"/>
+          </a:xfrm>
+          <a:prstGeom prst="rect">
+            <a:avLst/>
+          </a:prstGeom>
+          <a:noFill/>
+          <a:ln w="9525" cap="flat" cmpd="sng">
+            <a:noFill/>
+            <a:prstDash val="solid"/>
+            <a:miter/>
+          </a:ln>
+        </p:spPr>
+        <p:txBody>
+          <a:bodyPr vert="horz" wrap="square" lIns="91440" tIns="45720" rIns="91440" bIns="45720" anchor="ctr" anchorCtr="0">
+            <a:prstTxWarp prst="textNoShape">
+              <a:avLst/>
+            </a:prstTxWarp>
+            <a:spAutoFit/>
+          </a:bodyPr>
+          <a:lstStyle/>
+          <a:p>
+            <a:pPr marL="800100" lvl="1" indent="-342900">
+              <a:buFont typeface="Wingdings" panose="05000000000000000000" pitchFamily="2" charset="2"/>
+              <a:buChar char="u"/>
+            </a:pPr>
+            <a:r>
+              <a:rPr lang="zh-CN" altLang="en-US" sz="2000" dirty="0">
+                <a:solidFill>
+                  <a:srgbClr val="474747"/>
+                </a:solidFill>
+                <a:latin typeface="微软雅黑" charset="0"/>
+                <a:ea typeface="微软雅黑" charset="0"/>
+                <a:cs typeface="微软雅黑" charset="0"/>
+              </a:rPr>
+              <a:t>秒杀的</a:t>
+            </a:r>
+            <a:r>
+              <a:rPr lang="zh-CN" altLang="en-US" sz="2000" u="none" strike="noStrike" kern="1200" cap="none" spc="0" baseline="0" dirty="0">
+                <a:solidFill>
+                  <a:srgbClr val="474747"/>
+                </a:solidFill>
+                <a:latin typeface="微软雅黑" charset="0"/>
+                <a:ea typeface="微软雅黑" charset="0"/>
+                <a:cs typeface="微软雅黑" charset="0"/>
+                <a:sym typeface="Calibri" pitchFamily="34" charset="0"/>
+              </a:rPr>
+              <a:t>系统实现</a:t>
+            </a:r>
+            <a:endParaRPr lang="zh-CN" altLang="en-US" sz="2000" u="none" strike="noStrike" kern="1200" cap="none" spc="0" baseline="0" dirty="0">
+              <a:solidFill>
+                <a:srgbClr val="C9394A"/>
+              </a:solidFill>
+              <a:latin typeface="微软雅黑" charset="0"/>
+              <a:ea typeface="微软雅黑" charset="0"/>
+              <a:cs typeface="微软雅黑" charset="0"/>
+              <a:sym typeface="Calibri" pitchFamily="34" charset="0"/>
+            </a:endParaRPr>
           </a:p>
         </p:txBody>
       </p:sp>
     </p:spTree>
     <p:extLst>
       <p:ext uri="{BB962C8B-B14F-4D97-AF65-F5344CB8AC3E}">
-        <p14:creationId xmlns:p14="http://schemas.microsoft.com/office/powerpoint/2010/main" val="1316394137"/>
+        <p14:creationId xmlns:p14="http://schemas.microsoft.com/office/powerpoint/2010/main" val="1842606340"/>
       </p:ext>
     </p:extLst>
   </p:cSld>
   <p:clrMapOvr>
     <a:masterClrMapping/>
   </p:clrMapOvr>
+  <p:timing>
+    <p:tnLst>
+      <p:par>
+        <p:cTn id="1" dur="indefinite" restart="never" nodeType="tmRoot">
+          <p:childTnLst>
+            <p:seq concurrent="1" nextAc="seek">
+              <p:cTn id="2" dur="indefinite" nodeType="mainSeq">
+                <p:childTnLst>
+                  <p:par>
+                    <p:cTn id="3" fill="hold">
+                      <p:stCondLst>
+                        <p:cond delay="indefinite"/>
+                      </p:stCondLst>
+                      <p:childTnLst>
+                        <p:par>
+                          <p:cTn id="4" fill="hold">
+                            <p:stCondLst>
+                              <p:cond delay="0"/>
+                            </p:stCondLst>
+                            <p:childTnLst>
+                              <p:par>
+                                <p:cTn id="5" presetID="2" presetClass="entr" presetSubtype="4" fill="hold" grpId="0" nodeType="clickEffect">
+                                  <p:stCondLst>
+                                    <p:cond delay="0"/>
+                                  </p:stCondLst>
+                                  <p:childTnLst>
+                                    <p:set>
+                                      <p:cBhvr>
+                                        <p:cTn id="6" dur="1" fill="hold">
+                                          <p:stCondLst>
+                                            <p:cond delay="0"/>
+                                          </p:stCondLst>
+                                        </p:cTn>
+                                        <p:tgtEl>
+                                          <p:spTgt spid="16"/>
+                                        </p:tgtEl>
+                                        <p:attrNameLst>
+                                          <p:attrName>style.visibility</p:attrName>
+                                        </p:attrNameLst>
+                                      </p:cBhvr>
+                                      <p:to>
+                                        <p:strVal val="visible"/>
+                                      </p:to>
+                                    </p:set>
+                                    <p:anim calcmode="lin" valueType="num">
+                                      <p:cBhvr additive="base">
+                                        <p:cTn id="7" dur="500" fill="hold"/>
+                                        <p:tgtEl>
+                                          <p:spTgt spid="16"/>
+                                        </p:tgtEl>
+                                        <p:attrNameLst>
+                                          <p:attrName>ppt_x</p:attrName>
+                                        </p:attrNameLst>
+                                      </p:cBhvr>
+                                      <p:tavLst>
+                                        <p:tav tm="0">
+                                          <p:val>
+                                            <p:strVal val="#ppt_x"/>
+                                          </p:val>
+                                        </p:tav>
+                                        <p:tav tm="100000">
+                                          <p:val>
+                                            <p:strVal val="#ppt_x"/>
+                                          </p:val>
+                                        </p:tav>
+                                      </p:tavLst>
+                                    </p:anim>
+                                    <p:anim calcmode="lin" valueType="num">
+                                      <p:cBhvr additive="base">
+                                        <p:cTn id="8" dur="500" fill="hold"/>
+                                        <p:tgtEl>
+                                          <p:spTgt spid="16"/>
+                                        </p:tgtEl>
+                                        <p:attrNameLst>
+                                          <p:attrName>ppt_y</p:attrName>
+                                        </p:attrNameLst>
+                                      </p:cBhvr>
+                                      <p:tavLst>
+                                        <p:tav tm="0">
+                                          <p:val>
+                                            <p:strVal val="1+#ppt_h/2"/>
+                                          </p:val>
+                                        </p:tav>
+                                        <p:tav tm="100000">
+                                          <p:val>
+                                            <p:strVal val="#ppt_y"/>
+                                          </p:val>
+                                        </p:tav>
+                                      </p:tavLst>
+                                    </p:anim>
+                                  </p:childTnLst>
+                                </p:cTn>
+                              </p:par>
+                            </p:childTnLst>
+                          </p:cTn>
+                        </p:par>
+                      </p:childTnLst>
+                    </p:cTn>
+                  </p:par>
+                  <p:par>
+                    <p:cTn id="9" fill="hold">
+                      <p:stCondLst>
+                        <p:cond delay="indefinite"/>
+                      </p:stCondLst>
+                      <p:childTnLst>
+                        <p:par>
+                          <p:cTn id="10" fill="hold">
+                            <p:stCondLst>
+                              <p:cond delay="0"/>
+                            </p:stCondLst>
+                            <p:childTnLst>
+                              <p:par>
+                                <p:cTn id="11" presetID="2" presetClass="entr" presetSubtype="4" fill="hold" grpId="0" nodeType="clickEffect">
+                                  <p:stCondLst>
+                                    <p:cond delay="0"/>
+                                  </p:stCondLst>
+                                  <p:childTnLst>
+                                    <p:set>
+                                      <p:cBhvr>
+                                        <p:cTn id="12" dur="1" fill="hold">
+                                          <p:stCondLst>
+                                            <p:cond delay="0"/>
+                                          </p:stCondLst>
+                                        </p:cTn>
+                                        <p:tgtEl>
+                                          <p:spTgt spid="15"/>
+                                        </p:tgtEl>
+                                        <p:attrNameLst>
+                                          <p:attrName>style.visibility</p:attrName>
+                                        </p:attrNameLst>
+                                      </p:cBhvr>
+                                      <p:to>
+                                        <p:strVal val="visible"/>
+                                      </p:to>
+                                    </p:set>
+                                    <p:anim calcmode="lin" valueType="num">
+                                      <p:cBhvr additive="base">
+                                        <p:cTn id="13" dur="500" fill="hold"/>
+                                        <p:tgtEl>
+                                          <p:spTgt spid="15"/>
+                                        </p:tgtEl>
+                                        <p:attrNameLst>
+                                          <p:attrName>ppt_x</p:attrName>
+                                        </p:attrNameLst>
+                                      </p:cBhvr>
+                                      <p:tavLst>
+                                        <p:tav tm="0">
+                                          <p:val>
+                                            <p:strVal val="#ppt_x"/>
+                                          </p:val>
+                                        </p:tav>
+                                        <p:tav tm="100000">
+                                          <p:val>
+                                            <p:strVal val="#ppt_x"/>
+                                          </p:val>
+                                        </p:tav>
+                                      </p:tavLst>
+                                    </p:anim>
+                                    <p:anim calcmode="lin" valueType="num">
+                                      <p:cBhvr additive="base">
+                                        <p:cTn id="14" dur="500" fill="hold"/>
+                                        <p:tgtEl>
+                                          <p:spTgt spid="15"/>
+                                        </p:tgtEl>
+                                        <p:attrNameLst>
+                                          <p:attrName>ppt_y</p:attrName>
+                                        </p:attrNameLst>
+                                      </p:cBhvr>
+                                      <p:tavLst>
+                                        <p:tav tm="0">
+                                          <p:val>
+                                            <p:strVal val="1+#ppt_h/2"/>
+                                          </p:val>
+                                        </p:tav>
+                                        <p:tav tm="100000">
+                                          <p:val>
+                                            <p:strVal val="#ppt_y"/>
+                                          </p:val>
+                                        </p:tav>
+                                      </p:tavLst>
+                                    </p:anim>
+                                  </p:childTnLst>
+                                </p:cTn>
+                              </p:par>
+                            </p:childTnLst>
+                          </p:cTn>
+                        </p:par>
+                      </p:childTnLst>
+                    </p:cTn>
+                  </p:par>
+                  <p:par>
+                    <p:cTn id="15" fill="hold">
+                      <p:stCondLst>
+                        <p:cond delay="indefinite"/>
+                      </p:stCondLst>
+                      <p:childTnLst>
+                        <p:par>
+                          <p:cTn id="16" fill="hold">
+                            <p:stCondLst>
+                              <p:cond delay="0"/>
+                            </p:stCondLst>
+                            <p:childTnLst>
+                              <p:par>
+                                <p:cTn id="17" presetID="2" presetClass="entr" presetSubtype="4" fill="hold" grpId="0" nodeType="clickEffect">
+                                  <p:stCondLst>
+                                    <p:cond delay="0"/>
+                                  </p:stCondLst>
+                                  <p:childTnLst>
+                                    <p:set>
+                                      <p:cBhvr>
+                                        <p:cTn id="18" dur="1" fill="hold">
+                                          <p:stCondLst>
+                                            <p:cond delay="0"/>
+                                          </p:stCondLst>
+                                        </p:cTn>
+                                        <p:tgtEl>
+                                          <p:spTgt spid="17"/>
+                                        </p:tgtEl>
+                                        <p:attrNameLst>
+                                          <p:attrName>style.visibility</p:attrName>
+                                        </p:attrNameLst>
+                                      </p:cBhvr>
+                                      <p:to>
+                                        <p:strVal val="visible"/>
+                                      </p:to>
+                                    </p:set>
+                                    <p:anim calcmode="lin" valueType="num">
+                                      <p:cBhvr additive="base">
+                                        <p:cTn id="19" dur="500" fill="hold"/>
+                                        <p:tgtEl>
+                                          <p:spTgt spid="17"/>
+                                        </p:tgtEl>
+                                        <p:attrNameLst>
+                                          <p:attrName>ppt_x</p:attrName>
+                                        </p:attrNameLst>
+                                      </p:cBhvr>
+                                      <p:tavLst>
+                                        <p:tav tm="0">
+                                          <p:val>
+                                            <p:strVal val="#ppt_x"/>
+                                          </p:val>
+                                        </p:tav>
+                                        <p:tav tm="100000">
+                                          <p:val>
+                                            <p:strVal val="#ppt_x"/>
+                                          </p:val>
+                                        </p:tav>
+                                      </p:tavLst>
+                                    </p:anim>
+                                    <p:anim calcmode="lin" valueType="num">
+                                      <p:cBhvr additive="base">
+                                        <p:cTn id="20" dur="500" fill="hold"/>
+                                        <p:tgtEl>
+                                          <p:spTgt spid="17"/>
+                                        </p:tgtEl>
+                                        <p:attrNameLst>
+                                          <p:attrName>ppt_y</p:attrName>
+                                        </p:attrNameLst>
+                                      </p:cBhvr>
+                                      <p:tavLst>
+                                        <p:tav tm="0">
+                                          <p:val>
+                                            <p:strVal val="1+#ppt_h/2"/>
+                                          </p:val>
+                                        </p:tav>
+                                        <p:tav tm="100000">
+                                          <p:val>
+                                            <p:strVal val="#ppt_y"/>
+                                          </p:val>
+                                        </p:tav>
+                                      </p:tavLst>
+                                    </p:anim>
+                                  </p:childTnLst>
+                                </p:cTn>
+                              </p:par>
+                            </p:childTnLst>
+                          </p:cTn>
+                        </p:par>
+                      </p:childTnLst>
+                    </p:cTn>
+                  </p:par>
+                </p:childTnLst>
+              </p:cTn>
+              <p:prevCondLst>
+                <p:cond evt="onPrev" delay="0">
+                  <p:tgtEl>
+                    <p:sldTgt/>
+                  </p:tgtEl>
+                </p:cond>
+              </p:prevCondLst>
+              <p:nextCondLst>
+                <p:cond evt="onNext" delay="0">
+                  <p:tgtEl>
+                    <p:sldTgt/>
+                  </p:tgtEl>
+                </p:cond>
+              </p:nextCondLst>
+            </p:seq>
+          </p:childTnLst>
+        </p:cTn>
+      </p:par>
+    </p:tnLst>
+    <p:bldLst>
+      <p:bldP spid="15" grpId="0"/>
+      <p:bldP spid="16" grpId="0"/>
+      <p:bldP spid="17" grpId="0"/>
+    </p:bldLst>
+  </p:timing>
 </p:sld>
 </file>
 

--- a/FalshSale.pptx
+++ b/FalshSale.pptx
@@ -5,7 +5,7 @@
     <p:sldMasterId id="2147483648" r:id="rId1"/>
   </p:sldMasterIdLst>
   <p:notesMasterIdLst>
-    <p:notesMasterId r:id="rId55"/>
+    <p:notesMasterId r:id="rId54"/>
   </p:notesMasterIdLst>
   <p:sldIdLst>
     <p:sldId id="310" r:id="rId2"/>
@@ -32,35 +32,34 @@
     <p:sldId id="276" r:id="rId23"/>
     <p:sldId id="277" r:id="rId24"/>
     <p:sldId id="278" r:id="rId25"/>
-    <p:sldId id="279" r:id="rId26"/>
-    <p:sldId id="280" r:id="rId27"/>
-    <p:sldId id="281" r:id="rId28"/>
-    <p:sldId id="282" r:id="rId29"/>
-    <p:sldId id="283" r:id="rId30"/>
-    <p:sldId id="284" r:id="rId31"/>
-    <p:sldId id="285" r:id="rId32"/>
-    <p:sldId id="286" r:id="rId33"/>
-    <p:sldId id="287" r:id="rId34"/>
-    <p:sldId id="288" r:id="rId35"/>
-    <p:sldId id="289" r:id="rId36"/>
-    <p:sldId id="290" r:id="rId37"/>
-    <p:sldId id="291" r:id="rId38"/>
-    <p:sldId id="292" r:id="rId39"/>
-    <p:sldId id="293" r:id="rId40"/>
-    <p:sldId id="294" r:id="rId41"/>
-    <p:sldId id="295" r:id="rId42"/>
-    <p:sldId id="296" r:id="rId43"/>
-    <p:sldId id="297" r:id="rId44"/>
-    <p:sldId id="298" r:id="rId45"/>
-    <p:sldId id="299" r:id="rId46"/>
-    <p:sldId id="300" r:id="rId47"/>
-    <p:sldId id="301" r:id="rId48"/>
-    <p:sldId id="302" r:id="rId49"/>
-    <p:sldId id="303" r:id="rId50"/>
-    <p:sldId id="304" r:id="rId51"/>
-    <p:sldId id="305" r:id="rId52"/>
-    <p:sldId id="306" r:id="rId53"/>
-    <p:sldId id="307" r:id="rId54"/>
+    <p:sldId id="280" r:id="rId26"/>
+    <p:sldId id="281" r:id="rId27"/>
+    <p:sldId id="282" r:id="rId28"/>
+    <p:sldId id="283" r:id="rId29"/>
+    <p:sldId id="284" r:id="rId30"/>
+    <p:sldId id="285" r:id="rId31"/>
+    <p:sldId id="286" r:id="rId32"/>
+    <p:sldId id="287" r:id="rId33"/>
+    <p:sldId id="288" r:id="rId34"/>
+    <p:sldId id="289" r:id="rId35"/>
+    <p:sldId id="290" r:id="rId36"/>
+    <p:sldId id="291" r:id="rId37"/>
+    <p:sldId id="292" r:id="rId38"/>
+    <p:sldId id="293" r:id="rId39"/>
+    <p:sldId id="294" r:id="rId40"/>
+    <p:sldId id="295" r:id="rId41"/>
+    <p:sldId id="296" r:id="rId42"/>
+    <p:sldId id="297" r:id="rId43"/>
+    <p:sldId id="298" r:id="rId44"/>
+    <p:sldId id="299" r:id="rId45"/>
+    <p:sldId id="300" r:id="rId46"/>
+    <p:sldId id="301" r:id="rId47"/>
+    <p:sldId id="302" r:id="rId48"/>
+    <p:sldId id="303" r:id="rId49"/>
+    <p:sldId id="304" r:id="rId50"/>
+    <p:sldId id="305" r:id="rId51"/>
+    <p:sldId id="306" r:id="rId52"/>
+    <p:sldId id="307" r:id="rId53"/>
   </p:sldIdLst>
   <p:sldSz cx="9144000" cy="5143500" type="screen16x9"/>
   <p:notesSz cx="6858000" cy="9144000"/>
@@ -184,7 +183,10 @@
             <p14:sldId id="276"/>
             <p14:sldId id="277"/>
             <p14:sldId id="278"/>
-            <p14:sldId id="279"/>
+          </p14:sldIdLst>
+        </p14:section>
+        <p14:section name="架构度量和压力测试" id="{1B46E459-17D6-B946-B00D-48FB3C7D964D}">
+          <p14:sldIdLst>
             <p14:sldId id="280"/>
             <p14:sldId id="281"/>
             <p14:sldId id="282"/>
@@ -698,7 +700,10 @@
           <a:bodyPr/>
           <a:lstStyle/>
           <a:p>
-            <a:endParaRPr lang="zh-CN" altLang="en-US" dirty="0"/>
+            <a:r>
+              <a:rPr lang="zh-CN" altLang="en-US" dirty="0"/>
+              <a:t>眼见为实，时间、库存，低价隐隐流量，买不到高并发</a:t>
+            </a:r>
           </a:p>
         </p:txBody>
       </p:sp>
@@ -782,7 +787,10 @@
           <a:bodyPr/>
           <a:lstStyle/>
           <a:p>
-            <a:endParaRPr lang="zh-CN" altLang="en-US" dirty="0"/>
+            <a:r>
+              <a:rPr lang="zh-CN" altLang="en-US" dirty="0"/>
+              <a:t>没有业务场景，就没有技术目标</a:t>
+            </a:r>
           </a:p>
         </p:txBody>
       </p:sp>
@@ -866,6 +874,30 @@
           <a:bodyPr/>
           <a:lstStyle/>
           <a:p>
+            <a:pPr marL="0" marR="0" lvl="0" indent="0" algn="l" defTabSz="914400" rtl="0" eaLnBrk="1" fontAlgn="auto" latinLnBrk="0" hangingPunct="1">
+              <a:lnSpc>
+                <a:spcPct val="100000"/>
+              </a:lnSpc>
+              <a:spcBef>
+                <a:spcPts val="0"/>
+              </a:spcBef>
+              <a:spcAft>
+                <a:spcPts val="0"/>
+              </a:spcAft>
+              <a:buClrTx/>
+              <a:buSzTx/>
+              <a:buFontTx/>
+              <a:buNone/>
+              <a:tabLst/>
+              <a:defRPr/>
+            </a:pPr>
+            <a:r>
+              <a:rPr lang="zh-CN" altLang="en-US" dirty="0"/>
+              <a:t>清晰的目标等于成功了一半，技术目标与业务场景的关联</a:t>
+            </a:r>
+            <a:endParaRPr lang="en-US" altLang="zh-CN" dirty="0"/>
+          </a:p>
+          <a:p>
             <a:endParaRPr lang="zh-CN" altLang="en-US" dirty="0"/>
           </a:p>
         </p:txBody>
@@ -1586,7 +1618,13 @@
           <a:p>
             <a:r>
               <a:rPr lang="zh-CN"/>
-              <a:t>1、这个放前面，这里补充需要掌握的具体知识点和对应的资料，文档链接【done】</a:t>
+              <a:t>1、补充压测的理论：纯理论+BAT怎么做的</a:t>
+            </a:r>
+          </a:p>
+          <a:p>
+            <a:r>
+              <a:rPr lang="zh-CN"/>
+              <a:t>2、指标+系统环境的一致性（预发，生产）、压测模型的构造</a:t>
             </a:r>
           </a:p>
         </p:txBody>
@@ -1633,13 +1671,13 @@
           <a:p>
             <a:r>
               <a:rPr lang="zh-CN"/>
-              <a:t>1、补充压测的理论：纯理论+BAT怎么做的</a:t>
+              <a:t>1、压测数据的准备：影子库、影子表、怎么构造数据和清理数据、打标和标的传递（压测数据和正常数据的隔离）</a:t>
             </a:r>
           </a:p>
           <a:p>
             <a:r>
               <a:rPr lang="zh-CN"/>
-              <a:t>2、指标+系统环境的一致性（预发，生产）、压测模型的构造</a:t>
+              <a:t>2、环境的搭建</a:t>
             </a:r>
           </a:p>
         </p:txBody>
@@ -1686,13 +1724,19 @@
           <a:p>
             <a:r>
               <a:rPr lang="zh-CN"/>
-              <a:t>1、压测数据的准备：影子库、影子表、怎么构造数据和清理数据、打标和标的传递（压测数据和正常数据的隔离）</a:t>
+              <a:t>1、只讲述业务指标：qps rt</a:t>
             </a:r>
           </a:p>
           <a:p>
             <a:r>
               <a:rPr lang="zh-CN"/>
-              <a:t>2、环境的搭建</a:t>
+              <a:t>2、参考：jmeter的最佳实现</a:t>
+            </a:r>
+          </a:p>
+          <a:p>
+            <a:r>
+              <a:rPr lang="zh-CN"/>
+              <a:t>3、demo需补充障碍</a:t>
             </a:r>
           </a:p>
         </p:txBody>
@@ -1739,19 +1783,7 @@
           <a:p>
             <a:r>
               <a:rPr lang="zh-CN"/>
-              <a:t>1、只讲述业务指标：qps rt</a:t>
-            </a:r>
-          </a:p>
-          <a:p>
-            <a:r>
-              <a:rPr lang="zh-CN"/>
-              <a:t>2、参考：jmeter的最佳实现</a:t>
-            </a:r>
-          </a:p>
-          <a:p>
-            <a:r>
-              <a:rPr lang="zh-CN"/>
-              <a:t>3、demo需补充障碍</a:t>
+              <a:t>1、高性能 高可用拆成两个</a:t>
             </a:r>
           </a:p>
         </p:txBody>
@@ -1798,7 +1830,23 @@
           <a:p>
             <a:r>
               <a:rPr lang="zh-CN"/>
-              <a:t>1、高性能 高可用拆成两个</a:t>
+              <a:t>针对红色的部分，举例讲解</a:t>
+            </a:r>
+          </a:p>
+          <a:p>
+            <a:r>
+              <a:rPr lang="zh-CN"/>
+              <a:t>1、</a:t>
+            </a:r>
+            <a:r>
+              <a:rPr lang="zh-CN" sz="2000">
+                <a:solidFill>
+                  <a:srgbClr val="000000"/>
+                </a:solidFill>
+                <a:latin typeface="Microsoft YaHei"/>
+                <a:ea typeface="Microsoft YaHei"/>
+              </a:rPr>
+              <a:t>对强依赖进行限流，对弱依赖进行降级，对上游进行熔断</a:t>
             </a:r>
           </a:p>
         </p:txBody>
@@ -2113,23 +2161,7 @@
           <a:p>
             <a:r>
               <a:rPr lang="zh-CN"/>
-              <a:t>针对红色的部分，举例讲解</a:t>
-            </a:r>
-          </a:p>
-          <a:p>
-            <a:r>
-              <a:rPr lang="zh-CN"/>
-              <a:t>1、</a:t>
-            </a:r>
-            <a:r>
-              <a:rPr lang="zh-CN" sz="2000">
-                <a:solidFill>
-                  <a:srgbClr val="000000"/>
-                </a:solidFill>
-                <a:latin typeface="Microsoft YaHei"/>
-                <a:ea typeface="Microsoft YaHei"/>
-              </a:rPr>
-              <a:t>对强依赖进行限流，对弱依赖进行降级，对上游进行熔断</a:t>
+              <a:t>缓存击穿、缓存失效、缓存雪崩</a:t>
             </a:r>
           </a:p>
         </p:txBody>
@@ -2143,53 +2175,6 @@
 </file>
 
 <file path=ppt/notesSlides/notesSlide31.xml><?xml version="1.0" encoding="utf-8"?>
-<p:notes xmlns:a="http://schemas.openxmlformats.org/drawingml/2006/main" xmlns:r="http://schemas.openxmlformats.org/officeDocument/2006/relationships" xmlns:p="http://schemas.openxmlformats.org/presentationml/2006/main">
-  <p:cSld>
-    <p:spTree>
-      <p:nvGrpSpPr>
-        <p:cNvPr id="1" name=""/>
-        <p:cNvGrpSpPr/>
-        <p:nvPr/>
-      </p:nvGrpSpPr>
-      <p:grpSpPr>
-        <a:xfrm>
-          <a:off x="0" y="0"/>
-          <a:ext cx="0" cy="0"/>
-          <a:chOff x="0" y="0"/>
-          <a:chExt cx="0" cy="0"/>
-        </a:xfrm>
-      </p:grpSpPr>
-      <p:sp>
-        <p:nvSpPr>
-          <p:cNvPr id="2" name="备注占位符 1"/>
-          <p:cNvSpPr>
-            <a:spLocks noGrp="1"/>
-          </p:cNvSpPr>
-          <p:nvPr>
-            <p:ph type="body" idx="1"/>
-          </p:nvPr>
-        </p:nvSpPr>
-        <p:spPr/>
-        <p:txBody>
-          <a:bodyPr/>
-          <a:lstStyle/>
-          <a:p>
-            <a:r>
-              <a:rPr lang="zh-CN"/>
-              <a:t>缓存击穿、缓存失效、缓存雪崩</a:t>
-            </a:r>
-          </a:p>
-        </p:txBody>
-      </p:sp>
-    </p:spTree>
-  </p:cSld>
-  <p:clrMapOvr>
-    <a:masterClrMapping/>
-  </p:clrMapOvr>
-</p:notes>
-</file>
-
-<file path=ppt/notesSlides/notesSlide32.xml><?xml version="1.0" encoding="utf-8"?>
 <p:notes xmlns:a="http://schemas.openxmlformats.org/drawingml/2006/main" xmlns:r="http://schemas.openxmlformats.org/officeDocument/2006/relationships" xmlns:p="http://schemas.openxmlformats.org/presentationml/2006/main">
   <p:cSld>
     <p:spTree>
@@ -2658,21 +2643,14 @@
           <a:p>
             <a:r>
               <a:rPr kumimoji="1" lang="zh-CN" altLang="en-US" dirty="0"/>
-              <a:t>提前的整体视角</a:t>
+              <a:t>开发三部曲，以盖房子施工类比，分析：需求来源于业务场景。设计：水电煤网。实现：施工队进工地。还有上线运维，不断迭代（第四部分）</a:t>
             </a:r>
             <a:endParaRPr kumimoji="1" lang="en-US" altLang="zh-CN" dirty="0"/>
           </a:p>
           <a:p>
             <a:r>
               <a:rPr kumimoji="1" lang="zh-CN" altLang="en-US" dirty="0"/>
-              <a:t>知识体系和非入门，理解和共鸣</a:t>
-            </a:r>
-            <a:endParaRPr kumimoji="1" lang="en-US" altLang="zh-CN" dirty="0"/>
-          </a:p>
-          <a:p>
-            <a:r>
-              <a:rPr kumimoji="1" lang="zh-CN" altLang="en-US" dirty="0"/>
-              <a:t>程度，解决问题，上升台阶</a:t>
+              <a:t>熟悉软件工程全流程，得到一个基本可用的秒杀系统</a:t>
             </a:r>
           </a:p>
         </p:txBody>
@@ -2759,7 +2737,7 @@
           <a:p>
             <a:r>
               <a:rPr lang="zh-CN" altLang="en-US" dirty="0"/>
-              <a:t>清晰的目标等于成功了一半</a:t>
+              <a:t>系统分析是分析什么</a:t>
             </a:r>
             <a:endParaRPr lang="en-US" altLang="zh-CN" dirty="0"/>
           </a:p>
@@ -7104,7 +7082,7 @@
               <a:buChar char="u"/>
             </a:pPr>
             <a:r>
-              <a:rPr lang="zh-CN" altLang="en-US" sz="2000" u="none" strike="noStrike" kern="1200" cap="none" spc="0" baseline="0" dirty="0">
+              <a:rPr lang="zh-CN" altLang="en-US" sz="2000" dirty="0">
                 <a:solidFill>
                   <a:srgbClr val="474747"/>
                 </a:solidFill>
@@ -7113,17 +7091,8 @@
                 <a:cs typeface="微软雅黑" charset="0"/>
                 <a:sym typeface="Calibri" pitchFamily="34" charset="0"/>
               </a:rPr>
-              <a:t>掌握超高并发架构的理论和具体实践方法</a:t>
-            </a:r>
-            <a:endParaRPr lang="zh-CN" altLang="en-US" sz="2000" u="none" strike="noStrike" kern="1200" cap="none" spc="0" baseline="0" dirty="0">
-              <a:solidFill>
-                <a:srgbClr val="C9394A"/>
-              </a:solidFill>
-              <a:latin typeface="微软雅黑" charset="0"/>
-              <a:ea typeface="微软雅黑" charset="0"/>
-              <a:cs typeface="微软雅黑" charset="0"/>
-              <a:sym typeface="Calibri" pitchFamily="34" charset="0"/>
-            </a:endParaRPr>
+              <a:t>控制秒杀活动的开始和结束的状态</a:t>
+            </a:r>
           </a:p>
         </p:txBody>
       </p:sp>
@@ -7170,7 +7139,7 @@
               <a:buChar char="u"/>
             </a:pPr>
             <a:r>
-              <a:rPr lang="zh-CN" altLang="en-US" sz="2000" u="none" strike="noStrike" kern="1200" cap="none" spc="0" baseline="0" dirty="0">
+              <a:rPr lang="zh-CN" altLang="en-US" sz="2000" dirty="0">
                 <a:solidFill>
                   <a:srgbClr val="474747"/>
                 </a:solidFill>
@@ -7178,16 +7147,8 @@
                 <a:ea typeface="微软雅黑" charset="0"/>
                 <a:cs typeface="微软雅黑" charset="0"/>
               </a:rPr>
-              <a:t>掌握电商中秒杀业务及其具体设计和实现</a:t>
-            </a:r>
-            <a:endParaRPr lang="zh-CN" altLang="en-US" sz="2000" u="none" strike="noStrike" kern="1200" cap="none" spc="0" baseline="0" dirty="0">
-              <a:solidFill>
-                <a:srgbClr val="C9394A"/>
-              </a:solidFill>
-              <a:latin typeface="微软雅黑" charset="0"/>
-              <a:ea typeface="微软雅黑" charset="0"/>
-              <a:cs typeface="微软雅黑" charset="0"/>
-            </a:endParaRPr>
+              <a:t>支撑千万级高并发的秒杀系统稳定</a:t>
+            </a:r>
           </a:p>
         </p:txBody>
       </p:sp>
@@ -7243,17 +7204,8 @@
                 <a:cs typeface="微软雅黑" charset="0"/>
                 <a:sym typeface="Calibri" pitchFamily="34" charset="0"/>
               </a:rPr>
-              <a:t>掌握衡量系统架构优劣的理论和度量手段</a:t>
-            </a:r>
-            <a:endParaRPr lang="zh-CN" altLang="en-US" sz="2000" u="none" strike="noStrike" kern="1200" cap="none" spc="0" baseline="0" dirty="0">
-              <a:solidFill>
-                <a:srgbClr val="C9394A"/>
-              </a:solidFill>
-              <a:latin typeface="微软雅黑" charset="0"/>
-              <a:ea typeface="微软雅黑" charset="0"/>
-              <a:cs typeface="微软雅黑" charset="0"/>
-              <a:sym typeface="Calibri" pitchFamily="34" charset="0"/>
-            </a:endParaRPr>
+              <a:t>防止库存被超卖导致资损或卖不完</a:t>
+            </a:r>
           </a:p>
         </p:txBody>
       </p:sp>
@@ -15053,283 +15005,6 @@
       </p:grpSpPr>
       <p:sp>
         <p:nvSpPr>
-          <p:cNvPr id="3" name="标题 1"/>
-          <p:cNvSpPr txBox="1"/>
-          <p:nvPr/>
-        </p:nvSpPr>
-        <p:spPr>
-          <a:xfrm>
-            <a:off x="4902440" y="1781163"/>
-            <a:ext cx="3359458" cy="421137"/>
-          </a:xfrm>
-          <a:prstGeom prst="rect">
-            <a:avLst/>
-          </a:prstGeom>
-        </p:spPr>
-        <p:txBody>
-          <a:bodyPr vert="horz" lIns="91440" tIns="45720" rIns="91440" bIns="45720" anchor="ctr"/>
-          <a:lstStyle>
-            <a:lvl1pPr lvl="0" algn="l" defTabSz="685800">
-              <a:lnSpc>
-                <a:spcPct val="90000"/>
-              </a:lnSpc>
-              <a:spcBef>
-                <a:spcPct val="0"/>
-              </a:spcBef>
-              <a:buNone/>
-              <a:defRPr sz="3300" kern="1200">
-                <a:solidFill>
-                  <a:schemeClr val="tx1"/>
-                </a:solidFill>
-                <a:latin typeface="Calibri Light"/>
-                <a:ea typeface="等线 Light"/>
-              </a:defRPr>
-            </a:lvl1pPr>
-          </a:lstStyle>
-          <a:p>
-            <a:pPr marL="342900" indent="-342900">
-              <a:buFont typeface="Wingdings" charset="2"/>
-              <a:buChar char="u"/>
-            </a:pPr>
-            <a:r>
-              <a:rPr lang="en-US" sz="2000">
-                <a:solidFill>
-                  <a:srgbClr val="000000"/>
-                </a:solidFill>
-                <a:latin typeface="微软雅黑"/>
-                <a:ea typeface="微软雅黑"/>
-              </a:rPr>
-              <a:t>秒杀系统分析设计与实现</a:t>
-            </a:r>
-          </a:p>
-        </p:txBody>
-      </p:sp>
-      <p:sp>
-        <p:nvSpPr>
-          <p:cNvPr id="4" name="标题 1"/>
-          <p:cNvSpPr txBox="1"/>
-          <p:nvPr/>
-        </p:nvSpPr>
-        <p:spPr>
-          <a:xfrm>
-            <a:off x="1312524" y="3014817"/>
-            <a:ext cx="3492766" cy="421137"/>
-          </a:xfrm>
-          <a:prstGeom prst="rect">
-            <a:avLst/>
-          </a:prstGeom>
-        </p:spPr>
-        <p:txBody>
-          <a:bodyPr vert="horz" lIns="91440" tIns="45720" rIns="91440" bIns="45720" anchor="ctr"/>
-          <a:lstStyle>
-            <a:lvl1pPr lvl="0" algn="l" defTabSz="685800">
-              <a:lnSpc>
-                <a:spcPct val="90000"/>
-              </a:lnSpc>
-              <a:spcBef>
-                <a:spcPct val="0"/>
-              </a:spcBef>
-              <a:buNone/>
-              <a:defRPr sz="3300" kern="1200">
-                <a:solidFill>
-                  <a:schemeClr val="tx1"/>
-                </a:solidFill>
-                <a:latin typeface="Calibri Light"/>
-                <a:ea typeface="等线 Light"/>
-              </a:defRPr>
-            </a:lvl1pPr>
-          </a:lstStyle>
-          <a:p>
-            <a:pPr marL="342900" indent="-342900">
-              <a:buFont typeface="Wingdings" charset="2"/>
-              <a:buChar char="u"/>
-            </a:pPr>
-            <a:r>
-              <a:rPr lang="en-US" sz="1850">
-                <a:solidFill>
-                  <a:srgbClr val="FF0000"/>
-                </a:solidFill>
-                <a:latin typeface="微软雅黑"/>
-                <a:ea typeface="微软雅黑"/>
-              </a:rPr>
-              <a:t>压测系统原理及测试实践</a:t>
-            </a:r>
-          </a:p>
-        </p:txBody>
-      </p:sp>
-      <p:sp>
-        <p:nvSpPr>
-          <p:cNvPr id="5" name="标题 1"/>
-          <p:cNvSpPr txBox="1"/>
-          <p:nvPr/>
-        </p:nvSpPr>
-        <p:spPr>
-          <a:xfrm>
-            <a:off x="1312524" y="1781163"/>
-            <a:ext cx="3415003" cy="421137"/>
-          </a:xfrm>
-          <a:prstGeom prst="rect">
-            <a:avLst/>
-          </a:prstGeom>
-        </p:spPr>
-        <p:txBody>
-          <a:bodyPr vert="horz" lIns="91440" tIns="45720" rIns="91440" bIns="45720" anchor="ctr"/>
-          <a:lstStyle>
-            <a:lvl1pPr lvl="0" algn="l" defTabSz="685800">
-              <a:lnSpc>
-                <a:spcPct val="90000"/>
-              </a:lnSpc>
-              <a:spcBef>
-                <a:spcPct val="0"/>
-              </a:spcBef>
-              <a:buNone/>
-              <a:defRPr sz="3300" kern="1200">
-                <a:solidFill>
-                  <a:schemeClr val="tx1"/>
-                </a:solidFill>
-                <a:latin typeface="Calibri Light"/>
-                <a:ea typeface="等线 Light"/>
-              </a:defRPr>
-            </a:lvl1pPr>
-          </a:lstStyle>
-          <a:p>
-            <a:pPr marL="342900" indent="-342900">
-              <a:buFont typeface="Wingdings" charset="2"/>
-              <a:buChar char="u"/>
-            </a:pPr>
-            <a:r>
-              <a:rPr lang="en-US" sz="2000">
-                <a:solidFill>
-                  <a:srgbClr val="000000"/>
-                </a:solidFill>
-                <a:latin typeface="微软雅黑"/>
-                <a:ea typeface="微软雅黑"/>
-              </a:rPr>
-              <a:t>课程设计和课程目标</a:t>
-            </a:r>
-          </a:p>
-        </p:txBody>
-      </p:sp>
-      <p:sp>
-        <p:nvSpPr>
-          <p:cNvPr id="6" name="标题 1"/>
-          <p:cNvSpPr txBox="1"/>
-          <p:nvPr/>
-        </p:nvSpPr>
-        <p:spPr>
-          <a:xfrm>
-            <a:off x="2512219" y="471201"/>
-            <a:ext cx="4119561" cy="469410"/>
-          </a:xfrm>
-          <a:prstGeom prst="rect">
-            <a:avLst/>
-          </a:prstGeom>
-        </p:spPr>
-        <p:txBody>
-          <a:bodyPr vert="horz" lIns="91440" tIns="45720" rIns="91440" bIns="45720" anchor="ctr"/>
-          <a:lstStyle>
-            <a:lvl1pPr lvl="0" algn="ctr">
-              <a:lnSpc>
-                <a:spcPct val="90000"/>
-              </a:lnSpc>
-              <a:spcBef>
-                <a:spcPct val="0"/>
-              </a:spcBef>
-              <a:buNone/>
-              <a:defRPr sz="3200">
-                <a:latin typeface="PingFang SC Regular"/>
-                <a:ea typeface="Microsoft YaHei"/>
-              </a:defRPr>
-            </a:lvl1pPr>
-          </a:lstStyle>
-          <a:p>
-            <a:r>
-              <a:rPr lang="zh-CN">
-                <a:latin typeface="微软雅黑"/>
-                <a:ea typeface="微软雅黑"/>
-              </a:rPr>
-              <a:t>课程内容</a:t>
-            </a:r>
-          </a:p>
-        </p:txBody>
-      </p:sp>
-      <p:sp>
-        <p:nvSpPr>
-          <p:cNvPr id="7" name="标题 1"/>
-          <p:cNvSpPr txBox="1"/>
-          <p:nvPr/>
-        </p:nvSpPr>
-        <p:spPr>
-          <a:xfrm>
-            <a:off x="4902440" y="3014817"/>
-            <a:ext cx="3503876" cy="421137"/>
-          </a:xfrm>
-          <a:prstGeom prst="rect">
-            <a:avLst/>
-          </a:prstGeom>
-        </p:spPr>
-        <p:txBody>
-          <a:bodyPr vert="horz" lIns="91440" tIns="45720" rIns="91440" bIns="45720" anchor="ctr"/>
-          <a:lstStyle>
-            <a:lvl1pPr lvl="0" algn="l" defTabSz="685800">
-              <a:lnSpc>
-                <a:spcPct val="90000"/>
-              </a:lnSpc>
-              <a:spcBef>
-                <a:spcPct val="0"/>
-              </a:spcBef>
-              <a:buNone/>
-              <a:defRPr sz="3300" kern="1200">
-                <a:solidFill>
-                  <a:schemeClr val="tx1"/>
-                </a:solidFill>
-                <a:latin typeface="Calibri Light"/>
-                <a:ea typeface="等线 Light"/>
-              </a:defRPr>
-            </a:lvl1pPr>
-          </a:lstStyle>
-          <a:p>
-            <a:pPr marL="342900" indent="-342900">
-              <a:buFont typeface="Wingdings" charset="2"/>
-              <a:buChar char="u"/>
-            </a:pPr>
-            <a:r>
-              <a:rPr lang="en-US" sz="2000">
-                <a:latin typeface="微软雅黑"/>
-                <a:ea typeface="微软雅黑"/>
-              </a:rPr>
-              <a:t>秒杀架构演化与性能优化</a:t>
-            </a:r>
-          </a:p>
-        </p:txBody>
-      </p:sp>
-    </p:spTree>
-  </p:cSld>
-  <p:clrMapOvr>
-    <a:masterClrMapping/>
-  </p:clrMapOvr>
-</p:sld>
-</file>
-
-<file path=ppt/slides/slide26.xml><?xml version="1.0" encoding="utf-8"?>
-<p:sld xmlns:a="http://schemas.openxmlformats.org/drawingml/2006/main" xmlns:r="http://schemas.openxmlformats.org/officeDocument/2006/relationships" xmlns:p="http://schemas.openxmlformats.org/presentationml/2006/main">
-  <p:cSld>
-    <p:spTree>
-      <p:nvGrpSpPr>
-        <p:cNvPr id="1" name=""/>
-        <p:cNvGrpSpPr/>
-        <p:nvPr/>
-      </p:nvGrpSpPr>
-      <p:grpSpPr>
-        <a:xfrm>
-          <a:off x="0" y="0"/>
-          <a:ext cx="0" cy="0"/>
-          <a:chOff x="0" y="0"/>
-          <a:chExt cx="0" cy="0"/>
-        </a:xfrm>
-      </p:grpSpPr>
-      <p:sp>
-        <p:nvSpPr>
           <p:cNvPr id="8" name="标题 1"/>
           <p:cNvSpPr txBox="1"/>
           <p:nvPr/>
@@ -16037,6 +15712,169 @@
 </p:sld>
 </file>
 
+<file path=ppt/slides/slide26.xml><?xml version="1.0" encoding="utf-8"?>
+<p:sld xmlns:a="http://schemas.openxmlformats.org/drawingml/2006/main" xmlns:r="http://schemas.openxmlformats.org/officeDocument/2006/relationships" xmlns:p="http://schemas.openxmlformats.org/presentationml/2006/main">
+  <p:cSld>
+    <p:spTree>
+      <p:nvGrpSpPr>
+        <p:cNvPr id="1" name=""/>
+        <p:cNvGrpSpPr/>
+        <p:nvPr/>
+      </p:nvGrpSpPr>
+      <p:grpSpPr>
+        <a:xfrm>
+          <a:off x="0" y="0"/>
+          <a:ext cx="0" cy="0"/>
+          <a:chOff x="0" y="0"/>
+          <a:chExt cx="0" cy="0"/>
+        </a:xfrm>
+      </p:grpSpPr>
+      <p:sp>
+        <p:nvSpPr>
+          <p:cNvPr id="6" name="标题 1"/>
+          <p:cNvSpPr txBox="1"/>
+          <p:nvPr/>
+        </p:nvSpPr>
+        <p:spPr>
+          <a:xfrm>
+            <a:off x="2537308" y="471201"/>
+            <a:ext cx="5112514" cy="469410"/>
+          </a:xfrm>
+          <a:prstGeom prst="rect">
+            <a:avLst/>
+          </a:prstGeom>
+        </p:spPr>
+        <p:txBody>
+          <a:bodyPr vert="horz" lIns="91440" tIns="45720" rIns="91440" bIns="45720" anchor="ctr"/>
+          <a:lstStyle>
+            <a:lvl1pPr marL="0" lvl="0" algn="ctr" defTabSz="685800">
+              <a:lnSpc>
+                <a:spcPct val="90000"/>
+              </a:lnSpc>
+              <a:spcBef>
+                <a:spcPct val="0"/>
+              </a:spcBef>
+              <a:buNone/>
+              <a:defRPr sz="3200" kern="1200">
+                <a:solidFill>
+                  <a:schemeClr val="tx1"/>
+                </a:solidFill>
+                <a:latin typeface="PingFang SC Regular"/>
+                <a:ea typeface="Microsoft YaHei"/>
+              </a:defRPr>
+            </a:lvl1pPr>
+            <a:lvl2pPr marL="342900" lvl="1" algn="l" defTabSz="685800">
+              <a:defRPr sz="1350" kern="1200">
+                <a:solidFill>
+                  <a:schemeClr val="tx1"/>
+                </a:solidFill>
+                <a:latin typeface="Calibri"/>
+                <a:ea typeface="等线"/>
+              </a:defRPr>
+            </a:lvl2pPr>
+            <a:lvl3pPr marL="685800" lvl="2" algn="l" defTabSz="685800">
+              <a:defRPr sz="1350" kern="1200">
+                <a:solidFill>
+                  <a:schemeClr val="tx1"/>
+                </a:solidFill>
+                <a:latin typeface="Calibri"/>
+                <a:ea typeface="等线"/>
+              </a:defRPr>
+            </a:lvl3pPr>
+            <a:lvl4pPr marL="1028700" lvl="3" algn="l" defTabSz="685800">
+              <a:defRPr sz="1350" kern="1200">
+                <a:solidFill>
+                  <a:schemeClr val="tx1"/>
+                </a:solidFill>
+                <a:latin typeface="Calibri"/>
+                <a:ea typeface="等线"/>
+              </a:defRPr>
+            </a:lvl4pPr>
+            <a:lvl5pPr marL="1371600" lvl="4" algn="l" defTabSz="685800">
+              <a:defRPr sz="1350" kern="1200">
+                <a:solidFill>
+                  <a:schemeClr val="tx1"/>
+                </a:solidFill>
+                <a:latin typeface="Calibri"/>
+                <a:ea typeface="等线"/>
+              </a:defRPr>
+            </a:lvl5pPr>
+            <a:lvl6pPr marL="1714500" lvl="5" algn="l" defTabSz="685800">
+              <a:defRPr sz="1350" kern="1200">
+                <a:solidFill>
+                  <a:schemeClr val="tx1"/>
+                </a:solidFill>
+                <a:latin typeface="Calibri"/>
+                <a:ea typeface="等线"/>
+              </a:defRPr>
+            </a:lvl6pPr>
+            <a:lvl7pPr marL="2057400" lvl="6" algn="l" defTabSz="685800">
+              <a:defRPr sz="1350" kern="1200">
+                <a:solidFill>
+                  <a:schemeClr val="tx1"/>
+                </a:solidFill>
+                <a:latin typeface="Calibri"/>
+                <a:ea typeface="等线"/>
+              </a:defRPr>
+            </a:lvl7pPr>
+            <a:lvl8pPr marL="2400300" lvl="7" algn="l" defTabSz="685800">
+              <a:defRPr sz="1350" kern="1200">
+                <a:solidFill>
+                  <a:schemeClr val="tx1"/>
+                </a:solidFill>
+                <a:latin typeface="Calibri"/>
+                <a:ea typeface="等线"/>
+              </a:defRPr>
+            </a:lvl8pPr>
+            <a:lvl9pPr marL="2743200" lvl="8" algn="l" defTabSz="685800">
+              <a:defRPr sz="1350" kern="1200">
+                <a:solidFill>
+                  <a:schemeClr val="tx1"/>
+                </a:solidFill>
+                <a:latin typeface="Calibri"/>
+                <a:ea typeface="等线"/>
+              </a:defRPr>
+            </a:lvl9pPr>
+          </a:lstStyle>
+          <a:p>
+            <a:r>
+              <a:rPr lang="zh-CN">
+                <a:latin typeface="微软雅黑"/>
+                <a:ea typeface="微软雅黑"/>
+              </a:rPr>
+              <a:t>3.1 压力测试理论</a:t>
+            </a:r>
+          </a:p>
+        </p:txBody>
+      </p:sp>
+      <p:pic>
+        <p:nvPicPr>
+          <p:cNvPr id="7" name="图片 6"/>
+          <p:cNvPicPr/>
+          <p:nvPr/>
+        </p:nvPicPr>
+        <p:blipFill>
+          <a:blip r:embed="rId3"/>
+          <a:stretch/>
+        </p:blipFill>
+        <p:spPr>
+          <a:xfrm>
+            <a:off x="2271710" y="1001957"/>
+            <a:ext cx="5196844" cy="4044558"/>
+          </a:xfrm>
+          <a:prstGeom prst="rect">
+            <a:avLst/>
+          </a:prstGeom>
+        </p:spPr>
+      </p:pic>
+    </p:spTree>
+  </p:cSld>
+  <p:clrMapOvr>
+    <a:masterClrMapping/>
+  </p:clrMapOvr>
+</p:sld>
+</file>
+
 <file path=ppt/slides/slide27.xml><?xml version="1.0" encoding="utf-8"?>
 <p:sld xmlns:a="http://schemas.openxmlformats.org/drawingml/2006/main" xmlns:r="http://schemas.openxmlformats.org/officeDocument/2006/relationships" xmlns:p="http://schemas.openxmlformats.org/presentationml/2006/main">
   <p:cSld>
@@ -16167,31 +16005,96 @@
                 <a:latin typeface="微软雅黑"/>
                 <a:ea typeface="微软雅黑"/>
               </a:rPr>
-              <a:t>3.1 压力测试理论</a:t>
+              <a:t>3.2 压测准备（Jmeter）</a:t>
+            </a:r>
+          </a:p>
+        </p:txBody>
+      </p:sp>
+      <p:sp>
+        <p:nvSpPr>
+          <p:cNvPr id="7" name=" 6"/>
+          <p:cNvSpPr/>
+          <p:nvPr/>
+        </p:nvSpPr>
+        <p:spPr>
+          <a:xfrm>
+            <a:off x="2413140" y="4566070"/>
+            <a:ext cx="5080000" cy="412330"/>
+          </a:xfrm>
+        </p:spPr>
+        <p:txBody>
+          <a:bodyPr/>
+          <a:lstStyle/>
+          <a:p>
+            <a:r>
+              <a:rPr>
+                <a:hlinkClick r:id="rId3"/>
+              </a:rPr>
+              <a:t>http://jmeter.apache.org/usermanual/index.html</a:t>
             </a:r>
           </a:p>
         </p:txBody>
       </p:sp>
       <p:pic>
         <p:nvPicPr>
-          <p:cNvPr id="7" name="图片 6"/>
+          <p:cNvPr id="8" name="图片 7"/>
           <p:cNvPicPr/>
           <p:nvPr/>
         </p:nvPicPr>
         <p:blipFill>
-          <a:blip r:embed="rId3"/>
+          <a:blip r:embed="rId4"/>
           <a:stretch/>
         </p:blipFill>
         <p:spPr>
           <a:xfrm>
-            <a:off x="2271710" y="1001957"/>
-            <a:ext cx="5196844" cy="4044558"/>
+            <a:off x="692150" y="1679345"/>
+            <a:ext cx="8101705" cy="1603541"/>
           </a:xfrm>
           <a:prstGeom prst="rect">
             <a:avLst/>
           </a:prstGeom>
         </p:spPr>
       </p:pic>
+      <p:sp>
+        <p:nvSpPr>
+          <p:cNvPr id="9" name="操作按钮: 影片 8"/>
+          <p:cNvSpPr/>
+          <p:nvPr/>
+        </p:nvSpPr>
+        <p:spPr>
+          <a:xfrm>
+            <a:off x="4062612" y="3644029"/>
+            <a:ext cx="1360780" cy="786506"/>
+          </a:xfrm>
+          <a:prstGeom prst="actionButtonMovie">
+            <a:avLst/>
+          </a:prstGeom>
+          <a:solidFill>
+            <a:srgbClr val="DFF8FF"/>
+          </a:solidFill>
+          <a:ln w="12700">
+            <a:solidFill>
+              <a:srgbClr val="5C5C5C"/>
+            </a:solidFill>
+            <a:prstDash val="solid"/>
+          </a:ln>
+        </p:spPr>
+        <p:txBody>
+          <a:bodyPr/>
+          <a:lstStyle/>
+          <a:p>
+            <a:pPr algn="ctr"/>
+            <a:r>
+              <a:rPr lang="zh-CN">
+                <a:solidFill>
+                  <a:srgbClr val="FF0000"/>
+                </a:solidFill>
+              </a:rPr>
+              <a:t>演示</a:t>
+            </a:r>
+          </a:p>
+        </p:txBody>
+      </p:sp>
     </p:spTree>
   </p:cSld>
   <p:clrMapOvr>
@@ -16330,234 +16233,6 @@
                 <a:latin typeface="微软雅黑"/>
                 <a:ea typeface="微软雅黑"/>
               </a:rPr>
-              <a:t>3.2 压测准备（Jmeter）</a:t>
-            </a:r>
-          </a:p>
-        </p:txBody>
-      </p:sp>
-      <p:sp>
-        <p:nvSpPr>
-          <p:cNvPr id="7" name=" 6"/>
-          <p:cNvSpPr/>
-          <p:nvPr/>
-        </p:nvSpPr>
-        <p:spPr>
-          <a:xfrm>
-            <a:off x="2413140" y="4566070"/>
-            <a:ext cx="5080000" cy="412330"/>
-          </a:xfrm>
-        </p:spPr>
-        <p:txBody>
-          <a:bodyPr/>
-          <a:lstStyle/>
-          <a:p>
-            <a:r>
-              <a:rPr>
-                <a:hlinkClick r:id="rId3"/>
-              </a:rPr>
-              <a:t>http://jmeter.apache.org/usermanual/index.html</a:t>
-            </a:r>
-          </a:p>
-        </p:txBody>
-      </p:sp>
-      <p:pic>
-        <p:nvPicPr>
-          <p:cNvPr id="8" name="图片 7"/>
-          <p:cNvPicPr/>
-          <p:nvPr/>
-        </p:nvPicPr>
-        <p:blipFill>
-          <a:blip r:embed="rId4"/>
-          <a:stretch/>
-        </p:blipFill>
-        <p:spPr>
-          <a:xfrm>
-            <a:off x="692150" y="1679345"/>
-            <a:ext cx="8101705" cy="1603541"/>
-          </a:xfrm>
-          <a:prstGeom prst="rect">
-            <a:avLst/>
-          </a:prstGeom>
-        </p:spPr>
-      </p:pic>
-      <p:sp>
-        <p:nvSpPr>
-          <p:cNvPr id="9" name="操作按钮: 影片 8"/>
-          <p:cNvSpPr/>
-          <p:nvPr/>
-        </p:nvSpPr>
-        <p:spPr>
-          <a:xfrm>
-            <a:off x="4062612" y="3644029"/>
-            <a:ext cx="1360780" cy="786506"/>
-          </a:xfrm>
-          <a:prstGeom prst="actionButtonMovie">
-            <a:avLst/>
-          </a:prstGeom>
-          <a:solidFill>
-            <a:srgbClr val="DFF8FF"/>
-          </a:solidFill>
-          <a:ln w="12700">
-            <a:solidFill>
-              <a:srgbClr val="5C5C5C"/>
-            </a:solidFill>
-            <a:prstDash val="solid"/>
-          </a:ln>
-        </p:spPr>
-        <p:txBody>
-          <a:bodyPr/>
-          <a:lstStyle/>
-          <a:p>
-            <a:pPr algn="ctr"/>
-            <a:r>
-              <a:rPr lang="zh-CN">
-                <a:solidFill>
-                  <a:srgbClr val="FF0000"/>
-                </a:solidFill>
-              </a:rPr>
-              <a:t>演示</a:t>
-            </a:r>
-          </a:p>
-        </p:txBody>
-      </p:sp>
-    </p:spTree>
-  </p:cSld>
-  <p:clrMapOvr>
-    <a:masterClrMapping/>
-  </p:clrMapOvr>
-</p:sld>
-</file>
-
-<file path=ppt/slides/slide29.xml><?xml version="1.0" encoding="utf-8"?>
-<p:sld xmlns:a="http://schemas.openxmlformats.org/drawingml/2006/main" xmlns:r="http://schemas.openxmlformats.org/officeDocument/2006/relationships" xmlns:p="http://schemas.openxmlformats.org/presentationml/2006/main">
-  <p:cSld>
-    <p:spTree>
-      <p:nvGrpSpPr>
-        <p:cNvPr id="1" name=""/>
-        <p:cNvGrpSpPr/>
-        <p:nvPr/>
-      </p:nvGrpSpPr>
-      <p:grpSpPr>
-        <a:xfrm>
-          <a:off x="0" y="0"/>
-          <a:ext cx="0" cy="0"/>
-          <a:chOff x="0" y="0"/>
-          <a:chExt cx="0" cy="0"/>
-        </a:xfrm>
-      </p:grpSpPr>
-      <p:sp>
-        <p:nvSpPr>
-          <p:cNvPr id="6" name="标题 1"/>
-          <p:cNvSpPr txBox="1"/>
-          <p:nvPr/>
-        </p:nvSpPr>
-        <p:spPr>
-          <a:xfrm>
-            <a:off x="2537308" y="471201"/>
-            <a:ext cx="5112514" cy="469410"/>
-          </a:xfrm>
-          <a:prstGeom prst="rect">
-            <a:avLst/>
-          </a:prstGeom>
-        </p:spPr>
-        <p:txBody>
-          <a:bodyPr vert="horz" lIns="91440" tIns="45720" rIns="91440" bIns="45720" anchor="ctr"/>
-          <a:lstStyle>
-            <a:lvl1pPr marL="0" lvl="0" algn="ctr" defTabSz="685800">
-              <a:lnSpc>
-                <a:spcPct val="90000"/>
-              </a:lnSpc>
-              <a:spcBef>
-                <a:spcPct val="0"/>
-              </a:spcBef>
-              <a:buNone/>
-              <a:defRPr sz="3200" kern="1200">
-                <a:solidFill>
-                  <a:schemeClr val="tx1"/>
-                </a:solidFill>
-                <a:latin typeface="PingFang SC Regular"/>
-                <a:ea typeface="Microsoft YaHei"/>
-              </a:defRPr>
-            </a:lvl1pPr>
-            <a:lvl2pPr marL="342900" lvl="1" algn="l" defTabSz="685800">
-              <a:defRPr sz="1350" kern="1200">
-                <a:solidFill>
-                  <a:schemeClr val="tx1"/>
-                </a:solidFill>
-                <a:latin typeface="Calibri"/>
-                <a:ea typeface="等线"/>
-              </a:defRPr>
-            </a:lvl2pPr>
-            <a:lvl3pPr marL="685800" lvl="2" algn="l" defTabSz="685800">
-              <a:defRPr sz="1350" kern="1200">
-                <a:solidFill>
-                  <a:schemeClr val="tx1"/>
-                </a:solidFill>
-                <a:latin typeface="Calibri"/>
-                <a:ea typeface="等线"/>
-              </a:defRPr>
-            </a:lvl3pPr>
-            <a:lvl4pPr marL="1028700" lvl="3" algn="l" defTabSz="685800">
-              <a:defRPr sz="1350" kern="1200">
-                <a:solidFill>
-                  <a:schemeClr val="tx1"/>
-                </a:solidFill>
-                <a:latin typeface="Calibri"/>
-                <a:ea typeface="等线"/>
-              </a:defRPr>
-            </a:lvl4pPr>
-            <a:lvl5pPr marL="1371600" lvl="4" algn="l" defTabSz="685800">
-              <a:defRPr sz="1350" kern="1200">
-                <a:solidFill>
-                  <a:schemeClr val="tx1"/>
-                </a:solidFill>
-                <a:latin typeface="Calibri"/>
-                <a:ea typeface="等线"/>
-              </a:defRPr>
-            </a:lvl5pPr>
-            <a:lvl6pPr marL="1714500" lvl="5" algn="l" defTabSz="685800">
-              <a:defRPr sz="1350" kern="1200">
-                <a:solidFill>
-                  <a:schemeClr val="tx1"/>
-                </a:solidFill>
-                <a:latin typeface="Calibri"/>
-                <a:ea typeface="等线"/>
-              </a:defRPr>
-            </a:lvl6pPr>
-            <a:lvl7pPr marL="2057400" lvl="6" algn="l" defTabSz="685800">
-              <a:defRPr sz="1350" kern="1200">
-                <a:solidFill>
-                  <a:schemeClr val="tx1"/>
-                </a:solidFill>
-                <a:latin typeface="Calibri"/>
-                <a:ea typeface="等线"/>
-              </a:defRPr>
-            </a:lvl7pPr>
-            <a:lvl8pPr marL="2400300" lvl="7" algn="l" defTabSz="685800">
-              <a:defRPr sz="1350" kern="1200">
-                <a:solidFill>
-                  <a:schemeClr val="tx1"/>
-                </a:solidFill>
-                <a:latin typeface="Calibri"/>
-                <a:ea typeface="等线"/>
-              </a:defRPr>
-            </a:lvl8pPr>
-            <a:lvl9pPr marL="2743200" lvl="8" algn="l" defTabSz="685800">
-              <a:defRPr sz="1350" kern="1200">
-                <a:solidFill>
-                  <a:schemeClr val="tx1"/>
-                </a:solidFill>
-                <a:latin typeface="Calibri"/>
-                <a:ea typeface="等线"/>
-              </a:defRPr>
-            </a:lvl9pPr>
-          </a:lstStyle>
-          <a:p>
-            <a:r>
-              <a:rPr lang="zh-CN">
-                <a:latin typeface="微软雅黑"/>
-                <a:ea typeface="微软雅黑"/>
-              </a:rPr>
               <a:t>3.3 压测执行</a:t>
             </a:r>
             <a:r>
@@ -16629,6 +16304,232 @@
                 </a:solidFill>
               </a:rPr>
               <a:t>演示</a:t>
+            </a:r>
+          </a:p>
+        </p:txBody>
+      </p:sp>
+    </p:spTree>
+  </p:cSld>
+  <p:clrMapOvr>
+    <a:masterClrMapping/>
+  </p:clrMapOvr>
+</p:sld>
+</file>
+
+<file path=ppt/slides/slide29.xml><?xml version="1.0" encoding="utf-8"?>
+<p:sld xmlns:a="http://schemas.openxmlformats.org/drawingml/2006/main" xmlns:r="http://schemas.openxmlformats.org/officeDocument/2006/relationships" xmlns:p="http://schemas.openxmlformats.org/presentationml/2006/main">
+  <p:cSld>
+    <p:spTree>
+      <p:nvGrpSpPr>
+        <p:cNvPr id="1" name=""/>
+        <p:cNvGrpSpPr/>
+        <p:nvPr/>
+      </p:nvGrpSpPr>
+      <p:grpSpPr>
+        <a:xfrm>
+          <a:off x="0" y="0"/>
+          <a:ext cx="0" cy="0"/>
+          <a:chOff x="0" y="0"/>
+          <a:chExt cx="0" cy="0"/>
+        </a:xfrm>
+      </p:grpSpPr>
+      <p:sp>
+        <p:nvSpPr>
+          <p:cNvPr id="6" name="标题 1"/>
+          <p:cNvSpPr txBox="1"/>
+          <p:nvPr/>
+        </p:nvSpPr>
+        <p:spPr>
+          <a:xfrm>
+            <a:off x="1851508" y="471201"/>
+            <a:ext cx="5798314" cy="469410"/>
+          </a:xfrm>
+          <a:prstGeom prst="rect">
+            <a:avLst/>
+          </a:prstGeom>
+        </p:spPr>
+        <p:txBody>
+          <a:bodyPr vert="horz" lIns="91440" tIns="45720" rIns="91440" bIns="45720" anchor="ctr"/>
+          <a:lstStyle>
+            <a:lvl1pPr marL="0" lvl="0" algn="ctr" defTabSz="685800">
+              <a:lnSpc>
+                <a:spcPct val="90000"/>
+              </a:lnSpc>
+              <a:spcBef>
+                <a:spcPct val="0"/>
+              </a:spcBef>
+              <a:buNone/>
+              <a:defRPr sz="3200" kern="1200">
+                <a:solidFill>
+                  <a:schemeClr val="tx1"/>
+                </a:solidFill>
+                <a:latin typeface="PingFang SC Regular"/>
+                <a:ea typeface="Microsoft YaHei"/>
+              </a:defRPr>
+            </a:lvl1pPr>
+            <a:lvl2pPr marL="342900" lvl="1" algn="l" defTabSz="685800">
+              <a:defRPr sz="1350" kern="1200">
+                <a:solidFill>
+                  <a:schemeClr val="tx1"/>
+                </a:solidFill>
+                <a:latin typeface="Calibri"/>
+                <a:ea typeface="等线"/>
+              </a:defRPr>
+            </a:lvl2pPr>
+            <a:lvl3pPr marL="685800" lvl="2" algn="l" defTabSz="685800">
+              <a:defRPr sz="1350" kern="1200">
+                <a:solidFill>
+                  <a:schemeClr val="tx1"/>
+                </a:solidFill>
+                <a:latin typeface="Calibri"/>
+                <a:ea typeface="等线"/>
+              </a:defRPr>
+            </a:lvl3pPr>
+            <a:lvl4pPr marL="1028700" lvl="3" algn="l" defTabSz="685800">
+              <a:defRPr sz="1350" kern="1200">
+                <a:solidFill>
+                  <a:schemeClr val="tx1"/>
+                </a:solidFill>
+                <a:latin typeface="Calibri"/>
+                <a:ea typeface="等线"/>
+              </a:defRPr>
+            </a:lvl4pPr>
+            <a:lvl5pPr marL="1371600" lvl="4" algn="l" defTabSz="685800">
+              <a:defRPr sz="1350" kern="1200">
+                <a:solidFill>
+                  <a:schemeClr val="tx1"/>
+                </a:solidFill>
+                <a:latin typeface="Calibri"/>
+                <a:ea typeface="等线"/>
+              </a:defRPr>
+            </a:lvl5pPr>
+            <a:lvl6pPr marL="1714500" lvl="5" algn="l" defTabSz="685800">
+              <a:defRPr sz="1350" kern="1200">
+                <a:solidFill>
+                  <a:schemeClr val="tx1"/>
+                </a:solidFill>
+                <a:latin typeface="Calibri"/>
+                <a:ea typeface="等线"/>
+              </a:defRPr>
+            </a:lvl6pPr>
+            <a:lvl7pPr marL="2057400" lvl="6" algn="l" defTabSz="685800">
+              <a:defRPr sz="1350" kern="1200">
+                <a:solidFill>
+                  <a:schemeClr val="tx1"/>
+                </a:solidFill>
+                <a:latin typeface="Calibri"/>
+                <a:ea typeface="等线"/>
+              </a:defRPr>
+            </a:lvl7pPr>
+            <a:lvl8pPr marL="2400300" lvl="7" algn="l" defTabSz="685800">
+              <a:defRPr sz="1350" kern="1200">
+                <a:solidFill>
+                  <a:schemeClr val="tx1"/>
+                </a:solidFill>
+                <a:latin typeface="Calibri"/>
+                <a:ea typeface="等线"/>
+              </a:defRPr>
+            </a:lvl8pPr>
+            <a:lvl9pPr marL="2743200" lvl="8" algn="l" defTabSz="685800">
+              <a:defRPr sz="1350" kern="1200">
+                <a:solidFill>
+                  <a:schemeClr val="tx1"/>
+                </a:solidFill>
+                <a:latin typeface="Calibri"/>
+                <a:ea typeface="等线"/>
+              </a:defRPr>
+            </a:lvl9pPr>
+          </a:lstStyle>
+          <a:p>
+            <a:r>
+              <a:rPr lang="zh-CN">
+                <a:latin typeface="微软雅黑"/>
+                <a:ea typeface="微软雅黑"/>
+              </a:rPr>
+              <a:t>3.4 压测结果分析</a:t>
+            </a:r>
+            <a:r>
+              <a:rPr lang="zh-CN" sz="3200">
+                <a:solidFill>
+                  <a:srgbClr val="000000"/>
+                </a:solidFill>
+                <a:latin typeface="微软雅黑"/>
+                <a:ea typeface="微软雅黑"/>
+              </a:rPr>
+              <a:t>（Jmeter）</a:t>
+            </a:r>
+          </a:p>
+        </p:txBody>
+      </p:sp>
+      <p:sp>
+        <p:nvSpPr>
+          <p:cNvPr id="7" name="操作按钮: 影片 6"/>
+          <p:cNvSpPr/>
+          <p:nvPr/>
+        </p:nvSpPr>
+        <p:spPr>
+          <a:xfrm>
+            <a:off x="3891673" y="2178560"/>
+            <a:ext cx="1360780" cy="786506"/>
+          </a:xfrm>
+          <a:prstGeom prst="actionButtonMovie">
+            <a:avLst/>
+          </a:prstGeom>
+          <a:solidFill>
+            <a:srgbClr val="DFF8FF"/>
+          </a:solidFill>
+          <a:ln w="12700">
+            <a:solidFill>
+              <a:srgbClr val="5C5C5C"/>
+            </a:solidFill>
+            <a:prstDash val="solid"/>
+          </a:ln>
+        </p:spPr>
+        <p:txBody>
+          <a:bodyPr/>
+          <a:lstStyle/>
+          <a:p>
+            <a:pPr algn="ctr"/>
+            <a:r>
+              <a:rPr lang="zh-CN">
+                <a:solidFill>
+                  <a:srgbClr val="FF0000"/>
+                </a:solidFill>
+              </a:rPr>
+              <a:t>演示</a:t>
+            </a:r>
+          </a:p>
+        </p:txBody>
+      </p:sp>
+      <p:sp>
+        <p:nvSpPr>
+          <p:cNvPr id="8" name="文本框 7"/>
+          <p:cNvSpPr txBox="1"/>
+          <p:nvPr/>
+        </p:nvSpPr>
+        <p:spPr>
+          <a:xfrm>
+            <a:off x="3228849" y="1484492"/>
+            <a:ext cx="1778000" cy="330200"/>
+          </a:xfrm>
+          <a:prstGeom prst="rect">
+            <a:avLst/>
+          </a:prstGeom>
+          <a:ln w="12700">
+            <a:prstDash val="solid"/>
+          </a:ln>
+        </p:spPr>
+        <p:txBody>
+          <a:bodyPr/>
+          <a:lstStyle/>
+          <a:p>
+            <a:r>
+              <a:rPr lang="zh-CN">
+                <a:solidFill>
+                  <a:srgbClr val="FF0200"/>
+                </a:solidFill>
+              </a:rPr>
+              <a:t>补充压测结果截图</a:t>
             </a:r>
           </a:p>
         </p:txBody>
@@ -17249,232 +17150,6 @@
       </p:grpSpPr>
       <p:sp>
         <p:nvSpPr>
-          <p:cNvPr id="6" name="标题 1"/>
-          <p:cNvSpPr txBox="1"/>
-          <p:nvPr/>
-        </p:nvSpPr>
-        <p:spPr>
-          <a:xfrm>
-            <a:off x="1851508" y="471201"/>
-            <a:ext cx="5798314" cy="469410"/>
-          </a:xfrm>
-          <a:prstGeom prst="rect">
-            <a:avLst/>
-          </a:prstGeom>
-        </p:spPr>
-        <p:txBody>
-          <a:bodyPr vert="horz" lIns="91440" tIns="45720" rIns="91440" bIns="45720" anchor="ctr"/>
-          <a:lstStyle>
-            <a:lvl1pPr marL="0" lvl="0" algn="ctr" defTabSz="685800">
-              <a:lnSpc>
-                <a:spcPct val="90000"/>
-              </a:lnSpc>
-              <a:spcBef>
-                <a:spcPct val="0"/>
-              </a:spcBef>
-              <a:buNone/>
-              <a:defRPr sz="3200" kern="1200">
-                <a:solidFill>
-                  <a:schemeClr val="tx1"/>
-                </a:solidFill>
-                <a:latin typeface="PingFang SC Regular"/>
-                <a:ea typeface="Microsoft YaHei"/>
-              </a:defRPr>
-            </a:lvl1pPr>
-            <a:lvl2pPr marL="342900" lvl="1" algn="l" defTabSz="685800">
-              <a:defRPr sz="1350" kern="1200">
-                <a:solidFill>
-                  <a:schemeClr val="tx1"/>
-                </a:solidFill>
-                <a:latin typeface="Calibri"/>
-                <a:ea typeface="等线"/>
-              </a:defRPr>
-            </a:lvl2pPr>
-            <a:lvl3pPr marL="685800" lvl="2" algn="l" defTabSz="685800">
-              <a:defRPr sz="1350" kern="1200">
-                <a:solidFill>
-                  <a:schemeClr val="tx1"/>
-                </a:solidFill>
-                <a:latin typeface="Calibri"/>
-                <a:ea typeface="等线"/>
-              </a:defRPr>
-            </a:lvl3pPr>
-            <a:lvl4pPr marL="1028700" lvl="3" algn="l" defTabSz="685800">
-              <a:defRPr sz="1350" kern="1200">
-                <a:solidFill>
-                  <a:schemeClr val="tx1"/>
-                </a:solidFill>
-                <a:latin typeface="Calibri"/>
-                <a:ea typeface="等线"/>
-              </a:defRPr>
-            </a:lvl4pPr>
-            <a:lvl5pPr marL="1371600" lvl="4" algn="l" defTabSz="685800">
-              <a:defRPr sz="1350" kern="1200">
-                <a:solidFill>
-                  <a:schemeClr val="tx1"/>
-                </a:solidFill>
-                <a:latin typeface="Calibri"/>
-                <a:ea typeface="等线"/>
-              </a:defRPr>
-            </a:lvl5pPr>
-            <a:lvl6pPr marL="1714500" lvl="5" algn="l" defTabSz="685800">
-              <a:defRPr sz="1350" kern="1200">
-                <a:solidFill>
-                  <a:schemeClr val="tx1"/>
-                </a:solidFill>
-                <a:latin typeface="Calibri"/>
-                <a:ea typeface="等线"/>
-              </a:defRPr>
-            </a:lvl6pPr>
-            <a:lvl7pPr marL="2057400" lvl="6" algn="l" defTabSz="685800">
-              <a:defRPr sz="1350" kern="1200">
-                <a:solidFill>
-                  <a:schemeClr val="tx1"/>
-                </a:solidFill>
-                <a:latin typeface="Calibri"/>
-                <a:ea typeface="等线"/>
-              </a:defRPr>
-            </a:lvl7pPr>
-            <a:lvl8pPr marL="2400300" lvl="7" algn="l" defTabSz="685800">
-              <a:defRPr sz="1350" kern="1200">
-                <a:solidFill>
-                  <a:schemeClr val="tx1"/>
-                </a:solidFill>
-                <a:latin typeface="Calibri"/>
-                <a:ea typeface="等线"/>
-              </a:defRPr>
-            </a:lvl8pPr>
-            <a:lvl9pPr marL="2743200" lvl="8" algn="l" defTabSz="685800">
-              <a:defRPr sz="1350" kern="1200">
-                <a:solidFill>
-                  <a:schemeClr val="tx1"/>
-                </a:solidFill>
-                <a:latin typeface="Calibri"/>
-                <a:ea typeface="等线"/>
-              </a:defRPr>
-            </a:lvl9pPr>
-          </a:lstStyle>
-          <a:p>
-            <a:r>
-              <a:rPr lang="zh-CN">
-                <a:latin typeface="微软雅黑"/>
-                <a:ea typeface="微软雅黑"/>
-              </a:rPr>
-              <a:t>3.4 压测结果分析</a:t>
-            </a:r>
-            <a:r>
-              <a:rPr lang="zh-CN" sz="3200">
-                <a:solidFill>
-                  <a:srgbClr val="000000"/>
-                </a:solidFill>
-                <a:latin typeface="微软雅黑"/>
-                <a:ea typeface="微软雅黑"/>
-              </a:rPr>
-              <a:t>（Jmeter）</a:t>
-            </a:r>
-          </a:p>
-        </p:txBody>
-      </p:sp>
-      <p:sp>
-        <p:nvSpPr>
-          <p:cNvPr id="7" name="操作按钮: 影片 6"/>
-          <p:cNvSpPr/>
-          <p:nvPr/>
-        </p:nvSpPr>
-        <p:spPr>
-          <a:xfrm>
-            <a:off x="3891673" y="2178560"/>
-            <a:ext cx="1360780" cy="786506"/>
-          </a:xfrm>
-          <a:prstGeom prst="actionButtonMovie">
-            <a:avLst/>
-          </a:prstGeom>
-          <a:solidFill>
-            <a:srgbClr val="DFF8FF"/>
-          </a:solidFill>
-          <a:ln w="12700">
-            <a:solidFill>
-              <a:srgbClr val="5C5C5C"/>
-            </a:solidFill>
-            <a:prstDash val="solid"/>
-          </a:ln>
-        </p:spPr>
-        <p:txBody>
-          <a:bodyPr/>
-          <a:lstStyle/>
-          <a:p>
-            <a:pPr algn="ctr"/>
-            <a:r>
-              <a:rPr lang="zh-CN">
-                <a:solidFill>
-                  <a:srgbClr val="FF0000"/>
-                </a:solidFill>
-              </a:rPr>
-              <a:t>演示</a:t>
-            </a:r>
-          </a:p>
-        </p:txBody>
-      </p:sp>
-      <p:sp>
-        <p:nvSpPr>
-          <p:cNvPr id="8" name="文本框 7"/>
-          <p:cNvSpPr txBox="1"/>
-          <p:nvPr/>
-        </p:nvSpPr>
-        <p:spPr>
-          <a:xfrm>
-            <a:off x="3228849" y="1484492"/>
-            <a:ext cx="1778000" cy="330200"/>
-          </a:xfrm>
-          <a:prstGeom prst="rect">
-            <a:avLst/>
-          </a:prstGeom>
-          <a:ln w="12700">
-            <a:prstDash val="solid"/>
-          </a:ln>
-        </p:spPr>
-        <p:txBody>
-          <a:bodyPr/>
-          <a:lstStyle/>
-          <a:p>
-            <a:r>
-              <a:rPr lang="zh-CN">
-                <a:solidFill>
-                  <a:srgbClr val="FF0200"/>
-                </a:solidFill>
-              </a:rPr>
-              <a:t>补充压测结果截图</a:t>
-            </a:r>
-          </a:p>
-        </p:txBody>
-      </p:sp>
-    </p:spTree>
-  </p:cSld>
-  <p:clrMapOvr>
-    <a:masterClrMapping/>
-  </p:clrMapOvr>
-</p:sld>
-</file>
-
-<file path=ppt/slides/slide31.xml><?xml version="1.0" encoding="utf-8"?>
-<p:sld xmlns:a="http://schemas.openxmlformats.org/drawingml/2006/main" xmlns:r="http://schemas.openxmlformats.org/officeDocument/2006/relationships" xmlns:p="http://schemas.openxmlformats.org/presentationml/2006/main">
-  <p:cSld>
-    <p:spTree>
-      <p:nvGrpSpPr>
-        <p:cNvPr id="1" name=""/>
-        <p:cNvGrpSpPr/>
-        <p:nvPr/>
-      </p:nvGrpSpPr>
-      <p:grpSpPr>
-        <a:xfrm>
-          <a:off x="0" y="0"/>
-          <a:ext cx="0" cy="0"/>
-          <a:chOff x="0" y="0"/>
-          <a:chExt cx="0" cy="0"/>
-        </a:xfrm>
-      </p:grpSpPr>
-      <p:sp>
-        <p:nvSpPr>
           <p:cNvPr id="3" name="标题 1"/>
           <p:cNvSpPr txBox="1"/>
           <p:nvPr/>
@@ -17974,7 +17649,7 @@
 </p:sld>
 </file>
 
-<file path=ppt/slides/slide32.xml><?xml version="1.0" encoding="utf-8"?>
+<file path=ppt/slides/slide31.xml><?xml version="1.0" encoding="utf-8"?>
 <p:sld xmlns:a="http://schemas.openxmlformats.org/drawingml/2006/main" xmlns:r="http://schemas.openxmlformats.org/officeDocument/2006/relationships" xmlns:p="http://schemas.openxmlformats.org/presentationml/2006/main">
   <p:cSld>
     <p:spTree>
@@ -18246,6 +17921,202 @@
           </a:p>
         </p:txBody>
       </p:sp>
+    </p:spTree>
+  </p:cSld>
+  <p:clrMapOvr>
+    <a:masterClrMapping/>
+  </p:clrMapOvr>
+</p:sld>
+</file>
+
+<file path=ppt/slides/slide32.xml><?xml version="1.0" encoding="utf-8"?>
+<p:sld xmlns:a="http://schemas.openxmlformats.org/drawingml/2006/main" xmlns:r="http://schemas.openxmlformats.org/officeDocument/2006/relationships" xmlns:p="http://schemas.openxmlformats.org/presentationml/2006/main">
+  <p:cSld>
+    <p:spTree>
+      <p:nvGrpSpPr>
+        <p:cNvPr id="1" name=""/>
+        <p:cNvGrpSpPr/>
+        <p:nvPr/>
+      </p:nvGrpSpPr>
+      <p:grpSpPr>
+        <a:xfrm>
+          <a:off x="0" y="0"/>
+          <a:ext cx="0" cy="0"/>
+          <a:chOff x="0" y="0"/>
+          <a:chExt cx="0" cy="0"/>
+        </a:xfrm>
+      </p:grpSpPr>
+      <p:sp>
+        <p:nvSpPr>
+          <p:cNvPr id="6" name="标题 1"/>
+          <p:cNvSpPr txBox="1"/>
+          <p:nvPr/>
+        </p:nvSpPr>
+        <p:spPr>
+          <a:xfrm>
+            <a:off x="2050148" y="471201"/>
+            <a:ext cx="5479908" cy="469410"/>
+          </a:xfrm>
+          <a:prstGeom prst="rect">
+            <a:avLst/>
+          </a:prstGeom>
+        </p:spPr>
+        <p:txBody>
+          <a:bodyPr vert="horz" lIns="91440" tIns="45720" rIns="91440" bIns="45720" anchor="ctr"/>
+          <a:lstStyle>
+            <a:lvl1pPr marL="0" lvl="0" algn="ctr" defTabSz="685800">
+              <a:lnSpc>
+                <a:spcPct val="90000"/>
+              </a:lnSpc>
+              <a:spcBef>
+                <a:spcPct val="0"/>
+              </a:spcBef>
+              <a:buNone/>
+              <a:defRPr sz="3200" kern="1200">
+                <a:solidFill>
+                  <a:schemeClr val="tx1"/>
+                </a:solidFill>
+                <a:latin typeface="PingFang SC Regular"/>
+                <a:ea typeface="Microsoft YaHei"/>
+              </a:defRPr>
+            </a:lvl1pPr>
+            <a:lvl2pPr marL="342900" lvl="1" algn="l" defTabSz="685800">
+              <a:defRPr sz="1350" kern="1200">
+                <a:solidFill>
+                  <a:schemeClr val="tx1"/>
+                </a:solidFill>
+                <a:latin typeface="Calibri"/>
+                <a:ea typeface="等线"/>
+              </a:defRPr>
+            </a:lvl2pPr>
+            <a:lvl3pPr marL="685800" lvl="2" algn="l" defTabSz="685800">
+              <a:defRPr sz="1350" kern="1200">
+                <a:solidFill>
+                  <a:schemeClr val="tx1"/>
+                </a:solidFill>
+                <a:latin typeface="Calibri"/>
+                <a:ea typeface="等线"/>
+              </a:defRPr>
+            </a:lvl3pPr>
+            <a:lvl4pPr marL="1028700" lvl="3" algn="l" defTabSz="685800">
+              <a:defRPr sz="1350" kern="1200">
+                <a:solidFill>
+                  <a:schemeClr val="tx1"/>
+                </a:solidFill>
+                <a:latin typeface="Calibri"/>
+                <a:ea typeface="等线"/>
+              </a:defRPr>
+            </a:lvl4pPr>
+            <a:lvl5pPr marL="1371600" lvl="4" algn="l" defTabSz="685800">
+              <a:defRPr sz="1350" kern="1200">
+                <a:solidFill>
+                  <a:schemeClr val="tx1"/>
+                </a:solidFill>
+                <a:latin typeface="Calibri"/>
+                <a:ea typeface="等线"/>
+              </a:defRPr>
+            </a:lvl5pPr>
+            <a:lvl6pPr marL="1714500" lvl="5" algn="l" defTabSz="685800">
+              <a:defRPr sz="1350" kern="1200">
+                <a:solidFill>
+                  <a:schemeClr val="tx1"/>
+                </a:solidFill>
+                <a:latin typeface="Calibri"/>
+                <a:ea typeface="等线"/>
+              </a:defRPr>
+            </a:lvl6pPr>
+            <a:lvl7pPr marL="2057400" lvl="6" algn="l" defTabSz="685800">
+              <a:defRPr sz="1350" kern="1200">
+                <a:solidFill>
+                  <a:schemeClr val="tx1"/>
+                </a:solidFill>
+                <a:latin typeface="Calibri"/>
+                <a:ea typeface="等线"/>
+              </a:defRPr>
+            </a:lvl7pPr>
+            <a:lvl8pPr marL="2400300" lvl="7" algn="l" defTabSz="685800">
+              <a:defRPr sz="1350" kern="1200">
+                <a:solidFill>
+                  <a:schemeClr val="tx1"/>
+                </a:solidFill>
+                <a:latin typeface="Calibri"/>
+                <a:ea typeface="等线"/>
+              </a:defRPr>
+            </a:lvl8pPr>
+            <a:lvl9pPr marL="2743200" lvl="8" algn="l" defTabSz="685800">
+              <a:defRPr sz="1350" kern="1200">
+                <a:solidFill>
+                  <a:schemeClr val="tx1"/>
+                </a:solidFill>
+                <a:latin typeface="Calibri"/>
+                <a:ea typeface="等线"/>
+              </a:defRPr>
+            </a:lvl9pPr>
+          </a:lstStyle>
+          <a:p>
+            <a:r>
+              <a:rPr lang="zh-CN">
+                <a:latin typeface="微软雅黑"/>
+                <a:ea typeface="微软雅黑"/>
+              </a:rPr>
+              <a:t>4.1 秒杀架构演进</a:t>
+            </a:r>
+          </a:p>
+        </p:txBody>
+      </p:sp>
+      <p:sp>
+        <p:nvSpPr>
+          <p:cNvPr id="7" name="文本框 6"/>
+          <p:cNvSpPr txBox="1"/>
+          <p:nvPr/>
+        </p:nvSpPr>
+        <p:spPr>
+          <a:xfrm>
+            <a:off x="4108227" y="4464022"/>
+            <a:ext cx="2083261" cy="443493"/>
+          </a:xfrm>
+          <a:prstGeom prst="rect">
+            <a:avLst/>
+          </a:prstGeom>
+          <a:ln w="12700">
+            <a:prstDash val="solid"/>
+          </a:ln>
+        </p:spPr>
+        <p:txBody>
+          <a:bodyPr/>
+          <a:lstStyle/>
+          <a:p>
+            <a:r>
+              <a:rPr lang="zh-CN" sz="1400" b="1"/>
+              <a:t>阶段一：</a:t>
+            </a:r>
+            <a:r>
+              <a:rPr lang="zh-CN" sz="1400" b="0"/>
+              <a:t>混合部署</a:t>
+            </a:r>
+          </a:p>
+        </p:txBody>
+      </p:sp>
+      <p:pic>
+        <p:nvPicPr>
+          <p:cNvPr id="8" name="图片 7"/>
+          <p:cNvPicPr/>
+          <p:nvPr/>
+        </p:nvPicPr>
+        <p:blipFill>
+          <a:blip r:embed="rId2"/>
+          <a:stretch/>
+        </p:blipFill>
+        <p:spPr>
+          <a:xfrm>
+            <a:off x="2124212" y="1076283"/>
+            <a:ext cx="5394064" cy="3342142"/>
+          </a:xfrm>
+          <a:prstGeom prst="rect">
+            <a:avLst/>
+          </a:prstGeom>
+        </p:spPr>
+      </p:pic>
     </p:spTree>
   </p:cSld>
   <p:clrMapOvr>
@@ -18389,16 +18260,36 @@
           </a:p>
         </p:txBody>
       </p:sp>
+      <p:pic>
+        <p:nvPicPr>
+          <p:cNvPr id="7" name="图片 6"/>
+          <p:cNvPicPr/>
+          <p:nvPr/>
+        </p:nvPicPr>
+        <p:blipFill>
+          <a:blip r:embed="rId2"/>
+          <a:stretch/>
+        </p:blipFill>
+        <p:spPr>
+          <a:xfrm>
+            <a:off x="2706626" y="1010237"/>
+            <a:ext cx="5053308" cy="3602716"/>
+          </a:xfrm>
+          <a:prstGeom prst="rect">
+            <a:avLst/>
+          </a:prstGeom>
+        </p:spPr>
+      </p:pic>
       <p:sp>
         <p:nvSpPr>
-          <p:cNvPr id="7" name="文本框 6"/>
+          <p:cNvPr id="8" name="文本框 7"/>
           <p:cNvSpPr txBox="1"/>
           <p:nvPr/>
         </p:nvSpPr>
         <p:spPr>
           <a:xfrm>
-            <a:off x="4108227" y="4464022"/>
-            <a:ext cx="2083261" cy="443493"/>
+            <a:off x="4205386" y="4612953"/>
+            <a:ext cx="2967576" cy="443493"/>
           </a:xfrm>
           <a:prstGeom prst="rect">
             <a:avLst/>
@@ -18409,39 +18300,107 @@
         </p:spPr>
         <p:txBody>
           <a:bodyPr/>
-          <a:lstStyle/>
+          <a:lstStyle>
+            <a:lvl1pPr marL="0" lvl="0" algn="l" defTabSz="685800">
+              <a:defRPr sz="1350" kern="1200">
+                <a:solidFill>
+                  <a:schemeClr val="tx1"/>
+                </a:solidFill>
+                <a:latin typeface="Calibri"/>
+                <a:ea typeface="等线"/>
+              </a:defRPr>
+            </a:lvl1pPr>
+            <a:lvl2pPr marL="342900" lvl="1" algn="l" defTabSz="685800">
+              <a:defRPr sz="1350" kern="1200">
+                <a:solidFill>
+                  <a:schemeClr val="tx1"/>
+                </a:solidFill>
+                <a:latin typeface="Calibri"/>
+                <a:ea typeface="等线"/>
+              </a:defRPr>
+            </a:lvl2pPr>
+            <a:lvl3pPr marL="685800" lvl="2" algn="l" defTabSz="685800">
+              <a:defRPr sz="1350" kern="1200">
+                <a:solidFill>
+                  <a:schemeClr val="tx1"/>
+                </a:solidFill>
+                <a:latin typeface="Calibri"/>
+                <a:ea typeface="等线"/>
+              </a:defRPr>
+            </a:lvl3pPr>
+            <a:lvl4pPr marL="1028700" lvl="3" algn="l" defTabSz="685800">
+              <a:defRPr sz="1350" kern="1200">
+                <a:solidFill>
+                  <a:schemeClr val="tx1"/>
+                </a:solidFill>
+                <a:latin typeface="Calibri"/>
+                <a:ea typeface="等线"/>
+              </a:defRPr>
+            </a:lvl4pPr>
+            <a:lvl5pPr marL="1371600" lvl="4" algn="l" defTabSz="685800">
+              <a:defRPr sz="1350" kern="1200">
+                <a:solidFill>
+                  <a:schemeClr val="tx1"/>
+                </a:solidFill>
+                <a:latin typeface="Calibri"/>
+                <a:ea typeface="等线"/>
+              </a:defRPr>
+            </a:lvl5pPr>
+            <a:lvl6pPr marL="1714500" lvl="5" algn="l" defTabSz="685800">
+              <a:defRPr sz="1350" kern="1200">
+                <a:solidFill>
+                  <a:schemeClr val="tx1"/>
+                </a:solidFill>
+                <a:latin typeface="Calibri"/>
+                <a:ea typeface="等线"/>
+              </a:defRPr>
+            </a:lvl6pPr>
+            <a:lvl7pPr marL="2057400" lvl="6" algn="l" defTabSz="685800">
+              <a:defRPr sz="1350" kern="1200">
+                <a:solidFill>
+                  <a:schemeClr val="tx1"/>
+                </a:solidFill>
+                <a:latin typeface="Calibri"/>
+                <a:ea typeface="等线"/>
+              </a:defRPr>
+            </a:lvl7pPr>
+            <a:lvl8pPr marL="2400300" lvl="7" algn="l" defTabSz="685800">
+              <a:defRPr sz="1350" kern="1200">
+                <a:solidFill>
+                  <a:schemeClr val="tx1"/>
+                </a:solidFill>
+                <a:latin typeface="Calibri"/>
+                <a:ea typeface="等线"/>
+              </a:defRPr>
+            </a:lvl8pPr>
+            <a:lvl9pPr marL="2743200" lvl="8" algn="l" defTabSz="685800">
+              <a:defRPr sz="1350" kern="1200">
+                <a:solidFill>
+                  <a:schemeClr val="tx1"/>
+                </a:solidFill>
+                <a:latin typeface="Calibri"/>
+                <a:ea typeface="等线"/>
+              </a:defRPr>
+            </a:lvl9pPr>
+          </a:lstStyle>
           <a:p>
             <a:r>
               <a:rPr lang="zh-CN" sz="1400" b="1"/>
-              <a:t>阶段一：</a:t>
-            </a:r>
-            <a:r>
-              <a:rPr lang="zh-CN" sz="1400" b="0"/>
-              <a:t>混合部署</a:t>
+              <a:t>阶段二：</a:t>
+            </a:r>
+            <a:r>
+              <a:rPr lang="zh-CN" sz="1400"/>
+              <a:t>系统独立部署、答题</a:t>
+            </a:r>
+          </a:p>
+          <a:p>
+            <a:r>
+              <a:rPr lang="zh-CN" sz="1400"/>
+              <a:t>预计流量：10w/s</a:t>
             </a:r>
           </a:p>
         </p:txBody>
       </p:sp>
-      <p:pic>
-        <p:nvPicPr>
-          <p:cNvPr id="8" name="图片 7"/>
-          <p:cNvPicPr/>
-          <p:nvPr/>
-        </p:nvPicPr>
-        <p:blipFill>
-          <a:blip r:embed="rId2"/>
-          <a:stretch/>
-        </p:blipFill>
-        <p:spPr>
-          <a:xfrm>
-            <a:off x="2124212" y="1076283"/>
-            <a:ext cx="5394064" cy="3342142"/>
-          </a:xfrm>
-          <a:prstGeom prst="rect">
-            <a:avLst/>
-          </a:prstGeom>
-        </p:spPr>
-      </p:pic>
     </p:spTree>
   </p:cSld>
   <p:clrMapOvr>
@@ -18597,290 +18556,6 @@
         </p:blipFill>
         <p:spPr>
           <a:xfrm>
-            <a:off x="2706626" y="1010237"/>
-            <a:ext cx="5053308" cy="3602716"/>
-          </a:xfrm>
-          <a:prstGeom prst="rect">
-            <a:avLst/>
-          </a:prstGeom>
-        </p:spPr>
-      </p:pic>
-      <p:sp>
-        <p:nvSpPr>
-          <p:cNvPr id="8" name="文本框 7"/>
-          <p:cNvSpPr txBox="1"/>
-          <p:nvPr/>
-        </p:nvSpPr>
-        <p:spPr>
-          <a:xfrm>
-            <a:off x="4205386" y="4612953"/>
-            <a:ext cx="2967576" cy="443493"/>
-          </a:xfrm>
-          <a:prstGeom prst="rect">
-            <a:avLst/>
-          </a:prstGeom>
-          <a:ln w="12700">
-            <a:prstDash val="solid"/>
-          </a:ln>
-        </p:spPr>
-        <p:txBody>
-          <a:bodyPr/>
-          <a:lstStyle>
-            <a:lvl1pPr marL="0" lvl="0" algn="l" defTabSz="685800">
-              <a:defRPr sz="1350" kern="1200">
-                <a:solidFill>
-                  <a:schemeClr val="tx1"/>
-                </a:solidFill>
-                <a:latin typeface="Calibri"/>
-                <a:ea typeface="等线"/>
-              </a:defRPr>
-            </a:lvl1pPr>
-            <a:lvl2pPr marL="342900" lvl="1" algn="l" defTabSz="685800">
-              <a:defRPr sz="1350" kern="1200">
-                <a:solidFill>
-                  <a:schemeClr val="tx1"/>
-                </a:solidFill>
-                <a:latin typeface="Calibri"/>
-                <a:ea typeface="等线"/>
-              </a:defRPr>
-            </a:lvl2pPr>
-            <a:lvl3pPr marL="685800" lvl="2" algn="l" defTabSz="685800">
-              <a:defRPr sz="1350" kern="1200">
-                <a:solidFill>
-                  <a:schemeClr val="tx1"/>
-                </a:solidFill>
-                <a:latin typeface="Calibri"/>
-                <a:ea typeface="等线"/>
-              </a:defRPr>
-            </a:lvl3pPr>
-            <a:lvl4pPr marL="1028700" lvl="3" algn="l" defTabSz="685800">
-              <a:defRPr sz="1350" kern="1200">
-                <a:solidFill>
-                  <a:schemeClr val="tx1"/>
-                </a:solidFill>
-                <a:latin typeface="Calibri"/>
-                <a:ea typeface="等线"/>
-              </a:defRPr>
-            </a:lvl4pPr>
-            <a:lvl5pPr marL="1371600" lvl="4" algn="l" defTabSz="685800">
-              <a:defRPr sz="1350" kern="1200">
-                <a:solidFill>
-                  <a:schemeClr val="tx1"/>
-                </a:solidFill>
-                <a:latin typeface="Calibri"/>
-                <a:ea typeface="等线"/>
-              </a:defRPr>
-            </a:lvl5pPr>
-            <a:lvl6pPr marL="1714500" lvl="5" algn="l" defTabSz="685800">
-              <a:defRPr sz="1350" kern="1200">
-                <a:solidFill>
-                  <a:schemeClr val="tx1"/>
-                </a:solidFill>
-                <a:latin typeface="Calibri"/>
-                <a:ea typeface="等线"/>
-              </a:defRPr>
-            </a:lvl6pPr>
-            <a:lvl7pPr marL="2057400" lvl="6" algn="l" defTabSz="685800">
-              <a:defRPr sz="1350" kern="1200">
-                <a:solidFill>
-                  <a:schemeClr val="tx1"/>
-                </a:solidFill>
-                <a:latin typeface="Calibri"/>
-                <a:ea typeface="等线"/>
-              </a:defRPr>
-            </a:lvl7pPr>
-            <a:lvl8pPr marL="2400300" lvl="7" algn="l" defTabSz="685800">
-              <a:defRPr sz="1350" kern="1200">
-                <a:solidFill>
-                  <a:schemeClr val="tx1"/>
-                </a:solidFill>
-                <a:latin typeface="Calibri"/>
-                <a:ea typeface="等线"/>
-              </a:defRPr>
-            </a:lvl8pPr>
-            <a:lvl9pPr marL="2743200" lvl="8" algn="l" defTabSz="685800">
-              <a:defRPr sz="1350" kern="1200">
-                <a:solidFill>
-                  <a:schemeClr val="tx1"/>
-                </a:solidFill>
-                <a:latin typeface="Calibri"/>
-                <a:ea typeface="等线"/>
-              </a:defRPr>
-            </a:lvl9pPr>
-          </a:lstStyle>
-          <a:p>
-            <a:r>
-              <a:rPr lang="zh-CN" sz="1400" b="1"/>
-              <a:t>阶段二：</a:t>
-            </a:r>
-            <a:r>
-              <a:rPr lang="zh-CN" sz="1400"/>
-              <a:t>系统独立部署、答题</a:t>
-            </a:r>
-          </a:p>
-          <a:p>
-            <a:r>
-              <a:rPr lang="zh-CN" sz="1400"/>
-              <a:t>预计流量：10w/s</a:t>
-            </a:r>
-          </a:p>
-        </p:txBody>
-      </p:sp>
-    </p:spTree>
-  </p:cSld>
-  <p:clrMapOvr>
-    <a:masterClrMapping/>
-  </p:clrMapOvr>
-</p:sld>
-</file>
-
-<file path=ppt/slides/slide35.xml><?xml version="1.0" encoding="utf-8"?>
-<p:sld xmlns:a="http://schemas.openxmlformats.org/drawingml/2006/main" xmlns:r="http://schemas.openxmlformats.org/officeDocument/2006/relationships" xmlns:p="http://schemas.openxmlformats.org/presentationml/2006/main">
-  <p:cSld>
-    <p:spTree>
-      <p:nvGrpSpPr>
-        <p:cNvPr id="1" name=""/>
-        <p:cNvGrpSpPr/>
-        <p:nvPr/>
-      </p:nvGrpSpPr>
-      <p:grpSpPr>
-        <a:xfrm>
-          <a:off x="0" y="0"/>
-          <a:ext cx="0" cy="0"/>
-          <a:chOff x="0" y="0"/>
-          <a:chExt cx="0" cy="0"/>
-        </a:xfrm>
-      </p:grpSpPr>
-      <p:sp>
-        <p:nvSpPr>
-          <p:cNvPr id="6" name="标题 1"/>
-          <p:cNvSpPr txBox="1"/>
-          <p:nvPr/>
-        </p:nvSpPr>
-        <p:spPr>
-          <a:xfrm>
-            <a:off x="2050148" y="471201"/>
-            <a:ext cx="5479908" cy="469410"/>
-          </a:xfrm>
-          <a:prstGeom prst="rect">
-            <a:avLst/>
-          </a:prstGeom>
-        </p:spPr>
-        <p:txBody>
-          <a:bodyPr vert="horz" lIns="91440" tIns="45720" rIns="91440" bIns="45720" anchor="ctr"/>
-          <a:lstStyle>
-            <a:lvl1pPr marL="0" lvl="0" algn="ctr" defTabSz="685800">
-              <a:lnSpc>
-                <a:spcPct val="90000"/>
-              </a:lnSpc>
-              <a:spcBef>
-                <a:spcPct val="0"/>
-              </a:spcBef>
-              <a:buNone/>
-              <a:defRPr sz="3200" kern="1200">
-                <a:solidFill>
-                  <a:schemeClr val="tx1"/>
-                </a:solidFill>
-                <a:latin typeface="PingFang SC Regular"/>
-                <a:ea typeface="Microsoft YaHei"/>
-              </a:defRPr>
-            </a:lvl1pPr>
-            <a:lvl2pPr marL="342900" lvl="1" algn="l" defTabSz="685800">
-              <a:defRPr sz="1350" kern="1200">
-                <a:solidFill>
-                  <a:schemeClr val="tx1"/>
-                </a:solidFill>
-                <a:latin typeface="Calibri"/>
-                <a:ea typeface="等线"/>
-              </a:defRPr>
-            </a:lvl2pPr>
-            <a:lvl3pPr marL="685800" lvl="2" algn="l" defTabSz="685800">
-              <a:defRPr sz="1350" kern="1200">
-                <a:solidFill>
-                  <a:schemeClr val="tx1"/>
-                </a:solidFill>
-                <a:latin typeface="Calibri"/>
-                <a:ea typeface="等线"/>
-              </a:defRPr>
-            </a:lvl3pPr>
-            <a:lvl4pPr marL="1028700" lvl="3" algn="l" defTabSz="685800">
-              <a:defRPr sz="1350" kern="1200">
-                <a:solidFill>
-                  <a:schemeClr val="tx1"/>
-                </a:solidFill>
-                <a:latin typeface="Calibri"/>
-                <a:ea typeface="等线"/>
-              </a:defRPr>
-            </a:lvl4pPr>
-            <a:lvl5pPr marL="1371600" lvl="4" algn="l" defTabSz="685800">
-              <a:defRPr sz="1350" kern="1200">
-                <a:solidFill>
-                  <a:schemeClr val="tx1"/>
-                </a:solidFill>
-                <a:latin typeface="Calibri"/>
-                <a:ea typeface="等线"/>
-              </a:defRPr>
-            </a:lvl5pPr>
-            <a:lvl6pPr marL="1714500" lvl="5" algn="l" defTabSz="685800">
-              <a:defRPr sz="1350" kern="1200">
-                <a:solidFill>
-                  <a:schemeClr val="tx1"/>
-                </a:solidFill>
-                <a:latin typeface="Calibri"/>
-                <a:ea typeface="等线"/>
-              </a:defRPr>
-            </a:lvl6pPr>
-            <a:lvl7pPr marL="2057400" lvl="6" algn="l" defTabSz="685800">
-              <a:defRPr sz="1350" kern="1200">
-                <a:solidFill>
-                  <a:schemeClr val="tx1"/>
-                </a:solidFill>
-                <a:latin typeface="Calibri"/>
-                <a:ea typeface="等线"/>
-              </a:defRPr>
-            </a:lvl7pPr>
-            <a:lvl8pPr marL="2400300" lvl="7" algn="l" defTabSz="685800">
-              <a:defRPr sz="1350" kern="1200">
-                <a:solidFill>
-                  <a:schemeClr val="tx1"/>
-                </a:solidFill>
-                <a:latin typeface="Calibri"/>
-                <a:ea typeface="等线"/>
-              </a:defRPr>
-            </a:lvl8pPr>
-            <a:lvl9pPr marL="2743200" lvl="8" algn="l" defTabSz="685800">
-              <a:defRPr sz="1350" kern="1200">
-                <a:solidFill>
-                  <a:schemeClr val="tx1"/>
-                </a:solidFill>
-                <a:latin typeface="Calibri"/>
-                <a:ea typeface="等线"/>
-              </a:defRPr>
-            </a:lvl9pPr>
-          </a:lstStyle>
-          <a:p>
-            <a:r>
-              <a:rPr lang="zh-CN">
-                <a:latin typeface="微软雅黑"/>
-                <a:ea typeface="微软雅黑"/>
-              </a:rPr>
-              <a:t>4.1 秒杀架构演进</a:t>
-            </a:r>
-          </a:p>
-        </p:txBody>
-      </p:sp>
-      <p:pic>
-        <p:nvPicPr>
-          <p:cNvPr id="7" name="图片 6"/>
-          <p:cNvPicPr/>
-          <p:nvPr/>
-        </p:nvPicPr>
-        <p:blipFill>
-          <a:blip r:embed="rId2"/>
-          <a:stretch/>
-        </p:blipFill>
-        <p:spPr>
-          <a:xfrm>
             <a:off x="2142755" y="1069793"/>
             <a:ext cx="5603418" cy="3534740"/>
           </a:xfrm>
@@ -19018,7 +18693,7 @@
 </p:sld>
 </file>
 
-<file path=ppt/slides/slide36.xml><?xml version="1.0" encoding="utf-8"?>
+<file path=ppt/slides/slide35.xml><?xml version="1.0" encoding="utf-8"?>
 <p:sld xmlns:a="http://schemas.openxmlformats.org/drawingml/2006/main" xmlns:r="http://schemas.openxmlformats.org/officeDocument/2006/relationships" xmlns:p="http://schemas.openxmlformats.org/presentationml/2006/main">
   <p:cSld>
     <p:spTree>
@@ -19582,6 +19257,169 @@
           </a:p>
         </p:txBody>
       </p:sp>
+    </p:spTree>
+  </p:cSld>
+  <p:clrMapOvr>
+    <a:masterClrMapping/>
+  </p:clrMapOvr>
+</p:sld>
+</file>
+
+<file path=ppt/slides/slide36.xml><?xml version="1.0" encoding="utf-8"?>
+<p:sld xmlns:a="http://schemas.openxmlformats.org/drawingml/2006/main" xmlns:r="http://schemas.openxmlformats.org/officeDocument/2006/relationships" xmlns:p="http://schemas.openxmlformats.org/presentationml/2006/main">
+  <p:cSld>
+    <p:spTree>
+      <p:nvGrpSpPr>
+        <p:cNvPr id="1" name=""/>
+        <p:cNvGrpSpPr/>
+        <p:nvPr/>
+      </p:nvGrpSpPr>
+      <p:grpSpPr>
+        <a:xfrm>
+          <a:off x="0" y="0"/>
+          <a:ext cx="0" cy="0"/>
+          <a:chOff x="0" y="0"/>
+          <a:chExt cx="0" cy="0"/>
+        </a:xfrm>
+      </p:grpSpPr>
+      <p:sp>
+        <p:nvSpPr>
+          <p:cNvPr id="6" name="标题 1"/>
+          <p:cNvSpPr txBox="1"/>
+          <p:nvPr/>
+        </p:nvSpPr>
+        <p:spPr>
+          <a:xfrm>
+            <a:off x="2537308" y="471201"/>
+            <a:ext cx="5112514" cy="469410"/>
+          </a:xfrm>
+          <a:prstGeom prst="rect">
+            <a:avLst/>
+          </a:prstGeom>
+        </p:spPr>
+        <p:txBody>
+          <a:bodyPr vert="horz" lIns="91440" tIns="45720" rIns="91440" bIns="45720" anchor="ctr"/>
+          <a:lstStyle>
+            <a:lvl1pPr marL="0" lvl="0" algn="ctr" defTabSz="685800">
+              <a:lnSpc>
+                <a:spcPct val="90000"/>
+              </a:lnSpc>
+              <a:spcBef>
+                <a:spcPct val="0"/>
+              </a:spcBef>
+              <a:buNone/>
+              <a:defRPr sz="3200" kern="1200">
+                <a:solidFill>
+                  <a:schemeClr val="tx1"/>
+                </a:solidFill>
+                <a:latin typeface="PingFang SC Regular"/>
+                <a:ea typeface="Microsoft YaHei"/>
+              </a:defRPr>
+            </a:lvl1pPr>
+            <a:lvl2pPr marL="342900" lvl="1" algn="l" defTabSz="685800">
+              <a:defRPr sz="1350" kern="1200">
+                <a:solidFill>
+                  <a:schemeClr val="tx1"/>
+                </a:solidFill>
+                <a:latin typeface="Calibri"/>
+                <a:ea typeface="等线"/>
+              </a:defRPr>
+            </a:lvl2pPr>
+            <a:lvl3pPr marL="685800" lvl="2" algn="l" defTabSz="685800">
+              <a:defRPr sz="1350" kern="1200">
+                <a:solidFill>
+                  <a:schemeClr val="tx1"/>
+                </a:solidFill>
+                <a:latin typeface="Calibri"/>
+                <a:ea typeface="等线"/>
+              </a:defRPr>
+            </a:lvl3pPr>
+            <a:lvl4pPr marL="1028700" lvl="3" algn="l" defTabSz="685800">
+              <a:defRPr sz="1350" kern="1200">
+                <a:solidFill>
+                  <a:schemeClr val="tx1"/>
+                </a:solidFill>
+                <a:latin typeface="Calibri"/>
+                <a:ea typeface="等线"/>
+              </a:defRPr>
+            </a:lvl4pPr>
+            <a:lvl5pPr marL="1371600" lvl="4" algn="l" defTabSz="685800">
+              <a:defRPr sz="1350" kern="1200">
+                <a:solidFill>
+                  <a:schemeClr val="tx1"/>
+                </a:solidFill>
+                <a:latin typeface="Calibri"/>
+                <a:ea typeface="等线"/>
+              </a:defRPr>
+            </a:lvl5pPr>
+            <a:lvl6pPr marL="1714500" lvl="5" algn="l" defTabSz="685800">
+              <a:defRPr sz="1350" kern="1200">
+                <a:solidFill>
+                  <a:schemeClr val="tx1"/>
+                </a:solidFill>
+                <a:latin typeface="Calibri"/>
+                <a:ea typeface="等线"/>
+              </a:defRPr>
+            </a:lvl6pPr>
+            <a:lvl7pPr marL="2057400" lvl="6" algn="l" defTabSz="685800">
+              <a:defRPr sz="1350" kern="1200">
+                <a:solidFill>
+                  <a:schemeClr val="tx1"/>
+                </a:solidFill>
+                <a:latin typeface="Calibri"/>
+                <a:ea typeface="等线"/>
+              </a:defRPr>
+            </a:lvl7pPr>
+            <a:lvl8pPr marL="2400300" lvl="7" algn="l" defTabSz="685800">
+              <a:defRPr sz="1350" kern="1200">
+                <a:solidFill>
+                  <a:schemeClr val="tx1"/>
+                </a:solidFill>
+                <a:latin typeface="Calibri"/>
+                <a:ea typeface="等线"/>
+              </a:defRPr>
+            </a:lvl8pPr>
+            <a:lvl9pPr marL="2743200" lvl="8" algn="l" defTabSz="685800">
+              <a:defRPr sz="1350" kern="1200">
+                <a:solidFill>
+                  <a:schemeClr val="tx1"/>
+                </a:solidFill>
+                <a:latin typeface="Calibri"/>
+                <a:ea typeface="等线"/>
+              </a:defRPr>
+            </a:lvl9pPr>
+          </a:lstStyle>
+          <a:p>
+            <a:r>
+              <a:rPr lang="zh-CN">
+                <a:latin typeface="微软雅黑"/>
+                <a:ea typeface="微软雅黑"/>
+              </a:rPr>
+              <a:t>4.2.1 应用性能优化</a:t>
+            </a:r>
+          </a:p>
+        </p:txBody>
+      </p:sp>
+      <p:pic>
+        <p:nvPicPr>
+          <p:cNvPr id="7" name="图片 6"/>
+          <p:cNvPicPr/>
+          <p:nvPr/>
+        </p:nvPicPr>
+        <p:blipFill>
+          <a:blip r:embed="rId2"/>
+          <a:stretch/>
+        </p:blipFill>
+        <p:spPr>
+          <a:xfrm>
+            <a:off x="1593784" y="943249"/>
+            <a:ext cx="6711922" cy="4200315"/>
+          </a:xfrm>
+          <a:prstGeom prst="rect">
+            <a:avLst/>
+          </a:prstGeom>
+        </p:spPr>
+      </p:pic>
     </p:spTree>
   </p:cSld>
   <p:clrMapOvr>
@@ -19732,13 +19570,13 @@
           <p:nvPr/>
         </p:nvPicPr>
         <p:blipFill>
-          <a:blip r:embed="rId2"/>
+          <a:blip r:embed="rId3"/>
           <a:stretch/>
         </p:blipFill>
         <p:spPr>
           <a:xfrm>
-            <a:off x="1593784" y="943249"/>
-            <a:ext cx="6711922" cy="4200315"/>
+            <a:off x="1382011" y="940611"/>
+            <a:ext cx="7035860" cy="4166004"/>
           </a:xfrm>
           <a:prstGeom prst="rect">
             <a:avLst/>
@@ -19900,8 +19738,8 @@
         </p:blipFill>
         <p:spPr>
           <a:xfrm>
-            <a:off x="1382011" y="940611"/>
-            <a:ext cx="7035860" cy="4166004"/>
+            <a:off x="897587" y="1132544"/>
+            <a:ext cx="8096890" cy="3338681"/>
           </a:xfrm>
           <a:prstGeom prst="rect">
             <a:avLst/>
@@ -20063,8 +19901,8 @@
         </p:blipFill>
         <p:spPr>
           <a:xfrm>
-            <a:off x="897587" y="1132544"/>
-            <a:ext cx="8096890" cy="3338681"/>
+            <a:off x="1410359" y="940611"/>
+            <a:ext cx="7025192" cy="4202889"/>
           </a:xfrm>
           <a:prstGeom prst="rect">
             <a:avLst/>
@@ -21407,7 +21245,7 @@
         </p:nvSpPr>
         <p:spPr>
           <a:xfrm>
-            <a:off x="2537308" y="471201"/>
+            <a:off x="2284160" y="482708"/>
             <a:ext cx="5112514" cy="469410"/>
           </a:xfrm>
           <a:prstGeom prst="rect">
@@ -21512,7 +21350,7 @@
                 <a:latin typeface="微软雅黑"/>
                 <a:ea typeface="微软雅黑"/>
               </a:rPr>
-              <a:t>4.2.1 应用性能优化</a:t>
+              <a:t>4.2.2 系统隔离</a:t>
             </a:r>
           </a:p>
         </p:txBody>
@@ -21524,13 +21362,13 @@
           <p:nvPr/>
         </p:nvPicPr>
         <p:blipFill>
-          <a:blip r:embed="rId3"/>
+          <a:blip r:embed="rId2"/>
           <a:stretch/>
         </p:blipFill>
         <p:spPr>
           <a:xfrm>
-            <a:off x="1410359" y="940611"/>
-            <a:ext cx="7025192" cy="4202889"/>
+            <a:off x="1422683" y="1001084"/>
+            <a:ext cx="6712876" cy="3912282"/>
           </a:xfrm>
           <a:prstGeom prst="rect">
             <a:avLst/>
@@ -21570,7 +21408,7 @@
         </p:nvSpPr>
         <p:spPr>
           <a:xfrm>
-            <a:off x="2284160" y="482708"/>
+            <a:off x="2537308" y="471201"/>
             <a:ext cx="5112514" cy="469410"/>
           </a:xfrm>
           <a:prstGeom prst="rect">
@@ -21692,8 +21530,8 @@
         </p:blipFill>
         <p:spPr>
           <a:xfrm>
-            <a:off x="1422683" y="1001084"/>
-            <a:ext cx="6712876" cy="3912282"/>
+            <a:off x="1667994" y="1035668"/>
+            <a:ext cx="6429375" cy="4027349"/>
           </a:xfrm>
           <a:prstGeom prst="rect">
             <a:avLst/>
@@ -21838,7 +21676,7 @@
                 <a:latin typeface="微软雅黑"/>
                 <a:ea typeface="微软雅黑"/>
               </a:rPr>
-              <a:t>4.2.2 系统隔离</a:t>
+              <a:t>4.2.3 动静分离</a:t>
             </a:r>
           </a:p>
         </p:txBody>
@@ -21855,8 +21693,8 @@
         </p:blipFill>
         <p:spPr>
           <a:xfrm>
-            <a:off x="1667994" y="1035668"/>
-            <a:ext cx="6429375" cy="4027349"/>
+            <a:off x="1990654" y="940611"/>
+            <a:ext cx="5162692" cy="4076315"/>
           </a:xfrm>
           <a:prstGeom prst="rect">
             <a:avLst/>
@@ -22018,8 +21856,8 @@
         </p:blipFill>
         <p:spPr>
           <a:xfrm>
-            <a:off x="1990654" y="940611"/>
-            <a:ext cx="5162692" cy="4076315"/>
+            <a:off x="1400410" y="940611"/>
+            <a:ext cx="6573314" cy="4099328"/>
           </a:xfrm>
           <a:prstGeom prst="rect">
             <a:avLst/>
@@ -22164,7 +22002,7 @@
                 <a:latin typeface="微软雅黑"/>
                 <a:ea typeface="微软雅黑"/>
               </a:rPr>
-              <a:t>4.2.3 动静分离</a:t>
+              <a:t>4.2.4 缓存设计</a:t>
             </a:r>
           </a:p>
         </p:txBody>
@@ -22181,8 +22019,8 @@
         </p:blipFill>
         <p:spPr>
           <a:xfrm>
-            <a:off x="1400410" y="940611"/>
-            <a:ext cx="6573314" cy="4099328"/>
+            <a:off x="773691" y="1316882"/>
+            <a:ext cx="7956067" cy="2950242"/>
           </a:xfrm>
           <a:prstGeom prst="rect">
             <a:avLst/>
@@ -22339,13 +22177,13 @@
           <p:nvPr/>
         </p:nvPicPr>
         <p:blipFill>
-          <a:blip r:embed="rId2"/>
+          <a:blip r:embed="rId3"/>
           <a:stretch/>
         </p:blipFill>
         <p:spPr>
           <a:xfrm>
-            <a:off x="773691" y="1316882"/>
-            <a:ext cx="7956067" cy="2950242"/>
+            <a:off x="1758990" y="1070124"/>
+            <a:ext cx="6627104" cy="3990236"/>
           </a:xfrm>
           <a:prstGeom prst="rect">
             <a:avLst/>
@@ -22502,13 +22340,13 @@
           <p:nvPr/>
         </p:nvPicPr>
         <p:blipFill>
-          <a:blip r:embed="rId3"/>
+          <a:blip r:embed="rId2"/>
           <a:stretch/>
         </p:blipFill>
         <p:spPr>
           <a:xfrm>
-            <a:off x="1758990" y="1070124"/>
-            <a:ext cx="6627104" cy="3990236"/>
+            <a:off x="1478190" y="1021158"/>
+            <a:ext cx="6774463" cy="3869194"/>
           </a:xfrm>
           <a:prstGeom prst="rect">
             <a:avLst/>
@@ -22653,7 +22491,7 @@
                 <a:latin typeface="微软雅黑"/>
                 <a:ea typeface="微软雅黑"/>
               </a:rPr>
-              <a:t>4.2.4 缓存设计</a:t>
+              <a:t>4.2.5 集群流量控制</a:t>
             </a:r>
           </a:p>
         </p:txBody>
@@ -22670,8 +22508,8 @@
         </p:blipFill>
         <p:spPr>
           <a:xfrm>
-            <a:off x="1478190" y="1021158"/>
-            <a:ext cx="6774463" cy="3869194"/>
+            <a:off x="2243051" y="1012591"/>
+            <a:ext cx="5325287" cy="3965810"/>
           </a:xfrm>
           <a:prstGeom prst="rect">
             <a:avLst/>
@@ -22687,6 +22525,169 @@
 </file>
 
 <file path=ppt/slides/slide48.xml><?xml version="1.0" encoding="utf-8"?>
+<p:sld xmlns:a="http://schemas.openxmlformats.org/drawingml/2006/main" xmlns:r="http://schemas.openxmlformats.org/officeDocument/2006/relationships" xmlns:p="http://schemas.openxmlformats.org/presentationml/2006/main">
+  <p:cSld>
+    <p:spTree>
+      <p:nvGrpSpPr>
+        <p:cNvPr id="1" name=""/>
+        <p:cNvGrpSpPr/>
+        <p:nvPr/>
+      </p:nvGrpSpPr>
+      <p:grpSpPr>
+        <a:xfrm>
+          <a:off x="0" y="0"/>
+          <a:ext cx="0" cy="0"/>
+          <a:chOff x="0" y="0"/>
+          <a:chExt cx="0" cy="0"/>
+        </a:xfrm>
+      </p:grpSpPr>
+      <p:sp>
+        <p:nvSpPr>
+          <p:cNvPr id="3" name="标题 1"/>
+          <p:cNvSpPr txBox="1"/>
+          <p:nvPr/>
+        </p:nvSpPr>
+        <p:spPr>
+          <a:xfrm>
+            <a:off x="2537308" y="471201"/>
+            <a:ext cx="5112514" cy="469410"/>
+          </a:xfrm>
+          <a:prstGeom prst="rect">
+            <a:avLst/>
+          </a:prstGeom>
+        </p:spPr>
+        <p:txBody>
+          <a:bodyPr vert="horz" lIns="91440" tIns="45720" rIns="91440" bIns="45720" anchor="ctr"/>
+          <a:lstStyle>
+            <a:lvl1pPr marL="0" lvl="0" algn="ctr" defTabSz="685800">
+              <a:lnSpc>
+                <a:spcPct val="90000"/>
+              </a:lnSpc>
+              <a:spcBef>
+                <a:spcPct val="0"/>
+              </a:spcBef>
+              <a:buNone/>
+              <a:defRPr sz="3200" kern="1200">
+                <a:solidFill>
+                  <a:schemeClr val="tx1"/>
+                </a:solidFill>
+                <a:latin typeface="PingFang SC Regular"/>
+                <a:ea typeface="Microsoft YaHei"/>
+              </a:defRPr>
+            </a:lvl1pPr>
+            <a:lvl2pPr marL="342900" lvl="1" algn="l" defTabSz="685800">
+              <a:defRPr sz="1350" kern="1200">
+                <a:solidFill>
+                  <a:schemeClr val="tx1"/>
+                </a:solidFill>
+                <a:latin typeface="Calibri"/>
+                <a:ea typeface="等线"/>
+              </a:defRPr>
+            </a:lvl2pPr>
+            <a:lvl3pPr marL="685800" lvl="2" algn="l" defTabSz="685800">
+              <a:defRPr sz="1350" kern="1200">
+                <a:solidFill>
+                  <a:schemeClr val="tx1"/>
+                </a:solidFill>
+                <a:latin typeface="Calibri"/>
+                <a:ea typeface="等线"/>
+              </a:defRPr>
+            </a:lvl3pPr>
+            <a:lvl4pPr marL="1028700" lvl="3" algn="l" defTabSz="685800">
+              <a:defRPr sz="1350" kern="1200">
+                <a:solidFill>
+                  <a:schemeClr val="tx1"/>
+                </a:solidFill>
+                <a:latin typeface="Calibri"/>
+                <a:ea typeface="等线"/>
+              </a:defRPr>
+            </a:lvl4pPr>
+            <a:lvl5pPr marL="1371600" lvl="4" algn="l" defTabSz="685800">
+              <a:defRPr sz="1350" kern="1200">
+                <a:solidFill>
+                  <a:schemeClr val="tx1"/>
+                </a:solidFill>
+                <a:latin typeface="Calibri"/>
+                <a:ea typeface="等线"/>
+              </a:defRPr>
+            </a:lvl5pPr>
+            <a:lvl6pPr marL="1714500" lvl="5" algn="l" defTabSz="685800">
+              <a:defRPr sz="1350" kern="1200">
+                <a:solidFill>
+                  <a:schemeClr val="tx1"/>
+                </a:solidFill>
+                <a:latin typeface="Calibri"/>
+                <a:ea typeface="等线"/>
+              </a:defRPr>
+            </a:lvl6pPr>
+            <a:lvl7pPr marL="2057400" lvl="6" algn="l" defTabSz="685800">
+              <a:defRPr sz="1350" kern="1200">
+                <a:solidFill>
+                  <a:schemeClr val="tx1"/>
+                </a:solidFill>
+                <a:latin typeface="Calibri"/>
+                <a:ea typeface="等线"/>
+              </a:defRPr>
+            </a:lvl7pPr>
+            <a:lvl8pPr marL="2400300" lvl="7" algn="l" defTabSz="685800">
+              <a:defRPr sz="1350" kern="1200">
+                <a:solidFill>
+                  <a:schemeClr val="tx1"/>
+                </a:solidFill>
+                <a:latin typeface="Calibri"/>
+                <a:ea typeface="等线"/>
+              </a:defRPr>
+            </a:lvl8pPr>
+            <a:lvl9pPr marL="2743200" lvl="8" algn="l" defTabSz="685800">
+              <a:defRPr sz="1350" kern="1200">
+                <a:solidFill>
+                  <a:schemeClr val="tx1"/>
+                </a:solidFill>
+                <a:latin typeface="Calibri"/>
+                <a:ea typeface="等线"/>
+              </a:defRPr>
+            </a:lvl9pPr>
+          </a:lstStyle>
+          <a:p>
+            <a:r>
+              <a:rPr lang="zh-CN">
+                <a:latin typeface="微软雅黑"/>
+                <a:ea typeface="微软雅黑"/>
+              </a:rPr>
+              <a:t>4.2.5 集群流量控制</a:t>
+            </a:r>
+          </a:p>
+        </p:txBody>
+      </p:sp>
+      <p:pic>
+        <p:nvPicPr>
+          <p:cNvPr id="4" name="图片 3"/>
+          <p:cNvPicPr/>
+          <p:nvPr/>
+        </p:nvPicPr>
+        <p:blipFill>
+          <a:blip r:embed="rId2"/>
+          <a:stretch/>
+        </p:blipFill>
+        <p:spPr>
+          <a:xfrm>
+            <a:off x="2358022" y="940611"/>
+            <a:ext cx="5509586" cy="4202889"/>
+          </a:xfrm>
+          <a:prstGeom prst="rect">
+            <a:avLst/>
+          </a:prstGeom>
+        </p:spPr>
+      </p:pic>
+    </p:spTree>
+  </p:cSld>
+  <p:clrMapOvr>
+    <a:masterClrMapping/>
+  </p:clrMapOvr>
+</p:sld>
+</file>
+
+<file path=ppt/slides/slide49.xml><?xml version="1.0" encoding="utf-8"?>
 <p:sld xmlns:a="http://schemas.openxmlformats.org/drawingml/2006/main" xmlns:r="http://schemas.openxmlformats.org/officeDocument/2006/relationships" xmlns:p="http://schemas.openxmlformats.org/presentationml/2006/main">
   <p:cSld>
     <p:spTree>
@@ -22816,7 +22817,7 @@
                 <a:latin typeface="微软雅黑"/>
                 <a:ea typeface="微软雅黑"/>
               </a:rPr>
-              <a:t>4.2.5 集群流量控制</a:t>
+              <a:t>4.2.6 秒杀关键设计</a:t>
             </a:r>
           </a:p>
         </p:txBody>
@@ -22828,176 +22829,13 @@
           <p:nvPr/>
         </p:nvPicPr>
         <p:blipFill>
-          <a:blip r:embed="rId2"/>
+          <a:blip r:embed="rId3"/>
           <a:stretch/>
         </p:blipFill>
         <p:spPr>
           <a:xfrm>
-            <a:off x="2243051" y="1012591"/>
-            <a:ext cx="5325287" cy="3965810"/>
-          </a:xfrm>
-          <a:prstGeom prst="rect">
-            <a:avLst/>
-          </a:prstGeom>
-        </p:spPr>
-      </p:pic>
-    </p:spTree>
-  </p:cSld>
-  <p:clrMapOvr>
-    <a:masterClrMapping/>
-  </p:clrMapOvr>
-</p:sld>
-</file>
-
-<file path=ppt/slides/slide49.xml><?xml version="1.0" encoding="utf-8"?>
-<p:sld xmlns:a="http://schemas.openxmlformats.org/drawingml/2006/main" xmlns:r="http://schemas.openxmlformats.org/officeDocument/2006/relationships" xmlns:p="http://schemas.openxmlformats.org/presentationml/2006/main">
-  <p:cSld>
-    <p:spTree>
-      <p:nvGrpSpPr>
-        <p:cNvPr id="1" name=""/>
-        <p:cNvGrpSpPr/>
-        <p:nvPr/>
-      </p:nvGrpSpPr>
-      <p:grpSpPr>
-        <a:xfrm>
-          <a:off x="0" y="0"/>
-          <a:ext cx="0" cy="0"/>
-          <a:chOff x="0" y="0"/>
-          <a:chExt cx="0" cy="0"/>
-        </a:xfrm>
-      </p:grpSpPr>
-      <p:sp>
-        <p:nvSpPr>
-          <p:cNvPr id="3" name="标题 1"/>
-          <p:cNvSpPr txBox="1"/>
-          <p:nvPr/>
-        </p:nvSpPr>
-        <p:spPr>
-          <a:xfrm>
-            <a:off x="2537308" y="471201"/>
-            <a:ext cx="5112514" cy="469410"/>
-          </a:xfrm>
-          <a:prstGeom prst="rect">
-            <a:avLst/>
-          </a:prstGeom>
-        </p:spPr>
-        <p:txBody>
-          <a:bodyPr vert="horz" lIns="91440" tIns="45720" rIns="91440" bIns="45720" anchor="ctr"/>
-          <a:lstStyle>
-            <a:lvl1pPr marL="0" lvl="0" algn="ctr" defTabSz="685800">
-              <a:lnSpc>
-                <a:spcPct val="90000"/>
-              </a:lnSpc>
-              <a:spcBef>
-                <a:spcPct val="0"/>
-              </a:spcBef>
-              <a:buNone/>
-              <a:defRPr sz="3200" kern="1200">
-                <a:solidFill>
-                  <a:schemeClr val="tx1"/>
-                </a:solidFill>
-                <a:latin typeface="PingFang SC Regular"/>
-                <a:ea typeface="Microsoft YaHei"/>
-              </a:defRPr>
-            </a:lvl1pPr>
-            <a:lvl2pPr marL="342900" lvl="1" algn="l" defTabSz="685800">
-              <a:defRPr sz="1350" kern="1200">
-                <a:solidFill>
-                  <a:schemeClr val="tx1"/>
-                </a:solidFill>
-                <a:latin typeface="Calibri"/>
-                <a:ea typeface="等线"/>
-              </a:defRPr>
-            </a:lvl2pPr>
-            <a:lvl3pPr marL="685800" lvl="2" algn="l" defTabSz="685800">
-              <a:defRPr sz="1350" kern="1200">
-                <a:solidFill>
-                  <a:schemeClr val="tx1"/>
-                </a:solidFill>
-                <a:latin typeface="Calibri"/>
-                <a:ea typeface="等线"/>
-              </a:defRPr>
-            </a:lvl3pPr>
-            <a:lvl4pPr marL="1028700" lvl="3" algn="l" defTabSz="685800">
-              <a:defRPr sz="1350" kern="1200">
-                <a:solidFill>
-                  <a:schemeClr val="tx1"/>
-                </a:solidFill>
-                <a:latin typeface="Calibri"/>
-                <a:ea typeface="等线"/>
-              </a:defRPr>
-            </a:lvl4pPr>
-            <a:lvl5pPr marL="1371600" lvl="4" algn="l" defTabSz="685800">
-              <a:defRPr sz="1350" kern="1200">
-                <a:solidFill>
-                  <a:schemeClr val="tx1"/>
-                </a:solidFill>
-                <a:latin typeface="Calibri"/>
-                <a:ea typeface="等线"/>
-              </a:defRPr>
-            </a:lvl5pPr>
-            <a:lvl6pPr marL="1714500" lvl="5" algn="l" defTabSz="685800">
-              <a:defRPr sz="1350" kern="1200">
-                <a:solidFill>
-                  <a:schemeClr val="tx1"/>
-                </a:solidFill>
-                <a:latin typeface="Calibri"/>
-                <a:ea typeface="等线"/>
-              </a:defRPr>
-            </a:lvl6pPr>
-            <a:lvl7pPr marL="2057400" lvl="6" algn="l" defTabSz="685800">
-              <a:defRPr sz="1350" kern="1200">
-                <a:solidFill>
-                  <a:schemeClr val="tx1"/>
-                </a:solidFill>
-                <a:latin typeface="Calibri"/>
-                <a:ea typeface="等线"/>
-              </a:defRPr>
-            </a:lvl7pPr>
-            <a:lvl8pPr marL="2400300" lvl="7" algn="l" defTabSz="685800">
-              <a:defRPr sz="1350" kern="1200">
-                <a:solidFill>
-                  <a:schemeClr val="tx1"/>
-                </a:solidFill>
-                <a:latin typeface="Calibri"/>
-                <a:ea typeface="等线"/>
-              </a:defRPr>
-            </a:lvl8pPr>
-            <a:lvl9pPr marL="2743200" lvl="8" algn="l" defTabSz="685800">
-              <a:defRPr sz="1350" kern="1200">
-                <a:solidFill>
-                  <a:schemeClr val="tx1"/>
-                </a:solidFill>
-                <a:latin typeface="Calibri"/>
-                <a:ea typeface="等线"/>
-              </a:defRPr>
-            </a:lvl9pPr>
-          </a:lstStyle>
-          <a:p>
-            <a:r>
-              <a:rPr lang="zh-CN">
-                <a:latin typeface="微软雅黑"/>
-                <a:ea typeface="微软雅黑"/>
-              </a:rPr>
-              <a:t>4.2.5 集群流量控制</a:t>
-            </a:r>
-          </a:p>
-        </p:txBody>
-      </p:sp>
-      <p:pic>
-        <p:nvPicPr>
-          <p:cNvPr id="4" name="图片 3"/>
-          <p:cNvPicPr/>
-          <p:nvPr/>
-        </p:nvPicPr>
-        <p:blipFill>
-          <a:blip r:embed="rId2"/>
-          <a:stretch/>
-        </p:blipFill>
-        <p:spPr>
-          <a:xfrm>
-            <a:off x="2358022" y="940611"/>
-            <a:ext cx="5509586" cy="4202889"/>
+            <a:off x="1232879" y="1049881"/>
+            <a:ext cx="7575765" cy="4061869"/>
           </a:xfrm>
           <a:prstGeom prst="rect">
             <a:avLst/>
@@ -24918,169 +24756,6 @@
                 <a:latin typeface="微软雅黑"/>
                 <a:ea typeface="微软雅黑"/>
               </a:rPr>
-              <a:t>4.2.6 秒杀关键设计</a:t>
-            </a:r>
-          </a:p>
-        </p:txBody>
-      </p:sp>
-      <p:pic>
-        <p:nvPicPr>
-          <p:cNvPr id="7" name="图片 6"/>
-          <p:cNvPicPr/>
-          <p:nvPr/>
-        </p:nvPicPr>
-        <p:blipFill>
-          <a:blip r:embed="rId3"/>
-          <a:stretch/>
-        </p:blipFill>
-        <p:spPr>
-          <a:xfrm>
-            <a:off x="1232879" y="1049881"/>
-            <a:ext cx="7575765" cy="4061869"/>
-          </a:xfrm>
-          <a:prstGeom prst="rect">
-            <a:avLst/>
-          </a:prstGeom>
-        </p:spPr>
-      </p:pic>
-    </p:spTree>
-  </p:cSld>
-  <p:clrMapOvr>
-    <a:masterClrMapping/>
-  </p:clrMapOvr>
-</p:sld>
-</file>
-
-<file path=ppt/slides/slide51.xml><?xml version="1.0" encoding="utf-8"?>
-<p:sld xmlns:a="http://schemas.openxmlformats.org/drawingml/2006/main" xmlns:r="http://schemas.openxmlformats.org/officeDocument/2006/relationships" xmlns:p="http://schemas.openxmlformats.org/presentationml/2006/main">
-  <p:cSld>
-    <p:spTree>
-      <p:nvGrpSpPr>
-        <p:cNvPr id="1" name=""/>
-        <p:cNvGrpSpPr/>
-        <p:nvPr/>
-      </p:nvGrpSpPr>
-      <p:grpSpPr>
-        <a:xfrm>
-          <a:off x="0" y="0"/>
-          <a:ext cx="0" cy="0"/>
-          <a:chOff x="0" y="0"/>
-          <a:chExt cx="0" cy="0"/>
-        </a:xfrm>
-      </p:grpSpPr>
-      <p:sp>
-        <p:nvSpPr>
-          <p:cNvPr id="6" name="标题 1"/>
-          <p:cNvSpPr txBox="1"/>
-          <p:nvPr/>
-        </p:nvSpPr>
-        <p:spPr>
-          <a:xfrm>
-            <a:off x="2537308" y="471201"/>
-            <a:ext cx="5112514" cy="469410"/>
-          </a:xfrm>
-          <a:prstGeom prst="rect">
-            <a:avLst/>
-          </a:prstGeom>
-        </p:spPr>
-        <p:txBody>
-          <a:bodyPr vert="horz" lIns="91440" tIns="45720" rIns="91440" bIns="45720" anchor="ctr"/>
-          <a:lstStyle>
-            <a:lvl1pPr marL="0" lvl="0" algn="ctr" defTabSz="685800">
-              <a:lnSpc>
-                <a:spcPct val="90000"/>
-              </a:lnSpc>
-              <a:spcBef>
-                <a:spcPct val="0"/>
-              </a:spcBef>
-              <a:buNone/>
-              <a:defRPr sz="3200" kern="1200">
-                <a:solidFill>
-                  <a:schemeClr val="tx1"/>
-                </a:solidFill>
-                <a:latin typeface="PingFang SC Regular"/>
-                <a:ea typeface="Microsoft YaHei"/>
-              </a:defRPr>
-            </a:lvl1pPr>
-            <a:lvl2pPr marL="342900" lvl="1" algn="l" defTabSz="685800">
-              <a:defRPr sz="1350" kern="1200">
-                <a:solidFill>
-                  <a:schemeClr val="tx1"/>
-                </a:solidFill>
-                <a:latin typeface="Calibri"/>
-                <a:ea typeface="等线"/>
-              </a:defRPr>
-            </a:lvl2pPr>
-            <a:lvl3pPr marL="685800" lvl="2" algn="l" defTabSz="685800">
-              <a:defRPr sz="1350" kern="1200">
-                <a:solidFill>
-                  <a:schemeClr val="tx1"/>
-                </a:solidFill>
-                <a:latin typeface="Calibri"/>
-                <a:ea typeface="等线"/>
-              </a:defRPr>
-            </a:lvl3pPr>
-            <a:lvl4pPr marL="1028700" lvl="3" algn="l" defTabSz="685800">
-              <a:defRPr sz="1350" kern="1200">
-                <a:solidFill>
-                  <a:schemeClr val="tx1"/>
-                </a:solidFill>
-                <a:latin typeface="Calibri"/>
-                <a:ea typeface="等线"/>
-              </a:defRPr>
-            </a:lvl4pPr>
-            <a:lvl5pPr marL="1371600" lvl="4" algn="l" defTabSz="685800">
-              <a:defRPr sz="1350" kern="1200">
-                <a:solidFill>
-                  <a:schemeClr val="tx1"/>
-                </a:solidFill>
-                <a:latin typeface="Calibri"/>
-                <a:ea typeface="等线"/>
-              </a:defRPr>
-            </a:lvl5pPr>
-            <a:lvl6pPr marL="1714500" lvl="5" algn="l" defTabSz="685800">
-              <a:defRPr sz="1350" kern="1200">
-                <a:solidFill>
-                  <a:schemeClr val="tx1"/>
-                </a:solidFill>
-                <a:latin typeface="Calibri"/>
-                <a:ea typeface="等线"/>
-              </a:defRPr>
-            </a:lvl6pPr>
-            <a:lvl7pPr marL="2057400" lvl="6" algn="l" defTabSz="685800">
-              <a:defRPr sz="1350" kern="1200">
-                <a:solidFill>
-                  <a:schemeClr val="tx1"/>
-                </a:solidFill>
-                <a:latin typeface="Calibri"/>
-                <a:ea typeface="等线"/>
-              </a:defRPr>
-            </a:lvl7pPr>
-            <a:lvl8pPr marL="2400300" lvl="7" algn="l" defTabSz="685800">
-              <a:defRPr sz="1350" kern="1200">
-                <a:solidFill>
-                  <a:schemeClr val="tx1"/>
-                </a:solidFill>
-                <a:latin typeface="Calibri"/>
-                <a:ea typeface="等线"/>
-              </a:defRPr>
-            </a:lvl8pPr>
-            <a:lvl9pPr marL="2743200" lvl="8" algn="l" defTabSz="685800">
-              <a:defRPr sz="1350" kern="1200">
-                <a:solidFill>
-                  <a:schemeClr val="tx1"/>
-                </a:solidFill>
-                <a:latin typeface="Calibri"/>
-                <a:ea typeface="等线"/>
-              </a:defRPr>
-            </a:lvl9pPr>
-          </a:lstStyle>
-          <a:p>
-            <a:r>
-              <a:rPr lang="zh-CN">
-                <a:latin typeface="微软雅黑"/>
-                <a:ea typeface="微软雅黑"/>
-              </a:rPr>
               <a:t>4.2.7 安全设计</a:t>
             </a:r>
           </a:p>
@@ -25114,7 +24789,7 @@
 </p:sld>
 </file>
 
-<file path=ppt/slides/slide52.xml><?xml version="1.0" encoding="utf-8"?>
+<file path=ppt/slides/slide51.xml><?xml version="1.0" encoding="utf-8"?>
 <p:sld xmlns:a="http://schemas.openxmlformats.org/drawingml/2006/main" xmlns:r="http://schemas.openxmlformats.org/officeDocument/2006/relationships" xmlns:p="http://schemas.openxmlformats.org/presentationml/2006/main">
   <p:cSld>
     <p:spTree>
@@ -25635,7 +25310,7 @@
 </p:sld>
 </file>
 
-<file path=ppt/slides/slide53.xml><?xml version="1.0" encoding="utf-8"?>
+<file path=ppt/slides/slide52.xml><?xml version="1.0" encoding="utf-8"?>
 <p:sld xmlns:a="http://schemas.openxmlformats.org/drawingml/2006/main" xmlns:r="http://schemas.openxmlformats.org/officeDocument/2006/relationships" xmlns:p="http://schemas.openxmlformats.org/presentationml/2006/main">
   <p:cSld>
     <p:spTree>
